--- a/CI for Databases.pptx
+++ b/CI for Databases.pptx
@@ -232,7 +232,7 @@
           <a:p>
             <a:fld id="{A60FB039-A863-1948-B2EE-9026332A9C0B}" type="datetimeFigureOut">
               <a:rPr lang="en-US" smtClean="0"/>
-              <a:t>4/15/2014</a:t>
+              <a:t>5/29/2014</a:t>
             </a:fld>
             <a:endParaRPr lang="en-US"/>
           </a:p>
@@ -397,7 +397,7 @@
           <a:p>
             <a:fld id="{EC0A451F-26B7-424C-9998-253AE7240709}" type="datetimeFigureOut">
               <a:rPr lang="en-US" smtClean="0"/>
-              <a:t>4/15/2014</a:t>
+              <a:t>5/29/2014</a:t>
             </a:fld>
             <a:endParaRPr lang="en-US"/>
           </a:p>
@@ -2622,7 +2622,7 @@
           <a:p>
             <a:fld id="{D6E9CBC2-EFEA-824D-9B02-0FE8BCB5A938}" type="datetimeFigureOut">
               <a:rPr lang="en-US" smtClean="0"/>
-              <a:t>4/15/2014</a:t>
+              <a:t>5/29/2014</a:t>
             </a:fld>
             <a:endParaRPr lang="en-US"/>
           </a:p>
@@ -2787,7 +2787,7 @@
           <a:p>
             <a:fld id="{D6E9CBC2-EFEA-824D-9B02-0FE8BCB5A938}" type="datetimeFigureOut">
               <a:rPr lang="en-US" smtClean="0"/>
-              <a:t>4/15/2014</a:t>
+              <a:t>5/29/2014</a:t>
             </a:fld>
             <a:endParaRPr lang="en-US"/>
           </a:p>
@@ -2962,7 +2962,7 @@
           <a:p>
             <a:fld id="{D6E9CBC2-EFEA-824D-9B02-0FE8BCB5A938}" type="datetimeFigureOut">
               <a:rPr lang="en-US" smtClean="0"/>
-              <a:t>4/15/2014</a:t>
+              <a:t>5/29/2014</a:t>
             </a:fld>
             <a:endParaRPr lang="en-US"/>
           </a:p>
@@ -3019,6 +3019,645 @@
 </file>
 
 <file path=ppt/slideLayouts/slideLayout12.xml><?xml version="1.0" encoding="utf-8"?>
+<p:sldLayout xmlns:a="http://schemas.openxmlformats.org/drawingml/2006/main" xmlns:r="http://schemas.openxmlformats.org/officeDocument/2006/relationships" xmlns:p="http://schemas.openxmlformats.org/presentationml/2006/main" type="tx">
+  <p:cSld name="Title and Text">
+    <p:spTree>
+      <p:nvGrpSpPr>
+        <p:cNvPr id="1" name=""/>
+        <p:cNvGrpSpPr/>
+        <p:nvPr/>
+      </p:nvGrpSpPr>
+      <p:grpSpPr>
+        <a:xfrm>
+          <a:off x="0" y="0"/>
+          <a:ext cx="0" cy="0"/>
+          <a:chOff x="0" y="0"/>
+          <a:chExt cx="0" cy="0"/>
+        </a:xfrm>
+      </p:grpSpPr>
+      <p:sp>
+        <p:nvSpPr>
+          <p:cNvPr id="2" name="Title 1"/>
+          <p:cNvSpPr>
+            <a:spLocks noGrp="1"/>
+          </p:cNvSpPr>
+          <p:nvPr>
+            <p:ph type="title"/>
+          </p:nvPr>
+        </p:nvSpPr>
+        <p:spPr>
+          <a:noFill/>
+        </p:spPr>
+        <p:txBody>
+          <a:bodyPr rtlCol="0"/>
+          <a:lstStyle>
+            <a:lvl1pPr marL="0" indent="0" algn="ctr" defTabSz="-13873163" rtl="0" eaLnBrk="1" fontAlgn="base" hangingPunct="1">
+              <a:spcBef>
+                <a:spcPct val="0"/>
+              </a:spcBef>
+              <a:spcAft>
+                <a:spcPct val="0"/>
+              </a:spcAft>
+              <a:defRPr lang="en-US" sz="2800" b="1" dirty="0">
+                <a:solidFill>
+                  <a:schemeClr val="tx2"/>
+                </a:solidFill>
+                <a:latin typeface="+mj-lt"/>
+                <a:ea typeface="+mj-ea"/>
+                <a:cs typeface="Segoe UI" pitchFamily="34" charset="0"/>
+              </a:defRPr>
+            </a:lvl1pPr>
+          </a:lstStyle>
+          <a:p>
+            <a:r>
+              <a:rPr lang="en-US" smtClean="0"/>
+              <a:t>Click to edit Master title style</a:t>
+            </a:r>
+            <a:endParaRPr lang="en-US" dirty="0"/>
+          </a:p>
+        </p:txBody>
+      </p:sp>
+      <p:sp>
+        <p:nvSpPr>
+          <p:cNvPr id="3" name="Text Placeholder 2"/>
+          <p:cNvSpPr>
+            <a:spLocks noGrp="1"/>
+          </p:cNvSpPr>
+          <p:nvPr>
+            <p:ph type="body" idx="1"/>
+          </p:nvPr>
+        </p:nvSpPr>
+        <p:spPr/>
+        <p:txBody>
+          <a:bodyPr rtlCol="0"/>
+          <a:lstStyle>
+            <a:lvl1pPr>
+              <a:buClrTx/>
+              <a:buFont typeface="Wingdings" pitchFamily="2" charset="2"/>
+              <a:buChar char="§"/>
+              <a:defRPr sz="2000" b="1">
+                <a:latin typeface="Calibri" pitchFamily="34" charset="0"/>
+              </a:defRPr>
+            </a:lvl1pPr>
+            <a:lvl2pPr>
+              <a:buClrTx/>
+              <a:buFont typeface="Wingdings" pitchFamily="2" charset="2"/>
+              <a:buChar char="o"/>
+              <a:defRPr sz="1800" b="0">
+                <a:latin typeface="Calibri Light" pitchFamily="34" charset="0"/>
+              </a:defRPr>
+            </a:lvl2pPr>
+            <a:lvl3pPr>
+              <a:buClrTx/>
+              <a:buFont typeface="Wingdings" pitchFamily="2" charset="2"/>
+              <a:buChar char="o"/>
+              <a:defRPr sz="1600" b="0">
+                <a:latin typeface="Calibri Light" pitchFamily="34" charset="0"/>
+              </a:defRPr>
+            </a:lvl3pPr>
+            <a:lvl4pPr>
+              <a:buClrTx/>
+              <a:buFont typeface="Wingdings" pitchFamily="2" charset="2"/>
+              <a:buChar char="o"/>
+              <a:defRPr sz="1400" b="0">
+                <a:latin typeface="Calibri Light" pitchFamily="34" charset="0"/>
+              </a:defRPr>
+            </a:lvl4pPr>
+            <a:lvl5pPr>
+              <a:buClrTx/>
+              <a:buFont typeface="Wingdings" pitchFamily="2" charset="2"/>
+              <a:buChar char="o"/>
+              <a:defRPr sz="1200" b="0">
+                <a:latin typeface="Calibri Light" pitchFamily="34" charset="0"/>
+              </a:defRPr>
+            </a:lvl5pPr>
+          </a:lstStyle>
+          <a:p>
+            <a:pPr lvl="0"/>
+            <a:r>
+              <a:rPr lang="en-US" smtClean="0"/>
+              <a:t>Click to edit Master text styles</a:t>
+            </a:r>
+          </a:p>
+          <a:p>
+            <a:pPr lvl="1"/>
+            <a:r>
+              <a:rPr lang="en-US" smtClean="0"/>
+              <a:t>Second level</a:t>
+            </a:r>
+          </a:p>
+          <a:p>
+            <a:pPr lvl="2"/>
+            <a:r>
+              <a:rPr lang="en-US" smtClean="0"/>
+              <a:t>Third level</a:t>
+            </a:r>
+          </a:p>
+          <a:p>
+            <a:pPr lvl="3"/>
+            <a:r>
+              <a:rPr lang="en-US" smtClean="0"/>
+              <a:t>Fourth level</a:t>
+            </a:r>
+          </a:p>
+          <a:p>
+            <a:pPr lvl="4"/>
+            <a:r>
+              <a:rPr lang="en-US" smtClean="0"/>
+              <a:t>Fifth level</a:t>
+            </a:r>
+            <a:endParaRPr lang="en-US" dirty="0"/>
+          </a:p>
+        </p:txBody>
+      </p:sp>
+    </p:spTree>
+    <p:extLst>
+      <p:ext uri="{BB962C8B-B14F-4D97-AF65-F5344CB8AC3E}">
+        <p14:creationId xmlns:p14="http://schemas.microsoft.com/office/powerpoint/2010/main" val="4174362362"/>
+      </p:ext>
+    </p:extLst>
+  </p:cSld>
+  <p:clrMapOvr>
+    <a:masterClrMapping/>
+  </p:clrMapOvr>
+  <p:transition>
+    <p:fade/>
+  </p:transition>
+  <p:timing>
+    <p:tnLst>
+      <p:par>
+        <p:cTn id="1" dur="indefinite" restart="never" nodeType="tmRoot"/>
+      </p:par>
+    </p:tnLst>
+  </p:timing>
+</p:sldLayout>
+</file>
+
+<file path=ppt/slideLayouts/slideLayout13.xml><?xml version="1.0" encoding="utf-8"?>
+<p:sldLayout xmlns:a="http://schemas.openxmlformats.org/drawingml/2006/main" xmlns:r="http://schemas.openxmlformats.org/officeDocument/2006/relationships" xmlns:p="http://schemas.openxmlformats.org/presentationml/2006/main">
+  <p:cSld name="Custom Layout">
+    <p:spTree>
+      <p:nvGrpSpPr>
+        <p:cNvPr id="1" name=""/>
+        <p:cNvGrpSpPr/>
+        <p:nvPr/>
+      </p:nvGrpSpPr>
+      <p:grpSpPr>
+        <a:xfrm>
+          <a:off x="0" y="0"/>
+          <a:ext cx="0" cy="0"/>
+          <a:chOff x="0" y="0"/>
+          <a:chExt cx="0" cy="0"/>
+        </a:xfrm>
+      </p:grpSpPr>
+      <p:sp>
+        <p:nvSpPr>
+          <p:cNvPr id="2" name="Title 1"/>
+          <p:cNvSpPr>
+            <a:spLocks noGrp="1"/>
+          </p:cNvSpPr>
+          <p:nvPr>
+            <p:ph type="title" hasCustomPrompt="1"/>
+          </p:nvPr>
+        </p:nvSpPr>
+        <p:spPr bwMode="white">
+          <a:xfrm>
+            <a:off x="457200" y="1990725"/>
+            <a:ext cx="8229600" cy="762000"/>
+          </a:xfrm>
+        </p:spPr>
+        <p:txBody>
+          <a:bodyPr/>
+          <a:lstStyle>
+            <a:lvl1pPr algn="l">
+              <a:defRPr>
+                <a:solidFill>
+                  <a:schemeClr val="tx1"/>
+                </a:solidFill>
+              </a:defRPr>
+            </a:lvl1pPr>
+          </a:lstStyle>
+          <a:p>
+            <a:r>
+              <a:rPr lang="en-US" dirty="0" smtClean="0"/>
+              <a:t>Demo</a:t>
+            </a:r>
+            <a:endParaRPr lang="en-US" dirty="0"/>
+          </a:p>
+        </p:txBody>
+      </p:sp>
+      <p:sp>
+        <p:nvSpPr>
+          <p:cNvPr id="4" name="Text Placeholder 2"/>
+          <p:cNvSpPr>
+            <a:spLocks noGrp="1"/>
+          </p:cNvSpPr>
+          <p:nvPr>
+            <p:ph type="body" idx="1"/>
+          </p:nvPr>
+        </p:nvSpPr>
+        <p:spPr>
+          <a:xfrm>
+            <a:off x="457200" y="3962400"/>
+            <a:ext cx="8229600" cy="1905000"/>
+          </a:xfrm>
+        </p:spPr>
+        <p:txBody>
+          <a:bodyPr rtlCol="0"/>
+          <a:lstStyle>
+            <a:lvl1pPr marL="0" indent="0">
+              <a:buClrTx/>
+              <a:buFont typeface="Wingdings" pitchFamily="2" charset="2"/>
+              <a:buNone/>
+              <a:defRPr sz="2000" b="0">
+                <a:latin typeface="Calibri" pitchFamily="34" charset="0"/>
+              </a:defRPr>
+            </a:lvl1pPr>
+            <a:lvl2pPr marL="457200" indent="0">
+              <a:buClrTx/>
+              <a:buFont typeface="Wingdings" pitchFamily="2" charset="2"/>
+              <a:buNone/>
+              <a:defRPr sz="1800" b="0">
+                <a:latin typeface="Calibri Light" pitchFamily="34" charset="0"/>
+              </a:defRPr>
+            </a:lvl2pPr>
+            <a:lvl3pPr marL="914400" indent="0">
+              <a:buClrTx/>
+              <a:buFont typeface="Wingdings" pitchFamily="2" charset="2"/>
+              <a:buNone/>
+              <a:defRPr sz="1600" b="0">
+                <a:latin typeface="Myriad Pro" pitchFamily="34" charset="0"/>
+              </a:defRPr>
+            </a:lvl3pPr>
+            <a:lvl4pPr marL="1371600" indent="0">
+              <a:buClrTx/>
+              <a:buFont typeface="Wingdings" pitchFamily="2" charset="2"/>
+              <a:buNone/>
+              <a:defRPr sz="1400" b="0">
+                <a:latin typeface="Myriad Pro" pitchFamily="34" charset="0"/>
+              </a:defRPr>
+            </a:lvl4pPr>
+            <a:lvl5pPr marL="1828800" indent="0">
+              <a:buClrTx/>
+              <a:buFont typeface="Wingdings" pitchFamily="2" charset="2"/>
+              <a:buNone/>
+              <a:defRPr sz="1200" b="0">
+                <a:latin typeface="Myriad Pro" pitchFamily="34" charset="0"/>
+              </a:defRPr>
+            </a:lvl5pPr>
+          </a:lstStyle>
+          <a:p>
+            <a:pPr lvl="0"/>
+            <a:r>
+              <a:rPr lang="en-US" smtClean="0"/>
+              <a:t>Click to edit Master text styles</a:t>
+            </a:r>
+          </a:p>
+          <a:p>
+            <a:pPr lvl="1"/>
+            <a:r>
+              <a:rPr lang="en-US" smtClean="0"/>
+              <a:t>Second level</a:t>
+            </a:r>
+          </a:p>
+        </p:txBody>
+      </p:sp>
+    </p:spTree>
+    <p:extLst>
+      <p:ext uri="{BB962C8B-B14F-4D97-AF65-F5344CB8AC3E}">
+        <p14:creationId xmlns:p14="http://schemas.microsoft.com/office/powerpoint/2010/main" val="222104800"/>
+      </p:ext>
+    </p:extLst>
+  </p:cSld>
+  <p:clrMapOvr>
+    <a:masterClrMapping/>
+  </p:clrMapOvr>
+  <p:transition>
+    <p:fade/>
+  </p:transition>
+  <p:timing>
+    <p:tnLst>
+      <p:par>
+        <p:cTn id="1" dur="indefinite" restart="never" nodeType="tmRoot">
+          <p:childTnLst>
+            <p:seq concurrent="1" nextAc="seek">
+              <p:cTn id="2" dur="indefinite" nodeType="mainSeq">
+                <p:childTnLst>
+                  <p:par>
+                    <p:cTn id="3" fill="hold">
+                      <p:stCondLst>
+                        <p:cond delay="indefinite"/>
+                        <p:cond evt="onBegin" delay="0">
+                          <p:tn val="2"/>
+                        </p:cond>
+                      </p:stCondLst>
+                      <p:childTnLst>
+                        <p:par>
+                          <p:cTn id="4" fill="hold">
+                            <p:stCondLst>
+                              <p:cond delay="0"/>
+                            </p:stCondLst>
+                            <p:childTnLst>
+                              <p:par>
+                                <p:cTn id="5" presetID="22" presetClass="entr" presetSubtype="8" fill="hold" grpId="0" nodeType="withEffect">
+                                  <p:stCondLst>
+                                    <p:cond delay="500"/>
+                                  </p:stCondLst>
+                                  <p:childTnLst>
+                                    <p:set>
+                                      <p:cBhvr>
+                                        <p:cTn id="6" dur="1" fill="hold">
+                                          <p:stCondLst>
+                                            <p:cond delay="0"/>
+                                          </p:stCondLst>
+                                        </p:cTn>
+                                        <p:tgtEl>
+                                          <p:spTgt spid="2"/>
+                                        </p:tgtEl>
+                                        <p:attrNameLst>
+                                          <p:attrName>style.visibility</p:attrName>
+                                        </p:attrNameLst>
+                                      </p:cBhvr>
+                                      <p:to>
+                                        <p:strVal val="visible"/>
+                                      </p:to>
+                                    </p:set>
+                                    <p:animEffect transition="in" filter="wipe(left)">
+                                      <p:cBhvr>
+                                        <p:cTn id="7" dur="2000"/>
+                                        <p:tgtEl>
+                                          <p:spTgt spid="2"/>
+                                        </p:tgtEl>
+                                      </p:cBhvr>
+                                    </p:animEffect>
+                                  </p:childTnLst>
+                                </p:cTn>
+                              </p:par>
+                            </p:childTnLst>
+                          </p:cTn>
+                        </p:par>
+                        <p:par>
+                          <p:cTn id="8" fill="hold">
+                            <p:stCondLst>
+                              <p:cond delay="2500"/>
+                            </p:stCondLst>
+                            <p:childTnLst>
+                              <p:par>
+                                <p:cTn id="9" presetID="1" presetClass="entr" presetSubtype="0" fill="hold" grpId="0" nodeType="afterEffect">
+                                  <p:stCondLst>
+                                    <p:cond delay="1000"/>
+                                  </p:stCondLst>
+                                  <p:childTnLst>
+                                    <p:set>
+                                      <p:cBhvr>
+                                        <p:cTn id="10" dur="1" fill="hold">
+                                          <p:stCondLst>
+                                            <p:cond delay="0"/>
+                                          </p:stCondLst>
+                                        </p:cTn>
+                                        <p:tgtEl>
+                                          <p:spTgt spid="4">
+                                            <p:txEl>
+                                              <p:pRg st="0" end="0"/>
+                                            </p:txEl>
+                                          </p:spTgt>
+                                        </p:tgtEl>
+                                        <p:attrNameLst>
+                                          <p:attrName>style.visibility</p:attrName>
+                                        </p:attrNameLst>
+                                      </p:cBhvr>
+                                      <p:to>
+                                        <p:strVal val="visible"/>
+                                      </p:to>
+                                    </p:set>
+                                  </p:childTnLst>
+                                </p:cTn>
+                              </p:par>
+                              <p:par>
+                                <p:cTn id="11" presetID="1" presetClass="entr" presetSubtype="0" fill="hold" grpId="0" nodeType="withEffect">
+                                  <p:stCondLst>
+                                    <p:cond delay="1000"/>
+                                  </p:stCondLst>
+                                  <p:childTnLst>
+                                    <p:set>
+                                      <p:cBhvr>
+                                        <p:cTn id="12" dur="1" fill="hold">
+                                          <p:stCondLst>
+                                            <p:cond delay="0"/>
+                                          </p:stCondLst>
+                                        </p:cTn>
+                                        <p:tgtEl>
+                                          <p:spTgt spid="4">
+                                            <p:txEl>
+                                              <p:pRg st="1" end="1"/>
+                                            </p:txEl>
+                                          </p:spTgt>
+                                        </p:tgtEl>
+                                        <p:attrNameLst>
+                                          <p:attrName>style.visibility</p:attrName>
+                                        </p:attrNameLst>
+                                      </p:cBhvr>
+                                      <p:to>
+                                        <p:strVal val="visible"/>
+                                      </p:to>
+                                    </p:set>
+                                  </p:childTnLst>
+                                </p:cTn>
+                              </p:par>
+                            </p:childTnLst>
+                          </p:cTn>
+                        </p:par>
+                      </p:childTnLst>
+                    </p:cTn>
+                  </p:par>
+                </p:childTnLst>
+              </p:cTn>
+              <p:prevCondLst>
+                <p:cond evt="onPrev" delay="0">
+                  <p:tgtEl>
+                    <p:sldTgt/>
+                  </p:tgtEl>
+                </p:cond>
+              </p:prevCondLst>
+              <p:nextCondLst>
+                <p:cond evt="onNext" delay="0">
+                  <p:tgtEl>
+                    <p:sldTgt/>
+                  </p:tgtEl>
+                </p:cond>
+              </p:nextCondLst>
+            </p:seq>
+          </p:childTnLst>
+        </p:cTn>
+      </p:par>
+    </p:tnLst>
+    <p:bldLst>
+      <p:bldP spid="2" grpId="0"/>
+      <p:bldP spid="4" grpId="0" build="p">
+        <p:tmplLst>
+          <p:tmpl lvl="1">
+            <p:tnLst>
+              <p:par>
+                <p:cTn presetID="1" presetClass="entr" presetSubtype="0" fill="hold" nodeType="afterEffect">
+                  <p:stCondLst>
+                    <p:cond delay="1000"/>
+                  </p:stCondLst>
+                  <p:childTnLst>
+                    <p:set>
+                      <p:cBhvr>
+                        <p:cTn dur="1" fill="hold">
+                          <p:stCondLst>
+                            <p:cond delay="0"/>
+                          </p:stCondLst>
+                        </p:cTn>
+                        <p:tgtEl>
+                          <p:spTgt spid="4"/>
+                        </p:tgtEl>
+                        <p:attrNameLst>
+                          <p:attrName>style.visibility</p:attrName>
+                        </p:attrNameLst>
+                      </p:cBhvr>
+                      <p:to>
+                        <p:strVal val="visible"/>
+                      </p:to>
+                    </p:set>
+                  </p:childTnLst>
+                </p:cTn>
+              </p:par>
+            </p:tnLst>
+          </p:tmpl>
+          <p:tmpl lvl="2">
+            <p:tnLst>
+              <p:par>
+                <p:cTn presetID="1" presetClass="entr" presetSubtype="0" fill="hold" nodeType="withEffect">
+                  <p:stCondLst>
+                    <p:cond delay="1000"/>
+                  </p:stCondLst>
+                  <p:childTnLst>
+                    <p:set>
+                      <p:cBhvr>
+                        <p:cTn dur="1" fill="hold">
+                          <p:stCondLst>
+                            <p:cond delay="0"/>
+                          </p:stCondLst>
+                        </p:cTn>
+                        <p:tgtEl>
+                          <p:spTgt spid="4"/>
+                        </p:tgtEl>
+                        <p:attrNameLst>
+                          <p:attrName>style.visibility</p:attrName>
+                        </p:attrNameLst>
+                      </p:cBhvr>
+                      <p:to>
+                        <p:strVal val="visible"/>
+                      </p:to>
+                    </p:set>
+                  </p:childTnLst>
+                </p:cTn>
+              </p:par>
+            </p:tnLst>
+          </p:tmpl>
+          <p:tmpl lvl="3">
+            <p:tnLst>
+              <p:par>
+                <p:cTn presetID="1" presetClass="entr" presetSubtype="0" fill="hold" nodeType="withEffect">
+                  <p:stCondLst>
+                    <p:cond delay="1000"/>
+                  </p:stCondLst>
+                  <p:childTnLst>
+                    <p:set>
+                      <p:cBhvr>
+                        <p:cTn dur="1" fill="hold">
+                          <p:stCondLst>
+                            <p:cond delay="0"/>
+                          </p:stCondLst>
+                        </p:cTn>
+                        <p:tgtEl>
+                          <p:spTgt spid="4"/>
+                        </p:tgtEl>
+                        <p:attrNameLst>
+                          <p:attrName>style.visibility</p:attrName>
+                        </p:attrNameLst>
+                      </p:cBhvr>
+                      <p:to>
+                        <p:strVal val="visible"/>
+                      </p:to>
+                    </p:set>
+                  </p:childTnLst>
+                </p:cTn>
+              </p:par>
+            </p:tnLst>
+          </p:tmpl>
+          <p:tmpl lvl="4">
+            <p:tnLst>
+              <p:par>
+                <p:cTn presetID="1" presetClass="entr" presetSubtype="0" fill="hold" nodeType="withEffect">
+                  <p:stCondLst>
+                    <p:cond delay="1000"/>
+                  </p:stCondLst>
+                  <p:childTnLst>
+                    <p:set>
+                      <p:cBhvr>
+                        <p:cTn dur="1" fill="hold">
+                          <p:stCondLst>
+                            <p:cond delay="0"/>
+                          </p:stCondLst>
+                        </p:cTn>
+                        <p:tgtEl>
+                          <p:spTgt spid="4"/>
+                        </p:tgtEl>
+                        <p:attrNameLst>
+                          <p:attrName>style.visibility</p:attrName>
+                        </p:attrNameLst>
+                      </p:cBhvr>
+                      <p:to>
+                        <p:strVal val="visible"/>
+                      </p:to>
+                    </p:set>
+                  </p:childTnLst>
+                </p:cTn>
+              </p:par>
+            </p:tnLst>
+          </p:tmpl>
+          <p:tmpl lvl="5">
+            <p:tnLst>
+              <p:par>
+                <p:cTn presetID="1" presetClass="entr" presetSubtype="0" fill="hold" nodeType="withEffect">
+                  <p:stCondLst>
+                    <p:cond delay="1000"/>
+                  </p:stCondLst>
+                  <p:childTnLst>
+                    <p:set>
+                      <p:cBhvr>
+                        <p:cTn dur="1" fill="hold">
+                          <p:stCondLst>
+                            <p:cond delay="0"/>
+                          </p:stCondLst>
+                        </p:cTn>
+                        <p:tgtEl>
+                          <p:spTgt spid="4"/>
+                        </p:tgtEl>
+                        <p:attrNameLst>
+                          <p:attrName>style.visibility</p:attrName>
+                        </p:attrNameLst>
+                      </p:cBhvr>
+                      <p:to>
+                        <p:strVal val="visible"/>
+                      </p:to>
+                    </p:set>
+                  </p:childTnLst>
+                </p:cTn>
+              </p:par>
+            </p:tnLst>
+          </p:tmpl>
+        </p:tmplLst>
+      </p:bldP>
+    </p:bldLst>
+  </p:timing>
+</p:sldLayout>
+</file>
+
+<file path=ppt/slideLayouts/slideLayout14.xml><?xml version="1.0" encoding="utf-8"?>
 <p:sldLayout xmlns:a="http://schemas.openxmlformats.org/drawingml/2006/main" xmlns:r="http://schemas.openxmlformats.org/officeDocument/2006/relationships" xmlns:p="http://schemas.openxmlformats.org/presentationml/2006/main" type="title" preserve="1">
   <p:cSld name="2_Title Slide">
     <p:spTree>
@@ -3173,7 +3812,7 @@
 </p:sldLayout>
 </file>
 
-<file path=ppt/slideLayouts/slideLayout13.xml><?xml version="1.0" encoding="utf-8"?>
+<file path=ppt/slideLayouts/slideLayout15.xml><?xml version="1.0" encoding="utf-8"?>
 <p:sldLayout xmlns:a="http://schemas.openxmlformats.org/drawingml/2006/main" xmlns:r="http://schemas.openxmlformats.org/officeDocument/2006/relationships" xmlns:p="http://schemas.openxmlformats.org/presentationml/2006/main" type="tx" preserve="1">
   <p:cSld name="Title and Text">
     <p:spTree>
@@ -3599,7 +4238,7 @@
 </p:sldLayout>
 </file>
 
-<file path=ppt/slideLayouts/slideLayout14.xml><?xml version="1.0" encoding="utf-8"?>
+<file path=ppt/slideLayouts/slideLayout16.xml><?xml version="1.0" encoding="utf-8"?>
 <p:sldLayout xmlns:a="http://schemas.openxmlformats.org/drawingml/2006/main" xmlns:r="http://schemas.openxmlformats.org/officeDocument/2006/relationships" xmlns:p="http://schemas.openxmlformats.org/presentationml/2006/main" type="tx" preserve="1">
   <p:cSld name="References">
     <p:spTree>
@@ -4025,7 +4664,7 @@
 </p:sldLayout>
 </file>
 
-<file path=ppt/slideLayouts/slideLayout15.xml><?xml version="1.0" encoding="utf-8"?>
+<file path=ppt/slideLayouts/slideLayout17.xml><?xml version="1.0" encoding="utf-8"?>
 <p:sldLayout xmlns:a="http://schemas.openxmlformats.org/drawingml/2006/main" xmlns:r="http://schemas.openxmlformats.org/officeDocument/2006/relationships" xmlns:p="http://schemas.openxmlformats.org/presentationml/2006/main" preserve="1">
   <p:cSld name="Code Sample">
     <p:spTree>
@@ -4343,7 +4982,7 @@
 </p:sldLayout>
 </file>
 
-<file path=ppt/slideLayouts/slideLayout16.xml><?xml version="1.0" encoding="utf-8"?>
+<file path=ppt/slideLayouts/slideLayout18.xml><?xml version="1.0" encoding="utf-8"?>
 <p:sldLayout xmlns:a="http://schemas.openxmlformats.org/drawingml/2006/main" xmlns:r="http://schemas.openxmlformats.org/officeDocument/2006/relationships" xmlns:p="http://schemas.openxmlformats.org/presentationml/2006/main" preserve="1">
   <p:cSld name="Blank">
     <p:spTree>
@@ -4657,7 +5296,7 @@
 </p:sldLayout>
 </file>
 
-<file path=ppt/slideLayouts/slideLayout17.xml><?xml version="1.0" encoding="utf-8"?>
+<file path=ppt/slideLayouts/slideLayout19.xml><?xml version="1.0" encoding="utf-8"?>
 <p:sldLayout xmlns:a="http://schemas.openxmlformats.org/drawingml/2006/main" xmlns:r="http://schemas.openxmlformats.org/officeDocument/2006/relationships" xmlns:p="http://schemas.openxmlformats.org/presentationml/2006/main" preserve="1">
   <p:cSld name="Section Header">
     <p:spTree>
@@ -4892,7 +5531,172 @@
 </p:sldLayout>
 </file>
 
-<file path=ppt/slideLayouts/slideLayout18.xml><?xml version="1.0" encoding="utf-8"?>
+<file path=ppt/slideLayouts/slideLayout2.xml><?xml version="1.0" encoding="utf-8"?>
+<p:sldLayout xmlns:a="http://schemas.openxmlformats.org/drawingml/2006/main" xmlns:r="http://schemas.openxmlformats.org/officeDocument/2006/relationships" xmlns:p="http://schemas.openxmlformats.org/presentationml/2006/main" type="obj" preserve="1">
+  <p:cSld name="Title and Content">
+    <p:spTree>
+      <p:nvGrpSpPr>
+        <p:cNvPr id="1" name=""/>
+        <p:cNvGrpSpPr/>
+        <p:nvPr/>
+      </p:nvGrpSpPr>
+      <p:grpSpPr>
+        <a:xfrm>
+          <a:off x="0" y="0"/>
+          <a:ext cx="0" cy="0"/>
+          <a:chOff x="0" y="0"/>
+          <a:chExt cx="0" cy="0"/>
+        </a:xfrm>
+      </p:grpSpPr>
+      <p:sp>
+        <p:nvSpPr>
+          <p:cNvPr id="2" name="Title 1"/>
+          <p:cNvSpPr>
+            <a:spLocks noGrp="1"/>
+          </p:cNvSpPr>
+          <p:nvPr>
+            <p:ph type="title"/>
+          </p:nvPr>
+        </p:nvSpPr>
+        <p:spPr/>
+        <p:txBody>
+          <a:bodyPr/>
+          <a:lstStyle/>
+          <a:p>
+            <a:r>
+              <a:rPr lang="en-US" smtClean="0"/>
+              <a:t>Click to edit Master title style</a:t>
+            </a:r>
+            <a:endParaRPr lang="en-US"/>
+          </a:p>
+        </p:txBody>
+      </p:sp>
+      <p:sp>
+        <p:nvSpPr>
+          <p:cNvPr id="3" name="Content Placeholder 2"/>
+          <p:cNvSpPr>
+            <a:spLocks noGrp="1"/>
+          </p:cNvSpPr>
+          <p:nvPr>
+            <p:ph idx="1"/>
+          </p:nvPr>
+        </p:nvSpPr>
+        <p:spPr/>
+        <p:txBody>
+          <a:bodyPr/>
+          <a:lstStyle/>
+          <a:p>
+            <a:pPr lvl="0"/>
+            <a:r>
+              <a:rPr lang="en-US" smtClean="0"/>
+              <a:t>Click to edit Master text styles</a:t>
+            </a:r>
+          </a:p>
+          <a:p>
+            <a:pPr lvl="1"/>
+            <a:r>
+              <a:rPr lang="en-US" smtClean="0"/>
+              <a:t>Second level</a:t>
+            </a:r>
+          </a:p>
+          <a:p>
+            <a:pPr lvl="2"/>
+            <a:r>
+              <a:rPr lang="en-US" smtClean="0"/>
+              <a:t>Third level</a:t>
+            </a:r>
+          </a:p>
+          <a:p>
+            <a:pPr lvl="3"/>
+            <a:r>
+              <a:rPr lang="en-US" smtClean="0"/>
+              <a:t>Fourth level</a:t>
+            </a:r>
+          </a:p>
+          <a:p>
+            <a:pPr lvl="4"/>
+            <a:r>
+              <a:rPr lang="en-US" smtClean="0"/>
+              <a:t>Fifth level</a:t>
+            </a:r>
+            <a:endParaRPr lang="en-US"/>
+          </a:p>
+        </p:txBody>
+      </p:sp>
+      <p:sp>
+        <p:nvSpPr>
+          <p:cNvPr id="4" name="Date Placeholder 3"/>
+          <p:cNvSpPr>
+            <a:spLocks noGrp="1"/>
+          </p:cNvSpPr>
+          <p:nvPr>
+            <p:ph type="dt" sz="half" idx="10"/>
+          </p:nvPr>
+        </p:nvSpPr>
+        <p:spPr/>
+        <p:txBody>
+          <a:bodyPr/>
+          <a:lstStyle/>
+          <a:p>
+            <a:fld id="{D6E9CBC2-EFEA-824D-9B02-0FE8BCB5A938}" type="datetimeFigureOut">
+              <a:rPr lang="en-US" smtClean="0"/>
+              <a:t>5/29/2014</a:t>
+            </a:fld>
+            <a:endParaRPr lang="en-US"/>
+          </a:p>
+        </p:txBody>
+      </p:sp>
+      <p:sp>
+        <p:nvSpPr>
+          <p:cNvPr id="5" name="Footer Placeholder 4"/>
+          <p:cNvSpPr>
+            <a:spLocks noGrp="1"/>
+          </p:cNvSpPr>
+          <p:nvPr>
+            <p:ph type="ftr" sz="quarter" idx="11"/>
+          </p:nvPr>
+        </p:nvSpPr>
+        <p:spPr/>
+        <p:txBody>
+          <a:bodyPr/>
+          <a:lstStyle/>
+          <a:p>
+            <a:endParaRPr lang="en-US"/>
+          </a:p>
+        </p:txBody>
+      </p:sp>
+      <p:sp>
+        <p:nvSpPr>
+          <p:cNvPr id="6" name="Slide Number Placeholder 5"/>
+          <p:cNvSpPr>
+            <a:spLocks noGrp="1"/>
+          </p:cNvSpPr>
+          <p:nvPr>
+            <p:ph type="sldNum" sz="quarter" idx="12"/>
+          </p:nvPr>
+        </p:nvSpPr>
+        <p:spPr/>
+        <p:txBody>
+          <a:bodyPr/>
+          <a:lstStyle/>
+          <a:p>
+            <a:fld id="{D2D307AB-2532-4947-A647-9C2AD87A7D11}" type="slidenum">
+              <a:rPr lang="en-US" smtClean="0"/>
+              <a:t>‹#›</a:t>
+            </a:fld>
+            <a:endParaRPr lang="en-US"/>
+          </a:p>
+        </p:txBody>
+      </p:sp>
+    </p:spTree>
+  </p:cSld>
+  <p:clrMapOvr>
+    <a:masterClrMapping/>
+  </p:clrMapOvr>
+</p:sldLayout>
+</file>
+
+<file path=ppt/slideLayouts/slideLayout20.xml><?xml version="1.0" encoding="utf-8"?>
 <p:sldLayout xmlns:a="http://schemas.openxmlformats.org/drawingml/2006/main" xmlns:r="http://schemas.openxmlformats.org/officeDocument/2006/relationships" xmlns:p="http://schemas.openxmlformats.org/presentationml/2006/main" preserve="1">
   <p:cSld name="1_Section Header">
     <p:spTree>
@@ -5127,7 +5931,7 @@
 </p:sldLayout>
 </file>
 
-<file path=ppt/slideLayouts/slideLayout19.xml><?xml version="1.0" encoding="utf-8"?>
+<file path=ppt/slideLayouts/slideLayout21.xml><?xml version="1.0" encoding="utf-8"?>
 <p:sldLayout xmlns:a="http://schemas.openxmlformats.org/drawingml/2006/main" xmlns:r="http://schemas.openxmlformats.org/officeDocument/2006/relationships" xmlns:p="http://schemas.openxmlformats.org/presentationml/2006/main" type="obj">
   <p:cSld name="Title and Content">
     <p:spTree>
@@ -5983,172 +6787,7 @@
 </p:sldLayout>
 </file>
 
-<file path=ppt/slideLayouts/slideLayout2.xml><?xml version="1.0" encoding="utf-8"?>
-<p:sldLayout xmlns:a="http://schemas.openxmlformats.org/drawingml/2006/main" xmlns:r="http://schemas.openxmlformats.org/officeDocument/2006/relationships" xmlns:p="http://schemas.openxmlformats.org/presentationml/2006/main" type="obj" preserve="1">
-  <p:cSld name="Title and Content">
-    <p:spTree>
-      <p:nvGrpSpPr>
-        <p:cNvPr id="1" name=""/>
-        <p:cNvGrpSpPr/>
-        <p:nvPr/>
-      </p:nvGrpSpPr>
-      <p:grpSpPr>
-        <a:xfrm>
-          <a:off x="0" y="0"/>
-          <a:ext cx="0" cy="0"/>
-          <a:chOff x="0" y="0"/>
-          <a:chExt cx="0" cy="0"/>
-        </a:xfrm>
-      </p:grpSpPr>
-      <p:sp>
-        <p:nvSpPr>
-          <p:cNvPr id="2" name="Title 1"/>
-          <p:cNvSpPr>
-            <a:spLocks noGrp="1"/>
-          </p:cNvSpPr>
-          <p:nvPr>
-            <p:ph type="title"/>
-          </p:nvPr>
-        </p:nvSpPr>
-        <p:spPr/>
-        <p:txBody>
-          <a:bodyPr/>
-          <a:lstStyle/>
-          <a:p>
-            <a:r>
-              <a:rPr lang="en-US" smtClean="0"/>
-              <a:t>Click to edit Master title style</a:t>
-            </a:r>
-            <a:endParaRPr lang="en-US"/>
-          </a:p>
-        </p:txBody>
-      </p:sp>
-      <p:sp>
-        <p:nvSpPr>
-          <p:cNvPr id="3" name="Content Placeholder 2"/>
-          <p:cNvSpPr>
-            <a:spLocks noGrp="1"/>
-          </p:cNvSpPr>
-          <p:nvPr>
-            <p:ph idx="1"/>
-          </p:nvPr>
-        </p:nvSpPr>
-        <p:spPr/>
-        <p:txBody>
-          <a:bodyPr/>
-          <a:lstStyle/>
-          <a:p>
-            <a:pPr lvl="0"/>
-            <a:r>
-              <a:rPr lang="en-US" smtClean="0"/>
-              <a:t>Click to edit Master text styles</a:t>
-            </a:r>
-          </a:p>
-          <a:p>
-            <a:pPr lvl="1"/>
-            <a:r>
-              <a:rPr lang="en-US" smtClean="0"/>
-              <a:t>Second level</a:t>
-            </a:r>
-          </a:p>
-          <a:p>
-            <a:pPr lvl="2"/>
-            <a:r>
-              <a:rPr lang="en-US" smtClean="0"/>
-              <a:t>Third level</a:t>
-            </a:r>
-          </a:p>
-          <a:p>
-            <a:pPr lvl="3"/>
-            <a:r>
-              <a:rPr lang="en-US" smtClean="0"/>
-              <a:t>Fourth level</a:t>
-            </a:r>
-          </a:p>
-          <a:p>
-            <a:pPr lvl="4"/>
-            <a:r>
-              <a:rPr lang="en-US" smtClean="0"/>
-              <a:t>Fifth level</a:t>
-            </a:r>
-            <a:endParaRPr lang="en-US"/>
-          </a:p>
-        </p:txBody>
-      </p:sp>
-      <p:sp>
-        <p:nvSpPr>
-          <p:cNvPr id="4" name="Date Placeholder 3"/>
-          <p:cNvSpPr>
-            <a:spLocks noGrp="1"/>
-          </p:cNvSpPr>
-          <p:nvPr>
-            <p:ph type="dt" sz="half" idx="10"/>
-          </p:nvPr>
-        </p:nvSpPr>
-        <p:spPr/>
-        <p:txBody>
-          <a:bodyPr/>
-          <a:lstStyle/>
-          <a:p>
-            <a:fld id="{D6E9CBC2-EFEA-824D-9B02-0FE8BCB5A938}" type="datetimeFigureOut">
-              <a:rPr lang="en-US" smtClean="0"/>
-              <a:t>4/15/2014</a:t>
-            </a:fld>
-            <a:endParaRPr lang="en-US"/>
-          </a:p>
-        </p:txBody>
-      </p:sp>
-      <p:sp>
-        <p:nvSpPr>
-          <p:cNvPr id="5" name="Footer Placeholder 4"/>
-          <p:cNvSpPr>
-            <a:spLocks noGrp="1"/>
-          </p:cNvSpPr>
-          <p:nvPr>
-            <p:ph type="ftr" sz="quarter" idx="11"/>
-          </p:nvPr>
-        </p:nvSpPr>
-        <p:spPr/>
-        <p:txBody>
-          <a:bodyPr/>
-          <a:lstStyle/>
-          <a:p>
-            <a:endParaRPr lang="en-US"/>
-          </a:p>
-        </p:txBody>
-      </p:sp>
-      <p:sp>
-        <p:nvSpPr>
-          <p:cNvPr id="6" name="Slide Number Placeholder 5"/>
-          <p:cNvSpPr>
-            <a:spLocks noGrp="1"/>
-          </p:cNvSpPr>
-          <p:nvPr>
-            <p:ph type="sldNum" sz="quarter" idx="12"/>
-          </p:nvPr>
-        </p:nvSpPr>
-        <p:spPr/>
-        <p:txBody>
-          <a:bodyPr/>
-          <a:lstStyle/>
-          <a:p>
-            <a:fld id="{D2D307AB-2532-4947-A647-9C2AD87A7D11}" type="slidenum">
-              <a:rPr lang="en-US" smtClean="0"/>
-              <a:t>‹#›</a:t>
-            </a:fld>
-            <a:endParaRPr lang="en-US"/>
-          </a:p>
-        </p:txBody>
-      </p:sp>
-    </p:spTree>
-  </p:cSld>
-  <p:clrMapOvr>
-    <a:masterClrMapping/>
-  </p:clrMapOvr>
-</p:sldLayout>
-</file>
-
-<file path=ppt/slideLayouts/slideLayout20.xml><?xml version="1.0" encoding="utf-8"?>
+<file path=ppt/slideLayouts/slideLayout22.xml><?xml version="1.0" encoding="utf-8"?>
 <p:sldLayout xmlns:a="http://schemas.openxmlformats.org/drawingml/2006/main" xmlns:r="http://schemas.openxmlformats.org/officeDocument/2006/relationships" xmlns:p="http://schemas.openxmlformats.org/presentationml/2006/main" preserve="1">
   <p:cSld name="Custom Layout">
     <p:spTree>
@@ -6718,7 +7357,7 @@
 </p:sldLayout>
 </file>
 
-<file path=ppt/slideLayouts/slideLayout21.xml><?xml version="1.0" encoding="utf-8"?>
+<file path=ppt/slideLayouts/slideLayout23.xml><?xml version="1.0" encoding="utf-8"?>
 <p:sldLayout xmlns:a="http://schemas.openxmlformats.org/drawingml/2006/main" xmlns:r="http://schemas.openxmlformats.org/officeDocument/2006/relationships" xmlns:p="http://schemas.openxmlformats.org/presentationml/2006/main" type="blank">
   <p:cSld name="1_Blank">
     <p:spTree>
@@ -6760,7 +7399,7 @@
           <a:p>
             <a:fld id="{D6E9CBC2-EFEA-824D-9B02-0FE8BCB5A938}" type="datetimeFigureOut">
               <a:rPr lang="en-US" smtClean="0"/>
-              <a:t>4/15/2014</a:t>
+              <a:t>5/29/2014</a:t>
             </a:fld>
             <a:endParaRPr lang="en-US"/>
           </a:p>
@@ -7017,7 +7656,7 @@
           <a:p>
             <a:fld id="{D6E9CBC2-EFEA-824D-9B02-0FE8BCB5A938}" type="datetimeFigureOut">
               <a:rPr lang="en-US" smtClean="0"/>
-              <a:t>4/15/2014</a:t>
+              <a:t>5/29/2014</a:t>
             </a:fld>
             <a:endParaRPr lang="en-US"/>
           </a:p>
@@ -7300,7 +7939,7 @@
           <a:p>
             <a:fld id="{D6E9CBC2-EFEA-824D-9B02-0FE8BCB5A938}" type="datetimeFigureOut">
               <a:rPr lang="en-US" smtClean="0"/>
-              <a:t>4/15/2014</a:t>
+              <a:t>5/29/2014</a:t>
             </a:fld>
             <a:endParaRPr lang="en-US"/>
           </a:p>
@@ -7717,7 +8356,7 @@
           <a:p>
             <a:fld id="{D6E9CBC2-EFEA-824D-9B02-0FE8BCB5A938}" type="datetimeFigureOut">
               <a:rPr lang="en-US" smtClean="0"/>
-              <a:t>4/15/2014</a:t>
+              <a:t>5/29/2014</a:t>
             </a:fld>
             <a:endParaRPr lang="en-US"/>
           </a:p>
@@ -7830,7 +8469,7 @@
           <a:p>
             <a:fld id="{D6E9CBC2-EFEA-824D-9B02-0FE8BCB5A938}" type="datetimeFigureOut">
               <a:rPr lang="en-US" smtClean="0"/>
-              <a:t>4/15/2014</a:t>
+              <a:t>5/29/2014</a:t>
             </a:fld>
             <a:endParaRPr lang="en-US"/>
           </a:p>
@@ -7920,7 +8559,7 @@
           <a:p>
             <a:fld id="{D6E9CBC2-EFEA-824D-9B02-0FE8BCB5A938}" type="datetimeFigureOut">
               <a:rPr lang="en-US" smtClean="0"/>
-              <a:t>4/15/2014</a:t>
+              <a:t>5/29/2014</a:t>
             </a:fld>
             <a:endParaRPr lang="en-US"/>
           </a:p>
@@ -8192,7 +8831,7 @@
           <a:p>
             <a:fld id="{D6E9CBC2-EFEA-824D-9B02-0FE8BCB5A938}" type="datetimeFigureOut">
               <a:rPr lang="en-US" smtClean="0"/>
-              <a:t>4/15/2014</a:t>
+              <a:t>5/29/2014</a:t>
             </a:fld>
             <a:endParaRPr lang="en-US"/>
           </a:p>
@@ -8444,7 +9083,7 @@
           <a:p>
             <a:fld id="{D6E9CBC2-EFEA-824D-9B02-0FE8BCB5A938}" type="datetimeFigureOut">
               <a:rPr lang="en-US" smtClean="0"/>
-              <a:t>4/15/2014</a:t>
+              <a:t>5/29/2014</a:t>
             </a:fld>
             <a:endParaRPr lang="en-US"/>
           </a:p>
@@ -8506,7 +9145,7 @@
     <p:bg>
       <p:bgPr>
         <a:blipFill dpi="0" rotWithShape="1">
-          <a:blip r:embed="rId13"/>
+          <a:blip r:embed="rId15"/>
           <a:srcRect/>
           <a:stretch>
             <a:fillRect/>
@@ -8659,7 +9298,7 @@
           <a:p>
             <a:fld id="{D6E9CBC2-EFEA-824D-9B02-0FE8BCB5A938}" type="datetimeFigureOut">
               <a:rPr lang="en-US" smtClean="0"/>
-              <a:t>4/15/2014</a:t>
+              <a:t>5/29/2014</a:t>
             </a:fld>
             <a:endParaRPr lang="en-US"/>
           </a:p>
@@ -8759,6 +9398,8 @@
     <p:sldLayoutId id="2147483789" r:id="rId9"/>
     <p:sldLayoutId id="2147483790" r:id="rId10"/>
     <p:sldLayoutId id="2147483791" r:id="rId11"/>
+    <p:sldLayoutId id="2147483803" r:id="rId12"/>
+    <p:sldLayoutId id="2147483804" r:id="rId13"/>
   </p:sldLayoutIdLst>
   <p:txStyles>
     <p:titleStyle>
@@ -9713,7 +10354,9 @@
         </p:nvSpPr>
         <p:spPr/>
         <p:txBody>
-          <a:bodyPr/>
+          <a:bodyPr>
+            <a:normAutofit fontScale="92500" lnSpcReduction="20000"/>
+          </a:bodyPr>
           <a:lstStyle/>
           <a:p>
             <a:r>
@@ -9741,9 +10384,14 @@
   <p:clrMapOvr>
     <a:masterClrMapping/>
   </p:clrMapOvr>
-  <p:transition>
-    <p:fade/>
-  </p:transition>
+  <mc:AlternateContent xmlns:mc="http://schemas.openxmlformats.org/markup-compatibility/2006">
+    <mc:Choice xmlns:p14="http://schemas.microsoft.com/office/powerpoint/2010/main" Requires="p14">
+      <p:transition spd="slow" p14:dur="2000"/>
+    </mc:Choice>
+    <mc:Fallback>
+      <p:transition spd="slow"/>
+    </mc:Fallback>
+  </mc:AlternateContent>
   <p:timing>
     <p:tnLst>
       <p:par>
@@ -9837,38 +10485,17 @@
                 <a:latin typeface="Cachet Pro Book" pitchFamily="34" charset="0"/>
                 <a:cs typeface="Cachet Pro Book"/>
               </a:rPr>
-              <a:t>Check out </a:t>
-            </a:r>
+              <a:t>Check out schema from VCS</a:t>
+            </a:r>
+          </a:p>
+          <a:p>
+            <a:pPr lvl="1"/>
             <a:r>
               <a:rPr lang="en-GB" sz="2600" dirty="0" smtClean="0">
                 <a:latin typeface="Cachet Pro Book" pitchFamily="34" charset="0"/>
                 <a:cs typeface="Cachet Pro Book"/>
               </a:rPr>
-              <a:t>schema from VCS</a:t>
-            </a:r>
-          </a:p>
-          <a:p>
-            <a:pPr lvl="1"/>
-            <a:r>
-              <a:rPr lang="en-GB" sz="2600" dirty="0" smtClean="0">
-                <a:latin typeface="Cachet Pro Book" pitchFamily="34" charset="0"/>
-                <a:cs typeface="Cachet Pro Book"/>
-              </a:rPr>
-              <a:t>Execute </a:t>
-            </a:r>
-            <a:r>
-              <a:rPr lang="en-GB" sz="2600" dirty="0" smtClean="0">
-                <a:latin typeface="Cachet Pro Book" pitchFamily="34" charset="0"/>
-                <a:cs typeface="Cachet Pro Book"/>
-              </a:rPr>
-              <a:t>against a SQL Server instance</a:t>
-            </a:r>
-            <a:r>
-              <a:rPr lang="en-GB" sz="2600" dirty="0" smtClean="0">
-                <a:latin typeface="Cachet Pro Book" pitchFamily="34" charset="0"/>
-                <a:cs typeface="Cachet Pro Book"/>
-              </a:rPr>
-              <a:t>.</a:t>
+              <a:t>Execute against a SQL Server instance.</a:t>
             </a:r>
           </a:p>
           <a:p>
@@ -9880,10 +10507,6 @@
               </a:rPr>
               <a:t>Run tests</a:t>
             </a:r>
-            <a:endParaRPr lang="en-GB" sz="2600" b="0" dirty="0" smtClean="0">
-              <a:latin typeface="Cachet Pro Book" pitchFamily="34" charset="0"/>
-              <a:cs typeface="Cachet Pro Book"/>
-            </a:endParaRPr>
           </a:p>
           <a:p>
             <a:r>
@@ -9902,23 +10525,7 @@
                 <a:cs typeface="Cachet Pro Book"/>
                 <a:hlinkClick r:id="rId3"/>
               </a:rPr>
-              <a:t>Red Gate SQL </a:t>
-            </a:r>
-            <a:r>
-              <a:rPr lang="en-GB" sz="2600" b="0" dirty="0" smtClean="0">
-                <a:latin typeface="Cachet Pro Book" pitchFamily="34" charset="0"/>
-                <a:cs typeface="Cachet Pro Book"/>
-                <a:hlinkClick r:id="rId3"/>
-              </a:rPr>
-              <a:t>Automation </a:t>
-            </a:r>
-            <a:r>
-              <a:rPr lang="en-GB" sz="2600" b="0" dirty="0" smtClean="0">
-                <a:latin typeface="Cachet Pro Book" pitchFamily="34" charset="0"/>
-                <a:cs typeface="Cachet Pro Book"/>
-                <a:hlinkClick r:id="rId3"/>
-              </a:rPr>
-              <a:t>Pack</a:t>
+              <a:t>Red Gate SQL Automation Pack</a:t>
             </a:r>
             <a:endParaRPr lang="en-GB" sz="2600" b="0" dirty="0" smtClean="0">
               <a:latin typeface="Cachet Pro Book" pitchFamily="34" charset="0"/>
@@ -9975,7 +10582,14 @@
   <p:clrMapOvr>
     <a:masterClrMapping/>
   </p:clrMapOvr>
-  <p:transition/>
+  <mc:AlternateContent xmlns:mc="http://schemas.openxmlformats.org/markup-compatibility/2006">
+    <mc:Choice xmlns:p14="http://schemas.microsoft.com/office/powerpoint/2010/main" Requires="p14">
+      <p:transition spd="slow" p14:dur="2000"/>
+    </mc:Choice>
+    <mc:Fallback>
+      <p:transition spd="slow"/>
+    </mc:Fallback>
+  </mc:AlternateContent>
   <p:timing>
     <p:tnLst>
       <p:par>
@@ -10161,7 +10775,14 @@
   <p:clrMapOvr>
     <a:masterClrMapping/>
   </p:clrMapOvr>
-  <p:transition/>
+  <mc:AlternateContent xmlns:mc="http://schemas.openxmlformats.org/markup-compatibility/2006">
+    <mc:Choice xmlns:p14="http://schemas.microsoft.com/office/powerpoint/2010/main" Requires="p14">
+      <p:transition spd="slow" p14:dur="2000"/>
+    </mc:Choice>
+    <mc:Fallback>
+      <p:transition spd="slow"/>
+    </mc:Fallback>
+  </mc:AlternateContent>
   <p:timing>
     <p:tnLst>
       <p:par>
@@ -10349,7 +10970,14 @@
   <p:clrMapOvr>
     <a:masterClrMapping/>
   </p:clrMapOvr>
-  <p:transition/>
+  <mc:AlternateContent xmlns:mc="http://schemas.openxmlformats.org/markup-compatibility/2006">
+    <mc:Choice xmlns:p14="http://schemas.microsoft.com/office/powerpoint/2010/main" Requires="p14">
+      <p:transition spd="slow" p14:dur="2000"/>
+    </mc:Choice>
+    <mc:Fallback>
+      <p:transition spd="slow"/>
+    </mc:Fallback>
+  </mc:AlternateContent>
   <p:timing>
     <p:tnLst>
       <p:par>
@@ -10510,7 +11138,14 @@
   <p:clrMapOvr>
     <a:masterClrMapping/>
   </p:clrMapOvr>
-  <p:transition/>
+  <mc:AlternateContent xmlns:mc="http://schemas.openxmlformats.org/markup-compatibility/2006">
+    <mc:Choice xmlns:p14="http://schemas.microsoft.com/office/powerpoint/2010/main" Requires="p14">
+      <p:transition spd="slow" p14:dur="2000"/>
+    </mc:Choice>
+    <mc:Fallback>
+      <p:transition spd="slow"/>
+    </mc:Fallback>
+  </mc:AlternateContent>
   <p:timing>
     <p:tnLst>
       <p:par>
@@ -11492,7 +12127,14 @@
   <p:clrMapOvr>
     <a:masterClrMapping/>
   </p:clrMapOvr>
-  <p:transition/>
+  <mc:AlternateContent xmlns:mc="http://schemas.openxmlformats.org/markup-compatibility/2006">
+    <mc:Choice xmlns:p14="http://schemas.microsoft.com/office/powerpoint/2010/main" Requires="p14">
+      <p:transition spd="slow" p14:dur="2000"/>
+    </mc:Choice>
+    <mc:Fallback>
+      <p:transition spd="slow"/>
+    </mc:Fallback>
+  </mc:AlternateContent>
   <p:timing>
     <p:tnLst>
       <p:par>
@@ -12273,7 +12915,14 @@
   <p:clrMapOvr>
     <a:masterClrMapping/>
   </p:clrMapOvr>
-  <p:transition/>
+  <mc:AlternateContent xmlns:mc="http://schemas.openxmlformats.org/markup-compatibility/2006">
+    <mc:Choice xmlns:p14="http://schemas.microsoft.com/office/powerpoint/2010/main" Requires="p14">
+      <p:transition spd="slow" p14:dur="2000"/>
+    </mc:Choice>
+    <mc:Fallback>
+      <p:transition spd="slow"/>
+    </mc:Fallback>
+  </mc:AlternateContent>
   <p:timing>
     <p:tnLst>
       <p:par>
@@ -13165,7 +13814,14 @@
   <p:clrMapOvr>
     <a:masterClrMapping/>
   </p:clrMapOvr>
-  <p:transition/>
+  <mc:AlternateContent xmlns:mc="http://schemas.openxmlformats.org/markup-compatibility/2006">
+    <mc:Choice xmlns:p14="http://schemas.microsoft.com/office/powerpoint/2010/main" Requires="p14">
+      <p:transition spd="slow" p14:dur="2000"/>
+    </mc:Choice>
+    <mc:Fallback>
+      <p:transition spd="slow"/>
+    </mc:Fallback>
+  </mc:AlternateContent>
   <p:timing>
     <p:tnLst>
       <p:par>
@@ -14209,7 +14865,14 @@
   <p:clrMapOvr>
     <a:masterClrMapping/>
   </p:clrMapOvr>
-  <p:transition/>
+  <mc:AlternateContent xmlns:mc="http://schemas.openxmlformats.org/markup-compatibility/2006">
+    <mc:Choice xmlns:p14="http://schemas.microsoft.com/office/powerpoint/2010/main" Requires="p14">
+      <p:transition spd="slow" p14:dur="2000"/>
+    </mc:Choice>
+    <mc:Fallback>
+      <p:transition spd="slow"/>
+    </mc:Fallback>
+  </mc:AlternateContent>
   <p:timing>
     <p:tnLst>
       <p:par>
@@ -15101,7 +15764,14 @@
   <p:clrMapOvr>
     <a:masterClrMapping/>
   </p:clrMapOvr>
-  <p:transition/>
+  <mc:AlternateContent xmlns:mc="http://schemas.openxmlformats.org/markup-compatibility/2006">
+    <mc:Choice xmlns:p14="http://schemas.microsoft.com/office/powerpoint/2010/main" Requires="p14">
+      <p:transition spd="slow" p14:dur="2000"/>
+    </mc:Choice>
+    <mc:Fallback>
+      <p:transition spd="slow"/>
+    </mc:Fallback>
+  </mc:AlternateContent>
   <p:timing>
     <p:tnLst>
       <p:par>
@@ -15243,7 +15913,14 @@
   <p:clrMapOvr>
     <a:masterClrMapping/>
   </p:clrMapOvr>
-  <p:transition/>
+  <mc:AlternateContent xmlns:mc="http://schemas.openxmlformats.org/markup-compatibility/2006">
+    <mc:Choice xmlns:p14="http://schemas.microsoft.com/office/powerpoint/2010/main" Requires="p14">
+      <p:transition spd="slow" p14:dur="2000"/>
+    </mc:Choice>
+    <mc:Fallback>
+      <p:transition spd="slow"/>
+    </mc:Fallback>
+  </mc:AlternateContent>
   <p:timing>
     <p:tnLst>
       <p:par>
@@ -15401,7 +16078,14 @@
   <p:clrMapOvr>
     <a:masterClrMapping/>
   </p:clrMapOvr>
-  <p:transition/>
+  <mc:AlternateContent xmlns:mc="http://schemas.openxmlformats.org/markup-compatibility/2006">
+    <mc:Choice xmlns:p14="http://schemas.microsoft.com/office/powerpoint/2010/main" Requires="p14">
+      <p:transition spd="slow" p14:dur="2000"/>
+    </mc:Choice>
+    <mc:Fallback>
+      <p:transition spd="slow"/>
+    </mc:Fallback>
+  </mc:AlternateContent>
   <p:timing>
     <p:tnLst>
       <p:par>
@@ -15431,6 +16115,29 @@
       </p:grpSpPr>
       <p:sp>
         <p:nvSpPr>
+          <p:cNvPr id="4" name="Title 3"/>
+          <p:cNvSpPr>
+            <a:spLocks noGrp="1"/>
+          </p:cNvSpPr>
+          <p:nvPr>
+            <p:ph type="title"/>
+          </p:nvPr>
+        </p:nvSpPr>
+        <p:spPr/>
+        <p:txBody>
+          <a:bodyPr/>
+          <a:lstStyle/>
+          <a:p>
+            <a:r>
+              <a:rPr lang="en-US" dirty="0" smtClean="0"/>
+              <a:t>Testing</a:t>
+            </a:r>
+            <a:endParaRPr lang="en-US" dirty="0"/>
+          </a:p>
+        </p:txBody>
+      </p:sp>
+      <p:sp>
+        <p:nvSpPr>
           <p:cNvPr id="5" name="Text Placeholder 4"/>
           <p:cNvSpPr>
             <a:spLocks noGrp="1"/>
@@ -15447,29 +16154,6 @@
             <a:r>
               <a:rPr lang="en-US" dirty="0" smtClean="0"/>
               <a:t>Why it’s important</a:t>
-            </a:r>
-            <a:endParaRPr lang="en-US" dirty="0"/>
-          </a:p>
-        </p:txBody>
-      </p:sp>
-      <p:sp>
-        <p:nvSpPr>
-          <p:cNvPr id="4" name="Title 3"/>
-          <p:cNvSpPr>
-            <a:spLocks noGrp="1"/>
-          </p:cNvSpPr>
-          <p:nvPr>
-            <p:ph type="title"/>
-          </p:nvPr>
-        </p:nvSpPr>
-        <p:spPr/>
-        <p:txBody>
-          <a:bodyPr/>
-          <a:lstStyle/>
-          <a:p>
-            <a:r>
-              <a:rPr lang="en-US" dirty="0" smtClean="0"/>
-              <a:t>Testing</a:t>
             </a:r>
             <a:endParaRPr lang="en-US" dirty="0"/>
           </a:p>
@@ -15485,9 +16169,14 @@
   <p:clrMapOvr>
     <a:masterClrMapping/>
   </p:clrMapOvr>
-  <p:transition>
-    <p:fade/>
-  </p:transition>
+  <mc:AlternateContent xmlns:mc="http://schemas.openxmlformats.org/markup-compatibility/2006">
+    <mc:Choice xmlns:p14="http://schemas.microsoft.com/office/powerpoint/2010/main" Requires="p14">
+      <p:transition spd="slow" p14:dur="2000"/>
+    </mc:Choice>
+    <mc:Fallback>
+      <p:transition spd="slow"/>
+    </mc:Fallback>
+  </mc:AlternateContent>
   <p:timing>
     <p:tnLst>
       <p:par>
@@ -15616,7 +16305,14 @@
   <p:clrMapOvr>
     <a:masterClrMapping/>
   </p:clrMapOvr>
-  <p:transition/>
+  <mc:AlternateContent xmlns:mc="http://schemas.openxmlformats.org/markup-compatibility/2006">
+    <mc:Choice xmlns:p14="http://schemas.microsoft.com/office/powerpoint/2010/main" Requires="p14">
+      <p:transition spd="slow" p14:dur="2000"/>
+    </mc:Choice>
+    <mc:Fallback>
+      <p:transition spd="slow"/>
+    </mc:Fallback>
+  </mc:AlternateContent>
   <p:timing>
     <p:tnLst>
       <p:par>
@@ -15706,7 +16402,14 @@
   <p:clrMapOvr>
     <a:masterClrMapping/>
   </p:clrMapOvr>
-  <p:transition/>
+  <mc:AlternateContent xmlns:mc="http://schemas.openxmlformats.org/markup-compatibility/2006">
+    <mc:Choice xmlns:p14="http://schemas.microsoft.com/office/powerpoint/2010/main" Requires="p14">
+      <p:transition spd="slow" p14:dur="2000"/>
+    </mc:Choice>
+    <mc:Fallback>
+      <p:transition spd="slow"/>
+    </mc:Fallback>
+  </mc:AlternateContent>
   <p:timing>
     <p:tnLst>
       <p:par>
@@ -15796,7 +16499,14 @@
   <p:clrMapOvr>
     <a:masterClrMapping/>
   </p:clrMapOvr>
-  <p:transition/>
+  <mc:AlternateContent xmlns:mc="http://schemas.openxmlformats.org/markup-compatibility/2006">
+    <mc:Choice xmlns:p14="http://schemas.microsoft.com/office/powerpoint/2010/main" Requires="p14">
+      <p:transition spd="slow" p14:dur="2000"/>
+    </mc:Choice>
+    <mc:Fallback>
+      <p:transition spd="slow"/>
+    </mc:Fallback>
+  </mc:AlternateContent>
   <p:timing>
     <p:tnLst>
       <p:par>
@@ -15929,7 +16639,14 @@
   <p:clrMapOvr>
     <a:masterClrMapping/>
   </p:clrMapOvr>
-  <p:transition/>
+  <mc:AlternateContent xmlns:mc="http://schemas.openxmlformats.org/markup-compatibility/2006">
+    <mc:Choice xmlns:p14="http://schemas.microsoft.com/office/powerpoint/2010/main" Requires="p14">
+      <p:transition spd="slow" p14:dur="2000"/>
+    </mc:Choice>
+    <mc:Fallback>
+      <p:transition spd="slow"/>
+    </mc:Fallback>
+  </mc:AlternateContent>
   <p:timing>
     <p:tnLst>
       <p:par>
@@ -15996,7 +16713,14 @@
   <p:clrMapOvr>
     <a:masterClrMapping/>
   </p:clrMapOvr>
-  <p:transition/>
+  <mc:AlternateContent xmlns:mc="http://schemas.openxmlformats.org/markup-compatibility/2006">
+    <mc:Choice xmlns:p14="http://schemas.microsoft.com/office/powerpoint/2010/main" Requires="p14">
+      <p:transition spd="slow" p14:dur="2000"/>
+    </mc:Choice>
+    <mc:Fallback>
+      <p:transition spd="slow"/>
+    </mc:Fallback>
+  </mc:AlternateContent>
   <p:timing>
     <p:tnLst>
       <p:par>
@@ -16111,7 +16835,14 @@
   <p:clrMapOvr>
     <a:masterClrMapping/>
   </p:clrMapOvr>
-  <p:transition/>
+  <mc:AlternateContent xmlns:mc="http://schemas.openxmlformats.org/markup-compatibility/2006">
+    <mc:Choice xmlns:p14="http://schemas.microsoft.com/office/powerpoint/2010/main" Requires="p14">
+      <p:transition spd="slow" p14:dur="2000"/>
+    </mc:Choice>
+    <mc:Fallback>
+      <p:transition spd="slow"/>
+    </mc:Fallback>
+  </mc:AlternateContent>
   <p:timing>
     <p:tnLst>
       <p:par>
@@ -16267,7 +16998,14 @@
   <p:clrMapOvr>
     <a:masterClrMapping/>
   </p:clrMapOvr>
-  <p:transition/>
+  <mc:AlternateContent xmlns:mc="http://schemas.openxmlformats.org/markup-compatibility/2006">
+    <mc:Choice xmlns:p14="http://schemas.microsoft.com/office/powerpoint/2010/main" Requires="p14">
+      <p:transition spd="slow" p14:dur="2000"/>
+    </mc:Choice>
+    <mc:Fallback>
+      <p:transition spd="slow"/>
+    </mc:Fallback>
+  </mc:AlternateContent>
   <p:timing>
     <p:tnLst>
       <p:par>
@@ -16447,7 +17185,14 @@
   <p:clrMapOvr>
     <a:masterClrMapping/>
   </p:clrMapOvr>
-  <p:transition/>
+  <mc:AlternateContent xmlns:mc="http://schemas.openxmlformats.org/markup-compatibility/2006">
+    <mc:Choice xmlns:p14="http://schemas.microsoft.com/office/powerpoint/2010/main" Requires="p14">
+      <p:transition spd="slow" p14:dur="2000"/>
+    </mc:Choice>
+    <mc:Fallback>
+      <p:transition spd="slow"/>
+    </mc:Fallback>
+  </mc:AlternateContent>
   <p:timing>
     <p:tnLst>
       <p:par>
@@ -16988,7 +17733,14 @@
   <p:clrMapOvr>
     <a:masterClrMapping/>
   </p:clrMapOvr>
-  <p:transition/>
+  <mc:AlternateContent xmlns:mc="http://schemas.openxmlformats.org/markup-compatibility/2006">
+    <mc:Choice xmlns:p14="http://schemas.microsoft.com/office/powerpoint/2010/main" Requires="p14">
+      <p:transition spd="slow" p14:dur="2000"/>
+    </mc:Choice>
+    <mc:Fallback>
+      <p:transition spd="slow"/>
+    </mc:Fallback>
+  </mc:AlternateContent>
   <p:timing>
     <p:tnLst>
       <p:par>
@@ -17414,7 +18166,14 @@
   <p:clrMapOvr>
     <a:masterClrMapping/>
   </p:clrMapOvr>
-  <p:transition/>
+  <mc:AlternateContent xmlns:mc="http://schemas.openxmlformats.org/markup-compatibility/2006">
+    <mc:Choice xmlns:p14="http://schemas.microsoft.com/office/powerpoint/2010/main" Requires="p14">
+      <p:transition spd="slow" p14:dur="2000"/>
+    </mc:Choice>
+    <mc:Fallback>
+      <p:transition spd="slow"/>
+    </mc:Fallback>
+  </mc:AlternateContent>
   <p:timing>
     <p:tnLst>
       <p:par>
@@ -17516,13 +18275,7 @@
               <a:rPr lang="en-GB" sz="2800" dirty="0" smtClean="0">
                 <a:latin typeface="Cachet Pro Book" pitchFamily="34" charset="0"/>
               </a:rPr>
-              <a:t>For existing </a:t>
-            </a:r>
-            <a:r>
-              <a:rPr lang="en-GB" sz="2800" dirty="0" smtClean="0">
-                <a:latin typeface="Cachet Pro Book" pitchFamily="34" charset="0"/>
-              </a:rPr>
-              <a:t>installations</a:t>
+              <a:t>For existing installations</a:t>
             </a:r>
           </a:p>
           <a:p>
@@ -17532,9 +18285,6 @@
               </a:rPr>
               <a:t>Developed by comparing our up-to-date database to production/test</a:t>
             </a:r>
-            <a:endParaRPr lang="en-GB" sz="3000" dirty="0" smtClean="0">
-              <a:latin typeface="Cachet Pro Book" pitchFamily="34" charset="0"/>
-            </a:endParaRPr>
           </a:p>
           <a:p>
             <a:endParaRPr lang="en-GB" sz="3000" dirty="0" smtClean="0">
@@ -17576,7 +18326,14 @@
   <p:clrMapOvr>
     <a:masterClrMapping/>
   </p:clrMapOvr>
-  <p:transition/>
+  <mc:AlternateContent xmlns:mc="http://schemas.openxmlformats.org/markup-compatibility/2006">
+    <mc:Choice xmlns:p14="http://schemas.microsoft.com/office/powerpoint/2010/main" Requires="p14">
+      <p:transition spd="slow" p14:dur="2000"/>
+    </mc:Choice>
+    <mc:Fallback>
+      <p:transition spd="slow"/>
+    </mc:Fallback>
+  </mc:AlternateContent>
   <p:timing>
     <p:tnLst>
       <p:par>
@@ -17666,7 +18423,14 @@
   <p:clrMapOvr>
     <a:masterClrMapping/>
   </p:clrMapOvr>
-  <p:transition/>
+  <mc:AlternateContent xmlns:mc="http://schemas.openxmlformats.org/markup-compatibility/2006">
+    <mc:Choice xmlns:p14="http://schemas.microsoft.com/office/powerpoint/2010/main" Requires="p14">
+      <p:transition spd="slow" p14:dur="2000"/>
+    </mc:Choice>
+    <mc:Fallback>
+      <p:transition spd="slow"/>
+    </mc:Fallback>
+  </mc:AlternateContent>
   <p:timing>
     <p:tnLst>
       <p:par>
@@ -17792,7 +18556,14 @@
   <p:clrMapOvr>
     <a:masterClrMapping/>
   </p:clrMapOvr>
-  <p:transition/>
+  <mc:AlternateContent xmlns:mc="http://schemas.openxmlformats.org/markup-compatibility/2006">
+    <mc:Choice xmlns:p14="http://schemas.microsoft.com/office/powerpoint/2010/main" Requires="p14">
+      <p:transition spd="slow" p14:dur="2000"/>
+    </mc:Choice>
+    <mc:Fallback>
+      <p:transition spd="slow"/>
+    </mc:Fallback>
+  </mc:AlternateContent>
   <p:timing>
     <p:tnLst>
       <p:par>
@@ -18288,7 +19059,14 @@
   <p:clrMapOvr>
     <a:masterClrMapping/>
   </p:clrMapOvr>
-  <p:transition/>
+  <mc:AlternateContent xmlns:mc="http://schemas.openxmlformats.org/markup-compatibility/2006">
+    <mc:Choice xmlns:p14="http://schemas.microsoft.com/office/powerpoint/2010/main" Requires="p14">
+      <p:transition spd="slow" p14:dur="2000"/>
+    </mc:Choice>
+    <mc:Fallback>
+      <p:transition spd="slow"/>
+    </mc:Fallback>
+  </mc:AlternateContent>
   <p:timing>
     <p:tnLst>
       <p:par>
@@ -18873,7 +19651,14 @@
   <p:clrMapOvr>
     <a:masterClrMapping/>
   </p:clrMapOvr>
-  <p:transition/>
+  <mc:AlternateContent xmlns:mc="http://schemas.openxmlformats.org/markup-compatibility/2006">
+    <mc:Choice xmlns:p14="http://schemas.microsoft.com/office/powerpoint/2010/main" Requires="p14">
+      <p:transition spd="slow" p14:dur="2000"/>
+    </mc:Choice>
+    <mc:Fallback>
+      <p:transition spd="slow"/>
+    </mc:Fallback>
+  </mc:AlternateContent>
   <p:timing>
     <p:tnLst>
       <p:par>
@@ -19108,7 +19893,7 @@
         </p:spPr>
         <p:txBody>
           <a:bodyPr>
-            <a:normAutofit/>
+            <a:normAutofit fontScale="90000"/>
           </a:bodyPr>
           <a:lstStyle/>
           <a:p>
@@ -19209,7 +19994,14 @@
   <p:clrMapOvr>
     <a:masterClrMapping/>
   </p:clrMapOvr>
-  <p:transition/>
+  <mc:AlternateContent xmlns:mc="http://schemas.openxmlformats.org/markup-compatibility/2006">
+    <mc:Choice xmlns:p14="http://schemas.microsoft.com/office/powerpoint/2010/main" Requires="p14">
+      <p:transition spd="slow" p14:dur="2000"/>
+    </mc:Choice>
+    <mc:Fallback>
+      <p:transition spd="slow"/>
+    </mc:Fallback>
+  </mc:AlternateContent>
   <p:timing>
     <p:tnLst>
       <p:par>
@@ -19374,7 +20166,14 @@
   <p:clrMapOvr>
     <a:masterClrMapping/>
   </p:clrMapOvr>
-  <p:transition/>
+  <mc:AlternateContent xmlns:mc="http://schemas.openxmlformats.org/markup-compatibility/2006">
+    <mc:Choice xmlns:p14="http://schemas.microsoft.com/office/powerpoint/2010/main" Requires="p14">
+      <p:transition spd="slow" p14:dur="2000"/>
+    </mc:Choice>
+    <mc:Fallback>
+      <p:transition spd="slow"/>
+    </mc:Fallback>
+  </mc:AlternateContent>
   <p:timing>
     <p:tnLst>
       <p:par>
@@ -19638,7 +20437,14 @@
   <p:clrMapOvr>
     <a:masterClrMapping/>
   </p:clrMapOvr>
-  <p:transition/>
+  <mc:AlternateContent xmlns:mc="http://schemas.openxmlformats.org/markup-compatibility/2006">
+    <mc:Choice xmlns:p14="http://schemas.microsoft.com/office/powerpoint/2010/main" Requires="p14">
+      <p:transition spd="slow" p14:dur="2000"/>
+    </mc:Choice>
+    <mc:Fallback>
+      <p:transition spd="slow"/>
+    </mc:Fallback>
+  </mc:AlternateContent>
   <p:timing>
     <p:tnLst>
       <p:par>
@@ -19905,7 +20711,14 @@
   <p:clrMapOvr>
     <a:masterClrMapping/>
   </p:clrMapOvr>
-  <p:transition/>
+  <mc:AlternateContent xmlns:mc="http://schemas.openxmlformats.org/markup-compatibility/2006">
+    <mc:Choice xmlns:p14="http://schemas.microsoft.com/office/powerpoint/2010/main" Requires="p14">
+      <p:transition spd="slow" p14:dur="2000"/>
+    </mc:Choice>
+    <mc:Fallback>
+      <p:transition spd="slow"/>
+    </mc:Fallback>
+  </mc:AlternateContent>
   <p:timing>
     <p:tnLst>
       <p:par>
@@ -20239,7 +21052,7 @@
   <a:extraClrSchemeLst/>
   <a:extLst>
     <a:ext uri="{05A4C25C-085E-4340-85A3-A5531E510DB2}">
-      <thm15:themeFamily xmlns="" xmlns:thm15="http://schemas.microsoft.com/office/thememl/2012/main" name="SITC13_PPT_update.potx" id="{5AF91B14-2A39-491A-A3BD-F8379BE90EBD}" vid="{BF63E6B5-D09C-44C8-94C4-6826313174BD}"/>
+      <thm15:themeFamily xmlns:thm15="http://schemas.microsoft.com/office/thememl/2012/main" xmlns="" name="SITC13_PPT_update.potx" id="{5AF91B14-2A39-491A-A3BD-F8379BE90EBD}" vid="{BF63E6B5-D09C-44C8-94C4-6826313174BD}"/>
     </a:ext>
   </a:extLst>
 </a:theme>

--- a/CI for Databases.pptx
+++ b/CI for Databases.pptx
@@ -6,49 +6,55 @@
     <p:sldMasterId id="2147483792" r:id="rId2"/>
   </p:sldMasterIdLst>
   <p:notesMasterIdLst>
-    <p:notesMasterId r:id="rId40"/>
+    <p:notesMasterId r:id="rId46"/>
   </p:notesMasterIdLst>
   <p:handoutMasterIdLst>
-    <p:handoutMasterId r:id="rId41"/>
+    <p:handoutMasterId r:id="rId47"/>
   </p:handoutMasterIdLst>
   <p:sldIdLst>
-    <p:sldId id="256" r:id="rId3"/>
-    <p:sldId id="261" r:id="rId4"/>
-    <p:sldId id="339" r:id="rId5"/>
-    <p:sldId id="268" r:id="rId6"/>
-    <p:sldId id="308" r:id="rId7"/>
-    <p:sldId id="279" r:id="rId8"/>
-    <p:sldId id="266" r:id="rId9"/>
-    <p:sldId id="332" r:id="rId10"/>
-    <p:sldId id="333" r:id="rId11"/>
-    <p:sldId id="331" r:id="rId12"/>
-    <p:sldId id="334" r:id="rId13"/>
-    <p:sldId id="337" r:id="rId14"/>
-    <p:sldId id="336" r:id="rId15"/>
-    <p:sldId id="310" r:id="rId16"/>
-    <p:sldId id="323" r:id="rId17"/>
-    <p:sldId id="328" r:id="rId18"/>
-    <p:sldId id="326" r:id="rId19"/>
-    <p:sldId id="327" r:id="rId20"/>
-    <p:sldId id="324" r:id="rId21"/>
-    <p:sldId id="293" r:id="rId22"/>
-    <p:sldId id="309" r:id="rId23"/>
-    <p:sldId id="272" r:id="rId24"/>
-    <p:sldId id="316" r:id="rId25"/>
-    <p:sldId id="318" r:id="rId26"/>
-    <p:sldId id="322" r:id="rId27"/>
-    <p:sldId id="317" r:id="rId28"/>
-    <p:sldId id="319" r:id="rId29"/>
-    <p:sldId id="274" r:id="rId30"/>
-    <p:sldId id="267" r:id="rId31"/>
-    <p:sldId id="329" r:id="rId32"/>
-    <p:sldId id="297" r:id="rId33"/>
-    <p:sldId id="321" r:id="rId34"/>
-    <p:sldId id="301" r:id="rId35"/>
-    <p:sldId id="300" r:id="rId36"/>
-    <p:sldId id="338" r:id="rId37"/>
-    <p:sldId id="330" r:id="rId38"/>
-    <p:sldId id="314" r:id="rId39"/>
+    <p:sldId id="344" r:id="rId3"/>
+    <p:sldId id="343" r:id="rId4"/>
+    <p:sldId id="261" r:id="rId5"/>
+    <p:sldId id="340" r:id="rId6"/>
+    <p:sldId id="268" r:id="rId7"/>
+    <p:sldId id="308" r:id="rId8"/>
+    <p:sldId id="341" r:id="rId9"/>
+    <p:sldId id="342" r:id="rId10"/>
+    <p:sldId id="279" r:id="rId11"/>
+    <p:sldId id="266" r:id="rId12"/>
+    <p:sldId id="332" r:id="rId13"/>
+    <p:sldId id="333" r:id="rId14"/>
+    <p:sldId id="331" r:id="rId15"/>
+    <p:sldId id="334" r:id="rId16"/>
+    <p:sldId id="337" r:id="rId17"/>
+    <p:sldId id="336" r:id="rId18"/>
+    <p:sldId id="346" r:id="rId19"/>
+    <p:sldId id="310" r:id="rId20"/>
+    <p:sldId id="323" r:id="rId21"/>
+    <p:sldId id="328" r:id="rId22"/>
+    <p:sldId id="326" r:id="rId23"/>
+    <p:sldId id="327" r:id="rId24"/>
+    <p:sldId id="324" r:id="rId25"/>
+    <p:sldId id="293" r:id="rId26"/>
+    <p:sldId id="309" r:id="rId27"/>
+    <p:sldId id="272" r:id="rId28"/>
+    <p:sldId id="316" r:id="rId29"/>
+    <p:sldId id="318" r:id="rId30"/>
+    <p:sldId id="322" r:id="rId31"/>
+    <p:sldId id="317" r:id="rId32"/>
+    <p:sldId id="319" r:id="rId33"/>
+    <p:sldId id="274" r:id="rId34"/>
+    <p:sldId id="267" r:id="rId35"/>
+    <p:sldId id="347" r:id="rId36"/>
+    <p:sldId id="329" r:id="rId37"/>
+    <p:sldId id="297" r:id="rId38"/>
+    <p:sldId id="348" r:id="rId39"/>
+    <p:sldId id="321" r:id="rId40"/>
+    <p:sldId id="301" r:id="rId41"/>
+    <p:sldId id="300" r:id="rId42"/>
+    <p:sldId id="345" r:id="rId43"/>
+    <p:sldId id="330" r:id="rId44"/>
+    <p:sldId id="314" r:id="rId45"/>
   </p:sldIdLst>
   <p:sldSz cx="9144000" cy="6858000" type="screen4x3"/>
   <p:notesSz cx="6858000" cy="9144000"/>
@@ -730,7 +736,7 @@
           <a:p>
             <a:fld id="{59FE0556-36F6-B243-8FCD-1683CAD586D9}" type="slidenum">
               <a:rPr lang="en-US" smtClean="0"/>
-              <a:t>2</a:t>
+              <a:t>3</a:t>
             </a:fld>
             <a:endParaRPr lang="en-US"/>
           </a:p>
@@ -794,24 +800,63 @@
           <a:lstStyle/>
           <a:p>
             <a:r>
-              <a:rPr lang="en-GB" dirty="0" smtClean="0"/>
-              <a:t>Ther</a:t>
-            </a:r>
-            <a:r>
               <a:rPr lang="en-GB" baseline="0" dirty="0" smtClean="0"/>
-              <a:t>e are pre-</a:t>
-            </a:r>
+              <a:t>Show of hands for SQL Developer Bundle.</a:t>
+            </a:r>
+          </a:p>
+          <a:p>
             <a:r>
               <a:rPr lang="en-GB" baseline="0" dirty="0" err="1" smtClean="0"/>
-              <a:t>dev</a:t>
+              <a:t>TeamCity</a:t>
             </a:r>
             <a:r>
               <a:rPr lang="en-GB" baseline="0" dirty="0" smtClean="0"/>
-              <a:t> phases where testing could also happen –requirements analysis, architecture, functional specification.</a:t>
-            </a:r>
-            <a:endParaRPr lang="en-GB" dirty="0" smtClean="0"/>
-          </a:p>
-          <a:p>
+              <a:t> is used at Red Gate but *any* build server can be used, </a:t>
+            </a:r>
+            <a:r>
+              <a:rPr lang="en-GB" baseline="0" dirty="0" err="1" smtClean="0"/>
+              <a:t>eg</a:t>
+            </a:r>
+            <a:r>
+              <a:rPr lang="en-GB" baseline="0" dirty="0" smtClean="0"/>
+              <a:t>:</a:t>
+            </a:r>
+          </a:p>
+          <a:p>
+            <a:r>
+              <a:rPr lang="en-GB" baseline="0" dirty="0" smtClean="0"/>
+              <a:t>Jenkins, Hudson, TFS Build, </a:t>
+            </a:r>
+            <a:r>
+              <a:rPr lang="en-GB" baseline="0" dirty="0" err="1" smtClean="0"/>
+              <a:t>CruiseControl</a:t>
+            </a:r>
+            <a:r>
+              <a:rPr lang="en-GB" baseline="0" dirty="0" smtClean="0"/>
+              <a:t>, Bamboo, etc.</a:t>
+            </a:r>
+          </a:p>
+          <a:p>
+            <a:r>
+              <a:rPr lang="en-GB" baseline="0" dirty="0" smtClean="0"/>
+              <a:t>There is a sqlci.exe command line, and </a:t>
+            </a:r>
+            <a:r>
+              <a:rPr lang="en-GB" baseline="0" dirty="0" err="1" smtClean="0"/>
+              <a:t>NAnt</a:t>
+            </a:r>
+            <a:r>
+              <a:rPr lang="en-GB" baseline="0" dirty="0" smtClean="0"/>
+              <a:t> and </a:t>
+            </a:r>
+            <a:r>
+              <a:rPr lang="en-GB" baseline="0" dirty="0" err="1" smtClean="0"/>
+              <a:t>MSBuild</a:t>
+            </a:r>
+            <a:r>
+              <a:rPr lang="en-GB" baseline="0" dirty="0" smtClean="0"/>
+              <a:t> template wrappers available.</a:t>
+            </a:r>
             <a:endParaRPr lang="en-GB" dirty="0"/>
           </a:p>
         </p:txBody>
@@ -833,7 +878,7 @@
           <a:p>
             <a:fld id="{59FE0556-36F6-B243-8FCD-1683CAD586D9}" type="slidenum">
               <a:rPr lang="en-US" smtClean="0"/>
-              <a:t>22</a:t>
+              <a:t>16</a:t>
             </a:fld>
             <a:endParaRPr lang="en-US"/>
           </a:p>
@@ -842,7 +887,7 @@
     </p:spTree>
     <p:extLst>
       <p:ext uri="{BB962C8B-B14F-4D97-AF65-F5344CB8AC3E}">
-        <p14:creationId xmlns:p14="http://schemas.microsoft.com/office/powerpoint/2010/main" val="4066134521"/>
+        <p14:creationId xmlns:p14="http://schemas.microsoft.com/office/powerpoint/2010/main" val="1239914238"/>
       </p:ext>
     </p:extLst>
   </p:cSld>
@@ -879,7 +924,12 @@
             <p:ph type="sldImg"/>
           </p:nvPr>
         </p:nvSpPr>
-        <p:spPr/>
+        <p:spPr>
+          <a:xfrm>
+            <a:off x="1143000" y="685800"/>
+            <a:ext cx="4572000" cy="3429000"/>
+          </a:xfrm>
+        </p:spPr>
       </p:sp>
       <p:sp>
         <p:nvSpPr>
@@ -897,32 +947,14 @@
           <a:lstStyle/>
           <a:p>
             <a:r>
-              <a:rPr lang="en-GB" dirty="0" smtClean="0"/>
-              <a:t>Testing in</a:t>
-            </a:r>
-            <a:r>
-              <a:rPr lang="en-GB" baseline="0" dirty="0" smtClean="0"/>
-              <a:t> development is preferred as the costs as low, or relatively low compared to finding bugs and issues later.</a:t>
-            </a:r>
-          </a:p>
-          <a:p>
-            <a:r>
-              <a:rPr lang="en-GB" baseline="0" dirty="0" smtClean="0"/>
-              <a:t>The lower costs come because testing is done in one team, or with one person. The changes are also discrete in that there aren’t a large bundle of changes being put together over time for deployment. Small bits of change are occurring.</a:t>
-            </a:r>
-          </a:p>
-          <a:p>
-            <a:r>
-              <a:rPr lang="en-GB" baseline="0" dirty="0" smtClean="0"/>
-              <a:t>However there are more changes, which means more costs to the tests and running a suite of tests.</a:t>
-            </a:r>
-          </a:p>
-          <a:p>
-            <a:r>
-              <a:rPr lang="en-GB" baseline="0" dirty="0" smtClean="0"/>
-              <a:t>The key here is automation.</a:t>
-            </a:r>
-            <a:endParaRPr lang="en-GB" dirty="0"/>
+              <a:rPr lang="en-US" dirty="0" smtClean="0"/>
+              <a:t>Needs a new name, but</a:t>
+            </a:r>
+            <a:r>
+              <a:rPr lang="en-US" baseline="0" dirty="0" smtClean="0"/>
+              <a:t> this is where we talk about our demo app slightly (or code). Give a first requirement we need to do.</a:t>
+            </a:r>
+            <a:endParaRPr lang="en-US" dirty="0"/>
           </a:p>
         </p:txBody>
       </p:sp>
@@ -941,9 +973,9 @@
           <a:bodyPr/>
           <a:lstStyle/>
           <a:p>
-            <a:fld id="{59FE0556-36F6-B243-8FCD-1683CAD586D9}" type="slidenum">
+            <a:fld id="{737EB954-88EE-45B2-878D-41C5C083E9B9}" type="slidenum">
               <a:rPr lang="en-US" smtClean="0"/>
-              <a:t>28</a:t>
+              <a:t>17</a:t>
             </a:fld>
             <a:endParaRPr lang="en-US"/>
           </a:p>
@@ -952,7 +984,7 @@
     </p:spTree>
     <p:extLst>
       <p:ext uri="{BB962C8B-B14F-4D97-AF65-F5344CB8AC3E}">
-        <p14:creationId xmlns:p14="http://schemas.microsoft.com/office/powerpoint/2010/main" val="927918779"/>
+        <p14:creationId xmlns:p14="http://schemas.microsoft.com/office/powerpoint/2010/main" val="4284040156"/>
       </p:ext>
     </p:extLst>
   </p:cSld>
@@ -1006,104 +1038,23 @@
           <a:bodyPr/>
           <a:lstStyle/>
           <a:p>
-            <a:pPr lvl="0"/>
-            <a:r>
-              <a:rPr lang="en-GB" sz="1200" kern="1200" dirty="0" smtClean="0">
-                <a:solidFill>
-                  <a:schemeClr val="tx1"/>
-                </a:solidFill>
-                <a:effectLst/>
-                <a:latin typeface="+mn-lt"/>
-                <a:ea typeface="+mn-ea"/>
-                <a:cs typeface="+mn-cs"/>
-              </a:rPr>
-              <a:t>Although</a:t>
-            </a:r>
-            <a:r>
-              <a:rPr lang="en-GB" sz="1200" kern="1200" baseline="0" dirty="0" smtClean="0">
-                <a:solidFill>
-                  <a:schemeClr val="tx1"/>
-                </a:solidFill>
-                <a:effectLst/>
-                <a:latin typeface="+mn-lt"/>
-                <a:ea typeface="+mn-ea"/>
-                <a:cs typeface="+mn-cs"/>
-              </a:rPr>
-              <a:t> CI c</a:t>
-            </a:r>
-            <a:r>
-              <a:rPr lang="en-GB" sz="1200" kern="1200" dirty="0" smtClean="0">
-                <a:solidFill>
-                  <a:schemeClr val="tx1"/>
-                </a:solidFill>
-                <a:effectLst/>
-                <a:latin typeface="+mn-lt"/>
-                <a:ea typeface="+mn-ea"/>
-                <a:cs typeface="+mn-cs"/>
-              </a:rPr>
-              <a:t>atches issues that arise when developers have failed run tests locally, also solving a different problem:</a:t>
-            </a:r>
-          </a:p>
-          <a:p>
-            <a:pPr lvl="0"/>
-            <a:r>
-              <a:rPr lang="en-GB" sz="1200" kern="1200" dirty="0" smtClean="0">
-                <a:solidFill>
-                  <a:schemeClr val="tx1"/>
-                </a:solidFill>
-                <a:effectLst/>
-                <a:latin typeface="+mn-lt"/>
-                <a:ea typeface="+mn-ea"/>
-                <a:cs typeface="+mn-cs"/>
-              </a:rPr>
-              <a:t>- Two incompatible changes committed by different developers</a:t>
-            </a:r>
-          </a:p>
-          <a:p>
-            <a:pPr marL="0" marR="0" lvl="0" indent="0" algn="l" defTabSz="457200" rtl="0" eaLnBrk="1" fontAlgn="auto" latinLnBrk="0" hangingPunct="1">
-              <a:lnSpc>
-                <a:spcPct val="100000"/>
-              </a:lnSpc>
-              <a:spcBef>
-                <a:spcPts val="0"/>
-              </a:spcBef>
-              <a:spcAft>
-                <a:spcPts val="0"/>
-              </a:spcAft>
-              <a:buClrTx/>
-              <a:buSzTx/>
-              <a:buFontTx/>
-              <a:buNone/>
-              <a:tabLst/>
-              <a:defRPr/>
-            </a:pPr>
-            <a:r>
-              <a:rPr lang="en-GB" sz="1200" kern="1200" dirty="0" smtClean="0">
-                <a:solidFill>
-                  <a:schemeClr val="tx1"/>
-                </a:solidFill>
-                <a:effectLst/>
-                <a:latin typeface="+mn-lt"/>
-                <a:ea typeface="+mn-ea"/>
-                <a:cs typeface="+mn-cs"/>
-              </a:rPr>
-              <a:t>- “Works on my machine” in development.</a:t>
-            </a:r>
-          </a:p>
-          <a:p>
-            <a:pPr lvl="0"/>
-            <a:r>
-              <a:rPr lang="en-GB" sz="1200" kern="1200" dirty="0" smtClean="0">
-                <a:solidFill>
-                  <a:schemeClr val="tx1"/>
-                </a:solidFill>
-                <a:effectLst/>
-                <a:latin typeface="+mn-lt"/>
-                <a:ea typeface="+mn-ea"/>
-                <a:cs typeface="+mn-cs"/>
-              </a:rPr>
-              <a:t>Issues that only arise in more realistic integration environments. </a:t>
-            </a:r>
+            <a:r>
+              <a:rPr lang="en-GB" dirty="0" smtClean="0"/>
+              <a:t>Ther</a:t>
+            </a:r>
+            <a:r>
+              <a:rPr lang="en-GB" baseline="0" dirty="0" smtClean="0"/>
+              <a:t>e are pre-</a:t>
+            </a:r>
+            <a:r>
+              <a:rPr lang="en-GB" baseline="0" dirty="0" err="1" smtClean="0"/>
+              <a:t>dev</a:t>
+            </a:r>
+            <a:r>
+              <a:rPr lang="en-GB" baseline="0" dirty="0" smtClean="0"/>
+              <a:t> phases where testing could also happen –requirements analysis, architecture, functional specification.</a:t>
+            </a:r>
+            <a:endParaRPr lang="en-GB" dirty="0" smtClean="0"/>
           </a:p>
           <a:p>
             <a:endParaRPr lang="en-GB" dirty="0"/>
@@ -1127,7 +1078,7 @@
           <a:p>
             <a:fld id="{59FE0556-36F6-B243-8FCD-1683CAD586D9}" type="slidenum">
               <a:rPr lang="en-US" smtClean="0"/>
-              <a:t>29</a:t>
+              <a:t>26</a:t>
             </a:fld>
             <a:endParaRPr lang="en-US"/>
           </a:p>
@@ -1136,7 +1087,7 @@
     </p:spTree>
     <p:extLst>
       <p:ext uri="{BB962C8B-B14F-4D97-AF65-F5344CB8AC3E}">
-        <p14:creationId xmlns:p14="http://schemas.microsoft.com/office/powerpoint/2010/main" val="1704879004"/>
+        <p14:creationId xmlns:p14="http://schemas.microsoft.com/office/powerpoint/2010/main" val="4066134521"/>
       </p:ext>
     </p:extLst>
   </p:cSld>
@@ -1190,40 +1141,32 @@
           <a:bodyPr/>
           <a:lstStyle/>
           <a:p>
-            <a:pPr marL="0" marR="0" lvl="1" indent="0" algn="l" defTabSz="457200" rtl="0" eaLnBrk="1" fontAlgn="auto" latinLnBrk="0" hangingPunct="1">
-              <a:lnSpc>
-                <a:spcPct val="100000"/>
-              </a:lnSpc>
-              <a:spcBef>
-                <a:spcPts val="0"/>
-              </a:spcBef>
-              <a:spcAft>
-                <a:spcPts val="0"/>
-              </a:spcAft>
-              <a:buClrTx/>
-              <a:buSzTx/>
-              <a:buFontTx/>
-              <a:buNone/>
-              <a:tabLst/>
-              <a:defRPr/>
-            </a:pPr>
-            <a:r>
-              <a:rPr lang="en-GB" dirty="0" smtClean="0">
-                <a:latin typeface="Cachet Pro Book" pitchFamily="34" charset="0"/>
-              </a:rPr>
-              <a:t>Creates database packages, used for reliable and repeatable</a:t>
-            </a:r>
-            <a:r>
-              <a:rPr lang="en-GB" baseline="0" dirty="0" smtClean="0">
-                <a:latin typeface="Cachet Pro Book" pitchFamily="34" charset="0"/>
-              </a:rPr>
-              <a:t> deployments</a:t>
-            </a:r>
-            <a:endParaRPr lang="en-GB" dirty="0" smtClean="0">
-              <a:latin typeface="Cachet Pro Book" pitchFamily="34" charset="0"/>
-            </a:endParaRPr>
-          </a:p>
-          <a:p>
+            <a:r>
+              <a:rPr lang="en-GB" dirty="0" smtClean="0"/>
+              <a:t>Testing in</a:t>
+            </a:r>
+            <a:r>
+              <a:rPr lang="en-GB" baseline="0" dirty="0" smtClean="0"/>
+              <a:t> development is preferred as the costs as low, or relatively low compared to finding bugs and issues later.</a:t>
+            </a:r>
+          </a:p>
+          <a:p>
+            <a:r>
+              <a:rPr lang="en-GB" baseline="0" dirty="0" smtClean="0"/>
+              <a:t>The lower costs come because testing is done in one team, or with one person. The changes are also discrete in that there aren’t a large bundle of changes being put together over time for deployment. Small bits of change are occurring.</a:t>
+            </a:r>
+          </a:p>
+          <a:p>
+            <a:r>
+              <a:rPr lang="en-GB" baseline="0" dirty="0" smtClean="0"/>
+              <a:t>However there are more changes, which means more costs to the tests and running a suite of tests.</a:t>
+            </a:r>
+          </a:p>
+          <a:p>
+            <a:r>
+              <a:rPr lang="en-GB" baseline="0" dirty="0" smtClean="0"/>
+              <a:t>The key here is automation.</a:t>
+            </a:r>
             <a:endParaRPr lang="en-GB" dirty="0"/>
           </a:p>
         </p:txBody>
@@ -1245,7 +1188,7 @@
           <a:p>
             <a:fld id="{59FE0556-36F6-B243-8FCD-1683CAD586D9}" type="slidenum">
               <a:rPr lang="en-US" smtClean="0"/>
-              <a:t>34</a:t>
+              <a:t>32</a:t>
             </a:fld>
             <a:endParaRPr lang="en-US"/>
           </a:p>
@@ -1254,7 +1197,7 @@
     </p:spTree>
     <p:extLst>
       <p:ext uri="{BB962C8B-B14F-4D97-AF65-F5344CB8AC3E}">
-        <p14:creationId xmlns:p14="http://schemas.microsoft.com/office/powerpoint/2010/main" val="3326004584"/>
+        <p14:creationId xmlns:p14="http://schemas.microsoft.com/office/powerpoint/2010/main" val="927918779"/>
       </p:ext>
     </p:extLst>
   </p:cSld>
@@ -1308,11 +1251,107 @@
           <a:bodyPr/>
           <a:lstStyle/>
           <a:p>
-            <a:r>
-              <a:rPr lang="en-US" dirty="0" smtClean="0"/>
-              <a:t>http://www.manageware.co.il/solution/portfolio/auto-deploy/</a:t>
-            </a:r>
-            <a:endParaRPr lang="en-US" dirty="0"/>
+            <a:pPr lvl="0"/>
+            <a:r>
+              <a:rPr lang="en-GB" sz="1200" kern="1200" dirty="0" smtClean="0">
+                <a:solidFill>
+                  <a:schemeClr val="tx1"/>
+                </a:solidFill>
+                <a:effectLst/>
+                <a:latin typeface="+mn-lt"/>
+                <a:ea typeface="+mn-ea"/>
+                <a:cs typeface="+mn-cs"/>
+              </a:rPr>
+              <a:t>Although</a:t>
+            </a:r>
+            <a:r>
+              <a:rPr lang="en-GB" sz="1200" kern="1200" baseline="0" dirty="0" smtClean="0">
+                <a:solidFill>
+                  <a:schemeClr val="tx1"/>
+                </a:solidFill>
+                <a:effectLst/>
+                <a:latin typeface="+mn-lt"/>
+                <a:ea typeface="+mn-ea"/>
+                <a:cs typeface="+mn-cs"/>
+              </a:rPr>
+              <a:t> CI c</a:t>
+            </a:r>
+            <a:r>
+              <a:rPr lang="en-GB" sz="1200" kern="1200" dirty="0" smtClean="0">
+                <a:solidFill>
+                  <a:schemeClr val="tx1"/>
+                </a:solidFill>
+                <a:effectLst/>
+                <a:latin typeface="+mn-lt"/>
+                <a:ea typeface="+mn-ea"/>
+                <a:cs typeface="+mn-cs"/>
+              </a:rPr>
+              <a:t>atches issues that arise when developers have failed run tests locally, also solving a different problem:</a:t>
+            </a:r>
+          </a:p>
+          <a:p>
+            <a:pPr lvl="0"/>
+            <a:r>
+              <a:rPr lang="en-GB" sz="1200" kern="1200" dirty="0" smtClean="0">
+                <a:solidFill>
+                  <a:schemeClr val="tx1"/>
+                </a:solidFill>
+                <a:effectLst/>
+                <a:latin typeface="+mn-lt"/>
+                <a:ea typeface="+mn-ea"/>
+                <a:cs typeface="+mn-cs"/>
+              </a:rPr>
+              <a:t>- Two incompatible changes committed by different developers</a:t>
+            </a:r>
+          </a:p>
+          <a:p>
+            <a:pPr marL="0" marR="0" lvl="0" indent="0" algn="l" defTabSz="457200" rtl="0" eaLnBrk="1" fontAlgn="auto" latinLnBrk="0" hangingPunct="1">
+              <a:lnSpc>
+                <a:spcPct val="100000"/>
+              </a:lnSpc>
+              <a:spcBef>
+                <a:spcPts val="0"/>
+              </a:spcBef>
+              <a:spcAft>
+                <a:spcPts val="0"/>
+              </a:spcAft>
+              <a:buClrTx/>
+              <a:buSzTx/>
+              <a:buFontTx/>
+              <a:buNone/>
+              <a:tabLst/>
+              <a:defRPr/>
+            </a:pPr>
+            <a:r>
+              <a:rPr lang="en-GB" sz="1200" kern="1200" dirty="0" smtClean="0">
+                <a:solidFill>
+                  <a:schemeClr val="tx1"/>
+                </a:solidFill>
+                <a:effectLst/>
+                <a:latin typeface="+mn-lt"/>
+                <a:ea typeface="+mn-ea"/>
+                <a:cs typeface="+mn-cs"/>
+              </a:rPr>
+              <a:t>- “Works on my machine” in development.</a:t>
+            </a:r>
+          </a:p>
+          <a:p>
+            <a:pPr lvl="0"/>
+            <a:r>
+              <a:rPr lang="en-GB" sz="1200" kern="1200" dirty="0" smtClean="0">
+                <a:solidFill>
+                  <a:schemeClr val="tx1"/>
+                </a:solidFill>
+                <a:effectLst/>
+                <a:latin typeface="+mn-lt"/>
+                <a:ea typeface="+mn-ea"/>
+                <a:cs typeface="+mn-cs"/>
+              </a:rPr>
+              <a:t>Issues that only arise in more realistic integration environments. </a:t>
+            </a:r>
+          </a:p>
+          <a:p>
+            <a:endParaRPr lang="en-GB" dirty="0"/>
           </a:p>
         </p:txBody>
       </p:sp>
@@ -1333,7 +1372,7 @@
           <a:p>
             <a:fld id="{59FE0556-36F6-B243-8FCD-1683CAD586D9}" type="slidenum">
               <a:rPr lang="en-US" smtClean="0"/>
-              <a:t>35</a:t>
+              <a:t>33</a:t>
             </a:fld>
             <a:endParaRPr lang="en-US"/>
           </a:p>
@@ -1342,7 +1381,319 @@
     </p:spTree>
     <p:extLst>
       <p:ext uri="{BB962C8B-B14F-4D97-AF65-F5344CB8AC3E}">
-        <p14:creationId xmlns:p14="http://schemas.microsoft.com/office/powerpoint/2010/main" val="1286827953"/>
+        <p14:creationId xmlns:p14="http://schemas.microsoft.com/office/powerpoint/2010/main" val="1704879004"/>
+      </p:ext>
+    </p:extLst>
+  </p:cSld>
+  <p:clrMapOvr>
+    <a:masterClrMapping/>
+  </p:clrMapOvr>
+</p:notes>
+</file>
+
+<file path=ppt/notesSlides/notesSlide15.xml><?xml version="1.0" encoding="utf-8"?>
+<p:notes xmlns:a="http://schemas.openxmlformats.org/drawingml/2006/main" xmlns:r="http://schemas.openxmlformats.org/officeDocument/2006/relationships" xmlns:p="http://schemas.openxmlformats.org/presentationml/2006/main">
+  <p:cSld>
+    <p:spTree>
+      <p:nvGrpSpPr>
+        <p:cNvPr id="1" name=""/>
+        <p:cNvGrpSpPr/>
+        <p:nvPr/>
+      </p:nvGrpSpPr>
+      <p:grpSpPr>
+        <a:xfrm>
+          <a:off x="0" y="0"/>
+          <a:ext cx="0" cy="0"/>
+          <a:chOff x="0" y="0"/>
+          <a:chExt cx="0" cy="0"/>
+        </a:xfrm>
+      </p:grpSpPr>
+      <p:sp>
+        <p:nvSpPr>
+          <p:cNvPr id="2" name="Slide Image Placeholder 1"/>
+          <p:cNvSpPr>
+            <a:spLocks noGrp="1" noRot="1" noChangeAspect="1"/>
+          </p:cNvSpPr>
+          <p:nvPr>
+            <p:ph type="sldImg"/>
+          </p:nvPr>
+        </p:nvSpPr>
+        <p:spPr>
+          <a:xfrm>
+            <a:off x="1143000" y="685800"/>
+            <a:ext cx="4572000" cy="3429000"/>
+          </a:xfrm>
+        </p:spPr>
+      </p:sp>
+      <p:sp>
+        <p:nvSpPr>
+          <p:cNvPr id="3" name="Notes Placeholder 2"/>
+          <p:cNvSpPr>
+            <a:spLocks noGrp="1"/>
+          </p:cNvSpPr>
+          <p:nvPr>
+            <p:ph type="body" idx="1"/>
+          </p:nvPr>
+        </p:nvSpPr>
+        <p:spPr/>
+        <p:txBody>
+          <a:bodyPr/>
+          <a:lstStyle/>
+          <a:p>
+            <a:r>
+              <a:rPr lang="en-US" dirty="0" smtClean="0"/>
+              <a:t>Needs a new name, but</a:t>
+            </a:r>
+            <a:r>
+              <a:rPr lang="en-US" baseline="0" dirty="0" smtClean="0"/>
+              <a:t> this is where we talk about our demo app slightly (or code). Give a first requirement we need to do.</a:t>
+            </a:r>
+            <a:endParaRPr lang="en-US" dirty="0"/>
+          </a:p>
+        </p:txBody>
+      </p:sp>
+      <p:sp>
+        <p:nvSpPr>
+          <p:cNvPr id="4" name="Slide Number Placeholder 3"/>
+          <p:cNvSpPr>
+            <a:spLocks noGrp="1"/>
+          </p:cNvSpPr>
+          <p:nvPr>
+            <p:ph type="sldNum" sz="quarter" idx="10"/>
+          </p:nvPr>
+        </p:nvSpPr>
+        <p:spPr/>
+        <p:txBody>
+          <a:bodyPr/>
+          <a:lstStyle/>
+          <a:p>
+            <a:fld id="{737EB954-88EE-45B2-878D-41C5C083E9B9}" type="slidenum">
+              <a:rPr lang="en-US" smtClean="0"/>
+              <a:t>34</a:t>
+            </a:fld>
+            <a:endParaRPr lang="en-US"/>
+          </a:p>
+        </p:txBody>
+      </p:sp>
+    </p:spTree>
+    <p:extLst>
+      <p:ext uri="{BB962C8B-B14F-4D97-AF65-F5344CB8AC3E}">
+        <p14:creationId xmlns:p14="http://schemas.microsoft.com/office/powerpoint/2010/main" val="4284040156"/>
+      </p:ext>
+    </p:extLst>
+  </p:cSld>
+  <p:clrMapOvr>
+    <a:masterClrMapping/>
+  </p:clrMapOvr>
+</p:notes>
+</file>
+
+<file path=ppt/notesSlides/notesSlide16.xml><?xml version="1.0" encoding="utf-8"?>
+<p:notes xmlns:a="http://schemas.openxmlformats.org/drawingml/2006/main" xmlns:r="http://schemas.openxmlformats.org/officeDocument/2006/relationships" xmlns:p="http://schemas.openxmlformats.org/presentationml/2006/main">
+  <p:cSld>
+    <p:spTree>
+      <p:nvGrpSpPr>
+        <p:cNvPr id="1" name=""/>
+        <p:cNvGrpSpPr/>
+        <p:nvPr/>
+      </p:nvGrpSpPr>
+      <p:grpSpPr>
+        <a:xfrm>
+          <a:off x="0" y="0"/>
+          <a:ext cx="0" cy="0"/>
+          <a:chOff x="0" y="0"/>
+          <a:chExt cx="0" cy="0"/>
+        </a:xfrm>
+      </p:grpSpPr>
+      <p:sp>
+        <p:nvSpPr>
+          <p:cNvPr id="2" name="Slide Image Placeholder 1"/>
+          <p:cNvSpPr>
+            <a:spLocks noGrp="1" noRot="1" noChangeAspect="1"/>
+          </p:cNvSpPr>
+          <p:nvPr>
+            <p:ph type="sldImg"/>
+          </p:nvPr>
+        </p:nvSpPr>
+        <p:spPr>
+          <a:xfrm>
+            <a:off x="1143000" y="685800"/>
+            <a:ext cx="4572000" cy="3429000"/>
+          </a:xfrm>
+        </p:spPr>
+      </p:sp>
+      <p:sp>
+        <p:nvSpPr>
+          <p:cNvPr id="3" name="Notes Placeholder 2"/>
+          <p:cNvSpPr>
+            <a:spLocks noGrp="1"/>
+          </p:cNvSpPr>
+          <p:nvPr>
+            <p:ph type="body" idx="1"/>
+          </p:nvPr>
+        </p:nvSpPr>
+        <p:spPr/>
+        <p:txBody>
+          <a:bodyPr/>
+          <a:lstStyle/>
+          <a:p>
+            <a:r>
+              <a:rPr lang="en-US" dirty="0" smtClean="0"/>
+              <a:t>Needs a new name, but</a:t>
+            </a:r>
+            <a:r>
+              <a:rPr lang="en-US" baseline="0" dirty="0" smtClean="0"/>
+              <a:t> this is where we talk about our demo app slightly (or code). Give a first requirement we need to do.</a:t>
+            </a:r>
+            <a:endParaRPr lang="en-US" dirty="0"/>
+          </a:p>
+        </p:txBody>
+      </p:sp>
+      <p:sp>
+        <p:nvSpPr>
+          <p:cNvPr id="4" name="Slide Number Placeholder 3"/>
+          <p:cNvSpPr>
+            <a:spLocks noGrp="1"/>
+          </p:cNvSpPr>
+          <p:nvPr>
+            <p:ph type="sldNum" sz="quarter" idx="10"/>
+          </p:nvPr>
+        </p:nvSpPr>
+        <p:spPr/>
+        <p:txBody>
+          <a:bodyPr/>
+          <a:lstStyle/>
+          <a:p>
+            <a:fld id="{737EB954-88EE-45B2-878D-41C5C083E9B9}" type="slidenum">
+              <a:rPr lang="en-US" smtClean="0"/>
+              <a:t>37</a:t>
+            </a:fld>
+            <a:endParaRPr lang="en-US"/>
+          </a:p>
+        </p:txBody>
+      </p:sp>
+    </p:spTree>
+    <p:extLst>
+      <p:ext uri="{BB962C8B-B14F-4D97-AF65-F5344CB8AC3E}">
+        <p14:creationId xmlns:p14="http://schemas.microsoft.com/office/powerpoint/2010/main" val="4284040156"/>
+      </p:ext>
+    </p:extLst>
+  </p:cSld>
+  <p:clrMapOvr>
+    <a:masterClrMapping/>
+  </p:clrMapOvr>
+</p:notes>
+</file>
+
+<file path=ppt/notesSlides/notesSlide17.xml><?xml version="1.0" encoding="utf-8"?>
+<p:notes xmlns:a="http://schemas.openxmlformats.org/drawingml/2006/main" xmlns:r="http://schemas.openxmlformats.org/officeDocument/2006/relationships" xmlns:p="http://schemas.openxmlformats.org/presentationml/2006/main">
+  <p:cSld>
+    <p:spTree>
+      <p:nvGrpSpPr>
+        <p:cNvPr id="1" name=""/>
+        <p:cNvGrpSpPr/>
+        <p:nvPr/>
+      </p:nvGrpSpPr>
+      <p:grpSpPr>
+        <a:xfrm>
+          <a:off x="0" y="0"/>
+          <a:ext cx="0" cy="0"/>
+          <a:chOff x="0" y="0"/>
+          <a:chExt cx="0" cy="0"/>
+        </a:xfrm>
+      </p:grpSpPr>
+      <p:sp>
+        <p:nvSpPr>
+          <p:cNvPr id="2" name="Slide Image Placeholder 1"/>
+          <p:cNvSpPr>
+            <a:spLocks noGrp="1" noRot="1" noChangeAspect="1"/>
+          </p:cNvSpPr>
+          <p:nvPr>
+            <p:ph type="sldImg"/>
+          </p:nvPr>
+        </p:nvSpPr>
+        <p:spPr/>
+      </p:sp>
+      <p:sp>
+        <p:nvSpPr>
+          <p:cNvPr id="3" name="Notes Placeholder 2"/>
+          <p:cNvSpPr>
+            <a:spLocks noGrp="1"/>
+          </p:cNvSpPr>
+          <p:nvPr>
+            <p:ph type="body" idx="1"/>
+          </p:nvPr>
+        </p:nvSpPr>
+        <p:spPr/>
+        <p:txBody>
+          <a:bodyPr/>
+          <a:lstStyle/>
+          <a:p>
+            <a:pPr marL="0" marR="0" lvl="1" indent="0" algn="l" defTabSz="457200" rtl="0" eaLnBrk="1" fontAlgn="auto" latinLnBrk="0" hangingPunct="1">
+              <a:lnSpc>
+                <a:spcPct val="100000"/>
+              </a:lnSpc>
+              <a:spcBef>
+                <a:spcPts val="0"/>
+              </a:spcBef>
+              <a:spcAft>
+                <a:spcPts val="0"/>
+              </a:spcAft>
+              <a:buClrTx/>
+              <a:buSzTx/>
+              <a:buFontTx/>
+              <a:buNone/>
+              <a:tabLst/>
+              <a:defRPr/>
+            </a:pPr>
+            <a:r>
+              <a:rPr lang="en-GB" dirty="0" smtClean="0">
+                <a:latin typeface="Cachet Pro Book" pitchFamily="34" charset="0"/>
+              </a:rPr>
+              <a:t>Creates database packages, used for reliable and repeatable</a:t>
+            </a:r>
+            <a:r>
+              <a:rPr lang="en-GB" baseline="0" dirty="0" smtClean="0">
+                <a:latin typeface="Cachet Pro Book" pitchFamily="34" charset="0"/>
+              </a:rPr>
+              <a:t> deployments</a:t>
+            </a:r>
+            <a:endParaRPr lang="en-GB" dirty="0" smtClean="0">
+              <a:latin typeface="Cachet Pro Book" pitchFamily="34" charset="0"/>
+            </a:endParaRPr>
+          </a:p>
+          <a:p>
+            <a:endParaRPr lang="en-GB" dirty="0"/>
+          </a:p>
+        </p:txBody>
+      </p:sp>
+      <p:sp>
+        <p:nvSpPr>
+          <p:cNvPr id="4" name="Slide Number Placeholder 3"/>
+          <p:cNvSpPr>
+            <a:spLocks noGrp="1"/>
+          </p:cNvSpPr>
+          <p:nvPr>
+            <p:ph type="sldNum" sz="quarter" idx="10"/>
+          </p:nvPr>
+        </p:nvSpPr>
+        <p:spPr/>
+        <p:txBody>
+          <a:bodyPr/>
+          <a:lstStyle/>
+          <a:p>
+            <a:fld id="{59FE0556-36F6-B243-8FCD-1683CAD586D9}" type="slidenum">
+              <a:rPr lang="en-US" smtClean="0"/>
+              <a:t>40</a:t>
+            </a:fld>
+            <a:endParaRPr lang="en-US"/>
+          </a:p>
+        </p:txBody>
+      </p:sp>
+    </p:spTree>
+    <p:extLst>
+      <p:ext uri="{BB962C8B-B14F-4D97-AF65-F5344CB8AC3E}">
+        <p14:creationId xmlns:p14="http://schemas.microsoft.com/office/powerpoint/2010/main" val="3326004584"/>
       </p:ext>
     </p:extLst>
   </p:cSld>
@@ -1396,10 +1747,7 @@
           <a:bodyPr/>
           <a:lstStyle/>
           <a:p>
-            <a:r>
-              <a:rPr lang="en-GB" baseline="0" dirty="0" smtClean="0"/>
-              <a:t>CI server is set up by one person and the whole team of developers benefits.</a:t>
-            </a:r>
+            <a:endParaRPr lang="en-US" dirty="0"/>
           </a:p>
         </p:txBody>
       </p:sp>
@@ -1418,18 +1766,27 @@
           <a:bodyPr/>
           <a:lstStyle/>
           <a:p>
-            <a:fld id="{BD720061-F957-4E42-8046-7FAD0A000880}" type="slidenum">
-              <a:rPr lang="en-GB" smtClean="0"/>
-              <a:t>6</a:t>
+            <a:fld id="{D967BA51-0EB4-4220-BB57-0E06A05A64BC}" type="slidenum">
+              <a:rPr lang="en-GB" smtClean="0">
+                <a:solidFill>
+                  <a:prstClr val="black"/>
+                </a:solidFill>
+              </a:rPr>
+              <a:pPr/>
+              <a:t>4</a:t>
             </a:fld>
-            <a:endParaRPr lang="en-GB"/>
+            <a:endParaRPr lang="en-GB" dirty="0">
+              <a:solidFill>
+                <a:prstClr val="black"/>
+              </a:solidFill>
+            </a:endParaRPr>
           </a:p>
         </p:txBody>
       </p:sp>
     </p:spTree>
     <p:extLst>
       <p:ext uri="{BB962C8B-B14F-4D97-AF65-F5344CB8AC3E}">
-        <p14:creationId xmlns:p14="http://schemas.microsoft.com/office/powerpoint/2010/main" val="4263348665"/>
+        <p14:creationId xmlns:p14="http://schemas.microsoft.com/office/powerpoint/2010/main" val="2301948796"/>
       </p:ext>
     </p:extLst>
   </p:cSld>
@@ -1483,69 +1840,10 @@
           <a:bodyPr/>
           <a:lstStyle/>
           <a:p>
-            <a:pPr marL="171450" marR="0" lvl="0" indent="-171450" algn="l" defTabSz="457200" rtl="0" eaLnBrk="1" fontAlgn="auto" latinLnBrk="0" hangingPunct="1">
-              <a:lnSpc>
-                <a:spcPct val="100000"/>
-              </a:lnSpc>
-              <a:spcBef>
-                <a:spcPts val="0"/>
-              </a:spcBef>
-              <a:spcAft>
-                <a:spcPts val="0"/>
-              </a:spcAft>
-              <a:buClrTx/>
-              <a:buSzTx/>
-              <a:buFontTx/>
-              <a:buChar char="-"/>
-              <a:tabLst/>
-              <a:defRPr/>
-            </a:pPr>
-            <a:r>
-              <a:rPr lang="en-GB" sz="1200" kern="1200" dirty="0" smtClean="0">
-                <a:solidFill>
-                  <a:schemeClr val="tx1"/>
-                </a:solidFill>
-                <a:effectLst/>
-                <a:latin typeface="+mn-lt"/>
-                <a:ea typeface="+mn-ea"/>
-                <a:cs typeface="+mn-cs"/>
-              </a:rPr>
-              <a:t>The testing of deployment scripts is customarily left to the end. </a:t>
-            </a:r>
-          </a:p>
-          <a:p>
-            <a:pPr marL="0" marR="0" lvl="0" indent="0" algn="l" defTabSz="457200" rtl="0" eaLnBrk="1" fontAlgn="auto" latinLnBrk="0" hangingPunct="1">
-              <a:lnSpc>
-                <a:spcPct val="100000"/>
-              </a:lnSpc>
-              <a:spcBef>
-                <a:spcPts val="0"/>
-              </a:spcBef>
-              <a:spcAft>
-                <a:spcPts val="0"/>
-              </a:spcAft>
-              <a:buClrTx/>
-              <a:buSzTx/>
-              <a:buFontTx/>
-              <a:buNone/>
-              <a:tabLst/>
-              <a:defRPr/>
-            </a:pPr>
-            <a:r>
-              <a:rPr lang="en-GB" sz="1200" kern="1200" dirty="0" smtClean="0">
-                <a:solidFill>
-                  <a:schemeClr val="tx1"/>
-                </a:solidFill>
-                <a:effectLst/>
-                <a:latin typeface="+mn-lt"/>
-                <a:ea typeface="+mn-ea"/>
-                <a:cs typeface="+mn-cs"/>
-              </a:rPr>
-              <a:t>=&gt; Issues with upgrades only found at the end of a project.</a:t>
-            </a:r>
-          </a:p>
-          <a:p>
-            <a:endParaRPr lang="en-GB" dirty="0"/>
+            <a:r>
+              <a:rPr lang="en-GB" baseline="0" dirty="0" smtClean="0"/>
+              <a:t>CI server is set up by one person and the whole team of developers benefits.</a:t>
+            </a:r>
           </a:p>
         </p:txBody>
       </p:sp>
@@ -1564,18 +1862,18 @@
           <a:bodyPr/>
           <a:lstStyle/>
           <a:p>
-            <a:fld id="{59FE0556-36F6-B243-8FCD-1683CAD586D9}" type="slidenum">
-              <a:rPr lang="en-US" smtClean="0"/>
-              <a:t>7</a:t>
+            <a:fld id="{BD720061-F957-4E42-8046-7FAD0A000880}" type="slidenum">
+              <a:rPr lang="en-GB" smtClean="0"/>
+              <a:t>9</a:t>
             </a:fld>
-            <a:endParaRPr lang="en-US"/>
+            <a:endParaRPr lang="en-GB"/>
           </a:p>
         </p:txBody>
       </p:sp>
     </p:spTree>
     <p:extLst>
       <p:ext uri="{BB962C8B-B14F-4D97-AF65-F5344CB8AC3E}">
-        <p14:creationId xmlns:p14="http://schemas.microsoft.com/office/powerpoint/2010/main" val="1510889097"/>
+        <p14:creationId xmlns:p14="http://schemas.microsoft.com/office/powerpoint/2010/main" val="4263348665"/>
       </p:ext>
     </p:extLst>
   </p:cSld>
@@ -1629,64 +1927,68 @@
           <a:bodyPr/>
           <a:lstStyle/>
           <a:p>
-            <a:r>
-              <a:rPr lang="en-GB" baseline="0" dirty="0" smtClean="0"/>
-              <a:t>Show of hands for SQL Developer Bundle.</a:t>
-            </a:r>
-          </a:p>
-          <a:p>
-            <a:r>
-              <a:rPr lang="en-GB" baseline="0" dirty="0" err="1" smtClean="0"/>
-              <a:t>TeamCity</a:t>
-            </a:r>
-            <a:r>
-              <a:rPr lang="en-GB" baseline="0" dirty="0" smtClean="0"/>
-              <a:t> is used at Red Gate but *any* build server can be used, </a:t>
-            </a:r>
-            <a:r>
-              <a:rPr lang="en-GB" baseline="0" dirty="0" err="1" smtClean="0"/>
-              <a:t>eg</a:t>
-            </a:r>
-            <a:r>
-              <a:rPr lang="en-GB" baseline="0" dirty="0" smtClean="0"/>
-              <a:t>:</a:t>
-            </a:r>
-          </a:p>
-          <a:p>
-            <a:r>
-              <a:rPr lang="en-GB" baseline="0" dirty="0" smtClean="0"/>
-              <a:t>Jenkins, Hudson, TFS Build, </a:t>
-            </a:r>
-            <a:r>
-              <a:rPr lang="en-GB" baseline="0" dirty="0" err="1" smtClean="0"/>
-              <a:t>CruiseControl</a:t>
-            </a:r>
-            <a:r>
-              <a:rPr lang="en-GB" baseline="0" dirty="0" smtClean="0"/>
-              <a:t>, Bamboo, etc.</a:t>
-            </a:r>
-          </a:p>
-          <a:p>
-            <a:r>
-              <a:rPr lang="en-GB" baseline="0" dirty="0" smtClean="0"/>
-              <a:t>There is a sqlci.exe command line, and </a:t>
-            </a:r>
-            <a:r>
-              <a:rPr lang="en-GB" baseline="0" dirty="0" err="1" smtClean="0"/>
-              <a:t>NAnt</a:t>
-            </a:r>
-            <a:r>
-              <a:rPr lang="en-GB" baseline="0" dirty="0" smtClean="0"/>
-              <a:t> and </a:t>
-            </a:r>
-            <a:r>
-              <a:rPr lang="en-GB" baseline="0" dirty="0" err="1" smtClean="0"/>
-              <a:t>MSBuild</a:t>
-            </a:r>
-            <a:r>
-              <a:rPr lang="en-GB" baseline="0" dirty="0" smtClean="0"/>
-              <a:t> template wrappers available.</a:t>
-            </a:r>
+            <a:pPr marL="171450" marR="0" lvl="0" indent="-171450" algn="l" defTabSz="457200" rtl="0" eaLnBrk="1" fontAlgn="auto" latinLnBrk="0" hangingPunct="1">
+              <a:lnSpc>
+                <a:spcPct val="100000"/>
+              </a:lnSpc>
+              <a:spcBef>
+                <a:spcPts val="0"/>
+              </a:spcBef>
+              <a:spcAft>
+                <a:spcPts val="0"/>
+              </a:spcAft>
+              <a:buClrTx/>
+              <a:buSzTx/>
+              <a:buFontTx/>
+              <a:buChar char="-"/>
+              <a:tabLst/>
+              <a:defRPr/>
+            </a:pPr>
+            <a:r>
+              <a:rPr lang="en-GB" sz="1200" kern="1200" dirty="0" smtClean="0">
+                <a:solidFill>
+                  <a:schemeClr val="tx1"/>
+                </a:solidFill>
+                <a:effectLst/>
+                <a:latin typeface="+mn-lt"/>
+                <a:ea typeface="+mn-ea"/>
+                <a:cs typeface="+mn-cs"/>
+              </a:rPr>
+              <a:t>The testing of deployment scripts is customarily left to the end. </a:t>
+            </a:r>
+          </a:p>
+          <a:p>
+            <a:pPr marL="0" marR="0" lvl="0" indent="0" algn="l" defTabSz="457200" rtl="0" eaLnBrk="1" fontAlgn="auto" latinLnBrk="0" hangingPunct="1">
+              <a:lnSpc>
+                <a:spcPct val="100000"/>
+              </a:lnSpc>
+              <a:spcBef>
+                <a:spcPts val="0"/>
+              </a:spcBef>
+              <a:spcAft>
+                <a:spcPts val="0"/>
+              </a:spcAft>
+              <a:buClrTx/>
+              <a:buSzTx/>
+              <a:buFontTx/>
+              <a:buNone/>
+              <a:tabLst/>
+              <a:defRPr/>
+            </a:pPr>
+            <a:r>
+              <a:rPr lang="en-GB" sz="1200" kern="1200" dirty="0" smtClean="0">
+                <a:solidFill>
+                  <a:schemeClr val="tx1"/>
+                </a:solidFill>
+                <a:effectLst/>
+                <a:latin typeface="+mn-lt"/>
+                <a:ea typeface="+mn-ea"/>
+                <a:cs typeface="+mn-cs"/>
+              </a:rPr>
+              <a:t>=&gt; Issues with upgrades only found at the end of a project.</a:t>
+            </a:r>
+          </a:p>
+          <a:p>
             <a:endParaRPr lang="en-GB" dirty="0"/>
           </a:p>
         </p:txBody>
@@ -1708,7 +2010,7 @@
           <a:p>
             <a:fld id="{59FE0556-36F6-B243-8FCD-1683CAD586D9}" type="slidenum">
               <a:rPr lang="en-US" smtClean="0"/>
-              <a:t>8</a:t>
+              <a:t>10</a:t>
             </a:fld>
             <a:endParaRPr lang="en-US"/>
           </a:p>
@@ -1717,7 +2019,7 @@
     </p:spTree>
     <p:extLst>
       <p:ext uri="{BB962C8B-B14F-4D97-AF65-F5344CB8AC3E}">
-        <p14:creationId xmlns:p14="http://schemas.microsoft.com/office/powerpoint/2010/main" val="1239914238"/>
+        <p14:creationId xmlns:p14="http://schemas.microsoft.com/office/powerpoint/2010/main" val="1510889097"/>
       </p:ext>
     </p:extLst>
   </p:cSld>
@@ -1850,7 +2152,7 @@
           <a:p>
             <a:fld id="{59FE0556-36F6-B243-8FCD-1683CAD586D9}" type="slidenum">
               <a:rPr lang="en-US" smtClean="0"/>
-              <a:t>9</a:t>
+              <a:t>11</a:t>
             </a:fld>
             <a:endParaRPr lang="en-US"/>
           </a:p>
@@ -1992,7 +2294,7 @@
           <a:p>
             <a:fld id="{59FE0556-36F6-B243-8FCD-1683CAD586D9}" type="slidenum">
               <a:rPr lang="en-US" smtClean="0"/>
-              <a:t>10</a:t>
+              <a:t>12</a:t>
             </a:fld>
             <a:endParaRPr lang="en-US"/>
           </a:p>
@@ -2134,7 +2436,7 @@
           <a:p>
             <a:fld id="{59FE0556-36F6-B243-8FCD-1683CAD586D9}" type="slidenum">
               <a:rPr lang="en-US" smtClean="0"/>
-              <a:t>11</a:t>
+              <a:t>13</a:t>
             </a:fld>
             <a:endParaRPr lang="en-US"/>
           </a:p>
@@ -2276,7 +2578,7 @@
           <a:p>
             <a:fld id="{59FE0556-36F6-B243-8FCD-1683CAD586D9}" type="slidenum">
               <a:rPr lang="en-US" smtClean="0"/>
-              <a:t>12</a:t>
+              <a:t>14</a:t>
             </a:fld>
             <a:endParaRPr lang="en-US"/>
           </a:p>
@@ -2418,7 +2720,7 @@
           <a:p>
             <a:fld id="{59FE0556-36F6-B243-8FCD-1683CAD586D9}" type="slidenum">
               <a:rPr lang="en-US" smtClean="0"/>
-              <a:t>13</a:t>
+              <a:t>15</a:t>
             </a:fld>
             <a:endParaRPr lang="en-US"/>
           </a:p>
@@ -10319,32 +10621,48 @@
           <a:chExt cx="0" cy="0"/>
         </a:xfrm>
       </p:grpSpPr>
-      <p:sp>
-        <p:nvSpPr>
-          <p:cNvPr id="4" name="Title 3"/>
-          <p:cNvSpPr>
-            <a:spLocks noGrp="1"/>
-          </p:cNvSpPr>
-          <p:nvPr>
-            <p:ph type="ctrTitle"/>
-          </p:nvPr>
-        </p:nvSpPr>
-        <p:spPr/>
-        <p:txBody>
-          <a:bodyPr/>
-          <a:lstStyle/>
-          <a:p>
-            <a:r>
-              <a:rPr lang="en-GB" dirty="0" smtClean="0"/>
-              <a:t>Automated Build and Test	</a:t>
-            </a:r>
-            <a:endParaRPr lang="en-US" dirty="0"/>
-          </a:p>
-        </p:txBody>
-      </p:sp>
-      <p:sp>
-        <p:nvSpPr>
-          <p:cNvPr id="5" name="Subtitle 4"/>
+      <p:pic>
+        <p:nvPicPr>
+          <p:cNvPr id="1030" name="Picture 6" descr="http://www.red-gate.com/delivery/assets/images/delivery-hex.png"/>
+          <p:cNvPicPr>
+            <a:picLocks noChangeAspect="1" noChangeArrowheads="1"/>
+          </p:cNvPicPr>
+          <p:nvPr/>
+        </p:nvPicPr>
+        <p:blipFill rotWithShape="1">
+          <a:blip r:embed="rId2">
+            <a:extLst>
+              <a:ext uri="{28A0092B-C50C-407E-A947-70E740481C1C}">
+                <a14:useLocalDpi xmlns:a14="http://schemas.microsoft.com/office/drawing/2010/main" val="0"/>
+              </a:ext>
+            </a:extLst>
+          </a:blip>
+          <a:srcRect l="48806"/>
+          <a:stretch/>
+        </p:blipFill>
+        <p:spPr bwMode="auto">
+          <a:xfrm>
+            <a:off x="1" y="2159001"/>
+            <a:ext cx="2087047" cy="4699001"/>
+          </a:xfrm>
+          <a:prstGeom prst="rect">
+            <a:avLst/>
+          </a:prstGeom>
+          <a:noFill/>
+          <a:extLst>
+            <a:ext uri="{909E8E84-426E-40DD-AFC4-6F175D3DCCD1}">
+              <a14:hiddenFill xmlns:a14="http://schemas.microsoft.com/office/drawing/2010/main">
+                <a:solidFill>
+                  <a:srgbClr val="FFFFFF"/>
+                </a:solidFill>
+              </a14:hiddenFill>
+            </a:ext>
+          </a:extLst>
+        </p:spPr>
+      </p:pic>
+      <p:sp>
+        <p:nvSpPr>
+          <p:cNvPr id="3" name="Subtitle 2"/>
           <p:cNvSpPr>
             <a:spLocks noGrp="1"/>
           </p:cNvSpPr>
@@ -10352,46 +10670,255 @@
             <p:ph type="subTitle" idx="1"/>
           </p:nvPr>
         </p:nvSpPr>
-        <p:spPr/>
+        <p:spPr>
+          <a:xfrm>
+            <a:off x="817633" y="1072503"/>
+            <a:ext cx="7454372" cy="1171031"/>
+          </a:xfrm>
+        </p:spPr>
         <p:txBody>
           <a:bodyPr>
-            <a:normAutofit fontScale="92500" lnSpcReduction="20000"/>
+            <a:normAutofit fontScale="70000" lnSpcReduction="20000"/>
           </a:bodyPr>
           <a:lstStyle/>
           <a:p>
             <a:r>
-              <a:rPr lang="en-US" smtClean="0"/>
+              <a:rPr lang="en-GB" sz="3733" b="1" dirty="0" smtClean="0">
+                <a:solidFill>
+                  <a:schemeClr val="tx1"/>
+                </a:solidFill>
+                <a:latin typeface="Arial"/>
+                <a:cs typeface="Arial"/>
+              </a:rPr>
+              <a:t>Continuous Integration for Databases</a:t>
+            </a:r>
+          </a:p>
+          <a:p>
+            <a:r>
+              <a:rPr lang="en-GB" sz="3733" b="1" dirty="0" smtClean="0">
+                <a:solidFill>
+                  <a:schemeClr val="tx1">
+                    <a:lumMod val="50000"/>
+                    <a:lumOff val="50000"/>
+                  </a:schemeClr>
+                </a:solidFill>
+                <a:latin typeface="Arial"/>
+                <a:cs typeface="Arial"/>
+              </a:rPr>
+              <a:t>Learn how to automate your build and test</a:t>
+            </a:r>
+            <a:endParaRPr lang="en-US" sz="3733" b="1" dirty="0">
+              <a:solidFill>
+                <a:schemeClr val="tx1">
+                  <a:lumMod val="50000"/>
+                  <a:lumOff val="50000"/>
+                </a:schemeClr>
+              </a:solidFill>
+              <a:latin typeface="Arial"/>
+              <a:cs typeface="Arial"/>
+            </a:endParaRPr>
+          </a:p>
+        </p:txBody>
+      </p:sp>
+      <p:sp>
+        <p:nvSpPr>
+          <p:cNvPr id="4" name="Title 1"/>
+          <p:cNvSpPr txBox="1">
+            <a:spLocks/>
+          </p:cNvSpPr>
+          <p:nvPr/>
+        </p:nvSpPr>
+        <p:spPr>
+          <a:xfrm>
+            <a:off x="690334" y="5067091"/>
+            <a:ext cx="7772400" cy="1401961"/>
+          </a:xfrm>
+          <a:prstGeom prst="rect">
+            <a:avLst/>
+          </a:prstGeom>
+        </p:spPr>
+        <p:txBody>
+          <a:bodyPr vert="horz" lIns="121920" tIns="60960" rIns="121920" bIns="60960" rtlCol="0" anchor="ctr">
+            <a:normAutofit/>
+          </a:bodyPr>
+          <a:lstStyle>
+            <a:lvl1pPr algn="ctr" defTabSz="457200" rtl="0" eaLnBrk="1" latinLnBrk="0" hangingPunct="1">
+              <a:spcBef>
+                <a:spcPct val="0"/>
+              </a:spcBef>
+              <a:buNone/>
+              <a:defRPr sz="4400" kern="1200">
+                <a:solidFill>
+                  <a:schemeClr val="tx1"/>
+                </a:solidFill>
+                <a:latin typeface="+mj-lt"/>
+                <a:ea typeface="+mj-ea"/>
+                <a:cs typeface="+mj-cs"/>
+              </a:defRPr>
+            </a:lvl1pPr>
+          </a:lstStyle>
+          <a:p>
+            <a:r>
+              <a:rPr lang="en-US" sz="2400" dirty="0" smtClean="0">
+                <a:latin typeface="Arial"/>
+                <a:cs typeface="Arial"/>
+              </a:rPr>
               <a:t>Steve Jones</a:t>
             </a:r>
-          </a:p>
-          <a:p>
-            <a:r>
-              <a:rPr lang="en-US" smtClean="0"/>
-              <a:t>Editor, SQLServerCentral</a:t>
-            </a:r>
-          </a:p>
-          <a:p>
-            <a:r>
-              <a:rPr lang="en-US" smtClean="0"/>
+            <a:endParaRPr lang="en-US" sz="2400" dirty="0">
+              <a:latin typeface="Arial"/>
+              <a:cs typeface="Arial"/>
+            </a:endParaRPr>
+          </a:p>
+          <a:p>
+            <a:r>
+              <a:rPr lang="en-US" sz="2400" dirty="0">
+                <a:latin typeface="Arial"/>
+                <a:cs typeface="Arial"/>
+              </a:rPr>
               <a:t>Red Gate Software</a:t>
             </a:r>
-            <a:endParaRPr lang="en-US" dirty="0"/>
+          </a:p>
+        </p:txBody>
+      </p:sp>
+      <p:sp>
+        <p:nvSpPr>
+          <p:cNvPr id="5" name="Title 1"/>
+          <p:cNvSpPr txBox="1">
+            <a:spLocks/>
+          </p:cNvSpPr>
+          <p:nvPr/>
+        </p:nvSpPr>
+        <p:spPr>
+          <a:xfrm>
+            <a:off x="658618" y="430160"/>
+            <a:ext cx="7772400" cy="699765"/>
+          </a:xfrm>
+          <a:prstGeom prst="rect">
+            <a:avLst/>
+          </a:prstGeom>
+        </p:spPr>
+        <p:txBody>
+          <a:bodyPr vert="horz" lIns="121920" tIns="60960" rIns="121920" bIns="60960" rtlCol="0" anchor="ctr">
+            <a:normAutofit/>
+          </a:bodyPr>
+          <a:lstStyle>
+            <a:lvl1pPr algn="ctr" defTabSz="457200" rtl="0" eaLnBrk="1" latinLnBrk="0" hangingPunct="1">
+              <a:spcBef>
+                <a:spcPct val="0"/>
+              </a:spcBef>
+              <a:buNone/>
+              <a:defRPr sz="4400" kern="1200">
+                <a:solidFill>
+                  <a:schemeClr val="tx1"/>
+                </a:solidFill>
+                <a:latin typeface="+mj-lt"/>
+                <a:ea typeface="+mj-ea"/>
+                <a:cs typeface="+mj-cs"/>
+              </a:defRPr>
+            </a:lvl1pPr>
+          </a:lstStyle>
+          <a:p>
+            <a:endParaRPr lang="en-US" sz="3200" b="1" dirty="0">
+              <a:solidFill>
+                <a:schemeClr val="bg1"/>
+              </a:solidFill>
+              <a:latin typeface="Arial"/>
+              <a:cs typeface="Arial"/>
+            </a:endParaRPr>
+          </a:p>
+        </p:txBody>
+      </p:sp>
+      <p:sp>
+        <p:nvSpPr>
+          <p:cNvPr id="10" name="Title 1"/>
+          <p:cNvSpPr txBox="1">
+            <a:spLocks/>
+          </p:cNvSpPr>
+          <p:nvPr/>
+        </p:nvSpPr>
+        <p:spPr>
+          <a:xfrm>
+            <a:off x="1043524" y="2147157"/>
+            <a:ext cx="7772400" cy="1401961"/>
+          </a:xfrm>
+          <a:prstGeom prst="rect">
+            <a:avLst/>
+          </a:prstGeom>
+        </p:spPr>
+        <p:txBody>
+          <a:bodyPr vert="horz" lIns="121920" tIns="60960" rIns="121920" bIns="60960" rtlCol="0" anchor="ctr">
+            <a:normAutofit/>
+          </a:bodyPr>
+          <a:lstStyle>
+            <a:lvl1pPr algn="ctr" defTabSz="457200" rtl="0" eaLnBrk="1" latinLnBrk="0" hangingPunct="1">
+              <a:spcBef>
+                <a:spcPct val="0"/>
+              </a:spcBef>
+              <a:buNone/>
+              <a:defRPr sz="4400" kern="1200">
+                <a:solidFill>
+                  <a:schemeClr val="tx1"/>
+                </a:solidFill>
+                <a:latin typeface="+mj-lt"/>
+                <a:ea typeface="+mj-ea"/>
+                <a:cs typeface="+mj-cs"/>
+              </a:defRPr>
+            </a:lvl1pPr>
+          </a:lstStyle>
+          <a:p>
+            <a:r>
+              <a:rPr lang="en-US" sz="2400" dirty="0" smtClean="0">
+                <a:latin typeface="Arial"/>
+                <a:cs typeface="Arial"/>
+              </a:rPr>
+              <a:t>Part II of the Continuous </a:t>
+            </a:r>
+            <a:r>
+              <a:rPr lang="en-US" sz="2400" dirty="0">
+                <a:latin typeface="Arial"/>
+                <a:cs typeface="Arial"/>
+              </a:rPr>
+              <a:t>D</a:t>
+            </a:r>
+            <a:r>
+              <a:rPr lang="en-US" sz="2400" dirty="0" smtClean="0">
+                <a:latin typeface="Arial"/>
+                <a:cs typeface="Arial"/>
+              </a:rPr>
+              <a:t>elivery </a:t>
+            </a:r>
+            <a:r>
+              <a:rPr lang="en-US" sz="2400" dirty="0">
+                <a:latin typeface="Arial"/>
+                <a:cs typeface="Arial"/>
+              </a:rPr>
+              <a:t>for D</a:t>
+            </a:r>
+            <a:r>
+              <a:rPr lang="en-US" sz="2400" dirty="0" smtClean="0">
+                <a:latin typeface="Arial"/>
+                <a:cs typeface="Arial"/>
+              </a:rPr>
+              <a:t>atabases series</a:t>
+            </a:r>
+            <a:endParaRPr lang="en-US" sz="2400" dirty="0">
+              <a:latin typeface="Arial"/>
+              <a:cs typeface="Arial"/>
+            </a:endParaRPr>
           </a:p>
         </p:txBody>
       </p:sp>
     </p:spTree>
+    <p:extLst>
+      <p:ext uri="{BB962C8B-B14F-4D97-AF65-F5344CB8AC3E}">
+        <p14:creationId xmlns:p14="http://schemas.microsoft.com/office/powerpoint/2010/main" val="284210236"/>
+      </p:ext>
+    </p:extLst>
   </p:cSld>
   <p:clrMapOvr>
     <a:masterClrMapping/>
   </p:clrMapOvr>
-  <mc:AlternateContent xmlns:mc="http://schemas.openxmlformats.org/markup-compatibility/2006">
-    <mc:Choice xmlns:p14="http://schemas.microsoft.com/office/powerpoint/2010/main" Requires="p14">
-      <p:transition spd="slow" p14:dur="2000"/>
-    </mc:Choice>
-    <mc:Fallback>
-      <p:transition spd="slow"/>
-    </mc:Fallback>
-  </mc:AlternateContent>
   <p:timing>
     <p:tnLst>
       <p:par>
@@ -10431,19 +10958,31 @@
         </p:nvSpPr>
         <p:spPr/>
         <p:txBody>
-          <a:bodyPr/>
+          <a:bodyPr>
+            <a:normAutofit/>
+          </a:bodyPr>
           <a:lstStyle/>
           <a:p>
             <a:r>
               <a:rPr lang="en-GB" b="0" dirty="0" smtClean="0">
                 <a:latin typeface="Cachet Pro Medium" pitchFamily="34" charset="0"/>
-                <a:cs typeface="Cachet Pro Bold"/>
-              </a:rPr>
-              <a:t>Tools we need</a:t>
+              </a:rPr>
+              <a:t>What is </a:t>
+            </a:r>
+            <a:r>
+              <a:rPr lang="en-GB" b="0" i="1" dirty="0" smtClean="0">
+                <a:latin typeface="Cachet Pro Medium" pitchFamily="34" charset="0"/>
+              </a:rPr>
+              <a:t>build</a:t>
+            </a:r>
+            <a:r>
+              <a:rPr lang="en-GB" b="0" dirty="0" smtClean="0">
+                <a:latin typeface="Cachet Pro Medium" pitchFamily="34" charset="0"/>
+              </a:rPr>
+              <a:t>?</a:t>
             </a:r>
             <a:endParaRPr lang="en-GB" b="0" dirty="0">
               <a:latin typeface="Cachet Pro Medium" pitchFamily="34" charset="0"/>
-              <a:cs typeface="Cachet Pro Bold"/>
             </a:endParaRPr>
           </a:p>
         </p:txBody>
@@ -10458,24 +10997,45 @@
             <p:ph idx="1"/>
           </p:nvPr>
         </p:nvSpPr>
-        <p:spPr>
-          <a:xfrm>
-            <a:off x="457200" y="1277258"/>
-            <a:ext cx="8229600" cy="4848906"/>
-          </a:xfrm>
-        </p:spPr>
-        <p:txBody>
-          <a:bodyPr>
-            <a:normAutofit/>
-          </a:bodyPr>
+        <p:spPr/>
+        <p:txBody>
+          <a:bodyPr/>
           <a:lstStyle/>
           <a:p>
             <a:r>
-              <a:rPr lang="en-GB" sz="2800" b="0" dirty="0" smtClean="0">
+              <a:rPr lang="en-GB" sz="2800" dirty="0" smtClean="0">
                 <a:latin typeface="Cachet Pro Book" pitchFamily="34" charset="0"/>
-                <a:cs typeface="Cachet Pro Book"/>
-              </a:rPr>
-              <a:t>Database Integration</a:t>
+              </a:rPr>
+              <a:t>For application code = compile</a:t>
+            </a:r>
+          </a:p>
+          <a:p>
+            <a:r>
+              <a:rPr lang="en-GB" sz="2800" dirty="0" smtClean="0">
+                <a:latin typeface="Cachet Pro Book" pitchFamily="34" charset="0"/>
+              </a:rPr>
+              <a:t>For database code</a:t>
+            </a:r>
+            <a:r>
+              <a:rPr lang="en-GB" sz="2800" dirty="0">
+                <a:latin typeface="Cachet Pro Book" pitchFamily="34" charset="0"/>
+              </a:rPr>
+              <a:t> </a:t>
+            </a:r>
+            <a:r>
+              <a:rPr lang="en-GB" sz="2800" dirty="0" smtClean="0">
+                <a:latin typeface="Cachet Pro Book" pitchFamily="34" charset="0"/>
+              </a:rPr>
+              <a:t>= database creation script </a:t>
+            </a:r>
+          </a:p>
+          <a:p>
+            <a:pPr lvl="1"/>
+            <a:r>
+              <a:rPr lang="en-GB" sz="2800" dirty="0" smtClean="0">
+                <a:latin typeface="Cachet Pro Book" pitchFamily="34" charset="0"/>
+              </a:rPr>
+              <a:t>But only for a new installation!</a:t>
             </a:r>
           </a:p>
           <a:p>
@@ -10483,91 +11043,32 @@
             <a:r>
               <a:rPr lang="en-GB" sz="2600" dirty="0" smtClean="0">
                 <a:latin typeface="Cachet Pro Book" pitchFamily="34" charset="0"/>
-                <a:cs typeface="Cachet Pro Book"/>
-              </a:rPr>
-              <a:t>Check out schema from VCS</a:t>
-            </a:r>
-          </a:p>
-          <a:p>
-            <a:pPr lvl="1"/>
+              </a:rPr>
+              <a:t>Upgrade scripts required for </a:t>
+            </a:r>
+            <a:r>
+              <a:rPr lang="en-GB" sz="2600" b="1" i="1" dirty="0" smtClean="0">
+                <a:latin typeface="Cachet Pro Book" pitchFamily="34" charset="0"/>
+              </a:rPr>
+              <a:t>existing </a:t>
+            </a:r>
             <a:r>
               <a:rPr lang="en-GB" sz="2600" dirty="0" smtClean="0">
                 <a:latin typeface="Cachet Pro Book" pitchFamily="34" charset="0"/>
-                <a:cs typeface="Cachet Pro Book"/>
-              </a:rPr>
-              <a:t>Execute against a SQL Server instance.</a:t>
+              </a:rPr>
+              <a:t>installations</a:t>
             </a:r>
           </a:p>
           <a:p>
             <a:pPr lvl="1"/>
             <a:r>
-              <a:rPr lang="en-GB" sz="2600" b="0" dirty="0" smtClean="0">
+              <a:rPr lang="en-GB" sz="2800" dirty="0" smtClean="0">
                 <a:latin typeface="Cachet Pro Book" pitchFamily="34" charset="0"/>
-                <a:cs typeface="Cachet Pro Book"/>
-              </a:rPr>
-              <a:t>Run tests</a:t>
-            </a:r>
-          </a:p>
-          <a:p>
-            <a:r>
-              <a:rPr lang="en-GB" sz="2800" b="0" dirty="0" smtClean="0">
-                <a:latin typeface="Cachet Pro Book" pitchFamily="34" charset="0"/>
-                <a:cs typeface="Cachet Pro Book"/>
-              </a:rPr>
-              <a:t>Choices</a:t>
-            </a:r>
-          </a:p>
-          <a:p>
-            <a:pPr lvl="1"/>
-            <a:r>
-              <a:rPr lang="en-GB" sz="2600" b="0" dirty="0" smtClean="0">
-                <a:latin typeface="Cachet Pro Book" pitchFamily="34" charset="0"/>
-                <a:cs typeface="Cachet Pro Book"/>
-                <a:hlinkClick r:id="rId3"/>
-              </a:rPr>
-              <a:t>Red Gate SQL Automation Pack</a:t>
-            </a:r>
-            <a:endParaRPr lang="en-GB" sz="2600" b="0" dirty="0" smtClean="0">
+              </a:rPr>
+              <a:t>Need to preserve the state of the data</a:t>
+            </a:r>
+            <a:endParaRPr lang="en-GB" sz="2800" dirty="0">
               <a:latin typeface="Cachet Pro Book" pitchFamily="34" charset="0"/>
-              <a:cs typeface="Cachet Pro Book"/>
-            </a:endParaRPr>
-          </a:p>
-          <a:p>
-            <a:pPr lvl="1"/>
-            <a:r>
-              <a:rPr lang="en-GB" sz="2600" dirty="0" err="1" smtClean="0">
-                <a:latin typeface="Cachet Pro Book" pitchFamily="34" charset="0"/>
-                <a:cs typeface="Cachet Pro Book"/>
-              </a:rPr>
-              <a:t>PoSh</a:t>
-            </a:r>
-            <a:endParaRPr lang="en-GB" sz="2600" dirty="0" smtClean="0">
-              <a:latin typeface="Cachet Pro Book" pitchFamily="34" charset="0"/>
-              <a:cs typeface="Cachet Pro Book"/>
-            </a:endParaRPr>
-          </a:p>
-          <a:p>
-            <a:pPr lvl="1"/>
-            <a:r>
-              <a:rPr lang="en-GB" sz="2600" b="0" dirty="0" smtClean="0">
-                <a:latin typeface="Cachet Pro Book" pitchFamily="34" charset="0"/>
-                <a:cs typeface="Cachet Pro Book"/>
-              </a:rPr>
-              <a:t>.NET scripts/program</a:t>
-            </a:r>
-          </a:p>
-          <a:p>
-            <a:pPr lvl="1"/>
-            <a:r>
-              <a:rPr lang="en-GB" sz="2600" dirty="0">
-                <a:latin typeface="Cachet Pro Book" pitchFamily="34" charset="0"/>
-                <a:cs typeface="Cachet Pro Book"/>
-              </a:rPr>
-              <a:t>?</a:t>
-            </a:r>
-            <a:endParaRPr lang="en-GB" sz="2600" b="0" dirty="0" smtClean="0">
-              <a:latin typeface="Cachet Pro Book" pitchFamily="34" charset="0"/>
-              <a:cs typeface="Cachet Pro Book"/>
             </a:endParaRPr>
           </a:p>
         </p:txBody>
@@ -10575,18 +11076,18 @@
     </p:spTree>
     <p:extLst>
       <p:ext uri="{BB962C8B-B14F-4D97-AF65-F5344CB8AC3E}">
-        <p14:creationId xmlns:p14="http://schemas.microsoft.com/office/powerpoint/2010/main" val="2223933232"/>
+        <p14:creationId xmlns:p14="http://schemas.microsoft.com/office/powerpoint/2010/main" val="435713486"/>
       </p:ext>
     </p:extLst>
   </p:cSld>
   <p:clrMapOvr>
     <a:masterClrMapping/>
   </p:clrMapOvr>
-  <mc:AlternateContent xmlns:mc="http://schemas.openxmlformats.org/markup-compatibility/2006">
-    <mc:Choice xmlns:p14="http://schemas.microsoft.com/office/powerpoint/2010/main" Requires="p14">
+  <mc:AlternateContent xmlns:mc="http://schemas.openxmlformats.org/markup-compatibility/2006" xmlns:p14="http://schemas.microsoft.com/office/powerpoint/2010/main">
+    <mc:Choice Requires="p14">
       <p:transition spd="slow" p14:dur="2000"/>
     </mc:Choice>
-    <mc:Fallback>
+    <mc:Fallback xmlns="">
       <p:transition spd="slow"/>
     </mc:Fallback>
   </mc:AlternateContent>
@@ -10673,7 +11174,17 @@
                 <a:latin typeface="Cachet Pro Book" pitchFamily="34" charset="0"/>
                 <a:cs typeface="Cachet Pro Book"/>
               </a:rPr>
-              <a:t>Version Control </a:t>
+              <a:t>CI server</a:t>
+            </a:r>
+          </a:p>
+          <a:p>
+            <a:pPr lvl="1"/>
+            <a:r>
+              <a:rPr lang="en-GB" sz="2600" b="0" dirty="0" smtClean="0">
+                <a:latin typeface="Cachet Pro Book" pitchFamily="34" charset="0"/>
+                <a:cs typeface="Cachet Pro Book"/>
+              </a:rPr>
+              <a:t>Perform the build for us </a:t>
             </a:r>
           </a:p>
           <a:p>
@@ -10683,7 +11194,7 @@
                 <a:latin typeface="Cachet Pro Book" pitchFamily="34" charset="0"/>
                 <a:cs typeface="Cachet Pro Book"/>
               </a:rPr>
-              <a:t>Store our database DDL and DML</a:t>
+              <a:t>Execute steps we program</a:t>
             </a:r>
             <a:endParaRPr lang="en-GB" sz="2600" b="0" dirty="0" smtClean="0">
               <a:latin typeface="Cachet Pro Book" pitchFamily="34" charset="0"/>
@@ -10698,6 +11209,65 @@
               </a:rPr>
               <a:t>Choices</a:t>
             </a:r>
+            <a:endParaRPr lang="en-GB" sz="2800" b="0" dirty="0">
+              <a:latin typeface="Cachet Pro Book" pitchFamily="34" charset="0"/>
+              <a:cs typeface="Cachet Pro Book"/>
+            </a:endParaRPr>
+          </a:p>
+          <a:p>
+            <a:pPr lvl="1"/>
+            <a:r>
+              <a:rPr lang="en-GB" sz="2600" dirty="0" err="1" smtClean="0">
+                <a:latin typeface="Cachet Pro Book" pitchFamily="34" charset="0"/>
+                <a:cs typeface="Cachet Pro Book"/>
+                <a:hlinkClick r:id="rId3"/>
+              </a:rPr>
+              <a:t>TeamCity</a:t>
+            </a:r>
+            <a:r>
+              <a:rPr lang="en-GB" sz="2600" dirty="0" smtClean="0">
+                <a:latin typeface="Cachet Pro Book" pitchFamily="34" charset="0"/>
+                <a:cs typeface="Cachet Pro Book"/>
+                <a:hlinkClick r:id="rId3"/>
+              </a:rPr>
+              <a:t> </a:t>
+            </a:r>
+            <a:r>
+              <a:rPr lang="en-GB" sz="2600" dirty="0" smtClean="0">
+                <a:latin typeface="Cachet Pro Book" pitchFamily="34" charset="0"/>
+                <a:cs typeface="Cachet Pro Book"/>
+              </a:rPr>
+              <a:t>by </a:t>
+            </a:r>
+            <a:r>
+              <a:rPr lang="en-GB" sz="2600" dirty="0" err="1" smtClean="0">
+                <a:latin typeface="Cachet Pro Book" pitchFamily="34" charset="0"/>
+                <a:cs typeface="Cachet Pro Book"/>
+              </a:rPr>
+              <a:t>JetBrains</a:t>
+            </a:r>
+            <a:endParaRPr lang="en-GB" sz="2600" dirty="0" smtClean="0">
+              <a:latin typeface="Cachet Pro Book" pitchFamily="34" charset="0"/>
+              <a:cs typeface="Cachet Pro Book"/>
+            </a:endParaRPr>
+          </a:p>
+          <a:p>
+            <a:pPr lvl="1"/>
+            <a:r>
+              <a:rPr lang="en-GB" sz="2600" dirty="0" smtClean="0">
+                <a:latin typeface="Cachet Pro Book" pitchFamily="34" charset="0"/>
+                <a:cs typeface="Cachet Pro Book"/>
+                <a:hlinkClick r:id="rId4"/>
+              </a:rPr>
+              <a:t>Jenkins </a:t>
+            </a:r>
+            <a:r>
+              <a:rPr lang="en-GB" sz="2600" dirty="0" smtClean="0">
+                <a:latin typeface="Cachet Pro Book" pitchFamily="34" charset="0"/>
+                <a:cs typeface="Cachet Pro Book"/>
+              </a:rPr>
+              <a:t>– open source</a:t>
+            </a:r>
           </a:p>
           <a:p>
             <a:pPr lvl="1"/>
@@ -10705,81 +11275,90 @@
               <a:rPr lang="en-GB" sz="2600" b="0" dirty="0" smtClean="0">
                 <a:latin typeface="Cachet Pro Book" pitchFamily="34" charset="0"/>
                 <a:cs typeface="Cachet Pro Book"/>
-              </a:rPr>
-              <a:t>Subversion</a:t>
-            </a:r>
-          </a:p>
-          <a:p>
-            <a:pPr lvl="1"/>
+                <a:hlinkClick r:id="rId5"/>
+              </a:rPr>
+              <a:t>Bamboo </a:t>
+            </a:r>
+            <a:r>
+              <a:rPr lang="en-GB" sz="2600" b="0" dirty="0" smtClean="0">
+                <a:latin typeface="Cachet Pro Book" pitchFamily="34" charset="0"/>
+                <a:cs typeface="Cachet Pro Book"/>
+              </a:rPr>
+              <a:t>– </a:t>
+            </a:r>
+            <a:r>
+              <a:rPr lang="en-GB" sz="2600" b="0" dirty="0" err="1" smtClean="0">
+                <a:latin typeface="Cachet Pro Book" pitchFamily="34" charset="0"/>
+                <a:cs typeface="Cachet Pro Book"/>
+              </a:rPr>
+              <a:t>Atlassian</a:t>
+            </a:r>
+            <a:endParaRPr lang="en-GB" sz="2600" b="0" dirty="0" smtClean="0">
+              <a:latin typeface="Cachet Pro Book" pitchFamily="34" charset="0"/>
+              <a:cs typeface="Cachet Pro Book"/>
+            </a:endParaRPr>
+          </a:p>
+          <a:p>
+            <a:pPr lvl="1" algn="just"/>
             <a:r>
               <a:rPr lang="en-GB" sz="2600" dirty="0" smtClean="0">
                 <a:latin typeface="Cachet Pro Book" pitchFamily="34" charset="0"/>
                 <a:cs typeface="Cachet Pro Book"/>
-              </a:rPr>
-              <a:t>Team Foundation Server</a:t>
-            </a:r>
-          </a:p>
-          <a:p>
-            <a:pPr lvl="1"/>
-            <a:r>
-              <a:rPr lang="en-GB" sz="2600" b="0" dirty="0" smtClean="0">
-                <a:latin typeface="Cachet Pro Book" pitchFamily="34" charset="0"/>
-                <a:cs typeface="Cachet Pro Book"/>
-              </a:rPr>
-              <a:t>Git</a:t>
-            </a:r>
-          </a:p>
-          <a:p>
-            <a:pPr lvl="1"/>
+                <a:hlinkClick r:id="rId6"/>
+              </a:rPr>
+              <a:t>TFS Build</a:t>
+            </a:r>
             <a:r>
               <a:rPr lang="en-GB" sz="2600" dirty="0" smtClean="0">
                 <a:latin typeface="Cachet Pro Book" pitchFamily="34" charset="0"/>
                 <a:cs typeface="Cachet Pro Book"/>
               </a:rPr>
-              <a:t>Mercurial</a:t>
-            </a:r>
-          </a:p>
-          <a:p>
-            <a:pPr lvl="1"/>
-            <a:r>
-              <a:rPr lang="en-GB" sz="2600" b="0" dirty="0" smtClean="0">
-                <a:latin typeface="Cachet Pro Book" pitchFamily="34" charset="0"/>
-                <a:cs typeface="Cachet Pro Book"/>
-              </a:rPr>
-              <a:t>Visual SourceSafe</a:t>
-            </a:r>
-          </a:p>
-          <a:p>
-            <a:pPr lvl="1"/>
-            <a:r>
-              <a:rPr lang="en-GB" sz="2600" dirty="0">
-                <a:latin typeface="Cachet Pro Book" pitchFamily="34" charset="0"/>
-                <a:cs typeface="Cachet Pro Book"/>
-              </a:rPr>
-              <a:t>?</a:t>
-            </a:r>
-            <a:endParaRPr lang="en-GB" sz="2600" b="0" dirty="0">
+              <a:t> - Microsoft</a:t>
+            </a:r>
+            <a:endParaRPr lang="en-GB" sz="2600" b="0" dirty="0" smtClean="0">
               <a:latin typeface="Cachet Pro Book" pitchFamily="34" charset="0"/>
               <a:cs typeface="Cachet Pro Book"/>
             </a:endParaRPr>
           </a:p>
+          <a:p>
+            <a:pPr lvl="1"/>
+            <a:r>
+              <a:rPr lang="en-GB" sz="2600" dirty="0" smtClean="0">
+                <a:latin typeface="Cachet Pro Book" pitchFamily="34" charset="0"/>
+                <a:cs typeface="Cachet Pro Book"/>
+                <a:hlinkClick r:id="rId7"/>
+              </a:rPr>
+              <a:t>Cruise Control </a:t>
+            </a:r>
+            <a:r>
+              <a:rPr lang="en-GB" sz="2600" dirty="0" smtClean="0">
+                <a:latin typeface="Cachet Pro Book" pitchFamily="34" charset="0"/>
+                <a:cs typeface="Cachet Pro Book"/>
+              </a:rPr>
+              <a:t>– open source</a:t>
+            </a:r>
+            <a:endParaRPr lang="en-GB" sz="2600" b="0" dirty="0" smtClean="0">
+              <a:latin typeface="Cachet Pro Book" pitchFamily="34" charset="0"/>
+              <a:cs typeface="Cachet Pro Book"/>
+            </a:endParaRPr>
+          </a:p>
         </p:txBody>
       </p:sp>
     </p:spTree>
     <p:extLst>
       <p:ext uri="{BB962C8B-B14F-4D97-AF65-F5344CB8AC3E}">
-        <p14:creationId xmlns:p14="http://schemas.microsoft.com/office/powerpoint/2010/main" val="696225783"/>
+        <p14:creationId xmlns:p14="http://schemas.microsoft.com/office/powerpoint/2010/main" val="3795111066"/>
       </p:ext>
     </p:extLst>
   </p:cSld>
   <p:clrMapOvr>
     <a:masterClrMapping/>
   </p:clrMapOvr>
-  <mc:AlternateContent xmlns:mc="http://schemas.openxmlformats.org/markup-compatibility/2006">
-    <mc:Choice xmlns:p14="http://schemas.microsoft.com/office/powerpoint/2010/main" Requires="p14">
+  <mc:AlternateContent xmlns:mc="http://schemas.openxmlformats.org/markup-compatibility/2006" xmlns:p14="http://schemas.microsoft.com/office/powerpoint/2010/main">
+    <mc:Choice Requires="p14">
       <p:transition spd="slow" p14:dur="2000"/>
     </mc:Choice>
-    <mc:Fallback>
+    <mc:Fallback xmlns="">
       <p:transition spd="slow"/>
     </mc:Fallback>
   </mc:AlternateContent>
@@ -10862,12 +11441,82 @@
           <a:lstStyle/>
           <a:p>
             <a:r>
+              <a:rPr lang="en-GB" sz="2800" b="0" dirty="0">
+                <a:latin typeface="Cachet Pro Book" pitchFamily="34" charset="0"/>
+                <a:cs typeface="Cachet Pro Book"/>
+              </a:rPr>
+              <a:t>CI server</a:t>
+            </a:r>
+          </a:p>
+          <a:p>
+            <a:pPr lvl="1"/>
+            <a:r>
+              <a:rPr lang="en-GB" sz="2600" dirty="0">
+                <a:latin typeface="Cachet Pro Book" pitchFamily="34" charset="0"/>
+                <a:cs typeface="Cachet Pro Book"/>
+              </a:rPr>
+              <a:t>Perform the build for us </a:t>
+            </a:r>
+          </a:p>
+          <a:p>
+            <a:pPr lvl="1"/>
+            <a:r>
+              <a:rPr lang="en-GB" sz="2600" dirty="0">
+                <a:latin typeface="Cachet Pro Book" pitchFamily="34" charset="0"/>
+                <a:cs typeface="Cachet Pro Book"/>
+              </a:rPr>
+              <a:t>Execute steps we program</a:t>
+            </a:r>
+          </a:p>
+          <a:p>
+            <a:r>
               <a:rPr lang="en-GB" sz="2800" b="0" dirty="0" smtClean="0">
                 <a:latin typeface="Cachet Pro Book" pitchFamily="34" charset="0"/>
                 <a:cs typeface="Cachet Pro Book"/>
               </a:rPr>
-              <a:t>Testing framework</a:t>
-            </a:r>
+              <a:t>Choices </a:t>
+            </a:r>
+            <a:endParaRPr lang="en-GB" sz="2800" b="0" dirty="0">
+              <a:latin typeface="Cachet Pro Book" pitchFamily="34" charset="0"/>
+              <a:cs typeface="Cachet Pro Book"/>
+            </a:endParaRPr>
+          </a:p>
+          <a:p>
+            <a:pPr lvl="1"/>
+            <a:r>
+              <a:rPr lang="en-GB" sz="2600" b="1" dirty="0" err="1" smtClean="0">
+                <a:latin typeface="Cachet Pro Book" pitchFamily="34" charset="0"/>
+                <a:cs typeface="Cachet Pro Book"/>
+                <a:hlinkClick r:id="rId3"/>
+              </a:rPr>
+              <a:t>TeamCity</a:t>
+            </a:r>
+            <a:r>
+              <a:rPr lang="en-GB" sz="2600" b="1" dirty="0" smtClean="0">
+                <a:latin typeface="Cachet Pro Book" pitchFamily="34" charset="0"/>
+                <a:cs typeface="Cachet Pro Book"/>
+                <a:hlinkClick r:id="rId3"/>
+              </a:rPr>
+              <a:t> </a:t>
+            </a:r>
+            <a:r>
+              <a:rPr lang="en-GB" sz="2600" b="1" dirty="0" smtClean="0">
+                <a:latin typeface="Cachet Pro Book" pitchFamily="34" charset="0"/>
+                <a:cs typeface="Cachet Pro Book"/>
+              </a:rPr>
+              <a:t>by </a:t>
+            </a:r>
+            <a:r>
+              <a:rPr lang="en-GB" sz="2600" b="1" dirty="0" err="1" smtClean="0">
+                <a:latin typeface="Cachet Pro Book" pitchFamily="34" charset="0"/>
+                <a:cs typeface="Cachet Pro Book"/>
+              </a:rPr>
+              <a:t>JetBrains</a:t>
+            </a:r>
+            <a:endParaRPr lang="en-GB" sz="2600" b="1" dirty="0" smtClean="0">
+              <a:latin typeface="Cachet Pro Book" pitchFamily="34" charset="0"/>
+              <a:cs typeface="Cachet Pro Book"/>
+            </a:endParaRPr>
           </a:p>
           <a:p>
             <a:pPr lvl="1"/>
@@ -10875,8 +11524,16 @@
               <a:rPr lang="en-GB" sz="2600" dirty="0" smtClean="0">
                 <a:latin typeface="Cachet Pro Book" pitchFamily="34" charset="0"/>
                 <a:cs typeface="Cachet Pro Book"/>
-              </a:rPr>
-              <a:t>We need a way to unit test our code easily.</a:t>
+                <a:hlinkClick r:id="rId4"/>
+              </a:rPr>
+              <a:t>Jenkins </a:t>
+            </a:r>
+            <a:r>
+              <a:rPr lang="en-GB" sz="2600" dirty="0" smtClean="0">
+                <a:latin typeface="Cachet Pro Book" pitchFamily="34" charset="0"/>
+                <a:cs typeface="Cachet Pro Book"/>
+              </a:rPr>
+              <a:t>– open source</a:t>
             </a:r>
           </a:p>
           <a:p>
@@ -10885,43 +11542,23 @@
               <a:rPr lang="en-GB" sz="2600" b="0" dirty="0" smtClean="0">
                 <a:latin typeface="Cachet Pro Book" pitchFamily="34" charset="0"/>
                 <a:cs typeface="Cachet Pro Book"/>
-              </a:rPr>
-              <a:t>A framework allows us to write tests that we can maintain</a:t>
-            </a:r>
-          </a:p>
-          <a:p>
-            <a:r>
-              <a:rPr lang="en-GB" sz="2800" b="0" dirty="0" smtClean="0">
+                <a:hlinkClick r:id="rId5"/>
+              </a:rPr>
+              <a:t>Bamboo </a:t>
+            </a:r>
+            <a:r>
+              <a:rPr lang="en-GB" sz="2600" b="0" dirty="0" smtClean="0">
                 <a:latin typeface="Cachet Pro Book" pitchFamily="34" charset="0"/>
                 <a:cs typeface="Cachet Pro Book"/>
               </a:rPr>
-              <a:t>Choices</a:t>
-            </a:r>
-          </a:p>
-          <a:p>
-            <a:pPr lvl="1"/>
+              <a:t>– </a:t>
+            </a:r>
             <a:r>
               <a:rPr lang="en-GB" sz="2600" b="0" dirty="0" err="1" smtClean="0">
                 <a:latin typeface="Cachet Pro Book" pitchFamily="34" charset="0"/>
                 <a:cs typeface="Cachet Pro Book"/>
-                <a:hlinkClick r:id="rId3"/>
-              </a:rPr>
-              <a:t>tSQLt</a:t>
-            </a:r>
-            <a:r>
-              <a:rPr lang="en-GB" sz="2600" b="0" dirty="0" smtClean="0">
-                <a:latin typeface="Cachet Pro Book" pitchFamily="34" charset="0"/>
-                <a:cs typeface="Cachet Pro Book"/>
-              </a:rPr>
-              <a:t> and </a:t>
-            </a:r>
-            <a:r>
-              <a:rPr lang="en-GB" sz="2600" b="0" dirty="0" smtClean="0">
-                <a:latin typeface="Cachet Pro Book" pitchFamily="34" charset="0"/>
-                <a:cs typeface="Cachet Pro Book"/>
-                <a:hlinkClick r:id="rId4"/>
-              </a:rPr>
-              <a:t>SQL Test</a:t>
+              </a:rPr>
+              <a:t>Atlassian</a:t>
             </a:r>
             <a:endParaRPr lang="en-GB" sz="2600" b="0" dirty="0" smtClean="0">
               <a:latin typeface="Cachet Pro Book" pitchFamily="34" charset="0"/>
@@ -10931,50 +11568,71 @@
           <a:p>
             <a:pPr lvl="1"/>
             <a:r>
-              <a:rPr lang="en-GB" sz="2600" dirty="0" err="1" smtClean="0">
-                <a:latin typeface="Cachet Pro Book" pitchFamily="34" charset="0"/>
-                <a:cs typeface="Cachet Pro Book"/>
-                <a:hlinkClick r:id="rId5"/>
-              </a:rPr>
-              <a:t>TSQLUnit</a:t>
-            </a:r>
-            <a:endParaRPr lang="en-GB" sz="2600" dirty="0" smtClean="0">
-              <a:latin typeface="Cachet Pro Book" pitchFamily="34" charset="0"/>
-              <a:cs typeface="Cachet Pro Book"/>
-            </a:endParaRPr>
-          </a:p>
-          <a:p>
-            <a:pPr lvl="1"/>
-            <a:r>
-              <a:rPr lang="en-GB" sz="2600" b="0" dirty="0" smtClean="0">
+              <a:rPr lang="en-GB" sz="2600" dirty="0">
                 <a:latin typeface="Cachet Pro Book" pitchFamily="34" charset="0"/>
                 <a:cs typeface="Cachet Pro Book"/>
                 <a:hlinkClick r:id="rId6"/>
               </a:rPr>
-              <a:t>TST</a:t>
+              <a:t>TFS Build</a:t>
+            </a:r>
+            <a:r>
+              <a:rPr lang="en-GB" sz="2600" dirty="0">
+                <a:latin typeface="Cachet Pro Book" pitchFamily="34" charset="0"/>
+                <a:cs typeface="Cachet Pro Book"/>
+              </a:rPr>
+              <a:t> - </a:t>
+            </a:r>
+            <a:r>
+              <a:rPr lang="en-GB" sz="2600" dirty="0" smtClean="0">
+                <a:latin typeface="Cachet Pro Book" pitchFamily="34" charset="0"/>
+                <a:cs typeface="Cachet Pro Book"/>
+              </a:rPr>
+              <a:t>Microsoft</a:t>
             </a:r>
             <a:endParaRPr lang="en-GB" sz="2600" b="0" dirty="0" smtClean="0">
               <a:latin typeface="Cachet Pro Book" pitchFamily="34" charset="0"/>
               <a:cs typeface="Cachet Pro Book"/>
             </a:endParaRPr>
           </a:p>
+          <a:p>
+            <a:pPr lvl="1"/>
+            <a:r>
+              <a:rPr lang="en-GB" sz="2600" dirty="0" smtClean="0">
+                <a:latin typeface="Cachet Pro Book" pitchFamily="34" charset="0"/>
+                <a:cs typeface="Cachet Pro Book"/>
+                <a:hlinkClick r:id="rId7"/>
+              </a:rPr>
+              <a:t>Cruise Control </a:t>
+            </a:r>
+            <a:r>
+              <a:rPr lang="en-GB" sz="2600" dirty="0" smtClean="0">
+                <a:latin typeface="Cachet Pro Book" pitchFamily="34" charset="0"/>
+                <a:cs typeface="Cachet Pro Book"/>
+              </a:rPr>
+              <a:t>– open source</a:t>
+            </a:r>
+            <a:endParaRPr lang="en-GB" sz="2600" b="0" dirty="0" smtClean="0">
+              <a:latin typeface="Cachet Pro Book" pitchFamily="34" charset="0"/>
+              <a:cs typeface="Cachet Pro Book"/>
+            </a:endParaRPr>
+          </a:p>
         </p:txBody>
       </p:sp>
     </p:spTree>
     <p:extLst>
       <p:ext uri="{BB962C8B-B14F-4D97-AF65-F5344CB8AC3E}">
-        <p14:creationId xmlns:p14="http://schemas.microsoft.com/office/powerpoint/2010/main" val="1618609955"/>
+        <p14:creationId xmlns:p14="http://schemas.microsoft.com/office/powerpoint/2010/main" val="1423359967"/>
       </p:ext>
     </p:extLst>
   </p:cSld>
   <p:clrMapOvr>
     <a:masterClrMapping/>
   </p:clrMapOvr>
-  <mc:AlternateContent xmlns:mc="http://schemas.openxmlformats.org/markup-compatibility/2006">
-    <mc:Choice xmlns:p14="http://schemas.microsoft.com/office/powerpoint/2010/main" Requires="p14">
+  <mc:AlternateContent xmlns:mc="http://schemas.openxmlformats.org/markup-compatibility/2006" xmlns:p14="http://schemas.microsoft.com/office/powerpoint/2010/main">
+    <mc:Choice Requires="p14">
       <p:transition spd="slow" p14:dur="2000"/>
     </mc:Choice>
-    <mc:Fallback>
+    <mc:Fallback xmlns="">
       <p:transition spd="slow"/>
     </mc:Fallback>
   </mc:AlternateContent>
@@ -11061,7 +11719,7 @@
                 <a:latin typeface="Cachet Pro Book" pitchFamily="34" charset="0"/>
                 <a:cs typeface="Cachet Pro Book"/>
               </a:rPr>
-              <a:t>Test data</a:t>
+              <a:t>Database Integration</a:t>
             </a:r>
           </a:p>
           <a:p>
@@ -11071,7 +11729,27 @@
                 <a:latin typeface="Cachet Pro Book" pitchFamily="34" charset="0"/>
                 <a:cs typeface="Cachet Pro Book"/>
               </a:rPr>
-              <a:t>We want to have data for our tests</a:t>
+              <a:t>Check out schema from VCS</a:t>
+            </a:r>
+          </a:p>
+          <a:p>
+            <a:pPr lvl="1"/>
+            <a:r>
+              <a:rPr lang="en-GB" sz="2600" dirty="0" smtClean="0">
+                <a:latin typeface="Cachet Pro Book" pitchFamily="34" charset="0"/>
+                <a:cs typeface="Cachet Pro Book"/>
+              </a:rPr>
+              <a:t>Execute against a SQL Server instance.</a:t>
+            </a:r>
+          </a:p>
+          <a:p>
+            <a:pPr lvl="1"/>
+            <a:r>
+              <a:rPr lang="en-GB" sz="2600" b="0" dirty="0" smtClean="0">
+                <a:latin typeface="Cachet Pro Book" pitchFamily="34" charset="0"/>
+                <a:cs typeface="Cachet Pro Book"/>
+              </a:rPr>
+              <a:t>Run tests</a:t>
             </a:r>
           </a:p>
           <a:p>
@@ -11085,21 +11763,13 @@
           </a:p>
           <a:p>
             <a:pPr lvl="1"/>
-            <a:r>
-              <a:rPr lang="en-GB" sz="2600" dirty="0" smtClean="0">
-                <a:latin typeface="Cachet Pro Book" pitchFamily="34" charset="0"/>
-                <a:cs typeface="Cachet Pro Book"/>
-                <a:hlinkClick r:id="rId3"/>
-              </a:rPr>
-              <a:t>Red Gate </a:t>
-            </a:r>
             <a:r>
               <a:rPr lang="en-GB" sz="2600" b="0" dirty="0" smtClean="0">
                 <a:latin typeface="Cachet Pro Book" pitchFamily="34" charset="0"/>
                 <a:cs typeface="Cachet Pro Book"/>
                 <a:hlinkClick r:id="rId3"/>
               </a:rPr>
-              <a:t>SQL Data Generator</a:t>
+              <a:t>Red Gate SQL Automation Pack</a:t>
             </a:r>
             <a:endParaRPr lang="en-GB" sz="2600" b="0" dirty="0" smtClean="0">
               <a:latin typeface="Cachet Pro Book" pitchFamily="34" charset="0"/>
@@ -11109,12 +11779,16 @@
           <a:p>
             <a:pPr lvl="1"/>
             <a:r>
-              <a:rPr lang="en-GB" sz="2600" dirty="0" smtClean="0">
+              <a:rPr lang="en-GB" sz="2600" dirty="0" err="1" smtClean="0">
                 <a:latin typeface="Cachet Pro Book" pitchFamily="34" charset="0"/>
                 <a:cs typeface="Cachet Pro Book"/>
               </a:rPr>
-              <a:t>Restore known backup</a:t>
-            </a:r>
+              <a:t>PoSh</a:t>
+            </a:r>
+            <a:endParaRPr lang="en-GB" sz="2600" dirty="0" smtClean="0">
+              <a:latin typeface="Cachet Pro Book" pitchFamily="34" charset="0"/>
+              <a:cs typeface="Cachet Pro Book"/>
+            </a:endParaRPr>
           </a:p>
           <a:p>
             <a:pPr lvl="1"/>
@@ -11123,26 +11797,40 @@
                 <a:latin typeface="Cachet Pro Book" pitchFamily="34" charset="0"/>
                 <a:cs typeface="Cachet Pro Book"/>
               </a:rPr>
-              <a:t>Custom scripts for data load (DML and or BCP)</a:t>
-            </a:r>
+              <a:t>.NET scripts/program</a:t>
+            </a:r>
+          </a:p>
+          <a:p>
+            <a:pPr lvl="1"/>
+            <a:r>
+              <a:rPr lang="en-GB" sz="2600" dirty="0">
+                <a:latin typeface="Cachet Pro Book" pitchFamily="34" charset="0"/>
+                <a:cs typeface="Cachet Pro Book"/>
+              </a:rPr>
+              <a:t>?</a:t>
+            </a:r>
+            <a:endParaRPr lang="en-GB" sz="2600" b="0" dirty="0" smtClean="0">
+              <a:latin typeface="Cachet Pro Book" pitchFamily="34" charset="0"/>
+              <a:cs typeface="Cachet Pro Book"/>
+            </a:endParaRPr>
           </a:p>
         </p:txBody>
       </p:sp>
     </p:spTree>
     <p:extLst>
       <p:ext uri="{BB962C8B-B14F-4D97-AF65-F5344CB8AC3E}">
-        <p14:creationId xmlns:p14="http://schemas.microsoft.com/office/powerpoint/2010/main" val="514899839"/>
+        <p14:creationId xmlns:p14="http://schemas.microsoft.com/office/powerpoint/2010/main" val="2223933232"/>
       </p:ext>
     </p:extLst>
   </p:cSld>
   <p:clrMapOvr>
     <a:masterClrMapping/>
   </p:clrMapOvr>
-  <mc:AlternateContent xmlns:mc="http://schemas.openxmlformats.org/markup-compatibility/2006">
-    <mc:Choice xmlns:p14="http://schemas.microsoft.com/office/powerpoint/2010/main" Requires="p14">
+  <mc:AlternateContent xmlns:mc="http://schemas.openxmlformats.org/markup-compatibility/2006" xmlns:p14="http://schemas.microsoft.com/office/powerpoint/2010/main">
+    <mc:Choice Requires="p14">
       <p:transition spd="slow" p14:dur="2000"/>
     </mc:Choice>
-    <mc:Fallback>
+    <mc:Fallback xmlns="">
       <p:transition spd="slow"/>
     </mc:Fallback>
   </mc:AlternateContent>
@@ -11157,6 +11845,735 @@
 </file>
 
 <file path=ppt/slides/slide14.xml><?xml version="1.0" encoding="utf-8"?>
+<p:sld xmlns:a="http://schemas.openxmlformats.org/drawingml/2006/main" xmlns:r="http://schemas.openxmlformats.org/officeDocument/2006/relationships" xmlns:p="http://schemas.openxmlformats.org/presentationml/2006/main" showMasterPhAnim="0">
+  <p:cSld>
+    <p:spTree>
+      <p:nvGrpSpPr>
+        <p:cNvPr id="1" name=""/>
+        <p:cNvGrpSpPr/>
+        <p:nvPr/>
+      </p:nvGrpSpPr>
+      <p:grpSpPr>
+        <a:xfrm>
+          <a:off x="0" y="0"/>
+          <a:ext cx="0" cy="0"/>
+          <a:chOff x="0" y="0"/>
+          <a:chExt cx="0" cy="0"/>
+        </a:xfrm>
+      </p:grpSpPr>
+      <p:sp>
+        <p:nvSpPr>
+          <p:cNvPr id="2" name="Title 1"/>
+          <p:cNvSpPr>
+            <a:spLocks noGrp="1"/>
+          </p:cNvSpPr>
+          <p:nvPr>
+            <p:ph type="title"/>
+          </p:nvPr>
+        </p:nvSpPr>
+        <p:spPr/>
+        <p:txBody>
+          <a:bodyPr/>
+          <a:lstStyle/>
+          <a:p>
+            <a:r>
+              <a:rPr lang="en-GB" b="0" dirty="0" smtClean="0">
+                <a:latin typeface="Cachet Pro Medium" pitchFamily="34" charset="0"/>
+                <a:cs typeface="Cachet Pro Bold"/>
+              </a:rPr>
+              <a:t>Tools we need</a:t>
+            </a:r>
+            <a:endParaRPr lang="en-GB" b="0" dirty="0">
+              <a:latin typeface="Cachet Pro Medium" pitchFamily="34" charset="0"/>
+              <a:cs typeface="Cachet Pro Bold"/>
+            </a:endParaRPr>
+          </a:p>
+        </p:txBody>
+      </p:sp>
+      <p:sp>
+        <p:nvSpPr>
+          <p:cNvPr id="3" name="Content Placeholder 2"/>
+          <p:cNvSpPr>
+            <a:spLocks noGrp="1"/>
+          </p:cNvSpPr>
+          <p:nvPr>
+            <p:ph idx="1"/>
+          </p:nvPr>
+        </p:nvSpPr>
+        <p:spPr>
+          <a:xfrm>
+            <a:off x="457200" y="1277258"/>
+            <a:ext cx="8229600" cy="4848906"/>
+          </a:xfrm>
+        </p:spPr>
+        <p:txBody>
+          <a:bodyPr>
+            <a:normAutofit/>
+          </a:bodyPr>
+          <a:lstStyle/>
+          <a:p>
+            <a:r>
+              <a:rPr lang="en-GB" sz="2800" b="0" dirty="0" smtClean="0">
+                <a:latin typeface="Cachet Pro Book" pitchFamily="34" charset="0"/>
+                <a:cs typeface="Cachet Pro Book"/>
+              </a:rPr>
+              <a:t>Version Control </a:t>
+            </a:r>
+          </a:p>
+          <a:p>
+            <a:pPr lvl="1"/>
+            <a:r>
+              <a:rPr lang="en-GB" sz="2600" dirty="0" smtClean="0">
+                <a:latin typeface="Cachet Pro Book" pitchFamily="34" charset="0"/>
+                <a:cs typeface="Cachet Pro Book"/>
+              </a:rPr>
+              <a:t>Store our database DDL and DML</a:t>
+            </a:r>
+            <a:endParaRPr lang="en-GB" sz="2600" b="0" dirty="0" smtClean="0">
+              <a:latin typeface="Cachet Pro Book" pitchFamily="34" charset="0"/>
+              <a:cs typeface="Cachet Pro Book"/>
+            </a:endParaRPr>
+          </a:p>
+          <a:p>
+            <a:r>
+              <a:rPr lang="en-GB" sz="2800" b="0" dirty="0" smtClean="0">
+                <a:latin typeface="Cachet Pro Book" pitchFamily="34" charset="0"/>
+                <a:cs typeface="Cachet Pro Book"/>
+              </a:rPr>
+              <a:t>Choices</a:t>
+            </a:r>
+          </a:p>
+          <a:p>
+            <a:pPr lvl="1"/>
+            <a:r>
+              <a:rPr lang="en-GB" sz="2600" b="0" dirty="0" smtClean="0">
+                <a:latin typeface="Cachet Pro Book" pitchFamily="34" charset="0"/>
+                <a:cs typeface="Cachet Pro Book"/>
+              </a:rPr>
+              <a:t>Subversion</a:t>
+            </a:r>
+          </a:p>
+          <a:p>
+            <a:pPr lvl="1"/>
+            <a:r>
+              <a:rPr lang="en-GB" sz="2600" dirty="0" smtClean="0">
+                <a:latin typeface="Cachet Pro Book" pitchFamily="34" charset="0"/>
+                <a:cs typeface="Cachet Pro Book"/>
+              </a:rPr>
+              <a:t>Team Foundation Server</a:t>
+            </a:r>
+          </a:p>
+          <a:p>
+            <a:pPr lvl="1"/>
+            <a:r>
+              <a:rPr lang="en-GB" sz="2600" b="0" dirty="0" smtClean="0">
+                <a:latin typeface="Cachet Pro Book" pitchFamily="34" charset="0"/>
+                <a:cs typeface="Cachet Pro Book"/>
+              </a:rPr>
+              <a:t>Git</a:t>
+            </a:r>
+          </a:p>
+          <a:p>
+            <a:pPr lvl="1"/>
+            <a:r>
+              <a:rPr lang="en-GB" sz="2600" dirty="0" smtClean="0">
+                <a:latin typeface="Cachet Pro Book" pitchFamily="34" charset="0"/>
+                <a:cs typeface="Cachet Pro Book"/>
+              </a:rPr>
+              <a:t>Mercurial</a:t>
+            </a:r>
+          </a:p>
+          <a:p>
+            <a:pPr lvl="1"/>
+            <a:r>
+              <a:rPr lang="en-GB" sz="2600" b="0" dirty="0" smtClean="0">
+                <a:latin typeface="Cachet Pro Book" pitchFamily="34" charset="0"/>
+                <a:cs typeface="Cachet Pro Book"/>
+              </a:rPr>
+              <a:t>Visual SourceSafe</a:t>
+            </a:r>
+          </a:p>
+          <a:p>
+            <a:pPr lvl="1"/>
+            <a:r>
+              <a:rPr lang="en-GB" sz="2600" dirty="0">
+                <a:latin typeface="Cachet Pro Book" pitchFamily="34" charset="0"/>
+                <a:cs typeface="Cachet Pro Book"/>
+              </a:rPr>
+              <a:t>?</a:t>
+            </a:r>
+            <a:endParaRPr lang="en-GB" sz="2600" b="0" dirty="0">
+              <a:latin typeface="Cachet Pro Book" pitchFamily="34" charset="0"/>
+              <a:cs typeface="Cachet Pro Book"/>
+            </a:endParaRPr>
+          </a:p>
+        </p:txBody>
+      </p:sp>
+    </p:spTree>
+    <p:extLst>
+      <p:ext uri="{BB962C8B-B14F-4D97-AF65-F5344CB8AC3E}">
+        <p14:creationId xmlns:p14="http://schemas.microsoft.com/office/powerpoint/2010/main" val="696225783"/>
+      </p:ext>
+    </p:extLst>
+  </p:cSld>
+  <p:clrMapOvr>
+    <a:masterClrMapping/>
+  </p:clrMapOvr>
+  <mc:AlternateContent xmlns:mc="http://schemas.openxmlformats.org/markup-compatibility/2006" xmlns:p14="http://schemas.microsoft.com/office/powerpoint/2010/main">
+    <mc:Choice Requires="p14">
+      <p:transition spd="slow" p14:dur="2000"/>
+    </mc:Choice>
+    <mc:Fallback xmlns="">
+      <p:transition spd="slow"/>
+    </mc:Fallback>
+  </mc:AlternateContent>
+  <p:timing>
+    <p:tnLst>
+      <p:par>
+        <p:cTn id="1" dur="indefinite" restart="never" nodeType="tmRoot"/>
+      </p:par>
+    </p:tnLst>
+  </p:timing>
+</p:sld>
+</file>
+
+<file path=ppt/slides/slide15.xml><?xml version="1.0" encoding="utf-8"?>
+<p:sld xmlns:a="http://schemas.openxmlformats.org/drawingml/2006/main" xmlns:r="http://schemas.openxmlformats.org/officeDocument/2006/relationships" xmlns:p="http://schemas.openxmlformats.org/presentationml/2006/main" showMasterPhAnim="0">
+  <p:cSld>
+    <p:spTree>
+      <p:nvGrpSpPr>
+        <p:cNvPr id="1" name=""/>
+        <p:cNvGrpSpPr/>
+        <p:nvPr/>
+      </p:nvGrpSpPr>
+      <p:grpSpPr>
+        <a:xfrm>
+          <a:off x="0" y="0"/>
+          <a:ext cx="0" cy="0"/>
+          <a:chOff x="0" y="0"/>
+          <a:chExt cx="0" cy="0"/>
+        </a:xfrm>
+      </p:grpSpPr>
+      <p:sp>
+        <p:nvSpPr>
+          <p:cNvPr id="2" name="Title 1"/>
+          <p:cNvSpPr>
+            <a:spLocks noGrp="1"/>
+          </p:cNvSpPr>
+          <p:nvPr>
+            <p:ph type="title"/>
+          </p:nvPr>
+        </p:nvSpPr>
+        <p:spPr/>
+        <p:txBody>
+          <a:bodyPr/>
+          <a:lstStyle/>
+          <a:p>
+            <a:r>
+              <a:rPr lang="en-GB" b="0" dirty="0" smtClean="0">
+                <a:latin typeface="Cachet Pro Medium" pitchFamily="34" charset="0"/>
+                <a:cs typeface="Cachet Pro Bold"/>
+              </a:rPr>
+              <a:t>Tools we need</a:t>
+            </a:r>
+            <a:endParaRPr lang="en-GB" b="0" dirty="0">
+              <a:latin typeface="Cachet Pro Medium" pitchFamily="34" charset="0"/>
+              <a:cs typeface="Cachet Pro Bold"/>
+            </a:endParaRPr>
+          </a:p>
+        </p:txBody>
+      </p:sp>
+      <p:sp>
+        <p:nvSpPr>
+          <p:cNvPr id="3" name="Content Placeholder 2"/>
+          <p:cNvSpPr>
+            <a:spLocks noGrp="1"/>
+          </p:cNvSpPr>
+          <p:nvPr>
+            <p:ph idx="1"/>
+          </p:nvPr>
+        </p:nvSpPr>
+        <p:spPr>
+          <a:xfrm>
+            <a:off x="457200" y="1277258"/>
+            <a:ext cx="8229600" cy="4848906"/>
+          </a:xfrm>
+        </p:spPr>
+        <p:txBody>
+          <a:bodyPr>
+            <a:normAutofit/>
+          </a:bodyPr>
+          <a:lstStyle/>
+          <a:p>
+            <a:r>
+              <a:rPr lang="en-GB" sz="2800" b="0" dirty="0" smtClean="0">
+                <a:latin typeface="Cachet Pro Book" pitchFamily="34" charset="0"/>
+                <a:cs typeface="Cachet Pro Book"/>
+              </a:rPr>
+              <a:t>Testing framework</a:t>
+            </a:r>
+          </a:p>
+          <a:p>
+            <a:pPr lvl="1"/>
+            <a:r>
+              <a:rPr lang="en-GB" sz="2600" dirty="0" smtClean="0">
+                <a:latin typeface="Cachet Pro Book" pitchFamily="34" charset="0"/>
+                <a:cs typeface="Cachet Pro Book"/>
+              </a:rPr>
+              <a:t>We need a way to unit test our code easily.</a:t>
+            </a:r>
+          </a:p>
+          <a:p>
+            <a:pPr lvl="1"/>
+            <a:r>
+              <a:rPr lang="en-GB" sz="2600" b="0" dirty="0" smtClean="0">
+                <a:latin typeface="Cachet Pro Book" pitchFamily="34" charset="0"/>
+                <a:cs typeface="Cachet Pro Book"/>
+              </a:rPr>
+              <a:t>A framework allows us to write tests that we can maintain</a:t>
+            </a:r>
+          </a:p>
+          <a:p>
+            <a:r>
+              <a:rPr lang="en-GB" sz="2800" b="0" dirty="0" smtClean="0">
+                <a:latin typeface="Cachet Pro Book" pitchFamily="34" charset="0"/>
+                <a:cs typeface="Cachet Pro Book"/>
+              </a:rPr>
+              <a:t>Choices</a:t>
+            </a:r>
+          </a:p>
+          <a:p>
+            <a:pPr lvl="1"/>
+            <a:r>
+              <a:rPr lang="en-GB" sz="2600" b="0" dirty="0" err="1" smtClean="0">
+                <a:latin typeface="Cachet Pro Book" pitchFamily="34" charset="0"/>
+                <a:cs typeface="Cachet Pro Book"/>
+                <a:hlinkClick r:id="rId3"/>
+              </a:rPr>
+              <a:t>tSQLt</a:t>
+            </a:r>
+            <a:r>
+              <a:rPr lang="en-GB" sz="2600" b="0" dirty="0" smtClean="0">
+                <a:latin typeface="Cachet Pro Book" pitchFamily="34" charset="0"/>
+                <a:cs typeface="Cachet Pro Book"/>
+              </a:rPr>
+              <a:t> and </a:t>
+            </a:r>
+            <a:r>
+              <a:rPr lang="en-GB" sz="2600" b="0" dirty="0" smtClean="0">
+                <a:latin typeface="Cachet Pro Book" pitchFamily="34" charset="0"/>
+                <a:cs typeface="Cachet Pro Book"/>
+                <a:hlinkClick r:id="rId4"/>
+              </a:rPr>
+              <a:t>SQL Test</a:t>
+            </a:r>
+            <a:endParaRPr lang="en-GB" sz="2600" b="0" dirty="0" smtClean="0">
+              <a:latin typeface="Cachet Pro Book" pitchFamily="34" charset="0"/>
+              <a:cs typeface="Cachet Pro Book"/>
+            </a:endParaRPr>
+          </a:p>
+          <a:p>
+            <a:pPr lvl="1"/>
+            <a:r>
+              <a:rPr lang="en-GB" sz="2600" dirty="0" err="1" smtClean="0">
+                <a:latin typeface="Cachet Pro Book" pitchFamily="34" charset="0"/>
+                <a:cs typeface="Cachet Pro Book"/>
+                <a:hlinkClick r:id="rId5"/>
+              </a:rPr>
+              <a:t>TSQLUnit</a:t>
+            </a:r>
+            <a:endParaRPr lang="en-GB" sz="2600" dirty="0" smtClean="0">
+              <a:latin typeface="Cachet Pro Book" pitchFamily="34" charset="0"/>
+              <a:cs typeface="Cachet Pro Book"/>
+            </a:endParaRPr>
+          </a:p>
+          <a:p>
+            <a:pPr lvl="1"/>
+            <a:r>
+              <a:rPr lang="en-GB" sz="2600" b="0" dirty="0" smtClean="0">
+                <a:latin typeface="Cachet Pro Book" pitchFamily="34" charset="0"/>
+                <a:cs typeface="Cachet Pro Book"/>
+                <a:hlinkClick r:id="rId6"/>
+              </a:rPr>
+              <a:t>TST</a:t>
+            </a:r>
+            <a:endParaRPr lang="en-GB" sz="2600" b="0" dirty="0" smtClean="0">
+              <a:latin typeface="Cachet Pro Book" pitchFamily="34" charset="0"/>
+              <a:cs typeface="Cachet Pro Book"/>
+            </a:endParaRPr>
+          </a:p>
+        </p:txBody>
+      </p:sp>
+    </p:spTree>
+    <p:extLst>
+      <p:ext uri="{BB962C8B-B14F-4D97-AF65-F5344CB8AC3E}">
+        <p14:creationId xmlns:p14="http://schemas.microsoft.com/office/powerpoint/2010/main" val="1618609955"/>
+      </p:ext>
+    </p:extLst>
+  </p:cSld>
+  <p:clrMapOvr>
+    <a:masterClrMapping/>
+  </p:clrMapOvr>
+  <mc:AlternateContent xmlns:mc="http://schemas.openxmlformats.org/markup-compatibility/2006" xmlns:p14="http://schemas.microsoft.com/office/powerpoint/2010/main">
+    <mc:Choice Requires="p14">
+      <p:transition spd="slow" p14:dur="2000"/>
+    </mc:Choice>
+    <mc:Fallback xmlns="">
+      <p:transition spd="slow"/>
+    </mc:Fallback>
+  </mc:AlternateContent>
+  <p:timing>
+    <p:tnLst>
+      <p:par>
+        <p:cTn id="1" dur="indefinite" restart="never" nodeType="tmRoot"/>
+      </p:par>
+    </p:tnLst>
+  </p:timing>
+</p:sld>
+</file>
+
+<file path=ppt/slides/slide16.xml><?xml version="1.0" encoding="utf-8"?>
+<p:sld xmlns:a="http://schemas.openxmlformats.org/drawingml/2006/main" xmlns:r="http://schemas.openxmlformats.org/officeDocument/2006/relationships" xmlns:p="http://schemas.openxmlformats.org/presentationml/2006/main" showMasterPhAnim="0">
+  <p:cSld>
+    <p:spTree>
+      <p:nvGrpSpPr>
+        <p:cNvPr id="1" name=""/>
+        <p:cNvGrpSpPr/>
+        <p:nvPr/>
+      </p:nvGrpSpPr>
+      <p:grpSpPr>
+        <a:xfrm>
+          <a:off x="0" y="0"/>
+          <a:ext cx="0" cy="0"/>
+          <a:chOff x="0" y="0"/>
+          <a:chExt cx="0" cy="0"/>
+        </a:xfrm>
+      </p:grpSpPr>
+      <p:sp>
+        <p:nvSpPr>
+          <p:cNvPr id="2" name="Title 1"/>
+          <p:cNvSpPr>
+            <a:spLocks noGrp="1"/>
+          </p:cNvSpPr>
+          <p:nvPr>
+            <p:ph type="title"/>
+          </p:nvPr>
+        </p:nvSpPr>
+        <p:spPr/>
+        <p:txBody>
+          <a:bodyPr/>
+          <a:lstStyle/>
+          <a:p>
+            <a:r>
+              <a:rPr lang="en-GB" b="0" dirty="0" smtClean="0">
+                <a:latin typeface="Cachet Pro Medium" pitchFamily="34" charset="0"/>
+                <a:cs typeface="Cachet Pro Bold"/>
+              </a:rPr>
+              <a:t>Tools we need</a:t>
+            </a:r>
+            <a:endParaRPr lang="en-GB" b="0" dirty="0">
+              <a:latin typeface="Cachet Pro Medium" pitchFamily="34" charset="0"/>
+              <a:cs typeface="Cachet Pro Bold"/>
+            </a:endParaRPr>
+          </a:p>
+        </p:txBody>
+      </p:sp>
+      <p:sp>
+        <p:nvSpPr>
+          <p:cNvPr id="3" name="Content Placeholder 2"/>
+          <p:cNvSpPr>
+            <a:spLocks noGrp="1"/>
+          </p:cNvSpPr>
+          <p:nvPr>
+            <p:ph idx="1"/>
+          </p:nvPr>
+        </p:nvSpPr>
+        <p:spPr>
+          <a:xfrm>
+            <a:off x="457200" y="1277258"/>
+            <a:ext cx="8229600" cy="4848906"/>
+          </a:xfrm>
+        </p:spPr>
+        <p:txBody>
+          <a:bodyPr>
+            <a:normAutofit/>
+          </a:bodyPr>
+          <a:lstStyle/>
+          <a:p>
+            <a:r>
+              <a:rPr lang="en-GB" sz="2800" b="0" dirty="0" smtClean="0">
+                <a:latin typeface="Cachet Pro Book" pitchFamily="34" charset="0"/>
+                <a:cs typeface="Cachet Pro Book"/>
+              </a:rPr>
+              <a:t>Test data</a:t>
+            </a:r>
+          </a:p>
+          <a:p>
+            <a:pPr lvl="1"/>
+            <a:r>
+              <a:rPr lang="en-GB" sz="2600" dirty="0" smtClean="0">
+                <a:latin typeface="Cachet Pro Book" pitchFamily="34" charset="0"/>
+                <a:cs typeface="Cachet Pro Book"/>
+              </a:rPr>
+              <a:t>We want to have data for our tests</a:t>
+            </a:r>
+          </a:p>
+          <a:p>
+            <a:r>
+              <a:rPr lang="en-GB" sz="2800" b="0" dirty="0" smtClean="0">
+                <a:latin typeface="Cachet Pro Book" pitchFamily="34" charset="0"/>
+                <a:cs typeface="Cachet Pro Book"/>
+              </a:rPr>
+              <a:t>Choices</a:t>
+            </a:r>
+          </a:p>
+          <a:p>
+            <a:pPr lvl="1"/>
+            <a:r>
+              <a:rPr lang="en-GB" sz="2600" dirty="0" smtClean="0">
+                <a:latin typeface="Cachet Pro Book" pitchFamily="34" charset="0"/>
+                <a:cs typeface="Cachet Pro Book"/>
+                <a:hlinkClick r:id="rId3"/>
+              </a:rPr>
+              <a:t>Red Gate </a:t>
+            </a:r>
+            <a:r>
+              <a:rPr lang="en-GB" sz="2600" b="0" dirty="0" smtClean="0">
+                <a:latin typeface="Cachet Pro Book" pitchFamily="34" charset="0"/>
+                <a:cs typeface="Cachet Pro Book"/>
+                <a:hlinkClick r:id="rId3"/>
+              </a:rPr>
+              <a:t>SQL Data Generator</a:t>
+            </a:r>
+            <a:endParaRPr lang="en-GB" sz="2600" b="0" dirty="0" smtClean="0">
+              <a:latin typeface="Cachet Pro Book" pitchFamily="34" charset="0"/>
+              <a:cs typeface="Cachet Pro Book"/>
+            </a:endParaRPr>
+          </a:p>
+          <a:p>
+            <a:pPr lvl="1"/>
+            <a:r>
+              <a:rPr lang="en-GB" sz="2600" dirty="0" smtClean="0">
+                <a:latin typeface="Cachet Pro Book" pitchFamily="34" charset="0"/>
+                <a:cs typeface="Cachet Pro Book"/>
+              </a:rPr>
+              <a:t>Restore known backup</a:t>
+            </a:r>
+          </a:p>
+          <a:p>
+            <a:pPr lvl="1"/>
+            <a:r>
+              <a:rPr lang="en-GB" sz="2600" b="0" dirty="0" smtClean="0">
+                <a:latin typeface="Cachet Pro Book" pitchFamily="34" charset="0"/>
+                <a:cs typeface="Cachet Pro Book"/>
+              </a:rPr>
+              <a:t>Custom scripts for data load (DML and or BCP)</a:t>
+            </a:r>
+          </a:p>
+        </p:txBody>
+      </p:sp>
+    </p:spTree>
+    <p:extLst>
+      <p:ext uri="{BB962C8B-B14F-4D97-AF65-F5344CB8AC3E}">
+        <p14:creationId xmlns:p14="http://schemas.microsoft.com/office/powerpoint/2010/main" val="514899839"/>
+      </p:ext>
+    </p:extLst>
+  </p:cSld>
+  <p:clrMapOvr>
+    <a:masterClrMapping/>
+  </p:clrMapOvr>
+  <mc:AlternateContent xmlns:mc="http://schemas.openxmlformats.org/markup-compatibility/2006" xmlns:p14="http://schemas.microsoft.com/office/powerpoint/2010/main">
+    <mc:Choice Requires="p14">
+      <p:transition spd="slow" p14:dur="2000"/>
+    </mc:Choice>
+    <mc:Fallback xmlns="">
+      <p:transition spd="slow"/>
+    </mc:Fallback>
+  </mc:AlternateContent>
+  <p:timing>
+    <p:tnLst>
+      <p:par>
+        <p:cTn id="1" dur="indefinite" restart="never" nodeType="tmRoot"/>
+      </p:par>
+    </p:tnLst>
+  </p:timing>
+</p:sld>
+</file>
+
+<file path=ppt/slides/slide17.xml><?xml version="1.0" encoding="utf-8"?>
+<p:sld xmlns:a="http://schemas.openxmlformats.org/drawingml/2006/main" xmlns:r="http://schemas.openxmlformats.org/officeDocument/2006/relationships" xmlns:p="http://schemas.openxmlformats.org/presentationml/2006/main">
+  <p:cSld>
+    <p:spTree>
+      <p:nvGrpSpPr>
+        <p:cNvPr id="1" name=""/>
+        <p:cNvGrpSpPr/>
+        <p:nvPr/>
+      </p:nvGrpSpPr>
+      <p:grpSpPr>
+        <a:xfrm>
+          <a:off x="0" y="0"/>
+          <a:ext cx="0" cy="0"/>
+          <a:chOff x="0" y="0"/>
+          <a:chExt cx="0" cy="0"/>
+        </a:xfrm>
+      </p:grpSpPr>
+      <p:sp>
+        <p:nvSpPr>
+          <p:cNvPr id="2" name="Title 1"/>
+          <p:cNvSpPr>
+            <a:spLocks noGrp="1"/>
+          </p:cNvSpPr>
+          <p:nvPr>
+            <p:ph type="title"/>
+          </p:nvPr>
+        </p:nvSpPr>
+        <p:spPr/>
+        <p:txBody>
+          <a:bodyPr vert="horz" lIns="91440" tIns="45720" rIns="91440" bIns="45720" rtlCol="0" anchor="ctr">
+            <a:normAutofit/>
+          </a:bodyPr>
+          <a:lstStyle/>
+          <a:p>
+            <a:pPr algn="l"/>
+            <a:r>
+              <a:rPr lang="en-US" sz="4500" b="1" dirty="0">
+                <a:latin typeface="Arial" panose="020B0604020202020204" pitchFamily="34" charset="0"/>
+                <a:cs typeface="Arial" panose="020B0604020202020204" pitchFamily="34" charset="0"/>
+              </a:rPr>
+              <a:t>Our </a:t>
+            </a:r>
+            <a:r>
+              <a:rPr lang="en-US" sz="4500" b="1" dirty="0" smtClean="0">
+                <a:latin typeface="Arial" panose="020B0604020202020204" pitchFamily="34" charset="0"/>
+                <a:cs typeface="Arial" panose="020B0604020202020204" pitchFamily="34" charset="0"/>
+              </a:rPr>
+              <a:t>story…</a:t>
+            </a:r>
+            <a:endParaRPr lang="en-US" sz="4500" b="1" dirty="0">
+              <a:latin typeface="Arial" panose="020B0604020202020204" pitchFamily="34" charset="0"/>
+              <a:cs typeface="Arial" panose="020B0604020202020204" pitchFamily="34" charset="0"/>
+            </a:endParaRPr>
+          </a:p>
+        </p:txBody>
+      </p:sp>
+      <p:sp>
+        <p:nvSpPr>
+          <p:cNvPr id="3" name="Content Placeholder 2"/>
+          <p:cNvSpPr>
+            <a:spLocks noGrp="1"/>
+          </p:cNvSpPr>
+          <p:nvPr>
+            <p:ph idx="1"/>
+          </p:nvPr>
+        </p:nvSpPr>
+        <p:spPr>
+          <a:xfrm>
+            <a:off x="457200" y="1676401"/>
+            <a:ext cx="8229600" cy="4525963"/>
+          </a:xfrm>
+        </p:spPr>
+        <p:txBody>
+          <a:bodyPr>
+            <a:normAutofit/>
+          </a:bodyPr>
+          <a:lstStyle/>
+          <a:p>
+            <a:pPr>
+              <a:buClr>
+                <a:srgbClr val="C00000"/>
+              </a:buClr>
+              <a:buFont typeface="Wingdings" panose="05000000000000000000" pitchFamily="2" charset="2"/>
+              <a:buChar char="§"/>
+            </a:pPr>
+            <a:r>
+              <a:rPr lang="en-US" sz="2800" dirty="0" smtClean="0">
+                <a:latin typeface="Arial" panose="020B0604020202020204" pitchFamily="34" charset="0"/>
+                <a:cs typeface="Arial" panose="020B0604020202020204" pitchFamily="34" charset="0"/>
+              </a:rPr>
+              <a:t>We want to set up a CI process fo</a:t>
+            </a:r>
+            <a:r>
+              <a:rPr lang="en-US" dirty="0" smtClean="0">
+                <a:latin typeface="Arial" panose="020B0604020202020204" pitchFamily="34" charset="0"/>
+                <a:cs typeface="Arial" panose="020B0604020202020204" pitchFamily="34" charset="0"/>
+              </a:rPr>
+              <a:t>r our database</a:t>
+            </a:r>
+            <a:endParaRPr lang="en-US" sz="2800" dirty="0">
+              <a:latin typeface="Arial" panose="020B0604020202020204" pitchFamily="34" charset="0"/>
+              <a:cs typeface="Arial" panose="020B0604020202020204" pitchFamily="34" charset="0"/>
+            </a:endParaRPr>
+          </a:p>
+          <a:p>
+            <a:pPr lvl="1">
+              <a:buClr>
+                <a:srgbClr val="C00000"/>
+              </a:buClr>
+              <a:buFont typeface="Wingdings" panose="05000000000000000000" pitchFamily="2" charset="2"/>
+              <a:buChar char="ü"/>
+            </a:pPr>
+            <a:r>
+              <a:rPr lang="en-US" dirty="0" smtClean="0">
+                <a:latin typeface="Arial" panose="020B0604020202020204" pitchFamily="34" charset="0"/>
+                <a:cs typeface="Arial" panose="020B0604020202020204" pitchFamily="34" charset="0"/>
+              </a:rPr>
+              <a:t>  Our databas</a:t>
+            </a:r>
+            <a:r>
+              <a:rPr lang="en-US" dirty="0" smtClean="0">
+                <a:latin typeface="Arial" panose="020B0604020202020204" pitchFamily="34" charset="0"/>
+                <a:cs typeface="Arial" panose="020B0604020202020204" pitchFamily="34" charset="0"/>
+              </a:rPr>
+              <a:t>e is in a VCS</a:t>
+            </a:r>
+          </a:p>
+          <a:p>
+            <a:pPr marL="989013" lvl="1" indent="-531813">
+              <a:buFont typeface="Courier New" panose="02070309020205020404" pitchFamily="49" charset="0"/>
+              <a:buChar char="o"/>
+            </a:pPr>
+            <a:r>
+              <a:rPr lang="en-US" dirty="0" smtClean="0">
+                <a:latin typeface="Arial" panose="020B0604020202020204" pitchFamily="34" charset="0"/>
+                <a:cs typeface="Arial" panose="020B0604020202020204" pitchFamily="34" charset="0"/>
+              </a:rPr>
+              <a:t>We need to automatically build a new database on every </a:t>
+            </a:r>
+            <a:r>
+              <a:rPr lang="en-US" dirty="0" err="1" smtClean="0">
+                <a:latin typeface="Arial" panose="020B0604020202020204" pitchFamily="34" charset="0"/>
+                <a:cs typeface="Arial" panose="020B0604020202020204" pitchFamily="34" charset="0"/>
+              </a:rPr>
+              <a:t>checkin</a:t>
+            </a:r>
+            <a:endParaRPr lang="en-US" dirty="0">
+              <a:latin typeface="Arial" panose="020B0604020202020204" pitchFamily="34" charset="0"/>
+              <a:cs typeface="Arial" panose="020B0604020202020204" pitchFamily="34" charset="0"/>
+            </a:endParaRPr>
+          </a:p>
+        </p:txBody>
+      </p:sp>
+    </p:spTree>
+    <p:extLst>
+      <p:ext uri="{BB962C8B-B14F-4D97-AF65-F5344CB8AC3E}">
+        <p14:creationId xmlns:p14="http://schemas.microsoft.com/office/powerpoint/2010/main" val="1484917621"/>
+      </p:ext>
+    </p:extLst>
+  </p:cSld>
+  <p:clrMapOvr>
+    <a:masterClrMapping/>
+  </p:clrMapOvr>
+  <p:timing>
+    <p:tnLst>
+      <p:par>
+        <p:cTn id="1" dur="indefinite" restart="never" nodeType="tmRoot"/>
+      </p:par>
+    </p:tnLst>
+  </p:timing>
+</p:sld>
+</file>
+
+<file path=ppt/slides/slide18.xml><?xml version="1.0" encoding="utf-8"?>
 <p:sld xmlns:a="http://schemas.openxmlformats.org/drawingml/2006/main" xmlns:r="http://schemas.openxmlformats.org/officeDocument/2006/relationships" xmlns:p="http://schemas.openxmlformats.org/presentationml/2006/main" showMasterPhAnim="0">
   <p:cSld>
     <p:spTree>
@@ -11401,7 +12818,7 @@
 </p:sld>
 </file>
 
-<file path=ppt/slides/slide15.xml><?xml version="1.0" encoding="utf-8"?>
+<file path=ppt/slides/slide19.xml><?xml version="1.0" encoding="utf-8"?>
 <p:sld xmlns:a="http://schemas.openxmlformats.org/drawingml/2006/main" xmlns:r="http://schemas.openxmlformats.org/officeDocument/2006/relationships" xmlns:p="http://schemas.openxmlformats.org/presentationml/2006/main">
   <p:cSld>
     <p:spTree>
@@ -12127,11 +13544,11 @@
   <p:clrMapOvr>
     <a:masterClrMapping/>
   </p:clrMapOvr>
-  <mc:AlternateContent xmlns:mc="http://schemas.openxmlformats.org/markup-compatibility/2006">
-    <mc:Choice xmlns:p14="http://schemas.microsoft.com/office/powerpoint/2010/main" Requires="p14">
+  <mc:AlternateContent xmlns:mc="http://schemas.openxmlformats.org/markup-compatibility/2006" xmlns:p14="http://schemas.microsoft.com/office/powerpoint/2010/main">
+    <mc:Choice Requires="p14">
       <p:transition spd="slow" p14:dur="2000"/>
     </mc:Choice>
-    <mc:Fallback>
+    <mc:Fallback xmlns="">
       <p:transition spd="slow"/>
     </mc:Fallback>
   </mc:AlternateContent>
@@ -12145,7 +13562,119 @@
 </p:sld>
 </file>
 
-<file path=ppt/slides/slide16.xml><?xml version="1.0" encoding="utf-8"?>
+<file path=ppt/slides/slide2.xml><?xml version="1.0" encoding="utf-8"?>
+<p:sld xmlns:a="http://schemas.openxmlformats.org/drawingml/2006/main" xmlns:r="http://schemas.openxmlformats.org/officeDocument/2006/relationships" xmlns:p="http://schemas.openxmlformats.org/presentationml/2006/main">
+  <p:cSld>
+    <p:spTree>
+      <p:nvGrpSpPr>
+        <p:cNvPr id="1" name=""/>
+        <p:cNvGrpSpPr/>
+        <p:nvPr/>
+      </p:nvGrpSpPr>
+      <p:grpSpPr>
+        <a:xfrm>
+          <a:off x="0" y="0"/>
+          <a:ext cx="0" cy="0"/>
+          <a:chOff x="0" y="0"/>
+          <a:chExt cx="0" cy="0"/>
+        </a:xfrm>
+      </p:grpSpPr>
+      <p:sp>
+        <p:nvSpPr>
+          <p:cNvPr id="2" name="Title 1"/>
+          <p:cNvSpPr>
+            <a:spLocks noGrp="1"/>
+          </p:cNvSpPr>
+          <p:nvPr>
+            <p:ph type="title"/>
+          </p:nvPr>
+        </p:nvSpPr>
+        <p:spPr/>
+        <p:txBody>
+          <a:bodyPr/>
+          <a:lstStyle/>
+          <a:p>
+            <a:r>
+              <a:rPr lang="en-US" dirty="0" smtClean="0"/>
+              <a:t>Agenda</a:t>
+            </a:r>
+            <a:endParaRPr lang="en-US" dirty="0"/>
+          </a:p>
+        </p:txBody>
+      </p:sp>
+      <p:sp>
+        <p:nvSpPr>
+          <p:cNvPr id="3" name="Content Placeholder 2"/>
+          <p:cNvSpPr>
+            <a:spLocks noGrp="1"/>
+          </p:cNvSpPr>
+          <p:nvPr>
+            <p:ph idx="1"/>
+          </p:nvPr>
+        </p:nvSpPr>
+        <p:spPr/>
+        <p:txBody>
+          <a:bodyPr/>
+          <a:lstStyle/>
+          <a:p>
+            <a:r>
+              <a:rPr lang="en-US" dirty="0" smtClean="0"/>
+              <a:t>Goals</a:t>
+            </a:r>
+          </a:p>
+          <a:p>
+            <a:r>
+              <a:rPr lang="en-US" dirty="0" smtClean="0"/>
+              <a:t>Who am I?</a:t>
+            </a:r>
+          </a:p>
+          <a:p>
+            <a:r>
+              <a:rPr lang="en-US" dirty="0" smtClean="0"/>
+              <a:t>What is Continuous Integration?</a:t>
+            </a:r>
+          </a:p>
+          <a:p>
+            <a:r>
+              <a:rPr lang="en-US" dirty="0" smtClean="0"/>
+              <a:t>Fitting in the Delivery Pipeline</a:t>
+            </a:r>
+          </a:p>
+          <a:p>
+            <a:r>
+              <a:rPr lang="en-US" dirty="0" smtClean="0"/>
+              <a:t>What is “build” for databases?</a:t>
+            </a:r>
+            <a:endParaRPr lang="en-US" dirty="0"/>
+          </a:p>
+          <a:p>
+            <a:r>
+              <a:rPr lang="en-US" dirty="0" smtClean="0"/>
+              <a:t>Testing in a CI process</a:t>
+            </a:r>
+          </a:p>
+          <a:p>
+            <a:r>
+              <a:rPr lang="en-US" dirty="0" smtClean="0"/>
+              <a:t>Adding data for realism</a:t>
+            </a:r>
+          </a:p>
+        </p:txBody>
+      </p:sp>
+    </p:spTree>
+    <p:extLst>
+      <p:ext uri="{BB962C8B-B14F-4D97-AF65-F5344CB8AC3E}">
+        <p14:creationId xmlns:p14="http://schemas.microsoft.com/office/powerpoint/2010/main" val="3323038280"/>
+      </p:ext>
+    </p:extLst>
+  </p:cSld>
+  <p:clrMapOvr>
+    <a:masterClrMapping/>
+  </p:clrMapOvr>
+</p:sld>
+</file>
+
+<file path=ppt/slides/slide20.xml><?xml version="1.0" encoding="utf-8"?>
 <p:sld xmlns:a="http://schemas.openxmlformats.org/drawingml/2006/main" xmlns:r="http://schemas.openxmlformats.org/officeDocument/2006/relationships" xmlns:p="http://schemas.openxmlformats.org/presentationml/2006/main">
   <p:cSld>
     <p:spTree>
@@ -12915,11 +14444,11 @@
   <p:clrMapOvr>
     <a:masterClrMapping/>
   </p:clrMapOvr>
-  <mc:AlternateContent xmlns:mc="http://schemas.openxmlformats.org/markup-compatibility/2006">
-    <mc:Choice xmlns:p14="http://schemas.microsoft.com/office/powerpoint/2010/main" Requires="p14">
+  <mc:AlternateContent xmlns:mc="http://schemas.openxmlformats.org/markup-compatibility/2006" xmlns:p14="http://schemas.microsoft.com/office/powerpoint/2010/main">
+    <mc:Choice Requires="p14">
       <p:transition spd="slow" p14:dur="2000"/>
     </mc:Choice>
-    <mc:Fallback>
+    <mc:Fallback xmlns="">
       <p:transition spd="slow"/>
     </mc:Fallback>
   </mc:AlternateContent>
@@ -12933,7 +14462,7 @@
 </p:sld>
 </file>
 
-<file path=ppt/slides/slide17.xml><?xml version="1.0" encoding="utf-8"?>
+<file path=ppt/slides/slide21.xml><?xml version="1.0" encoding="utf-8"?>
 <p:sld xmlns:a="http://schemas.openxmlformats.org/drawingml/2006/main" xmlns:r="http://schemas.openxmlformats.org/officeDocument/2006/relationships" xmlns:p="http://schemas.openxmlformats.org/presentationml/2006/main">
   <p:cSld>
     <p:spTree>
@@ -13814,11 +15343,11 @@
   <p:clrMapOvr>
     <a:masterClrMapping/>
   </p:clrMapOvr>
-  <mc:AlternateContent xmlns:mc="http://schemas.openxmlformats.org/markup-compatibility/2006">
-    <mc:Choice xmlns:p14="http://schemas.microsoft.com/office/powerpoint/2010/main" Requires="p14">
+  <mc:AlternateContent xmlns:mc="http://schemas.openxmlformats.org/markup-compatibility/2006" xmlns:p14="http://schemas.microsoft.com/office/powerpoint/2010/main">
+    <mc:Choice Requires="p14">
       <p:transition spd="slow" p14:dur="2000"/>
     </mc:Choice>
-    <mc:Fallback>
+    <mc:Fallback xmlns="">
       <p:transition spd="slow"/>
     </mc:Fallback>
   </mc:AlternateContent>
@@ -13832,7 +15361,7 @@
 </p:sld>
 </file>
 
-<file path=ppt/slides/slide18.xml><?xml version="1.0" encoding="utf-8"?>
+<file path=ppt/slides/slide22.xml><?xml version="1.0" encoding="utf-8"?>
 <p:sld xmlns:a="http://schemas.openxmlformats.org/drawingml/2006/main" xmlns:r="http://schemas.openxmlformats.org/officeDocument/2006/relationships" xmlns:p="http://schemas.openxmlformats.org/presentationml/2006/main" showMasterPhAnim="0">
   <p:cSld>
     <p:spTree>
@@ -14865,11 +16394,11 @@
   <p:clrMapOvr>
     <a:masterClrMapping/>
   </p:clrMapOvr>
-  <mc:AlternateContent xmlns:mc="http://schemas.openxmlformats.org/markup-compatibility/2006">
-    <mc:Choice xmlns:p14="http://schemas.microsoft.com/office/powerpoint/2010/main" Requires="p14">
+  <mc:AlternateContent xmlns:mc="http://schemas.openxmlformats.org/markup-compatibility/2006" xmlns:p14="http://schemas.microsoft.com/office/powerpoint/2010/main">
+    <mc:Choice Requires="p14">
       <p:transition spd="slow" p14:dur="2000"/>
     </mc:Choice>
-    <mc:Fallback>
+    <mc:Fallback xmlns="">
       <p:transition spd="slow"/>
     </mc:Fallback>
   </mc:AlternateContent>
@@ -14883,7 +16412,7 @@
 </p:sld>
 </file>
 
-<file path=ppt/slides/slide19.xml><?xml version="1.0" encoding="utf-8"?>
+<file path=ppt/slides/slide23.xml><?xml version="1.0" encoding="utf-8"?>
 <p:sld xmlns:a="http://schemas.openxmlformats.org/drawingml/2006/main" xmlns:r="http://schemas.openxmlformats.org/officeDocument/2006/relationships" xmlns:p="http://schemas.openxmlformats.org/presentationml/2006/main">
   <p:cSld>
     <p:spTree>
@@ -15764,11 +17293,11 @@
   <p:clrMapOvr>
     <a:masterClrMapping/>
   </p:clrMapOvr>
-  <mc:AlternateContent xmlns:mc="http://schemas.openxmlformats.org/markup-compatibility/2006">
-    <mc:Choice xmlns:p14="http://schemas.microsoft.com/office/powerpoint/2010/main" Requires="p14">
+  <mc:AlternateContent xmlns:mc="http://schemas.openxmlformats.org/markup-compatibility/2006" xmlns:p14="http://schemas.microsoft.com/office/powerpoint/2010/main">
+    <mc:Choice Requires="p14">
       <p:transition spd="slow" p14:dur="2000"/>
     </mc:Choice>
-    <mc:Fallback>
+    <mc:Fallback xmlns="">
       <p:transition spd="slow"/>
     </mc:Fallback>
   </mc:AlternateContent>
@@ -15782,7 +17311,7 @@
 </p:sld>
 </file>
 
-<file path=ppt/slides/slide2.xml><?xml version="1.0" encoding="utf-8"?>
+<file path=ppt/slides/slide24.xml><?xml version="1.0" encoding="utf-8"?>
 <p:sld xmlns:a="http://schemas.openxmlformats.org/drawingml/2006/main" xmlns:r="http://schemas.openxmlformats.org/officeDocument/2006/relationships" xmlns:p="http://schemas.openxmlformats.org/presentationml/2006/main" showMasterPhAnim="0">
   <p:cSld>
     <p:spTree>
@@ -15817,13 +17346,11 @@
             <a:r>
               <a:rPr lang="en-GB" b="0" dirty="0" smtClean="0">
                 <a:latin typeface="Cachet Pro Medium" pitchFamily="34" charset="0"/>
-                <a:cs typeface="Cachet Pro Bold"/>
-              </a:rPr>
-              <a:t>Goals</a:t>
+              </a:rPr>
+              <a:t>Keeping a database up to date</a:t>
             </a:r>
             <a:endParaRPr lang="en-GB" b="0" dirty="0">
               <a:latin typeface="Cachet Pro Medium" pitchFamily="34" charset="0"/>
-              <a:cs typeface="Cachet Pro Bold"/>
             </a:endParaRPr>
           </a:p>
         </p:txBody>
@@ -15843,62 +17370,80 @@
           <a:bodyPr/>
           <a:lstStyle/>
           <a:p>
+            <a:pPr marL="0" indent="0">
+              <a:buNone/>
+            </a:pPr>
+            <a:r>
+              <a:rPr lang="en-GB" sz="2800" b="0" dirty="0" smtClean="0">
+                <a:latin typeface="Cachet Pro Book" pitchFamily="34" charset="0"/>
+              </a:rPr>
+              <a:t>With?</a:t>
+            </a:r>
+          </a:p>
+          <a:p>
+            <a:r>
+              <a:rPr lang="en-GB" sz="2800" b="0" dirty="0" smtClean="0">
+                <a:latin typeface="Cachet Pro Book" pitchFamily="34" charset="0"/>
+              </a:rPr>
+              <a:t>Schema</a:t>
+            </a:r>
+          </a:p>
+          <a:p>
+            <a:r>
+              <a:rPr lang="en-GB" sz="2800" b="0" dirty="0" smtClean="0">
+                <a:latin typeface="Cachet Pro Book" pitchFamily="34" charset="0"/>
+              </a:rPr>
+              <a:t>Static data</a:t>
+            </a:r>
+          </a:p>
+          <a:p>
+            <a:pPr marL="0" indent="0">
+              <a:buNone/>
+            </a:pPr>
+            <a:endParaRPr lang="en-GB" sz="2800" b="0" dirty="0" smtClean="0">
+              <a:latin typeface="Cachet Pro Book" pitchFamily="34" charset="0"/>
+            </a:endParaRPr>
+          </a:p>
+          <a:p>
+            <a:pPr marL="0" indent="0">
+              <a:buNone/>
+            </a:pPr>
+            <a:r>
+              <a:rPr lang="en-GB" sz="2800" b="0" dirty="0" smtClean="0">
+                <a:latin typeface="Cachet Pro Book" pitchFamily="34" charset="0"/>
+              </a:rPr>
+              <a:t>Why?</a:t>
+            </a:r>
+          </a:p>
+          <a:p>
+            <a:r>
+              <a:rPr lang="en-GB" sz="2800" b="0" dirty="0" smtClean="0">
+                <a:latin typeface="Cachet Pro Book" pitchFamily="34" charset="0"/>
+              </a:rPr>
+              <a:t>A corresponding </a:t>
+            </a:r>
             <a:r>
               <a:rPr lang="en-GB" sz="2800" b="0" dirty="0">
                 <a:latin typeface="Cachet Pro Book" pitchFamily="34" charset="0"/>
-                <a:cs typeface="Cachet Pro Book"/>
-              </a:rPr>
-              <a:t>W</a:t>
+              </a:rPr>
+              <a:t>database </a:t>
             </a:r>
             <a:r>
               <a:rPr lang="en-GB" sz="2800" b="0" dirty="0" smtClean="0">
                 <a:latin typeface="Cachet Pro Book" pitchFamily="34" charset="0"/>
-                <a:cs typeface="Cachet Pro Book"/>
-              </a:rPr>
-              <a:t>hy continuous integration?</a:t>
+              </a:rPr>
+              <a:t>for the application</a:t>
             </a:r>
           </a:p>
           <a:p>
             <a:r>
               <a:rPr lang="en-GB" sz="2800" b="0" dirty="0" smtClean="0">
                 <a:latin typeface="Cachet Pro Book" pitchFamily="34" charset="0"/>
-                <a:cs typeface="Cachet Pro Book"/>
-              </a:rPr>
-              <a:t>Testing is important</a:t>
-            </a:r>
-          </a:p>
-          <a:p>
-            <a:r>
-              <a:rPr lang="en-GB" sz="2800" b="0" dirty="0" smtClean="0">
-                <a:latin typeface="Cachet Pro Book" pitchFamily="34" charset="0"/>
-                <a:cs typeface="Cachet Pro Book"/>
-              </a:rPr>
-              <a:t>It’s easy – setup and running in an hour</a:t>
-            </a:r>
-          </a:p>
-          <a:p>
-            <a:pPr marL="0" indent="0" algn="ctr">
-              <a:buNone/>
-            </a:pPr>
-            <a:endParaRPr lang="en-GB" b="0" dirty="0" smtClean="0">
+              </a:rPr>
+              <a:t>Maintaining a test database with the latest changes</a:t>
+            </a:r>
+            <a:endParaRPr lang="en-GB" sz="2800" b="0" dirty="0">
               <a:latin typeface="Cachet Pro Book" pitchFamily="34" charset="0"/>
-              <a:cs typeface="Cachet Pro Book"/>
-            </a:endParaRPr>
-          </a:p>
-          <a:p>
-            <a:pPr marL="0" indent="0" algn="ctr">
-              <a:buNone/>
-            </a:pPr>
-            <a:r>
-              <a:rPr lang="en-GB" sz="3200" b="0" dirty="0" smtClean="0">
-                <a:latin typeface="Cachet Pro Book" pitchFamily="34" charset="0"/>
-                <a:cs typeface="Cachet Pro Book"/>
-              </a:rPr>
-              <a:t>Do feel free to ask questions!</a:t>
-            </a:r>
-            <a:endParaRPr lang="en-GB" sz="3200" b="0" dirty="0">
-              <a:latin typeface="Cachet Pro Book" pitchFamily="34" charset="0"/>
-              <a:cs typeface="Cachet Pro Book"/>
             </a:endParaRPr>
           </a:p>
         </p:txBody>
@@ -15906,18 +17451,18 @@
     </p:spTree>
     <p:extLst>
       <p:ext uri="{BB962C8B-B14F-4D97-AF65-F5344CB8AC3E}">
-        <p14:creationId xmlns:p14="http://schemas.microsoft.com/office/powerpoint/2010/main" val="383535242"/>
+        <p14:creationId xmlns:p14="http://schemas.microsoft.com/office/powerpoint/2010/main" val="2492940008"/>
       </p:ext>
     </p:extLst>
   </p:cSld>
   <p:clrMapOvr>
     <a:masterClrMapping/>
   </p:clrMapOvr>
-  <mc:AlternateContent xmlns:mc="http://schemas.openxmlformats.org/markup-compatibility/2006">
-    <mc:Choice xmlns:p14="http://schemas.microsoft.com/office/powerpoint/2010/main" Requires="p14">
+  <mc:AlternateContent xmlns:mc="http://schemas.openxmlformats.org/markup-compatibility/2006" xmlns:p14="http://schemas.microsoft.com/office/powerpoint/2010/main">
+    <mc:Choice Requires="p14">
       <p:transition spd="slow" p14:dur="2000"/>
     </mc:Choice>
-    <mc:Fallback>
+    <mc:Fallback xmlns="">
       <p:transition spd="slow"/>
     </mc:Fallback>
   </mc:AlternateContent>
@@ -15931,172 +17476,7 @@
 </p:sld>
 </file>
 
-<file path=ppt/slides/slide20.xml><?xml version="1.0" encoding="utf-8"?>
-<p:sld xmlns:a="http://schemas.openxmlformats.org/drawingml/2006/main" xmlns:r="http://schemas.openxmlformats.org/officeDocument/2006/relationships" xmlns:p="http://schemas.openxmlformats.org/presentationml/2006/main" showMasterPhAnim="0">
-  <p:cSld>
-    <p:spTree>
-      <p:nvGrpSpPr>
-        <p:cNvPr id="1" name=""/>
-        <p:cNvGrpSpPr/>
-        <p:nvPr/>
-      </p:nvGrpSpPr>
-      <p:grpSpPr>
-        <a:xfrm>
-          <a:off x="0" y="0"/>
-          <a:ext cx="0" cy="0"/>
-          <a:chOff x="0" y="0"/>
-          <a:chExt cx="0" cy="0"/>
-        </a:xfrm>
-      </p:grpSpPr>
-      <p:sp>
-        <p:nvSpPr>
-          <p:cNvPr id="2" name="Title 1"/>
-          <p:cNvSpPr>
-            <a:spLocks noGrp="1"/>
-          </p:cNvSpPr>
-          <p:nvPr>
-            <p:ph type="title"/>
-          </p:nvPr>
-        </p:nvSpPr>
-        <p:spPr/>
-        <p:txBody>
-          <a:bodyPr/>
-          <a:lstStyle/>
-          <a:p>
-            <a:r>
-              <a:rPr lang="en-GB" b="0" dirty="0" smtClean="0">
-                <a:latin typeface="Cachet Pro Medium" pitchFamily="34" charset="0"/>
-              </a:rPr>
-              <a:t>Keeping a database up to date</a:t>
-            </a:r>
-            <a:endParaRPr lang="en-GB" b="0" dirty="0">
-              <a:latin typeface="Cachet Pro Medium" pitchFamily="34" charset="0"/>
-            </a:endParaRPr>
-          </a:p>
-        </p:txBody>
-      </p:sp>
-      <p:sp>
-        <p:nvSpPr>
-          <p:cNvPr id="3" name="Content Placeholder 2"/>
-          <p:cNvSpPr>
-            <a:spLocks noGrp="1"/>
-          </p:cNvSpPr>
-          <p:nvPr>
-            <p:ph idx="1"/>
-          </p:nvPr>
-        </p:nvSpPr>
-        <p:spPr/>
-        <p:txBody>
-          <a:bodyPr/>
-          <a:lstStyle/>
-          <a:p>
-            <a:pPr marL="0" indent="0">
-              <a:buNone/>
-            </a:pPr>
-            <a:r>
-              <a:rPr lang="en-GB" sz="2800" b="0" dirty="0" smtClean="0">
-                <a:latin typeface="Cachet Pro Book" pitchFamily="34" charset="0"/>
-              </a:rPr>
-              <a:t>With?</a:t>
-            </a:r>
-          </a:p>
-          <a:p>
-            <a:r>
-              <a:rPr lang="en-GB" sz="2800" b="0" dirty="0" smtClean="0">
-                <a:latin typeface="Cachet Pro Book" pitchFamily="34" charset="0"/>
-              </a:rPr>
-              <a:t>Schema</a:t>
-            </a:r>
-          </a:p>
-          <a:p>
-            <a:r>
-              <a:rPr lang="en-GB" sz="2800" b="0" dirty="0" smtClean="0">
-                <a:latin typeface="Cachet Pro Book" pitchFamily="34" charset="0"/>
-              </a:rPr>
-              <a:t>Static data</a:t>
-            </a:r>
-          </a:p>
-          <a:p>
-            <a:pPr marL="0" indent="0">
-              <a:buNone/>
-            </a:pPr>
-            <a:endParaRPr lang="en-GB" sz="2800" b="0" dirty="0" smtClean="0">
-              <a:latin typeface="Cachet Pro Book" pitchFamily="34" charset="0"/>
-            </a:endParaRPr>
-          </a:p>
-          <a:p>
-            <a:pPr marL="0" indent="0">
-              <a:buNone/>
-            </a:pPr>
-            <a:r>
-              <a:rPr lang="en-GB" sz="2800" b="0" dirty="0" smtClean="0">
-                <a:latin typeface="Cachet Pro Book" pitchFamily="34" charset="0"/>
-              </a:rPr>
-              <a:t>Why?</a:t>
-            </a:r>
-          </a:p>
-          <a:p>
-            <a:r>
-              <a:rPr lang="en-GB" sz="2800" b="0" dirty="0" smtClean="0">
-                <a:latin typeface="Cachet Pro Book" pitchFamily="34" charset="0"/>
-              </a:rPr>
-              <a:t>A corresponding </a:t>
-            </a:r>
-            <a:r>
-              <a:rPr lang="en-GB" sz="2800" b="0" dirty="0">
-                <a:latin typeface="Cachet Pro Book" pitchFamily="34" charset="0"/>
-              </a:rPr>
-              <a:t>database </a:t>
-            </a:r>
-            <a:r>
-              <a:rPr lang="en-GB" sz="2800" b="0" dirty="0" smtClean="0">
-                <a:latin typeface="Cachet Pro Book" pitchFamily="34" charset="0"/>
-              </a:rPr>
-              <a:t>for the application</a:t>
-            </a:r>
-          </a:p>
-          <a:p>
-            <a:r>
-              <a:rPr lang="en-GB" sz="2800" b="0" dirty="0" smtClean="0">
-                <a:latin typeface="Cachet Pro Book" pitchFamily="34" charset="0"/>
-              </a:rPr>
-              <a:t>Maintaining a test database with the latest changes</a:t>
-            </a:r>
-            <a:endParaRPr lang="en-GB" sz="2800" b="0" dirty="0">
-              <a:latin typeface="Cachet Pro Book" pitchFamily="34" charset="0"/>
-            </a:endParaRPr>
-          </a:p>
-        </p:txBody>
-      </p:sp>
-    </p:spTree>
-    <p:extLst>
-      <p:ext uri="{BB962C8B-B14F-4D97-AF65-F5344CB8AC3E}">
-        <p14:creationId xmlns:p14="http://schemas.microsoft.com/office/powerpoint/2010/main" val="2492940008"/>
-      </p:ext>
-    </p:extLst>
-  </p:cSld>
-  <p:clrMapOvr>
-    <a:masterClrMapping/>
-  </p:clrMapOvr>
-  <mc:AlternateContent xmlns:mc="http://schemas.openxmlformats.org/markup-compatibility/2006">
-    <mc:Choice xmlns:p14="http://schemas.microsoft.com/office/powerpoint/2010/main" Requires="p14">
-      <p:transition spd="slow" p14:dur="2000"/>
-    </mc:Choice>
-    <mc:Fallback>
-      <p:transition spd="slow"/>
-    </mc:Fallback>
-  </mc:AlternateContent>
-  <p:timing>
-    <p:tnLst>
-      <p:par>
-        <p:cTn id="1" dur="indefinite" restart="never" nodeType="tmRoot"/>
-      </p:par>
-    </p:tnLst>
-  </p:timing>
-</p:sld>
-</file>
-
-<file path=ppt/slides/slide21.xml><?xml version="1.0" encoding="utf-8"?>
+<file path=ppt/slides/slide25.xml><?xml version="1.0" encoding="utf-8"?>
 <p:sld xmlns:a="http://schemas.openxmlformats.org/drawingml/2006/main" xmlns:r="http://schemas.openxmlformats.org/officeDocument/2006/relationships" xmlns:p="http://schemas.openxmlformats.org/presentationml/2006/main">
   <p:cSld>
     <p:spTree>
@@ -16169,11 +17549,11 @@
   <p:clrMapOvr>
     <a:masterClrMapping/>
   </p:clrMapOvr>
-  <mc:AlternateContent xmlns:mc="http://schemas.openxmlformats.org/markup-compatibility/2006">
-    <mc:Choice xmlns:p14="http://schemas.microsoft.com/office/powerpoint/2010/main" Requires="p14">
+  <mc:AlternateContent xmlns:mc="http://schemas.openxmlformats.org/markup-compatibility/2006" xmlns:p14="http://schemas.microsoft.com/office/powerpoint/2010/main">
+    <mc:Choice Requires="p14">
       <p:transition spd="slow" p14:dur="2000"/>
     </mc:Choice>
-    <mc:Fallback>
+    <mc:Fallback xmlns="">
       <p:transition spd="slow"/>
     </mc:Fallback>
   </mc:AlternateContent>
@@ -16187,7 +17567,7 @@
 </p:sld>
 </file>
 
-<file path=ppt/slides/slide22.xml><?xml version="1.0" encoding="utf-8"?>
+<file path=ppt/slides/slide26.xml><?xml version="1.0" encoding="utf-8"?>
 <p:sld xmlns:a="http://schemas.openxmlformats.org/drawingml/2006/main" xmlns:r="http://schemas.openxmlformats.org/officeDocument/2006/relationships" xmlns:p="http://schemas.openxmlformats.org/presentationml/2006/main" showMasterPhAnim="0">
   <p:cSld>
     <p:spTree>
@@ -16305,11 +17685,11 @@
   <p:clrMapOvr>
     <a:masterClrMapping/>
   </p:clrMapOvr>
-  <mc:AlternateContent xmlns:mc="http://schemas.openxmlformats.org/markup-compatibility/2006">
-    <mc:Choice xmlns:p14="http://schemas.microsoft.com/office/powerpoint/2010/main" Requires="p14">
+  <mc:AlternateContent xmlns:mc="http://schemas.openxmlformats.org/markup-compatibility/2006" xmlns:p14="http://schemas.microsoft.com/office/powerpoint/2010/main">
+    <mc:Choice Requires="p14">
       <p:transition spd="slow" p14:dur="2000"/>
     </mc:Choice>
-    <mc:Fallback>
+    <mc:Fallback xmlns="">
       <p:transition spd="slow"/>
     </mc:Fallback>
   </mc:AlternateContent>
@@ -16323,7 +17703,7 @@
 </p:sld>
 </file>
 
-<file path=ppt/slides/slide23.xml><?xml version="1.0" encoding="utf-8"?>
+<file path=ppt/slides/slide27.xml><?xml version="1.0" encoding="utf-8"?>
 <p:sld xmlns:a="http://schemas.openxmlformats.org/drawingml/2006/main" xmlns:r="http://schemas.openxmlformats.org/officeDocument/2006/relationships" xmlns:p="http://schemas.openxmlformats.org/presentationml/2006/main" showMasterPhAnim="0">
   <p:cSld>
     <p:spTree>
@@ -16402,11 +17782,11 @@
   <p:clrMapOvr>
     <a:masterClrMapping/>
   </p:clrMapOvr>
-  <mc:AlternateContent xmlns:mc="http://schemas.openxmlformats.org/markup-compatibility/2006">
-    <mc:Choice xmlns:p14="http://schemas.microsoft.com/office/powerpoint/2010/main" Requires="p14">
+  <mc:AlternateContent xmlns:mc="http://schemas.openxmlformats.org/markup-compatibility/2006" xmlns:p14="http://schemas.microsoft.com/office/powerpoint/2010/main">
+    <mc:Choice Requires="p14">
       <p:transition spd="slow" p14:dur="2000"/>
     </mc:Choice>
-    <mc:Fallback>
+    <mc:Fallback xmlns="">
       <p:transition spd="slow"/>
     </mc:Fallback>
   </mc:AlternateContent>
@@ -16420,7 +17800,7 @@
 </p:sld>
 </file>
 
-<file path=ppt/slides/slide24.xml><?xml version="1.0" encoding="utf-8"?>
+<file path=ppt/slides/slide28.xml><?xml version="1.0" encoding="utf-8"?>
 <p:sld xmlns:a="http://schemas.openxmlformats.org/drawingml/2006/main" xmlns:r="http://schemas.openxmlformats.org/officeDocument/2006/relationships" xmlns:p="http://schemas.openxmlformats.org/presentationml/2006/main" showMasterPhAnim="0">
   <p:cSld>
     <p:spTree>
@@ -16499,11 +17879,11 @@
   <p:clrMapOvr>
     <a:masterClrMapping/>
   </p:clrMapOvr>
-  <mc:AlternateContent xmlns:mc="http://schemas.openxmlformats.org/markup-compatibility/2006">
-    <mc:Choice xmlns:p14="http://schemas.microsoft.com/office/powerpoint/2010/main" Requires="p14">
+  <mc:AlternateContent xmlns:mc="http://schemas.openxmlformats.org/markup-compatibility/2006" xmlns:p14="http://schemas.microsoft.com/office/powerpoint/2010/main">
+    <mc:Choice Requires="p14">
       <p:transition spd="slow" p14:dur="2000"/>
     </mc:Choice>
-    <mc:Fallback>
+    <mc:Fallback xmlns="">
       <p:transition spd="slow"/>
     </mc:Fallback>
   </mc:AlternateContent>
@@ -16517,7 +17897,7 @@
 </p:sld>
 </file>
 
-<file path=ppt/slides/slide25.xml><?xml version="1.0" encoding="utf-8"?>
+<file path=ppt/slides/slide29.xml><?xml version="1.0" encoding="utf-8"?>
 <p:sld xmlns:a="http://schemas.openxmlformats.org/drawingml/2006/main" xmlns:r="http://schemas.openxmlformats.org/officeDocument/2006/relationships" xmlns:p="http://schemas.openxmlformats.org/presentationml/2006/main" showMasterPhAnim="0">
   <p:cSld>
     <p:spTree>
@@ -16639,11 +18019,11 @@
   <p:clrMapOvr>
     <a:masterClrMapping/>
   </p:clrMapOvr>
-  <mc:AlternateContent xmlns:mc="http://schemas.openxmlformats.org/markup-compatibility/2006">
-    <mc:Choice xmlns:p14="http://schemas.microsoft.com/office/powerpoint/2010/main" Requires="p14">
+  <mc:AlternateContent xmlns:mc="http://schemas.openxmlformats.org/markup-compatibility/2006" xmlns:p14="http://schemas.microsoft.com/office/powerpoint/2010/main">
+    <mc:Choice Requires="p14">
       <p:transition spd="slow" p14:dur="2000"/>
     </mc:Choice>
-    <mc:Fallback>
+    <mc:Fallback xmlns="">
       <p:transition spd="slow"/>
     </mc:Fallback>
   </mc:AlternateContent>
@@ -16657,7 +18037,156 @@
 </p:sld>
 </file>
 
-<file path=ppt/slides/slide26.xml><?xml version="1.0" encoding="utf-8"?>
+<file path=ppt/slides/slide3.xml><?xml version="1.0" encoding="utf-8"?>
+<p:sld xmlns:a="http://schemas.openxmlformats.org/drawingml/2006/main" xmlns:r="http://schemas.openxmlformats.org/officeDocument/2006/relationships" xmlns:p="http://schemas.openxmlformats.org/presentationml/2006/main" showMasterPhAnim="0">
+  <p:cSld>
+    <p:spTree>
+      <p:nvGrpSpPr>
+        <p:cNvPr id="1" name=""/>
+        <p:cNvGrpSpPr/>
+        <p:nvPr/>
+      </p:nvGrpSpPr>
+      <p:grpSpPr>
+        <a:xfrm>
+          <a:off x="0" y="0"/>
+          <a:ext cx="0" cy="0"/>
+          <a:chOff x="0" y="0"/>
+          <a:chExt cx="0" cy="0"/>
+        </a:xfrm>
+      </p:grpSpPr>
+      <p:sp>
+        <p:nvSpPr>
+          <p:cNvPr id="2" name="Title 1"/>
+          <p:cNvSpPr>
+            <a:spLocks noGrp="1"/>
+          </p:cNvSpPr>
+          <p:nvPr>
+            <p:ph type="title"/>
+          </p:nvPr>
+        </p:nvSpPr>
+        <p:spPr/>
+        <p:txBody>
+          <a:bodyPr/>
+          <a:lstStyle/>
+          <a:p>
+            <a:r>
+              <a:rPr lang="en-GB" b="0" dirty="0" smtClean="0">
+                <a:latin typeface="Cachet Pro Medium" pitchFamily="34" charset="0"/>
+                <a:cs typeface="Cachet Pro Bold"/>
+              </a:rPr>
+              <a:t>Goals</a:t>
+            </a:r>
+            <a:endParaRPr lang="en-GB" b="0" dirty="0">
+              <a:latin typeface="Cachet Pro Medium" pitchFamily="34" charset="0"/>
+              <a:cs typeface="Cachet Pro Bold"/>
+            </a:endParaRPr>
+          </a:p>
+        </p:txBody>
+      </p:sp>
+      <p:sp>
+        <p:nvSpPr>
+          <p:cNvPr id="3" name="Content Placeholder 2"/>
+          <p:cNvSpPr>
+            <a:spLocks noGrp="1"/>
+          </p:cNvSpPr>
+          <p:nvPr>
+            <p:ph idx="1"/>
+          </p:nvPr>
+        </p:nvSpPr>
+        <p:spPr/>
+        <p:txBody>
+          <a:bodyPr/>
+          <a:lstStyle/>
+          <a:p>
+            <a:r>
+              <a:rPr lang="en-GB" sz="2800" b="0" dirty="0">
+                <a:latin typeface="Cachet Pro Book" pitchFamily="34" charset="0"/>
+                <a:cs typeface="Cachet Pro Book"/>
+              </a:rPr>
+              <a:t>W</a:t>
+            </a:r>
+            <a:r>
+              <a:rPr lang="en-GB" sz="2800" b="0" dirty="0" smtClean="0">
+                <a:latin typeface="Cachet Pro Book" pitchFamily="34" charset="0"/>
+                <a:cs typeface="Cachet Pro Book"/>
+              </a:rPr>
+              <a:t>hy continuous integration?</a:t>
+            </a:r>
+          </a:p>
+          <a:p>
+            <a:r>
+              <a:rPr lang="en-GB" sz="2800" b="0" dirty="0" smtClean="0">
+                <a:latin typeface="Cachet Pro Book" pitchFamily="34" charset="0"/>
+                <a:cs typeface="Cachet Pro Book"/>
+              </a:rPr>
+              <a:t>Testing is important</a:t>
+            </a:r>
+          </a:p>
+          <a:p>
+            <a:r>
+              <a:rPr lang="en-GB" sz="2800" b="0" dirty="0" smtClean="0">
+                <a:latin typeface="Cachet Pro Book" pitchFamily="34" charset="0"/>
+                <a:cs typeface="Cachet Pro Book"/>
+              </a:rPr>
+              <a:t>It’s easy – setup and running in an hour</a:t>
+            </a:r>
+          </a:p>
+          <a:p>
+            <a:pPr marL="0" indent="0" algn="ctr">
+              <a:buNone/>
+            </a:pPr>
+            <a:endParaRPr lang="en-GB" b="0" dirty="0" smtClean="0">
+              <a:latin typeface="Cachet Pro Book" pitchFamily="34" charset="0"/>
+              <a:cs typeface="Cachet Pro Book"/>
+            </a:endParaRPr>
+          </a:p>
+          <a:p>
+            <a:pPr marL="0" indent="0" algn="ctr">
+              <a:buNone/>
+            </a:pPr>
+            <a:r>
+              <a:rPr lang="en-GB" sz="3200" b="0" dirty="0" smtClean="0">
+                <a:latin typeface="Cachet Pro Book" pitchFamily="34" charset="0"/>
+                <a:cs typeface="Cachet Pro Book"/>
+              </a:rPr>
+              <a:t>Do feel free to ask questions!</a:t>
+            </a:r>
+            <a:endParaRPr lang="en-GB" sz="3200" b="0" dirty="0">
+              <a:latin typeface="Cachet Pro Book" pitchFamily="34" charset="0"/>
+              <a:cs typeface="Cachet Pro Book"/>
+            </a:endParaRPr>
+          </a:p>
+        </p:txBody>
+      </p:sp>
+    </p:spTree>
+    <p:extLst>
+      <p:ext uri="{BB962C8B-B14F-4D97-AF65-F5344CB8AC3E}">
+        <p14:creationId xmlns:p14="http://schemas.microsoft.com/office/powerpoint/2010/main" val="383535242"/>
+      </p:ext>
+    </p:extLst>
+  </p:cSld>
+  <p:clrMapOvr>
+    <a:masterClrMapping/>
+  </p:clrMapOvr>
+  <mc:AlternateContent xmlns:mc="http://schemas.openxmlformats.org/markup-compatibility/2006" xmlns:p14="http://schemas.microsoft.com/office/powerpoint/2010/main">
+    <mc:Choice Requires="p14">
+      <p:transition spd="slow" p14:dur="2000"/>
+    </mc:Choice>
+    <mc:Fallback xmlns="">
+      <p:transition spd="slow"/>
+    </mc:Fallback>
+  </mc:AlternateContent>
+  <p:timing>
+    <p:tnLst>
+      <p:par>
+        <p:cTn id="1" dur="indefinite" restart="never" nodeType="tmRoot"/>
+      </p:par>
+    </p:tnLst>
+  </p:timing>
+</p:sld>
+</file>
+
+<file path=ppt/slides/slide30.xml><?xml version="1.0" encoding="utf-8"?>
 <p:sld xmlns:a="http://schemas.openxmlformats.org/drawingml/2006/main" xmlns:r="http://schemas.openxmlformats.org/officeDocument/2006/relationships" xmlns:p="http://schemas.openxmlformats.org/presentationml/2006/main" showMasterPhAnim="0">
   <p:cSld>
     <p:spTree>
@@ -16713,11 +18242,11 @@
   <p:clrMapOvr>
     <a:masterClrMapping/>
   </p:clrMapOvr>
-  <mc:AlternateContent xmlns:mc="http://schemas.openxmlformats.org/markup-compatibility/2006">
-    <mc:Choice xmlns:p14="http://schemas.microsoft.com/office/powerpoint/2010/main" Requires="p14">
+  <mc:AlternateContent xmlns:mc="http://schemas.openxmlformats.org/markup-compatibility/2006" xmlns:p14="http://schemas.microsoft.com/office/powerpoint/2010/main">
+    <mc:Choice Requires="p14">
       <p:transition spd="slow" p14:dur="2000"/>
     </mc:Choice>
-    <mc:Fallback>
+    <mc:Fallback xmlns="">
       <p:transition spd="slow"/>
     </mc:Fallback>
   </mc:AlternateContent>
@@ -16731,7 +18260,7 @@
 </p:sld>
 </file>
 
-<file path=ppt/slides/slide27.xml><?xml version="1.0" encoding="utf-8"?>
+<file path=ppt/slides/slide31.xml><?xml version="1.0" encoding="utf-8"?>
 <p:sld xmlns:a="http://schemas.openxmlformats.org/drawingml/2006/main" xmlns:r="http://schemas.openxmlformats.org/officeDocument/2006/relationships" xmlns:p="http://schemas.openxmlformats.org/presentationml/2006/main" showMasterPhAnim="0">
   <p:cSld>
     <p:spTree>
@@ -16835,11 +18364,11 @@
   <p:clrMapOvr>
     <a:masterClrMapping/>
   </p:clrMapOvr>
-  <mc:AlternateContent xmlns:mc="http://schemas.openxmlformats.org/markup-compatibility/2006">
-    <mc:Choice xmlns:p14="http://schemas.microsoft.com/office/powerpoint/2010/main" Requires="p14">
+  <mc:AlternateContent xmlns:mc="http://schemas.openxmlformats.org/markup-compatibility/2006" xmlns:p14="http://schemas.microsoft.com/office/powerpoint/2010/main">
+    <mc:Choice Requires="p14">
       <p:transition spd="slow" p14:dur="2000"/>
     </mc:Choice>
-    <mc:Fallback>
+    <mc:Fallback xmlns="">
       <p:transition spd="slow"/>
     </mc:Fallback>
   </mc:AlternateContent>
@@ -16853,7 +18382,7 @@
 </p:sld>
 </file>
 
-<file path=ppt/slides/slide28.xml><?xml version="1.0" encoding="utf-8"?>
+<file path=ppt/slides/slide32.xml><?xml version="1.0" encoding="utf-8"?>
 <p:sld xmlns:a="http://schemas.openxmlformats.org/drawingml/2006/main" xmlns:r="http://schemas.openxmlformats.org/officeDocument/2006/relationships" xmlns:p="http://schemas.openxmlformats.org/presentationml/2006/main" showMasterPhAnim="0">
   <p:cSld>
     <p:spTree>
@@ -16998,11 +18527,11 @@
   <p:clrMapOvr>
     <a:masterClrMapping/>
   </p:clrMapOvr>
-  <mc:AlternateContent xmlns:mc="http://schemas.openxmlformats.org/markup-compatibility/2006">
-    <mc:Choice xmlns:p14="http://schemas.microsoft.com/office/powerpoint/2010/main" Requires="p14">
+  <mc:AlternateContent xmlns:mc="http://schemas.openxmlformats.org/markup-compatibility/2006" xmlns:p14="http://schemas.microsoft.com/office/powerpoint/2010/main">
+    <mc:Choice Requires="p14">
       <p:transition spd="slow" p14:dur="2000"/>
     </mc:Choice>
-    <mc:Fallback>
+    <mc:Fallback xmlns="">
       <p:transition spd="slow"/>
     </mc:Fallback>
   </mc:AlternateContent>
@@ -17016,7 +18545,7 @@
 </p:sld>
 </file>
 
-<file path=ppt/slides/slide29.xml><?xml version="1.0" encoding="utf-8"?>
+<file path=ppt/slides/slide33.xml><?xml version="1.0" encoding="utf-8"?>
 <p:sld xmlns:a="http://schemas.openxmlformats.org/drawingml/2006/main" xmlns:r="http://schemas.openxmlformats.org/officeDocument/2006/relationships" xmlns:p="http://schemas.openxmlformats.org/presentationml/2006/main" showMasterPhAnim="0">
   <p:cSld>
     <p:spTree>
@@ -17185,11 +18714,11 @@
   <p:clrMapOvr>
     <a:masterClrMapping/>
   </p:clrMapOvr>
-  <mc:AlternateContent xmlns:mc="http://schemas.openxmlformats.org/markup-compatibility/2006">
-    <mc:Choice xmlns:p14="http://schemas.microsoft.com/office/powerpoint/2010/main" Requires="p14">
+  <mc:AlternateContent xmlns:mc="http://schemas.openxmlformats.org/markup-compatibility/2006" xmlns:p14="http://schemas.microsoft.com/office/powerpoint/2010/main">
+    <mc:Choice Requires="p14">
       <p:transition spd="slow" p14:dur="2000"/>
     </mc:Choice>
-    <mc:Fallback>
+    <mc:Fallback xmlns="">
       <p:transition spd="slow"/>
     </mc:Fallback>
   </mc:AlternateContent>
@@ -17203,7 +18732,7 @@
 </p:sld>
 </file>
 
-<file path=ppt/slides/slide3.xml><?xml version="1.0" encoding="utf-8"?>
+<file path=ppt/slides/slide34.xml><?xml version="1.0" encoding="utf-8"?>
 <p:sld xmlns:a="http://schemas.openxmlformats.org/drawingml/2006/main" xmlns:r="http://schemas.openxmlformats.org/officeDocument/2006/relationships" xmlns:p="http://schemas.openxmlformats.org/presentationml/2006/main">
   <p:cSld>
     <p:spTree>
@@ -17222,7 +18751,7 @@
       </p:grpSpPr>
       <p:sp>
         <p:nvSpPr>
-          <p:cNvPr id="12290" name="Title 1"/>
+          <p:cNvPr id="2" name="Title 1"/>
           <p:cNvSpPr>
             <a:spLocks noGrp="1"/>
           </p:cNvSpPr>
@@ -17232,145 +18761,149 @@
         </p:nvSpPr>
         <p:spPr/>
         <p:txBody>
-          <a:bodyPr/>
+          <a:bodyPr vert="horz" lIns="91440" tIns="45720" rIns="91440" bIns="45720" rtlCol="0" anchor="ctr">
+            <a:normAutofit/>
+          </a:bodyPr>
           <a:lstStyle/>
           <a:p>
-            <a:r>
-              <a:rPr altLang="en-US" dirty="0" smtClean="0"/>
-              <a:t>Introduction</a:t>
-            </a:r>
-          </a:p>
-        </p:txBody>
-      </p:sp>
-      <p:sp>
-        <p:nvSpPr>
-          <p:cNvPr id="12291" name="Text Placeholder 2"/>
+            <a:pPr algn="l"/>
+            <a:r>
+              <a:rPr lang="en-US" sz="4500" b="1" dirty="0">
+                <a:latin typeface="Arial" panose="020B0604020202020204" pitchFamily="34" charset="0"/>
+                <a:cs typeface="Arial" panose="020B0604020202020204" pitchFamily="34" charset="0"/>
+              </a:rPr>
+              <a:t>Our </a:t>
+            </a:r>
+            <a:r>
+              <a:rPr lang="en-US" sz="4500" b="1" dirty="0" smtClean="0">
+                <a:latin typeface="Arial" panose="020B0604020202020204" pitchFamily="34" charset="0"/>
+                <a:cs typeface="Arial" panose="020B0604020202020204" pitchFamily="34" charset="0"/>
+              </a:rPr>
+              <a:t>story…</a:t>
+            </a:r>
+            <a:endParaRPr lang="en-US" sz="4500" b="1" dirty="0">
+              <a:latin typeface="Arial" panose="020B0604020202020204" pitchFamily="34" charset="0"/>
+              <a:cs typeface="Arial" panose="020B0604020202020204" pitchFamily="34" charset="0"/>
+            </a:endParaRPr>
+          </a:p>
+        </p:txBody>
+      </p:sp>
+      <p:sp>
+        <p:nvSpPr>
+          <p:cNvPr id="3" name="Content Placeholder 2"/>
           <p:cNvSpPr>
             <a:spLocks noGrp="1"/>
           </p:cNvSpPr>
           <p:nvPr>
-            <p:ph type="body" idx="1"/>
+            <p:ph idx="1"/>
           </p:nvPr>
         </p:nvSpPr>
-        <p:spPr/>
-        <p:txBody>
-          <a:bodyPr/>
+        <p:spPr>
+          <a:xfrm>
+            <a:off x="457200" y="1676401"/>
+            <a:ext cx="8229600" cy="4525963"/>
+          </a:xfrm>
+        </p:spPr>
+        <p:txBody>
+          <a:bodyPr>
+            <a:normAutofit/>
+          </a:bodyPr>
           <a:lstStyle/>
           <a:p>
-            <a:r>
-              <a:rPr lang="en-US" altLang="en-US" dirty="0" smtClean="0"/>
-              <a:t>Steve Jones</a:t>
-            </a:r>
-          </a:p>
-          <a:p>
-            <a:pPr lvl="1"/>
-            <a:r>
-              <a:rPr lang="en-US" altLang="en-US" dirty="0" smtClean="0"/>
-              <a:t>Editor and Founder, </a:t>
-            </a:r>
-            <a:r>
-              <a:rPr lang="en-US" altLang="en-US" dirty="0" err="1" smtClean="0"/>
-              <a:t>SQLServerCentral</a:t>
-            </a:r>
-            <a:endParaRPr lang="en-US" altLang="en-US" dirty="0" smtClean="0"/>
-          </a:p>
-          <a:p>
-            <a:pPr lvl="1"/>
-            <a:r>
-              <a:rPr lang="en-US" altLang="en-US" dirty="0" smtClean="0"/>
-              <a:t>Evangelist, Red Gate Software</a:t>
-            </a:r>
-          </a:p>
-          <a:p>
-            <a:pPr lvl="1"/>
-            <a:r>
-              <a:rPr lang="en-US" altLang="en-US" dirty="0" smtClean="0"/>
-              <a:t>23 years experience with SQL Server</a:t>
-            </a:r>
-          </a:p>
-          <a:p>
-            <a:r>
-              <a:rPr lang="en-US" altLang="en-US" dirty="0" smtClean="0"/>
-              <a:t>Contact</a:t>
-            </a:r>
-          </a:p>
-          <a:p>
-            <a:pPr lvl="1"/>
-            <a:r>
-              <a:rPr lang="en-US" altLang="en-US" dirty="0" smtClean="0">
-                <a:hlinkClick r:id="rId2"/>
-              </a:rPr>
-              <a:t>@way0utwest</a:t>
-            </a:r>
-            <a:r>
-              <a:rPr lang="en-US" altLang="en-US" dirty="0" smtClean="0"/>
-              <a:t> (Twitter)</a:t>
-            </a:r>
-          </a:p>
-          <a:p>
-            <a:pPr lvl="1"/>
-            <a:r>
-              <a:rPr lang="en-US" altLang="en-US" dirty="0">
-                <a:hlinkClick r:id="rId3"/>
-              </a:rPr>
-              <a:t>http://</a:t>
-            </a:r>
-            <a:r>
-              <a:rPr lang="en-US" altLang="en-US" dirty="0" smtClean="0">
-                <a:hlinkClick r:id="rId3"/>
-              </a:rPr>
-              <a:t>www.linkedin.com/in/way0utwest</a:t>
-            </a:r>
-            <a:endParaRPr lang="en-US" altLang="en-US" dirty="0" smtClean="0"/>
-          </a:p>
-          <a:p>
-            <a:pPr lvl="1"/>
-            <a:r>
-              <a:rPr lang="en-US" altLang="en-US" dirty="0" smtClean="0">
-                <a:hlinkClick r:id="rId4"/>
-              </a:rPr>
-              <a:t>www.voiceofthedba.com</a:t>
-            </a:r>
-            <a:endParaRPr lang="en-US" altLang="en-US" dirty="0" smtClean="0"/>
-          </a:p>
-          <a:p>
-            <a:pPr lvl="1"/>
-            <a:r>
-              <a:rPr lang="en-US" altLang="en-US" dirty="0" err="1" smtClean="0"/>
-              <a:t>SQLServerCentral</a:t>
-            </a:r>
-            <a:r>
-              <a:rPr lang="en-US" altLang="en-US" dirty="0"/>
-              <a:t> </a:t>
-            </a:r>
-            <a:r>
-              <a:rPr lang="en-US" altLang="en-US" dirty="0" smtClean="0"/>
-              <a:t>(</a:t>
-            </a:r>
-            <a:r>
-              <a:rPr lang="en-US" altLang="en-US" dirty="0" err="1" smtClean="0"/>
-              <a:t>sjones</a:t>
-            </a:r>
-            <a:r>
-              <a:rPr lang="en-US" altLang="en-US" dirty="0" smtClean="0"/>
-              <a:t>@)</a:t>
-            </a:r>
+            <a:pPr>
+              <a:buClr>
+                <a:srgbClr val="C00000"/>
+              </a:buClr>
+              <a:buFont typeface="Wingdings" panose="05000000000000000000" pitchFamily="2" charset="2"/>
+              <a:buChar char="§"/>
+            </a:pPr>
+            <a:r>
+              <a:rPr lang="en-US" sz="2800" dirty="0" smtClean="0">
+                <a:latin typeface="Arial" panose="020B0604020202020204" pitchFamily="34" charset="0"/>
+                <a:cs typeface="Arial" panose="020B0604020202020204" pitchFamily="34" charset="0"/>
+              </a:rPr>
+              <a:t>We want to set up a CI process fo</a:t>
+            </a:r>
+            <a:r>
+              <a:rPr lang="en-US" dirty="0" smtClean="0">
+                <a:latin typeface="Arial" panose="020B0604020202020204" pitchFamily="34" charset="0"/>
+                <a:cs typeface="Arial" panose="020B0604020202020204" pitchFamily="34" charset="0"/>
+              </a:rPr>
+              <a:t>r our database</a:t>
+            </a:r>
+            <a:endParaRPr lang="en-US" sz="2800" dirty="0">
+              <a:latin typeface="Arial" panose="020B0604020202020204" pitchFamily="34" charset="0"/>
+              <a:cs typeface="Arial" panose="020B0604020202020204" pitchFamily="34" charset="0"/>
+            </a:endParaRPr>
+          </a:p>
+          <a:p>
+            <a:pPr lvl="1">
+              <a:buClr>
+                <a:srgbClr val="C00000"/>
+              </a:buClr>
+              <a:buFont typeface="Wingdings" panose="05000000000000000000" pitchFamily="2" charset="2"/>
+              <a:buChar char="ü"/>
+            </a:pPr>
+            <a:r>
+              <a:rPr lang="en-US" dirty="0" smtClean="0">
+                <a:latin typeface="Arial" panose="020B0604020202020204" pitchFamily="34" charset="0"/>
+                <a:cs typeface="Arial" panose="020B0604020202020204" pitchFamily="34" charset="0"/>
+              </a:rPr>
+              <a:t>  Our databas</a:t>
+            </a:r>
+            <a:r>
+              <a:rPr lang="en-US" dirty="0" smtClean="0">
+                <a:latin typeface="Arial" panose="020B0604020202020204" pitchFamily="34" charset="0"/>
+                <a:cs typeface="Arial" panose="020B0604020202020204" pitchFamily="34" charset="0"/>
+              </a:rPr>
+              <a:t>e is in a VCS</a:t>
+            </a:r>
+          </a:p>
+          <a:p>
+            <a:pPr lvl="1">
+              <a:buClr>
+                <a:srgbClr val="C00000"/>
+              </a:buClr>
+              <a:buFont typeface="Wingdings" panose="05000000000000000000" pitchFamily="2" charset="2"/>
+              <a:buChar char="ü"/>
+            </a:pPr>
+            <a:r>
+              <a:rPr lang="en-US" dirty="0" smtClean="0">
+                <a:latin typeface="Arial" panose="020B0604020202020204" pitchFamily="34" charset="0"/>
+                <a:cs typeface="Arial" panose="020B0604020202020204" pitchFamily="34" charset="0"/>
+              </a:rPr>
+              <a:t>  We need to automatically build a new database on every check-in</a:t>
+            </a:r>
+          </a:p>
+          <a:p>
+            <a:pPr marL="989013" lvl="1" indent="-531813">
+              <a:buFont typeface="Courier New" panose="02070309020205020404" pitchFamily="49" charset="0"/>
+              <a:buChar char="o"/>
+            </a:pPr>
+            <a:r>
+              <a:rPr lang="en-US" dirty="0" smtClean="0">
+                <a:latin typeface="Arial" panose="020B0604020202020204" pitchFamily="34" charset="0"/>
+                <a:cs typeface="Arial" panose="020B0604020202020204" pitchFamily="34" charset="0"/>
+              </a:rPr>
+              <a:t>Let’s add a unit test for our code to the CI process.</a:t>
+            </a:r>
+            <a:endParaRPr lang="en-US" dirty="0">
+              <a:latin typeface="Arial" panose="020B0604020202020204" pitchFamily="34" charset="0"/>
+              <a:cs typeface="Arial" panose="020B0604020202020204" pitchFamily="34" charset="0"/>
+            </a:endParaRPr>
           </a:p>
         </p:txBody>
       </p:sp>
     </p:spTree>
     <p:extLst>
       <p:ext uri="{BB962C8B-B14F-4D97-AF65-F5344CB8AC3E}">
-        <p14:creationId xmlns:p14="http://schemas.microsoft.com/office/powerpoint/2010/main" val="924700365"/>
+        <p14:creationId xmlns:p14="http://schemas.microsoft.com/office/powerpoint/2010/main" val="2847227764"/>
       </p:ext>
     </p:extLst>
   </p:cSld>
   <p:clrMapOvr>
     <a:masterClrMapping/>
   </p:clrMapOvr>
-  <p:transition>
-    <p:fade/>
-  </p:transition>
   <p:timing>
     <p:tnLst>
       <p:par>
@@ -17381,7 +18914,7 @@
 </p:sld>
 </file>
 
-<file path=ppt/slides/slide30.xml><?xml version="1.0" encoding="utf-8"?>
+<file path=ppt/slides/slide35.xml><?xml version="1.0" encoding="utf-8"?>
 <p:sld xmlns:a="http://schemas.openxmlformats.org/drawingml/2006/main" xmlns:r="http://schemas.openxmlformats.org/officeDocument/2006/relationships" xmlns:p="http://schemas.openxmlformats.org/presentationml/2006/main" showMasterPhAnim="0">
   <p:cSld>
     <p:spTree>
@@ -17626,7 +19159,7 @@
 </p:sld>
 </file>
 
-<file path=ppt/slides/slide31.xml><?xml version="1.0" encoding="utf-8"?>
+<file path=ppt/slides/slide36.xml><?xml version="1.0" encoding="utf-8"?>
 <p:sld xmlns:a="http://schemas.openxmlformats.org/drawingml/2006/main" xmlns:r="http://schemas.openxmlformats.org/officeDocument/2006/relationships" xmlns:p="http://schemas.openxmlformats.org/presentationml/2006/main" showMasterPhAnim="0">
   <p:cSld>
     <p:spTree>
@@ -17733,11 +19266,11 @@
   <p:clrMapOvr>
     <a:masterClrMapping/>
   </p:clrMapOvr>
-  <mc:AlternateContent xmlns:mc="http://schemas.openxmlformats.org/markup-compatibility/2006">
-    <mc:Choice xmlns:p14="http://schemas.microsoft.com/office/powerpoint/2010/main" Requires="p14">
+  <mc:AlternateContent xmlns:mc="http://schemas.openxmlformats.org/markup-compatibility/2006" xmlns:p14="http://schemas.microsoft.com/office/powerpoint/2010/main">
+    <mc:Choice Requires="p14">
       <p:transition spd="slow" p14:dur="2000"/>
     </mc:Choice>
-    <mc:Fallback>
+    <mc:Fallback xmlns="">
       <p:transition spd="slow"/>
     </mc:Fallback>
   </mc:AlternateContent>
@@ -17751,7 +19284,219 @@
 </p:sld>
 </file>
 
-<file path=ppt/slides/slide32.xml><?xml version="1.0" encoding="utf-8"?>
+<file path=ppt/slides/slide37.xml><?xml version="1.0" encoding="utf-8"?>
+<p:sld xmlns:a="http://schemas.openxmlformats.org/drawingml/2006/main" xmlns:r="http://schemas.openxmlformats.org/officeDocument/2006/relationships" xmlns:p="http://schemas.openxmlformats.org/presentationml/2006/main">
+  <p:cSld>
+    <p:spTree>
+      <p:nvGrpSpPr>
+        <p:cNvPr id="1" name=""/>
+        <p:cNvGrpSpPr/>
+        <p:nvPr/>
+      </p:nvGrpSpPr>
+      <p:grpSpPr>
+        <a:xfrm>
+          <a:off x="0" y="0"/>
+          <a:ext cx="0" cy="0"/>
+          <a:chOff x="0" y="0"/>
+          <a:chExt cx="0" cy="0"/>
+        </a:xfrm>
+      </p:grpSpPr>
+      <p:sp>
+        <p:nvSpPr>
+          <p:cNvPr id="2" name="Title 1"/>
+          <p:cNvSpPr>
+            <a:spLocks noGrp="1"/>
+          </p:cNvSpPr>
+          <p:nvPr>
+            <p:ph type="title"/>
+          </p:nvPr>
+        </p:nvSpPr>
+        <p:spPr/>
+        <p:txBody>
+          <a:bodyPr vert="horz" lIns="91440" tIns="45720" rIns="91440" bIns="45720" rtlCol="0" anchor="ctr">
+            <a:normAutofit/>
+          </a:bodyPr>
+          <a:lstStyle/>
+          <a:p>
+            <a:pPr algn="l"/>
+            <a:r>
+              <a:rPr lang="en-US" sz="4500" b="1" dirty="0">
+                <a:latin typeface="Arial" panose="020B0604020202020204" pitchFamily="34" charset="0"/>
+                <a:cs typeface="Arial" panose="020B0604020202020204" pitchFamily="34" charset="0"/>
+              </a:rPr>
+              <a:t>Our </a:t>
+            </a:r>
+            <a:r>
+              <a:rPr lang="en-US" sz="4500" b="1" dirty="0" smtClean="0">
+                <a:latin typeface="Arial" panose="020B0604020202020204" pitchFamily="34" charset="0"/>
+                <a:cs typeface="Arial" panose="020B0604020202020204" pitchFamily="34" charset="0"/>
+              </a:rPr>
+              <a:t>story…</a:t>
+            </a:r>
+            <a:endParaRPr lang="en-US" sz="4500" b="1" dirty="0">
+              <a:latin typeface="Arial" panose="020B0604020202020204" pitchFamily="34" charset="0"/>
+              <a:cs typeface="Arial" panose="020B0604020202020204" pitchFamily="34" charset="0"/>
+            </a:endParaRPr>
+          </a:p>
+        </p:txBody>
+      </p:sp>
+      <p:sp>
+        <p:nvSpPr>
+          <p:cNvPr id="3" name="Content Placeholder 2"/>
+          <p:cNvSpPr>
+            <a:spLocks noGrp="1"/>
+          </p:cNvSpPr>
+          <p:nvPr>
+            <p:ph idx="1"/>
+          </p:nvPr>
+        </p:nvSpPr>
+        <p:spPr>
+          <a:xfrm>
+            <a:off x="457200" y="1676401"/>
+            <a:ext cx="8229600" cy="4525963"/>
+          </a:xfrm>
+        </p:spPr>
+        <p:txBody>
+          <a:bodyPr>
+            <a:normAutofit/>
+          </a:bodyPr>
+          <a:lstStyle/>
+          <a:p>
+            <a:pPr>
+              <a:buClr>
+                <a:srgbClr val="C00000"/>
+              </a:buClr>
+              <a:buFont typeface="Wingdings" panose="05000000000000000000" pitchFamily="2" charset="2"/>
+              <a:buChar char="§"/>
+            </a:pPr>
+            <a:r>
+              <a:rPr lang="en-US" sz="2800" dirty="0" smtClean="0">
+                <a:latin typeface="Arial" panose="020B0604020202020204" pitchFamily="34" charset="0"/>
+                <a:cs typeface="Arial" panose="020B0604020202020204" pitchFamily="34" charset="0"/>
+              </a:rPr>
+              <a:t>We want to set up a CI process fo</a:t>
+            </a:r>
+            <a:r>
+              <a:rPr lang="en-US" dirty="0" smtClean="0">
+                <a:latin typeface="Arial" panose="020B0604020202020204" pitchFamily="34" charset="0"/>
+                <a:cs typeface="Arial" panose="020B0604020202020204" pitchFamily="34" charset="0"/>
+              </a:rPr>
+              <a:t>r our database</a:t>
+            </a:r>
+            <a:endParaRPr lang="en-US" sz="2800" dirty="0">
+              <a:latin typeface="Arial" panose="020B0604020202020204" pitchFamily="34" charset="0"/>
+              <a:cs typeface="Arial" panose="020B0604020202020204" pitchFamily="34" charset="0"/>
+            </a:endParaRPr>
+          </a:p>
+          <a:p>
+            <a:pPr lvl="1">
+              <a:buClr>
+                <a:srgbClr val="C00000"/>
+              </a:buClr>
+              <a:buFont typeface="Wingdings" panose="05000000000000000000" pitchFamily="2" charset="2"/>
+              <a:buChar char="ü"/>
+            </a:pPr>
+            <a:r>
+              <a:rPr lang="en-US" dirty="0" smtClean="0">
+                <a:latin typeface="Arial" panose="020B0604020202020204" pitchFamily="34" charset="0"/>
+                <a:cs typeface="Arial" panose="020B0604020202020204" pitchFamily="34" charset="0"/>
+              </a:rPr>
+              <a:t>  Our databas</a:t>
+            </a:r>
+            <a:r>
+              <a:rPr lang="en-US" dirty="0" smtClean="0">
+                <a:latin typeface="Arial" panose="020B0604020202020204" pitchFamily="34" charset="0"/>
+                <a:cs typeface="Arial" panose="020B0604020202020204" pitchFamily="34" charset="0"/>
+              </a:rPr>
+              <a:t>e is in a VCS</a:t>
+            </a:r>
+          </a:p>
+          <a:p>
+            <a:pPr lvl="1">
+              <a:buClr>
+                <a:srgbClr val="C00000"/>
+              </a:buClr>
+              <a:buFont typeface="Wingdings" panose="05000000000000000000" pitchFamily="2" charset="2"/>
+              <a:buChar char="ü"/>
+            </a:pPr>
+            <a:r>
+              <a:rPr lang="en-US" dirty="0" smtClean="0">
+                <a:latin typeface="Arial" panose="020B0604020202020204" pitchFamily="34" charset="0"/>
+                <a:cs typeface="Arial" panose="020B0604020202020204" pitchFamily="34" charset="0"/>
+              </a:rPr>
+              <a:t>  We need to automatically build a new database on every check-in</a:t>
+            </a:r>
+          </a:p>
+          <a:p>
+            <a:pPr lvl="1">
+              <a:buClr>
+                <a:srgbClr val="C00000"/>
+              </a:buClr>
+              <a:buFont typeface="Wingdings" panose="05000000000000000000" pitchFamily="2" charset="2"/>
+              <a:buChar char="ü"/>
+            </a:pPr>
+            <a:r>
+              <a:rPr lang="en-US" dirty="0">
+                <a:latin typeface="Arial" panose="020B0604020202020204" pitchFamily="34" charset="0"/>
+                <a:cs typeface="Arial" panose="020B0604020202020204" pitchFamily="34" charset="0"/>
+              </a:rPr>
+              <a:t> </a:t>
+            </a:r>
+            <a:r>
+              <a:rPr lang="en-US" dirty="0" smtClean="0">
+                <a:latin typeface="Arial" panose="020B0604020202020204" pitchFamily="34" charset="0"/>
+                <a:cs typeface="Arial" panose="020B0604020202020204" pitchFamily="34" charset="0"/>
+              </a:rPr>
+              <a:t>  </a:t>
+            </a:r>
+            <a:r>
+              <a:rPr lang="en-US" dirty="0" smtClean="0">
+                <a:latin typeface="Arial" panose="020B0604020202020204" pitchFamily="34" charset="0"/>
+                <a:cs typeface="Arial" panose="020B0604020202020204" pitchFamily="34" charset="0"/>
+              </a:rPr>
+              <a:t>Let’s add a unit test for our code to the CI process.</a:t>
+            </a:r>
+          </a:p>
+          <a:p>
+            <a:pPr lvl="1">
+              <a:buFont typeface="Courier New" panose="02070309020205020404" pitchFamily="49" charset="0"/>
+              <a:buChar char="o"/>
+            </a:pPr>
+            <a:r>
+              <a:rPr lang="en-US" dirty="0" smtClean="0">
+                <a:latin typeface="Arial" panose="020B0604020202020204" pitchFamily="34" charset="0"/>
+                <a:cs typeface="Arial" panose="020B0604020202020204" pitchFamily="34" charset="0"/>
+              </a:rPr>
+              <a:t>Let’s generate test data to use in our CI process</a:t>
+            </a:r>
+            <a:endParaRPr lang="en-US" dirty="0">
+              <a:latin typeface="Arial" panose="020B0604020202020204" pitchFamily="34" charset="0"/>
+              <a:cs typeface="Arial" panose="020B0604020202020204" pitchFamily="34" charset="0"/>
+            </a:endParaRPr>
+          </a:p>
+        </p:txBody>
+      </p:sp>
+    </p:spTree>
+    <p:extLst>
+      <p:ext uri="{BB962C8B-B14F-4D97-AF65-F5344CB8AC3E}">
+        <p14:creationId xmlns:p14="http://schemas.microsoft.com/office/powerpoint/2010/main" val="2600715160"/>
+      </p:ext>
+    </p:extLst>
+  </p:cSld>
+  <p:clrMapOvr>
+    <a:masterClrMapping/>
+  </p:clrMapOvr>
+  <p:timing>
+    <p:tnLst>
+      <p:par>
+        <p:cTn id="1" dur="indefinite" restart="never" nodeType="tmRoot"/>
+      </p:par>
+    </p:tnLst>
+  </p:timing>
+</p:sld>
+</file>
+
+<file path=ppt/slides/slide38.xml><?xml version="1.0" encoding="utf-8"?>
 <p:sld xmlns:a="http://schemas.openxmlformats.org/drawingml/2006/main" xmlns:r="http://schemas.openxmlformats.org/officeDocument/2006/relationships" xmlns:p="http://schemas.openxmlformats.org/presentationml/2006/main" showMasterPhAnim="0">
   <p:cSld>
     <p:spTree>
@@ -17996,7 +19741,7 @@
 </p:sld>
 </file>
 
-<file path=ppt/slides/slide33.xml><?xml version="1.0" encoding="utf-8"?>
+<file path=ppt/slides/slide39.xml><?xml version="1.0" encoding="utf-8"?>
 <p:sld xmlns:a="http://schemas.openxmlformats.org/drawingml/2006/main" xmlns:r="http://schemas.openxmlformats.org/officeDocument/2006/relationships" xmlns:p="http://schemas.openxmlformats.org/presentationml/2006/main" showMasterPhAnim="0">
   <p:cSld>
     <p:spTree>
@@ -18166,11 +19911,11 @@
   <p:clrMapOvr>
     <a:masterClrMapping/>
   </p:clrMapOvr>
-  <mc:AlternateContent xmlns:mc="http://schemas.openxmlformats.org/markup-compatibility/2006">
-    <mc:Choice xmlns:p14="http://schemas.microsoft.com/office/powerpoint/2010/main" Requires="p14">
+  <mc:AlternateContent xmlns:mc="http://schemas.openxmlformats.org/markup-compatibility/2006" xmlns:p14="http://schemas.microsoft.com/office/powerpoint/2010/main">
+    <mc:Choice Requires="p14">
       <p:transition spd="slow" p14:dur="2000"/>
     </mc:Choice>
-    <mc:Fallback>
+    <mc:Fallback xmlns="">
       <p:transition spd="slow"/>
     </mc:Fallback>
   </mc:AlternateContent>
@@ -18184,7 +19929,417 @@
 </p:sld>
 </file>
 
-<file path=ppt/slides/slide34.xml><?xml version="1.0" encoding="utf-8"?>
+<file path=ppt/slides/slide4.xml><?xml version="1.0" encoding="utf-8"?>
+<p:sld xmlns:a="http://schemas.openxmlformats.org/drawingml/2006/main" xmlns:r="http://schemas.openxmlformats.org/officeDocument/2006/relationships" xmlns:p="http://schemas.openxmlformats.org/presentationml/2006/main">
+  <p:cSld>
+    <p:spTree>
+      <p:nvGrpSpPr>
+        <p:cNvPr id="1" name=""/>
+        <p:cNvGrpSpPr/>
+        <p:nvPr/>
+      </p:nvGrpSpPr>
+      <p:grpSpPr>
+        <a:xfrm>
+          <a:off x="0" y="0"/>
+          <a:ext cx="0" cy="0"/>
+          <a:chOff x="0" y="0"/>
+          <a:chExt cx="0" cy="0"/>
+        </a:xfrm>
+      </p:grpSpPr>
+      <p:sp>
+        <p:nvSpPr>
+          <p:cNvPr id="2" name="Title 1"/>
+          <p:cNvSpPr>
+            <a:spLocks noGrp="1"/>
+          </p:cNvSpPr>
+          <p:nvPr>
+            <p:ph type="title"/>
+          </p:nvPr>
+        </p:nvSpPr>
+        <p:spPr/>
+        <p:txBody>
+          <a:bodyPr vert="horz" lIns="91440" tIns="45720" rIns="91440" bIns="45720" rtlCol="0" anchor="ctr">
+            <a:normAutofit/>
+          </a:bodyPr>
+          <a:lstStyle/>
+          <a:p>
+            <a:r>
+              <a:rPr lang="en-US" dirty="0"/>
+              <a:t>Get in touch</a:t>
+            </a:r>
+          </a:p>
+        </p:txBody>
+      </p:sp>
+      <p:sp>
+        <p:nvSpPr>
+          <p:cNvPr id="5" name="Rectangle 4"/>
+          <p:cNvSpPr/>
+          <p:nvPr/>
+        </p:nvSpPr>
+        <p:spPr>
+          <a:xfrm>
+            <a:off x="1600201" y="3947024"/>
+            <a:ext cx="5840441" cy="461665"/>
+          </a:xfrm>
+          <a:prstGeom prst="rect">
+            <a:avLst/>
+          </a:prstGeom>
+        </p:spPr>
+        <p:txBody>
+          <a:bodyPr wrap="square">
+            <a:spAutoFit/>
+          </a:bodyPr>
+          <a:lstStyle/>
+          <a:p>
+            <a:pPr>
+              <a:spcAft>
+                <a:spcPts val="3600"/>
+              </a:spcAft>
+            </a:pPr>
+            <a:r>
+              <a:rPr lang="en-US" sz="2400" dirty="0">
+                <a:latin typeface="Microsoft Sans Serif" panose="020B0604020202020204" pitchFamily="34" charset="0"/>
+              </a:rPr>
+              <a:t>http://voiceofthedba.wordpress.com/</a:t>
+            </a:r>
+          </a:p>
+        </p:txBody>
+      </p:sp>
+      <p:pic>
+        <p:nvPicPr>
+          <p:cNvPr id="6" name="Picture 5" descr="twitter.png"/>
+          <p:cNvPicPr>
+            <a:picLocks noChangeAspect="1"/>
+          </p:cNvPicPr>
+          <p:nvPr/>
+        </p:nvPicPr>
+        <p:blipFill>
+          <a:blip r:embed="rId3" cstate="print"/>
+          <a:stretch>
+            <a:fillRect/>
+          </a:stretch>
+        </p:blipFill>
+        <p:spPr>
+          <a:xfrm>
+            <a:off x="457200" y="5737728"/>
+            <a:ext cx="997018" cy="642165"/>
+          </a:xfrm>
+          <a:prstGeom prst="rect">
+            <a:avLst/>
+          </a:prstGeom>
+        </p:spPr>
+      </p:pic>
+      <p:pic>
+        <p:nvPicPr>
+          <p:cNvPr id="7" name="Picture 6" descr="blog.png"/>
+          <p:cNvPicPr>
+            <a:picLocks noChangeAspect="1"/>
+          </p:cNvPicPr>
+          <p:nvPr/>
+        </p:nvPicPr>
+        <p:blipFill>
+          <a:blip r:embed="rId4" cstate="print"/>
+          <a:stretch>
+            <a:fillRect/>
+          </a:stretch>
+        </p:blipFill>
+        <p:spPr>
+          <a:xfrm>
+            <a:off x="457200" y="3860807"/>
+            <a:ext cx="984498" cy="634101"/>
+          </a:xfrm>
+          <a:prstGeom prst="rect">
+            <a:avLst/>
+          </a:prstGeom>
+        </p:spPr>
+      </p:pic>
+      <p:pic>
+        <p:nvPicPr>
+          <p:cNvPr id="8" name="Picture 7" descr="email.png"/>
+          <p:cNvPicPr>
+            <a:picLocks noChangeAspect="1"/>
+          </p:cNvPicPr>
+          <p:nvPr/>
+        </p:nvPicPr>
+        <p:blipFill>
+          <a:blip r:embed="rId5" cstate="print"/>
+          <a:stretch>
+            <a:fillRect/>
+          </a:stretch>
+        </p:blipFill>
+        <p:spPr>
+          <a:xfrm>
+            <a:off x="457200" y="4799266"/>
+            <a:ext cx="984500" cy="634102"/>
+          </a:xfrm>
+          <a:prstGeom prst="rect">
+            <a:avLst/>
+          </a:prstGeom>
+        </p:spPr>
+      </p:pic>
+      <p:sp>
+        <p:nvSpPr>
+          <p:cNvPr id="9" name="Rectangle 8"/>
+          <p:cNvSpPr/>
+          <p:nvPr/>
+        </p:nvSpPr>
+        <p:spPr>
+          <a:xfrm>
+            <a:off x="1600200" y="4885485"/>
+            <a:ext cx="5642622" cy="461665"/>
+          </a:xfrm>
+          <a:prstGeom prst="rect">
+            <a:avLst/>
+          </a:prstGeom>
+        </p:spPr>
+        <p:txBody>
+          <a:bodyPr wrap="square">
+            <a:spAutoFit/>
+          </a:bodyPr>
+          <a:lstStyle/>
+          <a:p>
+            <a:pPr>
+              <a:spcAft>
+                <a:spcPts val="3600"/>
+              </a:spcAft>
+            </a:pPr>
+            <a:r>
+              <a:rPr lang="en-US" sz="2400" dirty="0">
+                <a:latin typeface="Microsoft Sans Serif" panose="020B0604020202020204" pitchFamily="34" charset="0"/>
+              </a:rPr>
+              <a:t>sjones@sqlservercentral.com</a:t>
+            </a:r>
+          </a:p>
+        </p:txBody>
+      </p:sp>
+      <p:sp>
+        <p:nvSpPr>
+          <p:cNvPr id="10" name="Rectangle 9"/>
+          <p:cNvSpPr/>
+          <p:nvPr/>
+        </p:nvSpPr>
+        <p:spPr>
+          <a:xfrm>
+            <a:off x="1600200" y="5795929"/>
+            <a:ext cx="4005547" cy="461665"/>
+          </a:xfrm>
+          <a:prstGeom prst="rect">
+            <a:avLst/>
+          </a:prstGeom>
+        </p:spPr>
+        <p:txBody>
+          <a:bodyPr wrap="square">
+            <a:spAutoFit/>
+          </a:bodyPr>
+          <a:lstStyle/>
+          <a:p>
+            <a:pPr>
+              <a:spcAft>
+                <a:spcPts val="3600"/>
+              </a:spcAft>
+            </a:pPr>
+            <a:r>
+              <a:rPr lang="en-US" sz="2400" dirty="0">
+                <a:latin typeface="Microsoft Sans Serif" panose="020B0604020202020204" pitchFamily="34" charset="0"/>
+              </a:rPr>
+              <a:t>@way0utwest</a:t>
+            </a:r>
+          </a:p>
+        </p:txBody>
+      </p:sp>
+      <p:sp>
+        <p:nvSpPr>
+          <p:cNvPr id="12" name="TextBox 11"/>
+          <p:cNvSpPr txBox="1"/>
+          <p:nvPr/>
+        </p:nvSpPr>
+        <p:spPr>
+          <a:xfrm>
+            <a:off x="6561391" y="655642"/>
+            <a:ext cx="1451038" cy="369332"/>
+          </a:xfrm>
+          <a:prstGeom prst="rect">
+            <a:avLst/>
+          </a:prstGeom>
+          <a:noFill/>
+        </p:spPr>
+        <p:txBody>
+          <a:bodyPr wrap="none" rtlCol="0">
+            <a:spAutoFit/>
+          </a:bodyPr>
+          <a:lstStyle/>
+          <a:p>
+            <a:r>
+              <a:rPr lang="en-US" dirty="0" smtClean="0">
+                <a:latin typeface="Microsoft Sans Serif" panose="020B0604020202020204" pitchFamily="34" charset="0"/>
+              </a:rPr>
+              <a:t>Steve Jones</a:t>
+            </a:r>
+            <a:endParaRPr lang="en-US" dirty="0">
+              <a:latin typeface="Microsoft Sans Serif" panose="020B0604020202020204" pitchFamily="34" charset="0"/>
+            </a:endParaRPr>
+          </a:p>
+        </p:txBody>
+      </p:sp>
+      <p:pic>
+        <p:nvPicPr>
+          <p:cNvPr id="1026" name="Picture 2" descr="Steve Jones"/>
+          <p:cNvPicPr>
+            <a:picLocks noChangeAspect="1" noChangeArrowheads="1"/>
+          </p:cNvPicPr>
+          <p:nvPr/>
+        </p:nvPicPr>
+        <p:blipFill>
+          <a:blip r:embed="rId6">
+            <a:extLst>
+              <a:ext uri="{28A0092B-C50C-407E-A947-70E740481C1C}">
+                <a14:useLocalDpi xmlns:a14="http://schemas.microsoft.com/office/drawing/2010/main" val="0"/>
+              </a:ext>
+            </a:extLst>
+          </a:blip>
+          <a:srcRect/>
+          <a:stretch>
+            <a:fillRect/>
+          </a:stretch>
+        </p:blipFill>
+        <p:spPr bwMode="auto">
+          <a:xfrm>
+            <a:off x="7739239" y="262977"/>
+            <a:ext cx="998934" cy="1154662"/>
+          </a:xfrm>
+          <a:prstGeom prst="rect">
+            <a:avLst/>
+          </a:prstGeom>
+          <a:noFill/>
+          <a:extLst>
+            <a:ext uri="{909E8E84-426E-40DD-AFC4-6F175D3DCCD1}">
+              <a14:hiddenFill xmlns:a14="http://schemas.microsoft.com/office/drawing/2010/main">
+                <a:solidFill>
+                  <a:srgbClr val="FFFFFF"/>
+                </a:solidFill>
+              </a14:hiddenFill>
+            </a:ext>
+          </a:extLst>
+        </p:spPr>
+      </p:pic>
+      <p:sp>
+        <p:nvSpPr>
+          <p:cNvPr id="3" name="TextBox 2"/>
+          <p:cNvSpPr txBox="1"/>
+          <p:nvPr/>
+        </p:nvSpPr>
+        <p:spPr>
+          <a:xfrm>
+            <a:off x="0" y="1809091"/>
+            <a:ext cx="7943850" cy="1938992"/>
+          </a:xfrm>
+          <a:prstGeom prst="rect">
+            <a:avLst/>
+          </a:prstGeom>
+          <a:noFill/>
+        </p:spPr>
+        <p:txBody>
+          <a:bodyPr wrap="square" rtlCol="0">
+            <a:spAutoFit/>
+          </a:bodyPr>
+          <a:lstStyle/>
+          <a:p>
+            <a:pPr marL="742950" lvl="1" indent="-285750">
+              <a:buFont typeface="Wingdings" panose="05000000000000000000" pitchFamily="2" charset="2"/>
+              <a:buChar char="§"/>
+            </a:pPr>
+            <a:r>
+              <a:rPr lang="en-US" sz="2400" dirty="0">
+                <a:latin typeface="Arial" panose="020B0604020202020204" pitchFamily="34" charset="0"/>
+                <a:cs typeface="Arial" panose="020B0604020202020204" pitchFamily="34" charset="0"/>
+              </a:rPr>
+              <a:t>Editor and founder, </a:t>
+            </a:r>
+            <a:r>
+              <a:rPr lang="en-US" sz="2400" dirty="0" err="1">
+                <a:latin typeface="Arial" panose="020B0604020202020204" pitchFamily="34" charset="0"/>
+                <a:cs typeface="Arial" panose="020B0604020202020204" pitchFamily="34" charset="0"/>
+              </a:rPr>
+              <a:t>SQLServerCentral</a:t>
+            </a:r>
+            <a:endParaRPr lang="en-US" sz="2400" dirty="0">
+              <a:latin typeface="Arial" panose="020B0604020202020204" pitchFamily="34" charset="0"/>
+              <a:cs typeface="Arial" panose="020B0604020202020204" pitchFamily="34" charset="0"/>
+            </a:endParaRPr>
+          </a:p>
+          <a:p>
+            <a:pPr marL="742950" lvl="1" indent="-285750">
+              <a:buFont typeface="Wingdings" panose="05000000000000000000" pitchFamily="2" charset="2"/>
+              <a:buChar char="§"/>
+            </a:pPr>
+            <a:r>
+              <a:rPr lang="en-US" sz="2400" dirty="0">
+                <a:latin typeface="Arial" panose="020B0604020202020204" pitchFamily="34" charset="0"/>
+                <a:cs typeface="Arial" panose="020B0604020202020204" pitchFamily="34" charset="0"/>
+              </a:rPr>
+              <a:t>Evangelist, Red Gate Software</a:t>
+            </a:r>
+          </a:p>
+          <a:p>
+            <a:pPr marL="742950" lvl="1" indent="-285750">
+              <a:buFont typeface="Wingdings" panose="05000000000000000000" pitchFamily="2" charset="2"/>
+              <a:buChar char="§"/>
+            </a:pPr>
+            <a:r>
+              <a:rPr lang="en-US" sz="2400" dirty="0">
+                <a:latin typeface="Arial" panose="020B0604020202020204" pitchFamily="34" charset="0"/>
+                <a:cs typeface="Arial" panose="020B0604020202020204" pitchFamily="34" charset="0"/>
+              </a:rPr>
+              <a:t>Working with SQL Server since 1991 (v4.2)</a:t>
+            </a:r>
+          </a:p>
+          <a:p>
+            <a:pPr marL="742950" lvl="1" indent="-285750">
+              <a:buFont typeface="Wingdings" panose="05000000000000000000" pitchFamily="2" charset="2"/>
+              <a:buChar char="§"/>
+            </a:pPr>
+            <a:r>
+              <a:rPr lang="en-US" sz="2400" dirty="0">
+                <a:latin typeface="Arial" panose="020B0604020202020204" pitchFamily="34" charset="0"/>
+                <a:cs typeface="Arial" panose="020B0604020202020204" pitchFamily="34" charset="0"/>
+              </a:rPr>
+              <a:t>Author of many articles and books on different aspects of SQL </a:t>
+            </a:r>
+            <a:r>
+              <a:rPr lang="en-US" sz="2400" dirty="0" smtClean="0">
+                <a:latin typeface="Arial" panose="020B0604020202020204" pitchFamily="34" charset="0"/>
+                <a:cs typeface="Arial" panose="020B0604020202020204" pitchFamily="34" charset="0"/>
+              </a:rPr>
+              <a:t>Server</a:t>
+            </a:r>
+            <a:endParaRPr lang="en-US" sz="2400" dirty="0">
+              <a:latin typeface="Arial" panose="020B0604020202020204" pitchFamily="34" charset="0"/>
+              <a:cs typeface="Arial" panose="020B0604020202020204" pitchFamily="34" charset="0"/>
+            </a:endParaRPr>
+          </a:p>
+        </p:txBody>
+      </p:sp>
+    </p:spTree>
+    <p:extLst>
+      <p:ext uri="{BB962C8B-B14F-4D97-AF65-F5344CB8AC3E}">
+        <p14:creationId xmlns:p14="http://schemas.microsoft.com/office/powerpoint/2010/main" val="499412394"/>
+      </p:ext>
+    </p:extLst>
+  </p:cSld>
+  <p:clrMapOvr>
+    <a:masterClrMapping/>
+  </p:clrMapOvr>
+  <p:timing>
+    <p:tnLst>
+      <p:par>
+        <p:cTn id="1" dur="indefinite" restart="never" nodeType="tmRoot"/>
+      </p:par>
+    </p:tnLst>
+  </p:timing>
+</p:sld>
+</file>
+
+<file path=ppt/slides/slide40.xml><?xml version="1.0" encoding="utf-8"?>
 <p:sld xmlns:a="http://schemas.openxmlformats.org/drawingml/2006/main" xmlns:r="http://schemas.openxmlformats.org/officeDocument/2006/relationships" xmlns:p="http://schemas.openxmlformats.org/presentationml/2006/main" showMasterPhAnim="0">
   <p:cSld>
     <p:spTree>
@@ -18326,11 +20481,11 @@
   <p:clrMapOvr>
     <a:masterClrMapping/>
   </p:clrMapOvr>
-  <mc:AlternateContent xmlns:mc="http://schemas.openxmlformats.org/markup-compatibility/2006">
-    <mc:Choice xmlns:p14="http://schemas.microsoft.com/office/powerpoint/2010/main" Requires="p14">
+  <mc:AlternateContent xmlns:mc="http://schemas.openxmlformats.org/markup-compatibility/2006" xmlns:p14="http://schemas.microsoft.com/office/powerpoint/2010/main">
+    <mc:Choice Requires="p14">
       <p:transition spd="slow" p14:dur="2000"/>
     </mc:Choice>
-    <mc:Fallback>
+    <mc:Fallback xmlns="">
       <p:transition spd="slow"/>
     </mc:Fallback>
   </mc:AlternateContent>
@@ -18344,7 +20499,1726 @@
 </p:sld>
 </file>
 
-<file path=ppt/slides/slide35.xml><?xml version="1.0" encoding="utf-8"?>
+<file path=ppt/slides/slide41.xml><?xml version="1.0" encoding="utf-8"?>
+<p:sld xmlns:a="http://schemas.openxmlformats.org/drawingml/2006/main" xmlns:r="http://schemas.openxmlformats.org/officeDocument/2006/relationships" xmlns:p="http://schemas.openxmlformats.org/presentationml/2006/main">
+  <p:cSld>
+    <p:spTree>
+      <p:nvGrpSpPr>
+        <p:cNvPr id="1" name=""/>
+        <p:cNvGrpSpPr/>
+        <p:nvPr/>
+      </p:nvGrpSpPr>
+      <p:grpSpPr>
+        <a:xfrm>
+          <a:off x="0" y="0"/>
+          <a:ext cx="0" cy="0"/>
+          <a:chOff x="0" y="0"/>
+          <a:chExt cx="0" cy="0"/>
+        </a:xfrm>
+      </p:grpSpPr>
+      <p:sp>
+        <p:nvSpPr>
+          <p:cNvPr id="7" name="Title 1"/>
+          <p:cNvSpPr txBox="1">
+            <a:spLocks/>
+          </p:cNvSpPr>
+          <p:nvPr/>
+        </p:nvSpPr>
+        <p:spPr>
+          <a:xfrm>
+            <a:off x="202772" y="138744"/>
+            <a:ext cx="6458375" cy="857250"/>
+          </a:xfrm>
+          <a:prstGeom prst="rect">
+            <a:avLst/>
+          </a:prstGeom>
+        </p:spPr>
+        <p:txBody>
+          <a:bodyPr vert="horz" lIns="91440" tIns="45720" rIns="91440" bIns="45720" rtlCol="0" anchor="ctr">
+            <a:normAutofit/>
+          </a:bodyPr>
+          <a:lstStyle>
+            <a:lvl1pPr algn="l" defTabSz="457200" rtl="0" eaLnBrk="1" latinLnBrk="0" hangingPunct="1">
+              <a:spcBef>
+                <a:spcPct val="0"/>
+              </a:spcBef>
+              <a:buNone/>
+              <a:defRPr sz="3400" b="1" kern="1200">
+                <a:solidFill>
+                  <a:schemeClr val="tx1"/>
+                </a:solidFill>
+                <a:latin typeface="Arial" pitchFamily="34" charset="0"/>
+                <a:ea typeface="+mj-ea"/>
+                <a:cs typeface="+mj-cs"/>
+              </a:defRPr>
+            </a:lvl1pPr>
+          </a:lstStyle>
+          <a:p>
+            <a:pPr marL="0" marR="0" lvl="0" indent="0" algn="l" defTabSz="457200" rtl="0" eaLnBrk="1" fontAlgn="auto" latinLnBrk="0" hangingPunct="1">
+              <a:lnSpc>
+                <a:spcPct val="100000"/>
+              </a:lnSpc>
+              <a:spcBef>
+                <a:spcPct val="0"/>
+              </a:spcBef>
+              <a:spcAft>
+                <a:spcPts val="0"/>
+              </a:spcAft>
+              <a:buClrTx/>
+              <a:buSzTx/>
+              <a:buFontTx/>
+              <a:buNone/>
+              <a:tabLst/>
+              <a:defRPr/>
+            </a:pPr>
+            <a:r>
+              <a:rPr kumimoji="0" lang="en-US" sz="3600" b="1" i="0" u="none" strike="noStrike" kern="1200" cap="none" spc="0" normalizeH="0" baseline="0" noProof="0" dirty="0" smtClean="0">
+                <a:ln>
+                  <a:noFill/>
+                </a:ln>
+                <a:solidFill>
+                  <a:sysClr val="windowText" lastClr="000000"/>
+                </a:solidFill>
+                <a:effectLst/>
+                <a:uLnTx/>
+                <a:uFillTx/>
+                <a:latin typeface="Arial" pitchFamily="34" charset="0"/>
+                <a:ea typeface="+mj-ea"/>
+                <a:cs typeface="+mj-cs"/>
+              </a:rPr>
+              <a:t>Continuous delivery</a:t>
+            </a:r>
+            <a:endParaRPr kumimoji="0" lang="en-US" sz="3600" b="1" i="0" u="none" strike="noStrike" kern="1200" cap="none" spc="0" normalizeH="0" baseline="0" noProof="0" dirty="0">
+              <a:ln>
+                <a:noFill/>
+              </a:ln>
+              <a:solidFill>
+                <a:sysClr val="windowText" lastClr="000000"/>
+              </a:solidFill>
+              <a:effectLst/>
+              <a:uLnTx/>
+              <a:uFillTx/>
+              <a:latin typeface="Arial" pitchFamily="34" charset="0"/>
+              <a:ea typeface="+mj-ea"/>
+              <a:cs typeface="+mj-cs"/>
+            </a:endParaRPr>
+          </a:p>
+        </p:txBody>
+      </p:sp>
+      <p:pic>
+        <p:nvPicPr>
+          <p:cNvPr id="2" name="Picture 1"/>
+          <p:cNvPicPr>
+            <a:picLocks noChangeAspect="1"/>
+          </p:cNvPicPr>
+          <p:nvPr/>
+        </p:nvPicPr>
+        <p:blipFill rotWithShape="1">
+          <a:blip r:embed="rId2"/>
+          <a:srcRect b="8987"/>
+          <a:stretch/>
+        </p:blipFill>
+        <p:spPr>
+          <a:xfrm>
+            <a:off x="1199848" y="1067492"/>
+            <a:ext cx="3049997" cy="2616195"/>
+          </a:xfrm>
+          <a:prstGeom prst="rect">
+            <a:avLst/>
+          </a:prstGeom>
+        </p:spPr>
+      </p:pic>
+      <p:pic>
+        <p:nvPicPr>
+          <p:cNvPr id="3" name="Picture 2"/>
+          <p:cNvPicPr>
+            <a:picLocks noChangeAspect="1"/>
+          </p:cNvPicPr>
+          <p:nvPr/>
+        </p:nvPicPr>
+        <p:blipFill rotWithShape="1">
+          <a:blip r:embed="rId3"/>
+          <a:srcRect t="26911" b="8272"/>
+          <a:stretch/>
+        </p:blipFill>
+        <p:spPr>
+          <a:xfrm>
+            <a:off x="6048634" y="1275347"/>
+            <a:ext cx="2948849" cy="1977007"/>
+          </a:xfrm>
+          <a:prstGeom prst="rect">
+            <a:avLst/>
+          </a:prstGeom>
+        </p:spPr>
+      </p:pic>
+      <p:pic>
+        <p:nvPicPr>
+          <p:cNvPr id="6" name="Picture 5"/>
+          <p:cNvPicPr>
+            <a:picLocks noChangeAspect="1"/>
+          </p:cNvPicPr>
+          <p:nvPr/>
+        </p:nvPicPr>
+        <p:blipFill rotWithShape="1">
+          <a:blip r:embed="rId4"/>
+          <a:srcRect b="10010"/>
+          <a:stretch/>
+        </p:blipFill>
+        <p:spPr>
+          <a:xfrm>
+            <a:off x="385206" y="4447725"/>
+            <a:ext cx="2893351" cy="2254868"/>
+          </a:xfrm>
+          <a:prstGeom prst="rect">
+            <a:avLst/>
+          </a:prstGeom>
+        </p:spPr>
+      </p:pic>
+      <p:pic>
+        <p:nvPicPr>
+          <p:cNvPr id="8" name="Picture 7"/>
+          <p:cNvPicPr>
+            <a:picLocks noChangeAspect="1"/>
+          </p:cNvPicPr>
+          <p:nvPr/>
+        </p:nvPicPr>
+        <p:blipFill rotWithShape="1">
+          <a:blip r:embed="rId5"/>
+          <a:srcRect b="11348"/>
+          <a:stretch/>
+        </p:blipFill>
+        <p:spPr>
+          <a:xfrm>
+            <a:off x="4009746" y="4467323"/>
+            <a:ext cx="2855674" cy="2235271"/>
+          </a:xfrm>
+          <a:prstGeom prst="rect">
+            <a:avLst/>
+          </a:prstGeom>
+        </p:spPr>
+      </p:pic>
+      <p:pic>
+        <p:nvPicPr>
+          <p:cNvPr id="9" name="Picture 8"/>
+          <p:cNvPicPr>
+            <a:picLocks noChangeAspect="1"/>
+          </p:cNvPicPr>
+          <p:nvPr/>
+        </p:nvPicPr>
+        <p:blipFill>
+          <a:blip r:embed="rId6"/>
+          <a:stretch>
+            <a:fillRect/>
+          </a:stretch>
+        </p:blipFill>
+        <p:spPr>
+          <a:xfrm>
+            <a:off x="8072492" y="4968191"/>
+            <a:ext cx="646165" cy="1373303"/>
+          </a:xfrm>
+          <a:prstGeom prst="rect">
+            <a:avLst/>
+          </a:prstGeom>
+        </p:spPr>
+      </p:pic>
+      <p:pic>
+        <p:nvPicPr>
+          <p:cNvPr id="10" name="Picture 9"/>
+          <p:cNvPicPr>
+            <a:picLocks noChangeAspect="1"/>
+          </p:cNvPicPr>
+          <p:nvPr/>
+        </p:nvPicPr>
+        <p:blipFill>
+          <a:blip r:embed="rId7"/>
+          <a:stretch>
+            <a:fillRect/>
+          </a:stretch>
+        </p:blipFill>
+        <p:spPr>
+          <a:xfrm>
+            <a:off x="4390983" y="2739028"/>
+            <a:ext cx="1575385" cy="513327"/>
+          </a:xfrm>
+          <a:prstGeom prst="rect">
+            <a:avLst/>
+          </a:prstGeom>
+        </p:spPr>
+      </p:pic>
+      <p:sp>
+        <p:nvSpPr>
+          <p:cNvPr id="11" name="Rounded Rectangle 10"/>
+          <p:cNvSpPr/>
+          <p:nvPr/>
+        </p:nvSpPr>
+        <p:spPr>
+          <a:xfrm>
+            <a:off x="157808" y="2176747"/>
+            <a:ext cx="852999" cy="449007"/>
+          </a:xfrm>
+          <a:prstGeom prst="roundRect">
+            <a:avLst/>
+          </a:prstGeom>
+          <a:solidFill>
+            <a:srgbClr val="C00000"/>
+          </a:solidFill>
+          <a:ln>
+            <a:noFill/>
+          </a:ln>
+        </p:spPr>
+        <p:style>
+          <a:lnRef idx="2">
+            <a:schemeClr val="accent1">
+              <a:shade val="50000"/>
+            </a:schemeClr>
+          </a:lnRef>
+          <a:fillRef idx="1">
+            <a:schemeClr val="accent1"/>
+          </a:fillRef>
+          <a:effectRef idx="0">
+            <a:schemeClr val="accent1"/>
+          </a:effectRef>
+          <a:fontRef idx="minor">
+            <a:schemeClr val="lt1"/>
+          </a:fontRef>
+        </p:style>
+        <p:txBody>
+          <a:bodyPr rtlCol="0" anchor="ctr"/>
+          <a:lstStyle/>
+          <a:p>
+            <a:pPr algn="ctr"/>
+            <a:r>
+              <a:rPr lang="en-GB" sz="1600" b="1" dirty="0" smtClean="0"/>
+              <a:t>START</a:t>
+            </a:r>
+            <a:endParaRPr lang="en-GB" sz="1600" b="1" dirty="0"/>
+          </a:p>
+        </p:txBody>
+      </p:sp>
+      <p:sp>
+        <p:nvSpPr>
+          <p:cNvPr id="17" name="Bent Arrow 16"/>
+          <p:cNvSpPr/>
+          <p:nvPr/>
+        </p:nvSpPr>
+        <p:spPr>
+          <a:xfrm rot="5400000" flipH="1">
+            <a:off x="3875576" y="2434000"/>
+            <a:ext cx="274066" cy="2063262"/>
+          </a:xfrm>
+          <a:prstGeom prst="bentArrow">
+            <a:avLst/>
+          </a:prstGeom>
+          <a:solidFill>
+            <a:schemeClr val="tx1"/>
+          </a:solidFill>
+          <a:ln>
+            <a:noFill/>
+          </a:ln>
+        </p:spPr>
+        <p:style>
+          <a:lnRef idx="2">
+            <a:schemeClr val="accent1">
+              <a:shade val="50000"/>
+            </a:schemeClr>
+          </a:lnRef>
+          <a:fillRef idx="1">
+            <a:schemeClr val="accent1"/>
+          </a:fillRef>
+          <a:effectRef idx="0">
+            <a:schemeClr val="accent1"/>
+          </a:effectRef>
+          <a:fontRef idx="minor">
+            <a:schemeClr val="lt1"/>
+          </a:fontRef>
+        </p:style>
+        <p:txBody>
+          <a:bodyPr rtlCol="0" anchor="ctr"/>
+          <a:lstStyle/>
+          <a:p>
+            <a:pPr algn="ctr"/>
+            <a:endParaRPr lang="en-GB">
+              <a:solidFill>
+                <a:schemeClr val="tx1"/>
+              </a:solidFill>
+            </a:endParaRPr>
+          </a:p>
+        </p:txBody>
+      </p:sp>
+      <p:pic>
+        <p:nvPicPr>
+          <p:cNvPr id="19" name="Picture 18"/>
+          <p:cNvPicPr>
+            <a:picLocks noChangeAspect="1"/>
+          </p:cNvPicPr>
+          <p:nvPr/>
+        </p:nvPicPr>
+        <p:blipFill>
+          <a:blip r:embed="rId8"/>
+          <a:stretch>
+            <a:fillRect/>
+          </a:stretch>
+        </p:blipFill>
+        <p:spPr>
+          <a:xfrm>
+            <a:off x="5947675" y="2870142"/>
+            <a:ext cx="222317" cy="319225"/>
+          </a:xfrm>
+          <a:prstGeom prst="rect">
+            <a:avLst/>
+          </a:prstGeom>
+        </p:spPr>
+      </p:pic>
+      <p:sp>
+        <p:nvSpPr>
+          <p:cNvPr id="20" name="Rounded Rectangle 19"/>
+          <p:cNvSpPr/>
+          <p:nvPr/>
+        </p:nvSpPr>
+        <p:spPr>
+          <a:xfrm>
+            <a:off x="6979329" y="5410201"/>
+            <a:ext cx="852999" cy="449007"/>
+          </a:xfrm>
+          <a:prstGeom prst="roundRect">
+            <a:avLst/>
+          </a:prstGeom>
+          <a:solidFill>
+            <a:srgbClr val="C00000"/>
+          </a:solidFill>
+          <a:ln>
+            <a:noFill/>
+          </a:ln>
+        </p:spPr>
+        <p:style>
+          <a:lnRef idx="2">
+            <a:schemeClr val="accent1">
+              <a:shade val="50000"/>
+            </a:schemeClr>
+          </a:lnRef>
+          <a:fillRef idx="1">
+            <a:schemeClr val="accent1"/>
+          </a:fillRef>
+          <a:effectRef idx="0">
+            <a:schemeClr val="accent1"/>
+          </a:effectRef>
+          <a:fontRef idx="minor">
+            <a:schemeClr val="lt1"/>
+          </a:fontRef>
+        </p:style>
+        <p:txBody>
+          <a:bodyPr rtlCol="0" anchor="ctr"/>
+          <a:lstStyle/>
+          <a:p>
+            <a:pPr algn="ctr"/>
+            <a:r>
+              <a:rPr lang="en-GB" sz="1600" b="1" dirty="0" smtClean="0"/>
+              <a:t>DELIVER</a:t>
+            </a:r>
+            <a:endParaRPr lang="en-GB" sz="1600" b="1" dirty="0"/>
+          </a:p>
+        </p:txBody>
+      </p:sp>
+      <p:sp>
+        <p:nvSpPr>
+          <p:cNvPr id="25" name="Bent Arrow 24"/>
+          <p:cNvSpPr/>
+          <p:nvPr/>
+        </p:nvSpPr>
+        <p:spPr>
+          <a:xfrm rot="16200000" flipH="1">
+            <a:off x="4683748" y="1342732"/>
+            <a:ext cx="224640" cy="5747900"/>
+          </a:xfrm>
+          <a:prstGeom prst="bentArrow">
+            <a:avLst/>
+          </a:prstGeom>
+          <a:solidFill>
+            <a:schemeClr val="tx1"/>
+          </a:solidFill>
+          <a:ln>
+            <a:noFill/>
+          </a:ln>
+        </p:spPr>
+        <p:style>
+          <a:lnRef idx="2">
+            <a:schemeClr val="accent1">
+              <a:shade val="50000"/>
+            </a:schemeClr>
+          </a:lnRef>
+          <a:fillRef idx="1">
+            <a:schemeClr val="accent1"/>
+          </a:fillRef>
+          <a:effectRef idx="0">
+            <a:schemeClr val="accent1"/>
+          </a:effectRef>
+          <a:fontRef idx="minor">
+            <a:schemeClr val="lt1"/>
+          </a:fontRef>
+        </p:style>
+        <p:txBody>
+          <a:bodyPr rtlCol="0" anchor="ctr"/>
+          <a:lstStyle/>
+          <a:p>
+            <a:pPr algn="ctr"/>
+            <a:endParaRPr lang="en-GB">
+              <a:solidFill>
+                <a:schemeClr val="tx1"/>
+              </a:solidFill>
+            </a:endParaRPr>
+          </a:p>
+        </p:txBody>
+      </p:sp>
+      <p:sp>
+        <p:nvSpPr>
+          <p:cNvPr id="26" name="Rectangle 25"/>
+          <p:cNvSpPr/>
+          <p:nvPr/>
+        </p:nvSpPr>
+        <p:spPr>
+          <a:xfrm flipH="1">
+            <a:off x="7670017" y="3288921"/>
+            <a:ext cx="34289" cy="877897"/>
+          </a:xfrm>
+          <a:prstGeom prst="rect">
+            <a:avLst/>
+          </a:prstGeom>
+          <a:solidFill>
+            <a:schemeClr val="tx1"/>
+          </a:solidFill>
+          <a:ln>
+            <a:noFill/>
+          </a:ln>
+        </p:spPr>
+        <p:style>
+          <a:lnRef idx="2">
+            <a:schemeClr val="accent1">
+              <a:shade val="50000"/>
+            </a:schemeClr>
+          </a:lnRef>
+          <a:fillRef idx="1">
+            <a:schemeClr val="accent1"/>
+          </a:fillRef>
+          <a:effectRef idx="0">
+            <a:schemeClr val="accent1"/>
+          </a:effectRef>
+          <a:fontRef idx="minor">
+            <a:schemeClr val="lt1"/>
+          </a:fontRef>
+        </p:style>
+        <p:txBody>
+          <a:bodyPr rtlCol="0" anchor="ctr"/>
+          <a:lstStyle/>
+          <a:p>
+            <a:pPr algn="ctr"/>
+            <a:endParaRPr lang="en-GB"/>
+          </a:p>
+        </p:txBody>
+      </p:sp>
+      <p:sp>
+        <p:nvSpPr>
+          <p:cNvPr id="27" name="Right Arrow 26"/>
+          <p:cNvSpPr/>
+          <p:nvPr/>
+        </p:nvSpPr>
+        <p:spPr>
+          <a:xfrm>
+            <a:off x="3215388" y="5654842"/>
+            <a:ext cx="731190" cy="154618"/>
+          </a:xfrm>
+          <a:prstGeom prst="rightArrow">
+            <a:avLst/>
+          </a:prstGeom>
+          <a:solidFill>
+            <a:schemeClr val="tx1"/>
+          </a:solidFill>
+          <a:ln>
+            <a:noFill/>
+          </a:ln>
+        </p:spPr>
+        <p:style>
+          <a:lnRef idx="2">
+            <a:schemeClr val="accent1">
+              <a:shade val="50000"/>
+            </a:schemeClr>
+          </a:lnRef>
+          <a:fillRef idx="1">
+            <a:schemeClr val="accent1"/>
+          </a:fillRef>
+          <a:effectRef idx="0">
+            <a:schemeClr val="accent1"/>
+          </a:effectRef>
+          <a:fontRef idx="minor">
+            <a:schemeClr val="lt1"/>
+          </a:fontRef>
+        </p:style>
+        <p:txBody>
+          <a:bodyPr rtlCol="0" anchor="ctr"/>
+          <a:lstStyle/>
+          <a:p>
+            <a:pPr algn="ctr"/>
+            <a:endParaRPr lang="en-GB"/>
+          </a:p>
+        </p:txBody>
+      </p:sp>
+      <p:sp>
+        <p:nvSpPr>
+          <p:cNvPr id="28" name="Right Arrow 27"/>
+          <p:cNvSpPr/>
+          <p:nvPr/>
+        </p:nvSpPr>
+        <p:spPr>
+          <a:xfrm>
+            <a:off x="1010807" y="2334126"/>
+            <a:ext cx="252509" cy="144432"/>
+          </a:xfrm>
+          <a:prstGeom prst="rightArrow">
+            <a:avLst/>
+          </a:prstGeom>
+          <a:solidFill>
+            <a:schemeClr val="tx1"/>
+          </a:solidFill>
+          <a:ln>
+            <a:noFill/>
+          </a:ln>
+        </p:spPr>
+        <p:style>
+          <a:lnRef idx="2">
+            <a:schemeClr val="accent1">
+              <a:shade val="50000"/>
+            </a:schemeClr>
+          </a:lnRef>
+          <a:fillRef idx="1">
+            <a:schemeClr val="accent1"/>
+          </a:fillRef>
+          <a:effectRef idx="0">
+            <a:schemeClr val="accent1"/>
+          </a:effectRef>
+          <a:fontRef idx="minor">
+            <a:schemeClr val="lt1"/>
+          </a:fontRef>
+        </p:style>
+        <p:txBody>
+          <a:bodyPr rtlCol="0" anchor="ctr"/>
+          <a:lstStyle/>
+          <a:p>
+            <a:pPr algn="ctr"/>
+            <a:endParaRPr lang="en-GB"/>
+          </a:p>
+        </p:txBody>
+      </p:sp>
+      <p:sp>
+        <p:nvSpPr>
+          <p:cNvPr id="29" name="Right Arrow 28"/>
+          <p:cNvSpPr/>
+          <p:nvPr/>
+        </p:nvSpPr>
+        <p:spPr>
+          <a:xfrm>
+            <a:off x="7829007" y="5562487"/>
+            <a:ext cx="252509" cy="144432"/>
+          </a:xfrm>
+          <a:prstGeom prst="rightArrow">
+            <a:avLst/>
+          </a:prstGeom>
+          <a:solidFill>
+            <a:schemeClr val="tx1"/>
+          </a:solidFill>
+          <a:ln>
+            <a:noFill/>
+          </a:ln>
+        </p:spPr>
+        <p:style>
+          <a:lnRef idx="2">
+            <a:schemeClr val="accent1">
+              <a:shade val="50000"/>
+            </a:schemeClr>
+          </a:lnRef>
+          <a:fillRef idx="1">
+            <a:schemeClr val="accent1"/>
+          </a:fillRef>
+          <a:effectRef idx="0">
+            <a:schemeClr val="accent1"/>
+          </a:effectRef>
+          <a:fontRef idx="minor">
+            <a:schemeClr val="lt1"/>
+          </a:fontRef>
+        </p:style>
+        <p:txBody>
+          <a:bodyPr rtlCol="0" anchor="ctr"/>
+          <a:lstStyle/>
+          <a:p>
+            <a:pPr algn="ctr"/>
+            <a:endParaRPr lang="en-GB"/>
+          </a:p>
+        </p:txBody>
+      </p:sp>
+      <p:sp>
+        <p:nvSpPr>
+          <p:cNvPr id="30" name="Oval 29"/>
+          <p:cNvSpPr/>
+          <p:nvPr/>
+        </p:nvSpPr>
+        <p:spPr>
+          <a:xfrm>
+            <a:off x="1597264" y="1099237"/>
+            <a:ext cx="324926" cy="409073"/>
+          </a:xfrm>
+          <a:prstGeom prst="ellipse">
+            <a:avLst/>
+          </a:prstGeom>
+          <a:solidFill>
+            <a:srgbClr val="C00000"/>
+          </a:solidFill>
+          <a:ln>
+            <a:noFill/>
+          </a:ln>
+        </p:spPr>
+        <p:style>
+          <a:lnRef idx="2">
+            <a:schemeClr val="accent1">
+              <a:shade val="50000"/>
+            </a:schemeClr>
+          </a:lnRef>
+          <a:fillRef idx="1">
+            <a:schemeClr val="accent1"/>
+          </a:fillRef>
+          <a:effectRef idx="0">
+            <a:schemeClr val="accent1"/>
+          </a:effectRef>
+          <a:fontRef idx="minor">
+            <a:schemeClr val="lt1"/>
+          </a:fontRef>
+        </p:style>
+        <p:txBody>
+          <a:bodyPr rtlCol="0" anchor="ctr"/>
+          <a:lstStyle/>
+          <a:p>
+            <a:pPr algn="ctr"/>
+            <a:r>
+              <a:rPr lang="en-GB" dirty="0" smtClean="0"/>
+              <a:t>1</a:t>
+            </a:r>
+            <a:endParaRPr lang="en-GB" dirty="0"/>
+          </a:p>
+        </p:txBody>
+      </p:sp>
+      <p:sp>
+        <p:nvSpPr>
+          <p:cNvPr id="31" name="Oval 30"/>
+          <p:cNvSpPr/>
+          <p:nvPr/>
+        </p:nvSpPr>
+        <p:spPr>
+          <a:xfrm>
+            <a:off x="6022810" y="1099236"/>
+            <a:ext cx="324926" cy="409073"/>
+          </a:xfrm>
+          <a:prstGeom prst="ellipse">
+            <a:avLst/>
+          </a:prstGeom>
+          <a:solidFill>
+            <a:srgbClr val="C00000"/>
+          </a:solidFill>
+          <a:ln>
+            <a:noFill/>
+          </a:ln>
+        </p:spPr>
+        <p:style>
+          <a:lnRef idx="2">
+            <a:schemeClr val="accent1">
+              <a:shade val="50000"/>
+            </a:schemeClr>
+          </a:lnRef>
+          <a:fillRef idx="1">
+            <a:schemeClr val="accent1"/>
+          </a:fillRef>
+          <a:effectRef idx="0">
+            <a:schemeClr val="accent1"/>
+          </a:effectRef>
+          <a:fontRef idx="minor">
+            <a:schemeClr val="lt1"/>
+          </a:fontRef>
+        </p:style>
+        <p:txBody>
+          <a:bodyPr rtlCol="0" anchor="ctr"/>
+          <a:lstStyle/>
+          <a:p>
+            <a:pPr algn="ctr"/>
+            <a:r>
+              <a:rPr lang="en-GB" dirty="0"/>
+              <a:t>2</a:t>
+            </a:r>
+          </a:p>
+        </p:txBody>
+      </p:sp>
+      <p:sp>
+        <p:nvSpPr>
+          <p:cNvPr id="32" name="Oval 31"/>
+          <p:cNvSpPr/>
+          <p:nvPr/>
+        </p:nvSpPr>
+        <p:spPr>
+          <a:xfrm>
+            <a:off x="390120" y="4243189"/>
+            <a:ext cx="324926" cy="409073"/>
+          </a:xfrm>
+          <a:prstGeom prst="ellipse">
+            <a:avLst/>
+          </a:prstGeom>
+          <a:solidFill>
+            <a:srgbClr val="C00000"/>
+          </a:solidFill>
+          <a:ln>
+            <a:noFill/>
+          </a:ln>
+        </p:spPr>
+        <p:style>
+          <a:lnRef idx="2">
+            <a:schemeClr val="accent1">
+              <a:shade val="50000"/>
+            </a:schemeClr>
+          </a:lnRef>
+          <a:fillRef idx="1">
+            <a:schemeClr val="accent1"/>
+          </a:fillRef>
+          <a:effectRef idx="0">
+            <a:schemeClr val="accent1"/>
+          </a:effectRef>
+          <a:fontRef idx="minor">
+            <a:schemeClr val="lt1"/>
+          </a:fontRef>
+        </p:style>
+        <p:txBody>
+          <a:bodyPr rtlCol="0" anchor="ctr"/>
+          <a:lstStyle/>
+          <a:p>
+            <a:pPr algn="ctr"/>
+            <a:r>
+              <a:rPr lang="en-GB" dirty="0" smtClean="0"/>
+              <a:t>3</a:t>
+            </a:r>
+            <a:endParaRPr lang="en-GB" dirty="0"/>
+          </a:p>
+        </p:txBody>
+      </p:sp>
+      <p:sp>
+        <p:nvSpPr>
+          <p:cNvPr id="33" name="Oval 32"/>
+          <p:cNvSpPr/>
+          <p:nvPr/>
+        </p:nvSpPr>
+        <p:spPr>
+          <a:xfrm>
+            <a:off x="3946578" y="4296514"/>
+            <a:ext cx="324926" cy="409073"/>
+          </a:xfrm>
+          <a:prstGeom prst="ellipse">
+            <a:avLst/>
+          </a:prstGeom>
+          <a:solidFill>
+            <a:srgbClr val="C00000"/>
+          </a:solidFill>
+          <a:ln>
+            <a:noFill/>
+          </a:ln>
+        </p:spPr>
+        <p:style>
+          <a:lnRef idx="2">
+            <a:schemeClr val="accent1">
+              <a:shade val="50000"/>
+            </a:schemeClr>
+          </a:lnRef>
+          <a:fillRef idx="1">
+            <a:schemeClr val="accent1"/>
+          </a:fillRef>
+          <a:effectRef idx="0">
+            <a:schemeClr val="accent1"/>
+          </a:effectRef>
+          <a:fontRef idx="minor">
+            <a:schemeClr val="lt1"/>
+          </a:fontRef>
+        </p:style>
+        <p:txBody>
+          <a:bodyPr rtlCol="0" anchor="ctr"/>
+          <a:lstStyle/>
+          <a:p>
+            <a:pPr algn="ctr"/>
+            <a:r>
+              <a:rPr lang="en-GB" dirty="0" smtClean="0"/>
+              <a:t>4</a:t>
+            </a:r>
+            <a:endParaRPr lang="en-GB" dirty="0"/>
+          </a:p>
+        </p:txBody>
+      </p:sp>
+    </p:spTree>
+    <p:extLst>
+      <p:ext uri="{BB962C8B-B14F-4D97-AF65-F5344CB8AC3E}">
+        <p14:creationId xmlns:p14="http://schemas.microsoft.com/office/powerpoint/2010/main" val="3748651206"/>
+      </p:ext>
+    </p:extLst>
+  </p:cSld>
+  <p:clrMapOvr>
+    <a:masterClrMapping/>
+  </p:clrMapOvr>
+  <mc:AlternateContent xmlns:mc="http://schemas.openxmlformats.org/markup-compatibility/2006" xmlns:p14="http://schemas.microsoft.com/office/powerpoint/2010/main">
+    <mc:Choice Requires="p14">
+      <p:transition spd="slow" p14:dur="2000"/>
+    </mc:Choice>
+    <mc:Fallback xmlns="">
+      <p:transition spd="slow"/>
+    </mc:Fallback>
+  </mc:AlternateContent>
+  <p:timing>
+    <p:tnLst>
+      <p:par>
+        <p:cTn id="1" dur="indefinite" restart="never" nodeType="tmRoot">
+          <p:childTnLst>
+            <p:seq concurrent="1" nextAc="seek">
+              <p:cTn id="2" dur="indefinite" nodeType="mainSeq">
+                <p:childTnLst>
+                  <p:par>
+                    <p:cTn id="3" fill="hold">
+                      <p:stCondLst>
+                        <p:cond delay="indefinite"/>
+                      </p:stCondLst>
+                      <p:childTnLst>
+                        <p:par>
+                          <p:cTn id="4" fill="hold">
+                            <p:stCondLst>
+                              <p:cond delay="0"/>
+                            </p:stCondLst>
+                            <p:childTnLst>
+                              <p:par>
+                                <p:cTn id="5" presetID="1" presetClass="entr" presetSubtype="0" fill="hold" grpId="0" nodeType="clickEffect">
+                                  <p:stCondLst>
+                                    <p:cond delay="0"/>
+                                  </p:stCondLst>
+                                  <p:childTnLst>
+                                    <p:set>
+                                      <p:cBhvr>
+                                        <p:cTn id="6" dur="1" fill="hold">
+                                          <p:stCondLst>
+                                            <p:cond delay="0"/>
+                                          </p:stCondLst>
+                                        </p:cTn>
+                                        <p:tgtEl>
+                                          <p:spTgt spid="11"/>
+                                        </p:tgtEl>
+                                        <p:attrNameLst>
+                                          <p:attrName>style.visibility</p:attrName>
+                                        </p:attrNameLst>
+                                      </p:cBhvr>
+                                      <p:to>
+                                        <p:strVal val="visible"/>
+                                      </p:to>
+                                    </p:set>
+                                  </p:childTnLst>
+                                </p:cTn>
+                              </p:par>
+                              <p:par>
+                                <p:cTn id="7" presetID="1" presetClass="entr" presetSubtype="0" fill="hold" grpId="0" nodeType="withEffect">
+                                  <p:stCondLst>
+                                    <p:cond delay="0"/>
+                                  </p:stCondLst>
+                                  <p:childTnLst>
+                                    <p:set>
+                                      <p:cBhvr>
+                                        <p:cTn id="8" dur="1" fill="hold">
+                                          <p:stCondLst>
+                                            <p:cond delay="0"/>
+                                          </p:stCondLst>
+                                        </p:cTn>
+                                        <p:tgtEl>
+                                          <p:spTgt spid="28"/>
+                                        </p:tgtEl>
+                                        <p:attrNameLst>
+                                          <p:attrName>style.visibility</p:attrName>
+                                        </p:attrNameLst>
+                                      </p:cBhvr>
+                                      <p:to>
+                                        <p:strVal val="visible"/>
+                                      </p:to>
+                                    </p:set>
+                                  </p:childTnLst>
+                                </p:cTn>
+                              </p:par>
+                            </p:childTnLst>
+                          </p:cTn>
+                        </p:par>
+                      </p:childTnLst>
+                    </p:cTn>
+                  </p:par>
+                  <p:par>
+                    <p:cTn id="9" fill="hold">
+                      <p:stCondLst>
+                        <p:cond delay="indefinite"/>
+                      </p:stCondLst>
+                      <p:childTnLst>
+                        <p:par>
+                          <p:cTn id="10" fill="hold">
+                            <p:stCondLst>
+                              <p:cond delay="0"/>
+                            </p:stCondLst>
+                            <p:childTnLst>
+                              <p:par>
+                                <p:cTn id="11" presetID="1" presetClass="entr" presetSubtype="0" fill="hold" grpId="0" nodeType="clickEffect">
+                                  <p:stCondLst>
+                                    <p:cond delay="0"/>
+                                  </p:stCondLst>
+                                  <p:childTnLst>
+                                    <p:set>
+                                      <p:cBhvr>
+                                        <p:cTn id="12" dur="1" fill="hold">
+                                          <p:stCondLst>
+                                            <p:cond delay="0"/>
+                                          </p:stCondLst>
+                                        </p:cTn>
+                                        <p:tgtEl>
+                                          <p:spTgt spid="30"/>
+                                        </p:tgtEl>
+                                        <p:attrNameLst>
+                                          <p:attrName>style.visibility</p:attrName>
+                                        </p:attrNameLst>
+                                      </p:cBhvr>
+                                      <p:to>
+                                        <p:strVal val="visible"/>
+                                      </p:to>
+                                    </p:set>
+                                  </p:childTnLst>
+                                </p:cTn>
+                              </p:par>
+                            </p:childTnLst>
+                          </p:cTn>
+                        </p:par>
+                      </p:childTnLst>
+                    </p:cTn>
+                  </p:par>
+                  <p:par>
+                    <p:cTn id="13" fill="hold">
+                      <p:stCondLst>
+                        <p:cond delay="indefinite"/>
+                      </p:stCondLst>
+                      <p:childTnLst>
+                        <p:par>
+                          <p:cTn id="14" fill="hold">
+                            <p:stCondLst>
+                              <p:cond delay="0"/>
+                            </p:stCondLst>
+                            <p:childTnLst>
+                              <p:par>
+                                <p:cTn id="15" presetID="1" presetClass="entr" presetSubtype="0" fill="hold" nodeType="clickEffect">
+                                  <p:stCondLst>
+                                    <p:cond delay="0"/>
+                                  </p:stCondLst>
+                                  <p:childTnLst>
+                                    <p:set>
+                                      <p:cBhvr>
+                                        <p:cTn id="16" dur="1" fill="hold">
+                                          <p:stCondLst>
+                                            <p:cond delay="0"/>
+                                          </p:stCondLst>
+                                        </p:cTn>
+                                        <p:tgtEl>
+                                          <p:spTgt spid="2"/>
+                                        </p:tgtEl>
+                                        <p:attrNameLst>
+                                          <p:attrName>style.visibility</p:attrName>
+                                        </p:attrNameLst>
+                                      </p:cBhvr>
+                                      <p:to>
+                                        <p:strVal val="visible"/>
+                                      </p:to>
+                                    </p:set>
+                                  </p:childTnLst>
+                                </p:cTn>
+                              </p:par>
+                            </p:childTnLst>
+                          </p:cTn>
+                        </p:par>
+                      </p:childTnLst>
+                    </p:cTn>
+                  </p:par>
+                  <p:par>
+                    <p:cTn id="17" fill="hold">
+                      <p:stCondLst>
+                        <p:cond delay="indefinite"/>
+                      </p:stCondLst>
+                      <p:childTnLst>
+                        <p:par>
+                          <p:cTn id="18" fill="hold">
+                            <p:stCondLst>
+                              <p:cond delay="0"/>
+                            </p:stCondLst>
+                            <p:childTnLst>
+                              <p:par>
+                                <p:cTn id="19" presetID="1" presetClass="entr" presetSubtype="0" fill="hold" grpId="0" nodeType="clickEffect">
+                                  <p:stCondLst>
+                                    <p:cond delay="0"/>
+                                  </p:stCondLst>
+                                  <p:childTnLst>
+                                    <p:set>
+                                      <p:cBhvr>
+                                        <p:cTn id="20" dur="1" fill="hold">
+                                          <p:stCondLst>
+                                            <p:cond delay="0"/>
+                                          </p:stCondLst>
+                                        </p:cTn>
+                                        <p:tgtEl>
+                                          <p:spTgt spid="17"/>
+                                        </p:tgtEl>
+                                        <p:attrNameLst>
+                                          <p:attrName>style.visibility</p:attrName>
+                                        </p:attrNameLst>
+                                      </p:cBhvr>
+                                      <p:to>
+                                        <p:strVal val="visible"/>
+                                      </p:to>
+                                    </p:set>
+                                  </p:childTnLst>
+                                </p:cTn>
+                              </p:par>
+                            </p:childTnLst>
+                          </p:cTn>
+                        </p:par>
+                      </p:childTnLst>
+                    </p:cTn>
+                  </p:par>
+                  <p:par>
+                    <p:cTn id="21" fill="hold">
+                      <p:stCondLst>
+                        <p:cond delay="indefinite"/>
+                      </p:stCondLst>
+                      <p:childTnLst>
+                        <p:par>
+                          <p:cTn id="22" fill="hold">
+                            <p:stCondLst>
+                              <p:cond delay="0"/>
+                            </p:stCondLst>
+                            <p:childTnLst>
+                              <p:par>
+                                <p:cTn id="23" presetID="1" presetClass="entr" presetSubtype="0" fill="hold" nodeType="clickEffect">
+                                  <p:stCondLst>
+                                    <p:cond delay="0"/>
+                                  </p:stCondLst>
+                                  <p:childTnLst>
+                                    <p:set>
+                                      <p:cBhvr>
+                                        <p:cTn id="24" dur="1" fill="hold">
+                                          <p:stCondLst>
+                                            <p:cond delay="0"/>
+                                          </p:stCondLst>
+                                        </p:cTn>
+                                        <p:tgtEl>
+                                          <p:spTgt spid="10"/>
+                                        </p:tgtEl>
+                                        <p:attrNameLst>
+                                          <p:attrName>style.visibility</p:attrName>
+                                        </p:attrNameLst>
+                                      </p:cBhvr>
+                                      <p:to>
+                                        <p:strVal val="visible"/>
+                                      </p:to>
+                                    </p:set>
+                                  </p:childTnLst>
+                                </p:cTn>
+                              </p:par>
+                            </p:childTnLst>
+                          </p:cTn>
+                        </p:par>
+                      </p:childTnLst>
+                    </p:cTn>
+                  </p:par>
+                  <p:par>
+                    <p:cTn id="25" fill="hold">
+                      <p:stCondLst>
+                        <p:cond delay="indefinite"/>
+                      </p:stCondLst>
+                      <p:childTnLst>
+                        <p:par>
+                          <p:cTn id="26" fill="hold">
+                            <p:stCondLst>
+                              <p:cond delay="0"/>
+                            </p:stCondLst>
+                            <p:childTnLst>
+                              <p:par>
+                                <p:cTn id="27" presetID="1" presetClass="entr" presetSubtype="0" fill="hold" nodeType="clickEffect">
+                                  <p:stCondLst>
+                                    <p:cond delay="0"/>
+                                  </p:stCondLst>
+                                  <p:childTnLst>
+                                    <p:set>
+                                      <p:cBhvr>
+                                        <p:cTn id="28" dur="1" fill="hold">
+                                          <p:stCondLst>
+                                            <p:cond delay="0"/>
+                                          </p:stCondLst>
+                                        </p:cTn>
+                                        <p:tgtEl>
+                                          <p:spTgt spid="19"/>
+                                        </p:tgtEl>
+                                        <p:attrNameLst>
+                                          <p:attrName>style.visibility</p:attrName>
+                                        </p:attrNameLst>
+                                      </p:cBhvr>
+                                      <p:to>
+                                        <p:strVal val="visible"/>
+                                      </p:to>
+                                    </p:set>
+                                  </p:childTnLst>
+                                </p:cTn>
+                              </p:par>
+                            </p:childTnLst>
+                          </p:cTn>
+                        </p:par>
+                      </p:childTnLst>
+                    </p:cTn>
+                  </p:par>
+                  <p:par>
+                    <p:cTn id="29" fill="hold">
+                      <p:stCondLst>
+                        <p:cond delay="indefinite"/>
+                      </p:stCondLst>
+                      <p:childTnLst>
+                        <p:par>
+                          <p:cTn id="30" fill="hold">
+                            <p:stCondLst>
+                              <p:cond delay="0"/>
+                            </p:stCondLst>
+                            <p:childTnLst>
+                              <p:par>
+                                <p:cTn id="31" presetID="1" presetClass="entr" presetSubtype="0" fill="hold" grpId="0" nodeType="clickEffect">
+                                  <p:stCondLst>
+                                    <p:cond delay="0"/>
+                                  </p:stCondLst>
+                                  <p:childTnLst>
+                                    <p:set>
+                                      <p:cBhvr>
+                                        <p:cTn id="32" dur="1" fill="hold">
+                                          <p:stCondLst>
+                                            <p:cond delay="0"/>
+                                          </p:stCondLst>
+                                        </p:cTn>
+                                        <p:tgtEl>
+                                          <p:spTgt spid="31"/>
+                                        </p:tgtEl>
+                                        <p:attrNameLst>
+                                          <p:attrName>style.visibility</p:attrName>
+                                        </p:attrNameLst>
+                                      </p:cBhvr>
+                                      <p:to>
+                                        <p:strVal val="visible"/>
+                                      </p:to>
+                                    </p:set>
+                                  </p:childTnLst>
+                                </p:cTn>
+                              </p:par>
+                            </p:childTnLst>
+                          </p:cTn>
+                        </p:par>
+                      </p:childTnLst>
+                    </p:cTn>
+                  </p:par>
+                  <p:par>
+                    <p:cTn id="33" fill="hold">
+                      <p:stCondLst>
+                        <p:cond delay="indefinite"/>
+                      </p:stCondLst>
+                      <p:childTnLst>
+                        <p:par>
+                          <p:cTn id="34" fill="hold">
+                            <p:stCondLst>
+                              <p:cond delay="0"/>
+                            </p:stCondLst>
+                            <p:childTnLst>
+                              <p:par>
+                                <p:cTn id="35" presetID="1" presetClass="entr" presetSubtype="0" fill="hold" nodeType="clickEffect">
+                                  <p:stCondLst>
+                                    <p:cond delay="0"/>
+                                  </p:stCondLst>
+                                  <p:childTnLst>
+                                    <p:set>
+                                      <p:cBhvr>
+                                        <p:cTn id="36" dur="1" fill="hold">
+                                          <p:stCondLst>
+                                            <p:cond delay="0"/>
+                                          </p:stCondLst>
+                                        </p:cTn>
+                                        <p:tgtEl>
+                                          <p:spTgt spid="3"/>
+                                        </p:tgtEl>
+                                        <p:attrNameLst>
+                                          <p:attrName>style.visibility</p:attrName>
+                                        </p:attrNameLst>
+                                      </p:cBhvr>
+                                      <p:to>
+                                        <p:strVal val="visible"/>
+                                      </p:to>
+                                    </p:set>
+                                  </p:childTnLst>
+                                </p:cTn>
+                              </p:par>
+                            </p:childTnLst>
+                          </p:cTn>
+                        </p:par>
+                      </p:childTnLst>
+                    </p:cTn>
+                  </p:par>
+                  <p:par>
+                    <p:cTn id="37" fill="hold">
+                      <p:stCondLst>
+                        <p:cond delay="indefinite"/>
+                      </p:stCondLst>
+                      <p:childTnLst>
+                        <p:par>
+                          <p:cTn id="38" fill="hold">
+                            <p:stCondLst>
+                              <p:cond delay="0"/>
+                            </p:stCondLst>
+                            <p:childTnLst>
+                              <p:par>
+                                <p:cTn id="39" presetID="1" presetClass="entr" presetSubtype="0" fill="hold" grpId="0" nodeType="clickEffect">
+                                  <p:stCondLst>
+                                    <p:cond delay="0"/>
+                                  </p:stCondLst>
+                                  <p:childTnLst>
+                                    <p:set>
+                                      <p:cBhvr>
+                                        <p:cTn id="40" dur="1" fill="hold">
+                                          <p:stCondLst>
+                                            <p:cond delay="0"/>
+                                          </p:stCondLst>
+                                        </p:cTn>
+                                        <p:tgtEl>
+                                          <p:spTgt spid="26"/>
+                                        </p:tgtEl>
+                                        <p:attrNameLst>
+                                          <p:attrName>style.visibility</p:attrName>
+                                        </p:attrNameLst>
+                                      </p:cBhvr>
+                                      <p:to>
+                                        <p:strVal val="visible"/>
+                                      </p:to>
+                                    </p:set>
+                                  </p:childTnLst>
+                                </p:cTn>
+                              </p:par>
+                              <p:par>
+                                <p:cTn id="41" presetID="1" presetClass="entr" presetSubtype="0" fill="hold" grpId="0" nodeType="withEffect">
+                                  <p:stCondLst>
+                                    <p:cond delay="0"/>
+                                  </p:stCondLst>
+                                  <p:childTnLst>
+                                    <p:set>
+                                      <p:cBhvr>
+                                        <p:cTn id="42" dur="1" fill="hold">
+                                          <p:stCondLst>
+                                            <p:cond delay="0"/>
+                                          </p:stCondLst>
+                                        </p:cTn>
+                                        <p:tgtEl>
+                                          <p:spTgt spid="25"/>
+                                        </p:tgtEl>
+                                        <p:attrNameLst>
+                                          <p:attrName>style.visibility</p:attrName>
+                                        </p:attrNameLst>
+                                      </p:cBhvr>
+                                      <p:to>
+                                        <p:strVal val="visible"/>
+                                      </p:to>
+                                    </p:set>
+                                  </p:childTnLst>
+                                </p:cTn>
+                              </p:par>
+                            </p:childTnLst>
+                          </p:cTn>
+                        </p:par>
+                      </p:childTnLst>
+                    </p:cTn>
+                  </p:par>
+                  <p:par>
+                    <p:cTn id="43" fill="hold">
+                      <p:stCondLst>
+                        <p:cond delay="indefinite"/>
+                      </p:stCondLst>
+                      <p:childTnLst>
+                        <p:par>
+                          <p:cTn id="44" fill="hold">
+                            <p:stCondLst>
+                              <p:cond delay="0"/>
+                            </p:stCondLst>
+                            <p:childTnLst>
+                              <p:par>
+                                <p:cTn id="45" presetID="1" presetClass="entr" presetSubtype="0" fill="hold" grpId="0" nodeType="clickEffect">
+                                  <p:stCondLst>
+                                    <p:cond delay="0"/>
+                                  </p:stCondLst>
+                                  <p:childTnLst>
+                                    <p:set>
+                                      <p:cBhvr>
+                                        <p:cTn id="46" dur="1" fill="hold">
+                                          <p:stCondLst>
+                                            <p:cond delay="0"/>
+                                          </p:stCondLst>
+                                        </p:cTn>
+                                        <p:tgtEl>
+                                          <p:spTgt spid="32"/>
+                                        </p:tgtEl>
+                                        <p:attrNameLst>
+                                          <p:attrName>style.visibility</p:attrName>
+                                        </p:attrNameLst>
+                                      </p:cBhvr>
+                                      <p:to>
+                                        <p:strVal val="visible"/>
+                                      </p:to>
+                                    </p:set>
+                                  </p:childTnLst>
+                                </p:cTn>
+                              </p:par>
+                            </p:childTnLst>
+                          </p:cTn>
+                        </p:par>
+                      </p:childTnLst>
+                    </p:cTn>
+                  </p:par>
+                  <p:par>
+                    <p:cTn id="47" fill="hold">
+                      <p:stCondLst>
+                        <p:cond delay="indefinite"/>
+                      </p:stCondLst>
+                      <p:childTnLst>
+                        <p:par>
+                          <p:cTn id="48" fill="hold">
+                            <p:stCondLst>
+                              <p:cond delay="0"/>
+                            </p:stCondLst>
+                            <p:childTnLst>
+                              <p:par>
+                                <p:cTn id="49" presetID="1" presetClass="entr" presetSubtype="0" fill="hold" nodeType="clickEffect">
+                                  <p:stCondLst>
+                                    <p:cond delay="0"/>
+                                  </p:stCondLst>
+                                  <p:childTnLst>
+                                    <p:set>
+                                      <p:cBhvr>
+                                        <p:cTn id="50" dur="1" fill="hold">
+                                          <p:stCondLst>
+                                            <p:cond delay="0"/>
+                                          </p:stCondLst>
+                                        </p:cTn>
+                                        <p:tgtEl>
+                                          <p:spTgt spid="6"/>
+                                        </p:tgtEl>
+                                        <p:attrNameLst>
+                                          <p:attrName>style.visibility</p:attrName>
+                                        </p:attrNameLst>
+                                      </p:cBhvr>
+                                      <p:to>
+                                        <p:strVal val="visible"/>
+                                      </p:to>
+                                    </p:set>
+                                  </p:childTnLst>
+                                </p:cTn>
+                              </p:par>
+                            </p:childTnLst>
+                          </p:cTn>
+                        </p:par>
+                      </p:childTnLst>
+                    </p:cTn>
+                  </p:par>
+                  <p:par>
+                    <p:cTn id="51" fill="hold">
+                      <p:stCondLst>
+                        <p:cond delay="indefinite"/>
+                      </p:stCondLst>
+                      <p:childTnLst>
+                        <p:par>
+                          <p:cTn id="52" fill="hold">
+                            <p:stCondLst>
+                              <p:cond delay="0"/>
+                            </p:stCondLst>
+                            <p:childTnLst>
+                              <p:par>
+                                <p:cTn id="53" presetID="1" presetClass="entr" presetSubtype="0" fill="hold" grpId="0" nodeType="clickEffect">
+                                  <p:stCondLst>
+                                    <p:cond delay="0"/>
+                                  </p:stCondLst>
+                                  <p:childTnLst>
+                                    <p:set>
+                                      <p:cBhvr>
+                                        <p:cTn id="54" dur="1" fill="hold">
+                                          <p:stCondLst>
+                                            <p:cond delay="0"/>
+                                          </p:stCondLst>
+                                        </p:cTn>
+                                        <p:tgtEl>
+                                          <p:spTgt spid="27"/>
+                                        </p:tgtEl>
+                                        <p:attrNameLst>
+                                          <p:attrName>style.visibility</p:attrName>
+                                        </p:attrNameLst>
+                                      </p:cBhvr>
+                                      <p:to>
+                                        <p:strVal val="visible"/>
+                                      </p:to>
+                                    </p:set>
+                                  </p:childTnLst>
+                                </p:cTn>
+                              </p:par>
+                            </p:childTnLst>
+                          </p:cTn>
+                        </p:par>
+                      </p:childTnLst>
+                    </p:cTn>
+                  </p:par>
+                  <p:par>
+                    <p:cTn id="55" fill="hold">
+                      <p:stCondLst>
+                        <p:cond delay="indefinite"/>
+                      </p:stCondLst>
+                      <p:childTnLst>
+                        <p:par>
+                          <p:cTn id="56" fill="hold">
+                            <p:stCondLst>
+                              <p:cond delay="0"/>
+                            </p:stCondLst>
+                            <p:childTnLst>
+                              <p:par>
+                                <p:cTn id="57" presetID="1" presetClass="entr" presetSubtype="0" fill="hold" grpId="0" nodeType="clickEffect">
+                                  <p:stCondLst>
+                                    <p:cond delay="0"/>
+                                  </p:stCondLst>
+                                  <p:childTnLst>
+                                    <p:set>
+                                      <p:cBhvr>
+                                        <p:cTn id="58" dur="1" fill="hold">
+                                          <p:stCondLst>
+                                            <p:cond delay="0"/>
+                                          </p:stCondLst>
+                                        </p:cTn>
+                                        <p:tgtEl>
+                                          <p:spTgt spid="33"/>
+                                        </p:tgtEl>
+                                        <p:attrNameLst>
+                                          <p:attrName>style.visibility</p:attrName>
+                                        </p:attrNameLst>
+                                      </p:cBhvr>
+                                      <p:to>
+                                        <p:strVal val="visible"/>
+                                      </p:to>
+                                    </p:set>
+                                  </p:childTnLst>
+                                </p:cTn>
+                              </p:par>
+                            </p:childTnLst>
+                          </p:cTn>
+                        </p:par>
+                      </p:childTnLst>
+                    </p:cTn>
+                  </p:par>
+                  <p:par>
+                    <p:cTn id="59" fill="hold">
+                      <p:stCondLst>
+                        <p:cond delay="indefinite"/>
+                      </p:stCondLst>
+                      <p:childTnLst>
+                        <p:par>
+                          <p:cTn id="60" fill="hold">
+                            <p:stCondLst>
+                              <p:cond delay="0"/>
+                            </p:stCondLst>
+                            <p:childTnLst>
+                              <p:par>
+                                <p:cTn id="61" presetID="1" presetClass="entr" presetSubtype="0" fill="hold" nodeType="clickEffect">
+                                  <p:stCondLst>
+                                    <p:cond delay="0"/>
+                                  </p:stCondLst>
+                                  <p:childTnLst>
+                                    <p:set>
+                                      <p:cBhvr>
+                                        <p:cTn id="62" dur="1" fill="hold">
+                                          <p:stCondLst>
+                                            <p:cond delay="0"/>
+                                          </p:stCondLst>
+                                        </p:cTn>
+                                        <p:tgtEl>
+                                          <p:spTgt spid="8"/>
+                                        </p:tgtEl>
+                                        <p:attrNameLst>
+                                          <p:attrName>style.visibility</p:attrName>
+                                        </p:attrNameLst>
+                                      </p:cBhvr>
+                                      <p:to>
+                                        <p:strVal val="visible"/>
+                                      </p:to>
+                                    </p:set>
+                                  </p:childTnLst>
+                                </p:cTn>
+                              </p:par>
+                            </p:childTnLst>
+                          </p:cTn>
+                        </p:par>
+                      </p:childTnLst>
+                    </p:cTn>
+                  </p:par>
+                  <p:par>
+                    <p:cTn id="63" fill="hold">
+                      <p:stCondLst>
+                        <p:cond delay="indefinite"/>
+                      </p:stCondLst>
+                      <p:childTnLst>
+                        <p:par>
+                          <p:cTn id="64" fill="hold">
+                            <p:stCondLst>
+                              <p:cond delay="0"/>
+                            </p:stCondLst>
+                            <p:childTnLst>
+                              <p:par>
+                                <p:cTn id="65" presetID="1" presetClass="entr" presetSubtype="0" fill="hold" grpId="0" nodeType="clickEffect">
+                                  <p:stCondLst>
+                                    <p:cond delay="0"/>
+                                  </p:stCondLst>
+                                  <p:childTnLst>
+                                    <p:set>
+                                      <p:cBhvr>
+                                        <p:cTn id="66" dur="1" fill="hold">
+                                          <p:stCondLst>
+                                            <p:cond delay="0"/>
+                                          </p:stCondLst>
+                                        </p:cTn>
+                                        <p:tgtEl>
+                                          <p:spTgt spid="20"/>
+                                        </p:tgtEl>
+                                        <p:attrNameLst>
+                                          <p:attrName>style.visibility</p:attrName>
+                                        </p:attrNameLst>
+                                      </p:cBhvr>
+                                      <p:to>
+                                        <p:strVal val="visible"/>
+                                      </p:to>
+                                    </p:set>
+                                  </p:childTnLst>
+                                </p:cTn>
+                              </p:par>
+                            </p:childTnLst>
+                          </p:cTn>
+                        </p:par>
+                      </p:childTnLst>
+                    </p:cTn>
+                  </p:par>
+                  <p:par>
+                    <p:cTn id="67" fill="hold">
+                      <p:stCondLst>
+                        <p:cond delay="indefinite"/>
+                      </p:stCondLst>
+                      <p:childTnLst>
+                        <p:par>
+                          <p:cTn id="68" fill="hold">
+                            <p:stCondLst>
+                              <p:cond delay="0"/>
+                            </p:stCondLst>
+                            <p:childTnLst>
+                              <p:par>
+                                <p:cTn id="69" presetID="1" presetClass="entr" presetSubtype="0" fill="hold" nodeType="clickEffect">
+                                  <p:stCondLst>
+                                    <p:cond delay="0"/>
+                                  </p:stCondLst>
+                                  <p:childTnLst>
+                                    <p:set>
+                                      <p:cBhvr>
+                                        <p:cTn id="70" dur="1" fill="hold">
+                                          <p:stCondLst>
+                                            <p:cond delay="0"/>
+                                          </p:stCondLst>
+                                        </p:cTn>
+                                        <p:tgtEl>
+                                          <p:spTgt spid="9"/>
+                                        </p:tgtEl>
+                                        <p:attrNameLst>
+                                          <p:attrName>style.visibility</p:attrName>
+                                        </p:attrNameLst>
+                                      </p:cBhvr>
+                                      <p:to>
+                                        <p:strVal val="visible"/>
+                                      </p:to>
+                                    </p:set>
+                                  </p:childTnLst>
+                                </p:cTn>
+                              </p:par>
+                              <p:par>
+                                <p:cTn id="71" presetID="1" presetClass="entr" presetSubtype="0" fill="hold" grpId="0" nodeType="withEffect">
+                                  <p:stCondLst>
+                                    <p:cond delay="0"/>
+                                  </p:stCondLst>
+                                  <p:childTnLst>
+                                    <p:set>
+                                      <p:cBhvr>
+                                        <p:cTn id="72" dur="1" fill="hold">
+                                          <p:stCondLst>
+                                            <p:cond delay="0"/>
+                                          </p:stCondLst>
+                                        </p:cTn>
+                                        <p:tgtEl>
+                                          <p:spTgt spid="29"/>
+                                        </p:tgtEl>
+                                        <p:attrNameLst>
+                                          <p:attrName>style.visibility</p:attrName>
+                                        </p:attrNameLst>
+                                      </p:cBhvr>
+                                      <p:to>
+                                        <p:strVal val="visible"/>
+                                      </p:to>
+                                    </p:set>
+                                  </p:childTnLst>
+                                </p:cTn>
+                              </p:par>
+                            </p:childTnLst>
+                          </p:cTn>
+                        </p:par>
+                      </p:childTnLst>
+                    </p:cTn>
+                  </p:par>
+                </p:childTnLst>
+              </p:cTn>
+              <p:prevCondLst>
+                <p:cond evt="onPrev" delay="0">
+                  <p:tgtEl>
+                    <p:sldTgt/>
+                  </p:tgtEl>
+                </p:cond>
+              </p:prevCondLst>
+              <p:nextCondLst>
+                <p:cond evt="onNext" delay="0">
+                  <p:tgtEl>
+                    <p:sldTgt/>
+                  </p:tgtEl>
+                </p:cond>
+              </p:nextCondLst>
+            </p:seq>
+          </p:childTnLst>
+        </p:cTn>
+      </p:par>
+    </p:tnLst>
+    <p:bldLst>
+      <p:bldP spid="11" grpId="0" animBg="1"/>
+      <p:bldP spid="17" grpId="0" animBg="1"/>
+      <p:bldP spid="20" grpId="0" animBg="1"/>
+      <p:bldP spid="25" grpId="0" animBg="1"/>
+      <p:bldP spid="26" grpId="0" animBg="1"/>
+      <p:bldP spid="27" grpId="0" animBg="1"/>
+      <p:bldP spid="28" grpId="0" animBg="1"/>
+      <p:bldP spid="29" grpId="0" animBg="1"/>
+      <p:bldP spid="30" grpId="0" animBg="1"/>
+      <p:bldP spid="31" grpId="0" animBg="1"/>
+      <p:bldP spid="32" grpId="0" animBg="1"/>
+      <p:bldP spid="33" grpId="0" animBg="1"/>
+    </p:bldLst>
+  </p:timing>
+</p:sld>
+</file>
+
+<file path=ppt/slides/slide42.xml><?xml version="1.0" encoding="utf-8"?>
 <p:sld xmlns:a="http://schemas.openxmlformats.org/drawingml/2006/main" xmlns:r="http://schemas.openxmlformats.org/officeDocument/2006/relationships" xmlns:p="http://schemas.openxmlformats.org/presentationml/2006/main" showMasterPhAnim="0">
   <p:cSld>
     <p:spTree>
@@ -18377,57 +22251,93 @@
           <a:lstStyle/>
           <a:p>
             <a:r>
-              <a:rPr lang="en-US" dirty="0" smtClean="0"/>
-              <a:t>Next Steps</a:t>
-            </a:r>
-            <a:endParaRPr lang="en-US" dirty="0"/>
-          </a:p>
-        </p:txBody>
-      </p:sp>
-      <p:pic>
-        <p:nvPicPr>
-          <p:cNvPr id="4" name="Content Placeholder 3"/>
-          <p:cNvPicPr>
-            <a:picLocks noGrp="1" noChangeAspect="1"/>
-          </p:cNvPicPr>
+              <a:rPr lang="en-US" dirty="0" smtClean="0">
+                <a:latin typeface="Cachet Pro Medium" panose="020B0606030504020203" pitchFamily="34" charset="0"/>
+              </a:rPr>
+              <a:t>The End</a:t>
+            </a:r>
+            <a:endParaRPr lang="en-US" dirty="0">
+              <a:latin typeface="Cachet Pro Medium" panose="020B0606030504020203" pitchFamily="34" charset="0"/>
+            </a:endParaRPr>
+          </a:p>
+        </p:txBody>
+      </p:sp>
+      <p:sp>
+        <p:nvSpPr>
+          <p:cNvPr id="3" name="Content Placeholder 2"/>
+          <p:cNvSpPr>
+            <a:spLocks noGrp="1"/>
+          </p:cNvSpPr>
           <p:nvPr>
             <p:ph idx="1"/>
           </p:nvPr>
-        </p:nvPicPr>
-        <p:blipFill>
-          <a:blip r:embed="rId3">
-            <a:extLst>
-              <a:ext uri="{28A0092B-C50C-407E-A947-70E740481C1C}">
-                <a14:useLocalDpi xmlns:a14="http://schemas.microsoft.com/office/drawing/2010/main" val="0"/>
-              </a:ext>
-            </a:extLst>
-          </a:blip>
-          <a:stretch>
-            <a:fillRect/>
-          </a:stretch>
-        </p:blipFill>
-        <p:spPr>
-          <a:xfrm>
-            <a:off x="299583" y="1953236"/>
-            <a:ext cx="8455025" cy="2422012"/>
-          </a:xfrm>
-        </p:spPr>
-      </p:pic>
+        </p:nvSpPr>
+        <p:spPr/>
+        <p:txBody>
+          <a:bodyPr/>
+          <a:lstStyle/>
+          <a:p>
+            <a:r>
+              <a:rPr lang="en-US" sz="2800" b="0" dirty="0" smtClean="0">
+                <a:latin typeface="Cachet Pro Book" panose="020B0506030504020203" pitchFamily="34" charset="0"/>
+              </a:rPr>
+              <a:t>Questions?</a:t>
+            </a:r>
+          </a:p>
+          <a:p>
+            <a:r>
+              <a:rPr lang="en-US" sz="2800" b="0" dirty="0" smtClean="0">
+                <a:latin typeface="Cachet Pro Book" panose="020B0506030504020203" pitchFamily="34" charset="0"/>
+              </a:rPr>
+              <a:t>More information: </a:t>
+            </a:r>
+            <a:r>
+              <a:rPr lang="en-GB" sz="2800" b="0" dirty="0">
+                <a:latin typeface="Cachet Pro Book" pitchFamily="34" charset="0"/>
+              </a:rPr>
+              <a:t>www.red-gate.com/CI</a:t>
+            </a:r>
+            <a:endParaRPr lang="en-US" sz="2800" b="0" dirty="0" smtClean="0">
+              <a:latin typeface="Cachet Pro Book" panose="020B0506030504020203" pitchFamily="34" charset="0"/>
+            </a:endParaRPr>
+          </a:p>
+          <a:p>
+            <a:r>
+              <a:rPr lang="en-US" sz="2800" b="0" dirty="0" smtClean="0">
+                <a:latin typeface="Cachet Pro Book" panose="020B0506030504020203" pitchFamily="34" charset="0"/>
+              </a:rPr>
+              <a:t>Please fill out your feedback forms</a:t>
+            </a:r>
+          </a:p>
+          <a:p>
+            <a:r>
+              <a:rPr lang="en-US" sz="2800" b="0" dirty="0" smtClean="0">
+                <a:latin typeface="Cachet Pro Book" panose="020B0506030504020203" pitchFamily="34" charset="0"/>
+                <a:hlinkClick r:id="rId2"/>
+              </a:rPr>
+              <a:t>www.voiceofthedba.com/talks</a:t>
+            </a:r>
+            <a:endParaRPr lang="en-US" sz="2800" b="0" dirty="0" smtClean="0">
+              <a:latin typeface="Cachet Pro Book" panose="020B0506030504020203" pitchFamily="34" charset="0"/>
+            </a:endParaRPr>
+          </a:p>
+        </p:txBody>
+      </p:sp>
     </p:spTree>
     <p:extLst>
       <p:ext uri="{BB962C8B-B14F-4D97-AF65-F5344CB8AC3E}">
-        <p14:creationId xmlns:p14="http://schemas.microsoft.com/office/powerpoint/2010/main" val="2094552453"/>
+        <p14:creationId xmlns:p14="http://schemas.microsoft.com/office/powerpoint/2010/main" val="2485010102"/>
       </p:ext>
     </p:extLst>
   </p:cSld>
   <p:clrMapOvr>
     <a:masterClrMapping/>
   </p:clrMapOvr>
-  <mc:AlternateContent xmlns:mc="http://schemas.openxmlformats.org/markup-compatibility/2006">
-    <mc:Choice xmlns:p14="http://schemas.microsoft.com/office/powerpoint/2010/main" Requires="p14">
+  <mc:AlternateContent xmlns:mc="http://schemas.openxmlformats.org/markup-compatibility/2006" xmlns:p14="http://schemas.microsoft.com/office/powerpoint/2010/main">
+    <mc:Choice Requires="p14">
       <p:transition spd="slow" p14:dur="2000"/>
     </mc:Choice>
-    <mc:Fallback>
+    <mc:Fallback xmlns="">
       <p:transition spd="slow"/>
     </mc:Fallback>
   </mc:AlternateContent>
@@ -18441,140 +22351,7 @@
 </p:sld>
 </file>
 
-<file path=ppt/slides/slide36.xml><?xml version="1.0" encoding="utf-8"?>
-<p:sld xmlns:a="http://schemas.openxmlformats.org/drawingml/2006/main" xmlns:r="http://schemas.openxmlformats.org/officeDocument/2006/relationships" xmlns:p="http://schemas.openxmlformats.org/presentationml/2006/main" showMasterPhAnim="0">
-  <p:cSld>
-    <p:spTree>
-      <p:nvGrpSpPr>
-        <p:cNvPr id="1" name=""/>
-        <p:cNvGrpSpPr/>
-        <p:nvPr/>
-      </p:nvGrpSpPr>
-      <p:grpSpPr>
-        <a:xfrm>
-          <a:off x="0" y="0"/>
-          <a:ext cx="0" cy="0"/>
-          <a:chOff x="0" y="0"/>
-          <a:chExt cx="0" cy="0"/>
-        </a:xfrm>
-      </p:grpSpPr>
-      <p:sp>
-        <p:nvSpPr>
-          <p:cNvPr id="2" name="Title 1"/>
-          <p:cNvSpPr>
-            <a:spLocks noGrp="1"/>
-          </p:cNvSpPr>
-          <p:nvPr>
-            <p:ph type="title"/>
-          </p:nvPr>
-        </p:nvSpPr>
-        <p:spPr/>
-        <p:txBody>
-          <a:bodyPr/>
-          <a:lstStyle/>
-          <a:p>
-            <a:r>
-              <a:rPr lang="en-US" dirty="0" smtClean="0">
-                <a:latin typeface="Cachet Pro Medium" panose="020B0606030504020203" pitchFamily="34" charset="0"/>
-              </a:rPr>
-              <a:t>The End</a:t>
-            </a:r>
-            <a:endParaRPr lang="en-US" dirty="0">
-              <a:latin typeface="Cachet Pro Medium" panose="020B0606030504020203" pitchFamily="34" charset="0"/>
-            </a:endParaRPr>
-          </a:p>
-        </p:txBody>
-      </p:sp>
-      <p:sp>
-        <p:nvSpPr>
-          <p:cNvPr id="3" name="Content Placeholder 2"/>
-          <p:cNvSpPr>
-            <a:spLocks noGrp="1"/>
-          </p:cNvSpPr>
-          <p:nvPr>
-            <p:ph idx="1"/>
-          </p:nvPr>
-        </p:nvSpPr>
-        <p:spPr/>
-        <p:txBody>
-          <a:bodyPr/>
-          <a:lstStyle/>
-          <a:p>
-            <a:r>
-              <a:rPr lang="en-US" sz="2800" b="0" dirty="0" smtClean="0">
-                <a:latin typeface="Cachet Pro Book" panose="020B0506030504020203" pitchFamily="34" charset="0"/>
-              </a:rPr>
-              <a:t>Questions?</a:t>
-            </a:r>
-          </a:p>
-          <a:p>
-            <a:r>
-              <a:rPr lang="en-US" sz="2800" b="0" dirty="0" smtClean="0">
-                <a:latin typeface="Cachet Pro Book" panose="020B0506030504020203" pitchFamily="34" charset="0"/>
-              </a:rPr>
-              <a:t>More information: </a:t>
-            </a:r>
-            <a:r>
-              <a:rPr lang="en-GB" sz="2800" b="0" dirty="0">
-                <a:latin typeface="Cachet Pro Book" pitchFamily="34" charset="0"/>
-              </a:rPr>
-              <a:t>www.red-gate.com/CI</a:t>
-            </a:r>
-            <a:endParaRPr lang="en-US" sz="2800" b="0" dirty="0" smtClean="0">
-              <a:latin typeface="Cachet Pro Book" panose="020B0506030504020203" pitchFamily="34" charset="0"/>
-            </a:endParaRPr>
-          </a:p>
-          <a:p>
-            <a:r>
-              <a:rPr lang="en-US" sz="2800" b="0" dirty="0" smtClean="0">
-                <a:latin typeface="Cachet Pro Book" panose="020B0506030504020203" pitchFamily="34" charset="0"/>
-              </a:rPr>
-              <a:t>Please fill out your feedback forms</a:t>
-            </a:r>
-          </a:p>
-          <a:p>
-            <a:r>
-              <a:rPr lang="en-US" sz="2800" b="0" dirty="0" smtClean="0">
-                <a:latin typeface="Cachet Pro Book" panose="020B0506030504020203" pitchFamily="34" charset="0"/>
-                <a:hlinkClick r:id="rId2"/>
-              </a:rPr>
-              <a:t>www.voiceofthedba.com/talks</a:t>
-            </a:r>
-            <a:endParaRPr lang="en-US" sz="2800" b="0" dirty="0" smtClean="0">
-              <a:latin typeface="Cachet Pro Book" panose="020B0506030504020203" pitchFamily="34" charset="0"/>
-            </a:endParaRPr>
-          </a:p>
-        </p:txBody>
-      </p:sp>
-    </p:spTree>
-    <p:extLst>
-      <p:ext uri="{BB962C8B-B14F-4D97-AF65-F5344CB8AC3E}">
-        <p14:creationId xmlns:p14="http://schemas.microsoft.com/office/powerpoint/2010/main" val="2485010102"/>
-      </p:ext>
-    </p:extLst>
-  </p:cSld>
-  <p:clrMapOvr>
-    <a:masterClrMapping/>
-  </p:clrMapOvr>
-  <mc:AlternateContent xmlns:mc="http://schemas.openxmlformats.org/markup-compatibility/2006">
-    <mc:Choice xmlns:p14="http://schemas.microsoft.com/office/powerpoint/2010/main" Requires="p14">
-      <p:transition spd="slow" p14:dur="2000"/>
-    </mc:Choice>
-    <mc:Fallback>
-      <p:transition spd="slow"/>
-    </mc:Fallback>
-  </mc:AlternateContent>
-  <p:timing>
-    <p:tnLst>
-      <p:par>
-        <p:cTn id="1" dur="indefinite" restart="never" nodeType="tmRoot"/>
-      </p:par>
-    </p:tnLst>
-  </p:timing>
-</p:sld>
-</file>
-
-<file path=ppt/slides/slide37.xml><?xml version="1.0" encoding="utf-8"?>
+<file path=ppt/slides/slide43.xml><?xml version="1.0" encoding="utf-8"?>
 <p:sld xmlns:a="http://schemas.openxmlformats.org/drawingml/2006/main" xmlns:r="http://schemas.openxmlformats.org/officeDocument/2006/relationships" xmlns:p="http://schemas.openxmlformats.org/presentationml/2006/main">
   <p:cSld>
     <p:spTree>
@@ -18724,7 +22501,7 @@
 </p:sld>
 </file>
 
-<file path=ppt/slides/slide4.xml><?xml version="1.0" encoding="utf-8"?>
+<file path=ppt/slides/slide5.xml><?xml version="1.0" encoding="utf-8"?>
 <p:sld xmlns:a="http://schemas.openxmlformats.org/drawingml/2006/main" xmlns:r="http://schemas.openxmlformats.org/officeDocument/2006/relationships" xmlns:p="http://schemas.openxmlformats.org/presentationml/2006/main">
   <p:cSld>
     <p:spTree>
@@ -19059,11 +22836,11 @@
   <p:clrMapOvr>
     <a:masterClrMapping/>
   </p:clrMapOvr>
-  <mc:AlternateContent xmlns:mc="http://schemas.openxmlformats.org/markup-compatibility/2006">
-    <mc:Choice xmlns:p14="http://schemas.microsoft.com/office/powerpoint/2010/main" Requires="p14">
+  <mc:AlternateContent xmlns:mc="http://schemas.openxmlformats.org/markup-compatibility/2006" xmlns:p14="http://schemas.microsoft.com/office/powerpoint/2010/main">
+    <mc:Choice Requires="p14">
       <p:transition spd="slow" p14:dur="2000"/>
     </mc:Choice>
-    <mc:Fallback>
+    <mc:Fallback xmlns="">
       <p:transition spd="slow"/>
     </mc:Fallback>
   </mc:AlternateContent>
@@ -19195,7 +22972,7 @@
 </p:sld>
 </file>
 
-<file path=ppt/slides/slide5.xml><?xml version="1.0" encoding="utf-8"?>
+<file path=ppt/slides/slide6.xml><?xml version="1.0" encoding="utf-8"?>
 <p:sld xmlns:a="http://schemas.openxmlformats.org/drawingml/2006/main" xmlns:r="http://schemas.openxmlformats.org/officeDocument/2006/relationships" xmlns:p="http://schemas.openxmlformats.org/presentationml/2006/main">
   <p:cSld>
     <p:spTree>
@@ -19651,11 +23428,11 @@
   <p:clrMapOvr>
     <a:masterClrMapping/>
   </p:clrMapOvr>
-  <mc:AlternateContent xmlns:mc="http://schemas.openxmlformats.org/markup-compatibility/2006">
-    <mc:Choice xmlns:p14="http://schemas.microsoft.com/office/powerpoint/2010/main" Requires="p14">
+  <mc:AlternateContent xmlns:mc="http://schemas.openxmlformats.org/markup-compatibility/2006" xmlns:p14="http://schemas.microsoft.com/office/powerpoint/2010/main">
+    <mc:Choice Requires="p14">
       <p:transition spd="slow" p14:dur="2000"/>
     </mc:Choice>
-    <mc:Fallback>
+    <mc:Fallback xmlns="">
       <p:transition spd="slow"/>
     </mc:Fallback>
   </mc:AlternateContent>
@@ -19855,7 +23632,1967 @@
 </p:sld>
 </file>
 
-<file path=ppt/slides/slide6.xml><?xml version="1.0" encoding="utf-8"?>
+<file path=ppt/slides/slide7.xml><?xml version="1.0" encoding="utf-8"?>
+<p:sld xmlns:a="http://schemas.openxmlformats.org/drawingml/2006/main" xmlns:r="http://schemas.openxmlformats.org/officeDocument/2006/relationships" xmlns:p="http://schemas.openxmlformats.org/presentationml/2006/main">
+  <p:cSld>
+    <p:spTree>
+      <p:nvGrpSpPr>
+        <p:cNvPr id="1" name=""/>
+        <p:cNvGrpSpPr/>
+        <p:nvPr/>
+      </p:nvGrpSpPr>
+      <p:grpSpPr>
+        <a:xfrm>
+          <a:off x="0" y="0"/>
+          <a:ext cx="0" cy="0"/>
+          <a:chOff x="0" y="0"/>
+          <a:chExt cx="0" cy="0"/>
+        </a:xfrm>
+      </p:grpSpPr>
+      <p:pic>
+        <p:nvPicPr>
+          <p:cNvPr id="4" name="Picture 3"/>
+          <p:cNvPicPr>
+            <a:picLocks noChangeAspect="1"/>
+          </p:cNvPicPr>
+          <p:nvPr/>
+        </p:nvPicPr>
+        <p:blipFill>
+          <a:blip r:embed="rId2"/>
+          <a:stretch>
+            <a:fillRect/>
+          </a:stretch>
+        </p:blipFill>
+        <p:spPr>
+          <a:xfrm>
+            <a:off x="2214432" y="1606490"/>
+            <a:ext cx="4032251" cy="4293652"/>
+          </a:xfrm>
+          <a:prstGeom prst="rect">
+            <a:avLst/>
+          </a:prstGeom>
+        </p:spPr>
+      </p:pic>
+      <p:pic>
+        <p:nvPicPr>
+          <p:cNvPr id="5" name="Picture 4"/>
+          <p:cNvPicPr>
+            <a:picLocks noChangeAspect="1"/>
+          </p:cNvPicPr>
+          <p:nvPr/>
+        </p:nvPicPr>
+        <p:blipFill>
+          <a:blip r:embed="rId3"/>
+          <a:stretch>
+            <a:fillRect/>
+          </a:stretch>
+        </p:blipFill>
+        <p:spPr>
+          <a:xfrm>
+            <a:off x="6405832" y="3643972"/>
+            <a:ext cx="915607" cy="658342"/>
+          </a:xfrm>
+          <a:prstGeom prst="rect">
+            <a:avLst/>
+          </a:prstGeom>
+        </p:spPr>
+      </p:pic>
+      <p:sp>
+        <p:nvSpPr>
+          <p:cNvPr id="7" name="Title 1"/>
+          <p:cNvSpPr txBox="1">
+            <a:spLocks/>
+          </p:cNvSpPr>
+          <p:nvPr/>
+        </p:nvSpPr>
+        <p:spPr>
+          <a:xfrm>
+            <a:off x="162431" y="205979"/>
+            <a:ext cx="6458375" cy="857250"/>
+          </a:xfrm>
+          <a:prstGeom prst="rect">
+            <a:avLst/>
+          </a:prstGeom>
+        </p:spPr>
+        <p:txBody>
+          <a:bodyPr vert="horz" lIns="91440" tIns="45720" rIns="91440" bIns="45720" rtlCol="0" anchor="ctr">
+            <a:normAutofit fontScale="85000" lnSpcReduction="20000"/>
+          </a:bodyPr>
+          <a:lstStyle>
+            <a:lvl1pPr algn="l" defTabSz="457200" rtl="0" eaLnBrk="1" latinLnBrk="0" hangingPunct="1">
+              <a:spcBef>
+                <a:spcPct val="0"/>
+              </a:spcBef>
+              <a:buNone/>
+              <a:defRPr sz="3400" b="1" kern="1200">
+                <a:solidFill>
+                  <a:schemeClr val="tx1"/>
+                </a:solidFill>
+                <a:latin typeface="Arial" pitchFamily="34" charset="0"/>
+                <a:ea typeface="+mj-ea"/>
+                <a:cs typeface="+mj-cs"/>
+              </a:defRPr>
+            </a:lvl1pPr>
+          </a:lstStyle>
+          <a:p>
+            <a:pPr marL="0" marR="0" lvl="0" indent="0" algn="l" defTabSz="457200" rtl="0" eaLnBrk="1" fontAlgn="auto" latinLnBrk="0" hangingPunct="1">
+              <a:lnSpc>
+                <a:spcPct val="100000"/>
+              </a:lnSpc>
+              <a:spcBef>
+                <a:spcPct val="0"/>
+              </a:spcBef>
+              <a:spcAft>
+                <a:spcPts val="0"/>
+              </a:spcAft>
+              <a:buClrTx/>
+              <a:buSzTx/>
+              <a:buFontTx/>
+              <a:buNone/>
+              <a:tabLst/>
+              <a:defRPr/>
+            </a:pPr>
+            <a:r>
+              <a:rPr kumimoji="0" lang="en-US" sz="3600" b="1" i="0" u="none" strike="noStrike" kern="1200" cap="none" spc="0" normalizeH="0" baseline="0" noProof="0" dirty="0" smtClean="0">
+                <a:ln>
+                  <a:noFill/>
+                </a:ln>
+                <a:solidFill>
+                  <a:sysClr val="windowText" lastClr="000000"/>
+                </a:solidFill>
+                <a:effectLst/>
+                <a:uLnTx/>
+                <a:uFillTx/>
+                <a:latin typeface="Arial" pitchFamily="34" charset="0"/>
+                <a:ea typeface="+mj-ea"/>
+                <a:cs typeface="+mj-cs"/>
+              </a:rPr>
+              <a:t>Continuous delivery</a:t>
+            </a:r>
+            <a:r>
+              <a:rPr kumimoji="0" lang="en-US" sz="3600" b="1" i="0" u="none" strike="noStrike" kern="1200" cap="none" spc="0" normalizeH="0" noProof="0" dirty="0" smtClean="0">
+                <a:ln>
+                  <a:noFill/>
+                </a:ln>
+                <a:solidFill>
+                  <a:sysClr val="windowText" lastClr="000000"/>
+                </a:solidFill>
+                <a:effectLst/>
+                <a:uLnTx/>
+                <a:uFillTx/>
+                <a:latin typeface="Arial" pitchFamily="34" charset="0"/>
+                <a:ea typeface="+mj-ea"/>
+                <a:cs typeface="+mj-cs"/>
+              </a:rPr>
+              <a:t> – an overview</a:t>
+            </a:r>
+            <a:endParaRPr kumimoji="0" lang="en-US" sz="3600" b="1" i="0" u="none" strike="noStrike" kern="1200" cap="none" spc="0" normalizeH="0" baseline="0" noProof="0" dirty="0">
+              <a:ln>
+                <a:noFill/>
+              </a:ln>
+              <a:solidFill>
+                <a:sysClr val="windowText" lastClr="000000"/>
+              </a:solidFill>
+              <a:effectLst/>
+              <a:uLnTx/>
+              <a:uFillTx/>
+              <a:latin typeface="Arial" pitchFamily="34" charset="0"/>
+              <a:ea typeface="+mj-ea"/>
+              <a:cs typeface="+mj-cs"/>
+            </a:endParaRPr>
+          </a:p>
+        </p:txBody>
+      </p:sp>
+      <p:sp>
+        <p:nvSpPr>
+          <p:cNvPr id="2" name="Rounded Rectangle 1"/>
+          <p:cNvSpPr/>
+          <p:nvPr/>
+        </p:nvSpPr>
+        <p:spPr>
+          <a:xfrm>
+            <a:off x="3486150" y="3962400"/>
+            <a:ext cx="1371600" cy="2514600"/>
+          </a:xfrm>
+          <a:prstGeom prst="roundRect">
+            <a:avLst/>
+          </a:prstGeom>
+          <a:noFill/>
+          <a:ln w="38100"/>
+        </p:spPr>
+        <p:style>
+          <a:lnRef idx="2">
+            <a:schemeClr val="accent1">
+              <a:shade val="50000"/>
+            </a:schemeClr>
+          </a:lnRef>
+          <a:fillRef idx="1">
+            <a:schemeClr val="accent1"/>
+          </a:fillRef>
+          <a:effectRef idx="0">
+            <a:schemeClr val="accent1"/>
+          </a:effectRef>
+          <a:fontRef idx="minor">
+            <a:schemeClr val="lt1"/>
+          </a:fontRef>
+        </p:style>
+        <p:txBody>
+          <a:bodyPr rtlCol="0" anchor="ctr"/>
+          <a:lstStyle/>
+          <a:p>
+            <a:pPr algn="ctr"/>
+            <a:endParaRPr lang="en-GB"/>
+          </a:p>
+        </p:txBody>
+      </p:sp>
+    </p:spTree>
+    <p:extLst>
+      <p:ext uri="{BB962C8B-B14F-4D97-AF65-F5344CB8AC3E}">
+        <p14:creationId xmlns:p14="http://schemas.microsoft.com/office/powerpoint/2010/main" val="74384098"/>
+      </p:ext>
+    </p:extLst>
+  </p:cSld>
+  <p:clrMapOvr>
+    <a:masterClrMapping/>
+  </p:clrMapOvr>
+  <mc:AlternateContent xmlns:mc="http://schemas.openxmlformats.org/markup-compatibility/2006" xmlns:p14="http://schemas.microsoft.com/office/powerpoint/2010/main">
+    <mc:Choice Requires="p14">
+      <p:transition spd="slow" p14:dur="2000"/>
+    </mc:Choice>
+    <mc:Fallback xmlns="">
+      <p:transition spd="slow"/>
+    </mc:Fallback>
+  </mc:AlternateContent>
+  <p:timing>
+    <p:tnLst>
+      <p:par>
+        <p:cTn id="1" dur="indefinite" restart="never" nodeType="tmRoot"/>
+      </p:par>
+    </p:tnLst>
+  </p:timing>
+</p:sld>
+</file>
+
+<file path=ppt/slides/slide8.xml><?xml version="1.0" encoding="utf-8"?>
+<p:sld xmlns:a="http://schemas.openxmlformats.org/drawingml/2006/main" xmlns:r="http://schemas.openxmlformats.org/officeDocument/2006/relationships" xmlns:p="http://schemas.openxmlformats.org/presentationml/2006/main">
+  <p:cSld>
+    <p:spTree>
+      <p:nvGrpSpPr>
+        <p:cNvPr id="1" name=""/>
+        <p:cNvGrpSpPr/>
+        <p:nvPr/>
+      </p:nvGrpSpPr>
+      <p:grpSpPr>
+        <a:xfrm>
+          <a:off x="0" y="0"/>
+          <a:ext cx="0" cy="0"/>
+          <a:chOff x="0" y="0"/>
+          <a:chExt cx="0" cy="0"/>
+        </a:xfrm>
+      </p:grpSpPr>
+      <p:sp>
+        <p:nvSpPr>
+          <p:cNvPr id="7" name="Title 1"/>
+          <p:cNvSpPr txBox="1">
+            <a:spLocks/>
+          </p:cNvSpPr>
+          <p:nvPr/>
+        </p:nvSpPr>
+        <p:spPr>
+          <a:xfrm>
+            <a:off x="202772" y="138744"/>
+            <a:ext cx="6458375" cy="857250"/>
+          </a:xfrm>
+          <a:prstGeom prst="rect">
+            <a:avLst/>
+          </a:prstGeom>
+        </p:spPr>
+        <p:txBody>
+          <a:bodyPr vert="horz" lIns="91440" tIns="45720" rIns="91440" bIns="45720" rtlCol="0" anchor="ctr">
+            <a:normAutofit/>
+          </a:bodyPr>
+          <a:lstStyle>
+            <a:lvl1pPr algn="l" defTabSz="457200" rtl="0" eaLnBrk="1" latinLnBrk="0" hangingPunct="1">
+              <a:spcBef>
+                <a:spcPct val="0"/>
+              </a:spcBef>
+              <a:buNone/>
+              <a:defRPr sz="3400" b="1" kern="1200">
+                <a:solidFill>
+                  <a:schemeClr val="tx1"/>
+                </a:solidFill>
+                <a:latin typeface="Arial" pitchFamily="34" charset="0"/>
+                <a:ea typeface="+mj-ea"/>
+                <a:cs typeface="+mj-cs"/>
+              </a:defRPr>
+            </a:lvl1pPr>
+          </a:lstStyle>
+          <a:p>
+            <a:pPr marL="0" marR="0" lvl="0" indent="0" algn="l" defTabSz="457200" rtl="0" eaLnBrk="1" fontAlgn="auto" latinLnBrk="0" hangingPunct="1">
+              <a:lnSpc>
+                <a:spcPct val="100000"/>
+              </a:lnSpc>
+              <a:spcBef>
+                <a:spcPct val="0"/>
+              </a:spcBef>
+              <a:spcAft>
+                <a:spcPts val="0"/>
+              </a:spcAft>
+              <a:buClrTx/>
+              <a:buSzTx/>
+              <a:buFontTx/>
+              <a:buNone/>
+              <a:tabLst/>
+              <a:defRPr/>
+            </a:pPr>
+            <a:r>
+              <a:rPr kumimoji="0" lang="en-US" sz="3600" b="1" i="0" u="none" strike="noStrike" kern="1200" cap="none" spc="0" normalizeH="0" baseline="0" noProof="0" dirty="0" smtClean="0">
+                <a:ln>
+                  <a:noFill/>
+                </a:ln>
+                <a:solidFill>
+                  <a:sysClr val="windowText" lastClr="000000"/>
+                </a:solidFill>
+                <a:effectLst/>
+                <a:uLnTx/>
+                <a:uFillTx/>
+                <a:latin typeface="Arial" pitchFamily="34" charset="0"/>
+                <a:ea typeface="+mj-ea"/>
+                <a:cs typeface="+mj-cs"/>
+              </a:rPr>
+              <a:t>Continuous delivery</a:t>
+            </a:r>
+            <a:endParaRPr kumimoji="0" lang="en-US" sz="3600" b="1" i="0" u="none" strike="noStrike" kern="1200" cap="none" spc="0" normalizeH="0" baseline="0" noProof="0" dirty="0">
+              <a:ln>
+                <a:noFill/>
+              </a:ln>
+              <a:solidFill>
+                <a:sysClr val="windowText" lastClr="000000"/>
+              </a:solidFill>
+              <a:effectLst/>
+              <a:uLnTx/>
+              <a:uFillTx/>
+              <a:latin typeface="Arial" pitchFamily="34" charset="0"/>
+              <a:ea typeface="+mj-ea"/>
+              <a:cs typeface="+mj-cs"/>
+            </a:endParaRPr>
+          </a:p>
+        </p:txBody>
+      </p:sp>
+      <p:pic>
+        <p:nvPicPr>
+          <p:cNvPr id="2" name="Picture 1"/>
+          <p:cNvPicPr>
+            <a:picLocks noChangeAspect="1"/>
+          </p:cNvPicPr>
+          <p:nvPr/>
+        </p:nvPicPr>
+        <p:blipFill rotWithShape="1">
+          <a:blip r:embed="rId2"/>
+          <a:srcRect b="8987"/>
+          <a:stretch/>
+        </p:blipFill>
+        <p:spPr>
+          <a:xfrm>
+            <a:off x="1199848" y="1067492"/>
+            <a:ext cx="3049997" cy="2616195"/>
+          </a:xfrm>
+          <a:prstGeom prst="rect">
+            <a:avLst/>
+          </a:prstGeom>
+        </p:spPr>
+      </p:pic>
+      <p:pic>
+        <p:nvPicPr>
+          <p:cNvPr id="3" name="Picture 2"/>
+          <p:cNvPicPr>
+            <a:picLocks noChangeAspect="1"/>
+          </p:cNvPicPr>
+          <p:nvPr/>
+        </p:nvPicPr>
+        <p:blipFill rotWithShape="1">
+          <a:blip r:embed="rId3"/>
+          <a:srcRect t="26911" b="8272"/>
+          <a:stretch/>
+        </p:blipFill>
+        <p:spPr>
+          <a:xfrm>
+            <a:off x="6048634" y="1275347"/>
+            <a:ext cx="2948849" cy="1977007"/>
+          </a:xfrm>
+          <a:prstGeom prst="rect">
+            <a:avLst/>
+          </a:prstGeom>
+        </p:spPr>
+      </p:pic>
+      <p:pic>
+        <p:nvPicPr>
+          <p:cNvPr id="6" name="Picture 5"/>
+          <p:cNvPicPr>
+            <a:picLocks noChangeAspect="1"/>
+          </p:cNvPicPr>
+          <p:nvPr/>
+        </p:nvPicPr>
+        <p:blipFill rotWithShape="1">
+          <a:blip r:embed="rId4"/>
+          <a:srcRect b="10010"/>
+          <a:stretch/>
+        </p:blipFill>
+        <p:spPr>
+          <a:xfrm>
+            <a:off x="385206" y="4447725"/>
+            <a:ext cx="2893351" cy="2254868"/>
+          </a:xfrm>
+          <a:prstGeom prst="rect">
+            <a:avLst/>
+          </a:prstGeom>
+        </p:spPr>
+      </p:pic>
+      <p:pic>
+        <p:nvPicPr>
+          <p:cNvPr id="8" name="Picture 7"/>
+          <p:cNvPicPr>
+            <a:picLocks noChangeAspect="1"/>
+          </p:cNvPicPr>
+          <p:nvPr/>
+        </p:nvPicPr>
+        <p:blipFill rotWithShape="1">
+          <a:blip r:embed="rId5"/>
+          <a:srcRect b="11348"/>
+          <a:stretch/>
+        </p:blipFill>
+        <p:spPr>
+          <a:xfrm>
+            <a:off x="4009746" y="4467323"/>
+            <a:ext cx="2855674" cy="2235271"/>
+          </a:xfrm>
+          <a:prstGeom prst="rect">
+            <a:avLst/>
+          </a:prstGeom>
+        </p:spPr>
+      </p:pic>
+      <p:pic>
+        <p:nvPicPr>
+          <p:cNvPr id="9" name="Picture 8"/>
+          <p:cNvPicPr>
+            <a:picLocks noChangeAspect="1"/>
+          </p:cNvPicPr>
+          <p:nvPr/>
+        </p:nvPicPr>
+        <p:blipFill>
+          <a:blip r:embed="rId6"/>
+          <a:stretch>
+            <a:fillRect/>
+          </a:stretch>
+        </p:blipFill>
+        <p:spPr>
+          <a:xfrm>
+            <a:off x="8072492" y="4968191"/>
+            <a:ext cx="646165" cy="1373303"/>
+          </a:xfrm>
+          <a:prstGeom prst="rect">
+            <a:avLst/>
+          </a:prstGeom>
+        </p:spPr>
+      </p:pic>
+      <p:pic>
+        <p:nvPicPr>
+          <p:cNvPr id="10" name="Picture 9"/>
+          <p:cNvPicPr>
+            <a:picLocks noChangeAspect="1"/>
+          </p:cNvPicPr>
+          <p:nvPr/>
+        </p:nvPicPr>
+        <p:blipFill>
+          <a:blip r:embed="rId7"/>
+          <a:stretch>
+            <a:fillRect/>
+          </a:stretch>
+        </p:blipFill>
+        <p:spPr>
+          <a:xfrm>
+            <a:off x="4390983" y="2739028"/>
+            <a:ext cx="1575385" cy="513327"/>
+          </a:xfrm>
+          <a:prstGeom prst="rect">
+            <a:avLst/>
+          </a:prstGeom>
+        </p:spPr>
+      </p:pic>
+      <p:sp>
+        <p:nvSpPr>
+          <p:cNvPr id="11" name="Rounded Rectangle 10"/>
+          <p:cNvSpPr/>
+          <p:nvPr/>
+        </p:nvSpPr>
+        <p:spPr>
+          <a:xfrm>
+            <a:off x="157808" y="2176747"/>
+            <a:ext cx="852999" cy="449007"/>
+          </a:xfrm>
+          <a:prstGeom prst="roundRect">
+            <a:avLst/>
+          </a:prstGeom>
+          <a:solidFill>
+            <a:srgbClr val="C00000"/>
+          </a:solidFill>
+          <a:ln>
+            <a:noFill/>
+          </a:ln>
+        </p:spPr>
+        <p:style>
+          <a:lnRef idx="2">
+            <a:schemeClr val="accent1">
+              <a:shade val="50000"/>
+            </a:schemeClr>
+          </a:lnRef>
+          <a:fillRef idx="1">
+            <a:schemeClr val="accent1"/>
+          </a:fillRef>
+          <a:effectRef idx="0">
+            <a:schemeClr val="accent1"/>
+          </a:effectRef>
+          <a:fontRef idx="minor">
+            <a:schemeClr val="lt1"/>
+          </a:fontRef>
+        </p:style>
+        <p:txBody>
+          <a:bodyPr rtlCol="0" anchor="ctr"/>
+          <a:lstStyle/>
+          <a:p>
+            <a:pPr algn="ctr"/>
+            <a:r>
+              <a:rPr lang="en-GB" sz="1600" b="1" dirty="0" smtClean="0"/>
+              <a:t>START</a:t>
+            </a:r>
+            <a:endParaRPr lang="en-GB" sz="1600" b="1" dirty="0"/>
+          </a:p>
+        </p:txBody>
+      </p:sp>
+      <p:sp>
+        <p:nvSpPr>
+          <p:cNvPr id="17" name="Bent Arrow 16"/>
+          <p:cNvSpPr/>
+          <p:nvPr/>
+        </p:nvSpPr>
+        <p:spPr>
+          <a:xfrm rot="5400000" flipH="1">
+            <a:off x="3875576" y="2434000"/>
+            <a:ext cx="274066" cy="2063262"/>
+          </a:xfrm>
+          <a:prstGeom prst="bentArrow">
+            <a:avLst/>
+          </a:prstGeom>
+          <a:solidFill>
+            <a:schemeClr val="tx1"/>
+          </a:solidFill>
+          <a:ln>
+            <a:noFill/>
+          </a:ln>
+        </p:spPr>
+        <p:style>
+          <a:lnRef idx="2">
+            <a:schemeClr val="accent1">
+              <a:shade val="50000"/>
+            </a:schemeClr>
+          </a:lnRef>
+          <a:fillRef idx="1">
+            <a:schemeClr val="accent1"/>
+          </a:fillRef>
+          <a:effectRef idx="0">
+            <a:schemeClr val="accent1"/>
+          </a:effectRef>
+          <a:fontRef idx="minor">
+            <a:schemeClr val="lt1"/>
+          </a:fontRef>
+        </p:style>
+        <p:txBody>
+          <a:bodyPr rtlCol="0" anchor="ctr"/>
+          <a:lstStyle/>
+          <a:p>
+            <a:pPr algn="ctr"/>
+            <a:endParaRPr lang="en-GB">
+              <a:solidFill>
+                <a:schemeClr val="tx1"/>
+              </a:solidFill>
+            </a:endParaRPr>
+          </a:p>
+        </p:txBody>
+      </p:sp>
+      <p:pic>
+        <p:nvPicPr>
+          <p:cNvPr id="19" name="Picture 18"/>
+          <p:cNvPicPr>
+            <a:picLocks noChangeAspect="1"/>
+          </p:cNvPicPr>
+          <p:nvPr/>
+        </p:nvPicPr>
+        <p:blipFill>
+          <a:blip r:embed="rId8"/>
+          <a:stretch>
+            <a:fillRect/>
+          </a:stretch>
+        </p:blipFill>
+        <p:spPr>
+          <a:xfrm>
+            <a:off x="5947675" y="2870142"/>
+            <a:ext cx="222317" cy="319225"/>
+          </a:xfrm>
+          <a:prstGeom prst="rect">
+            <a:avLst/>
+          </a:prstGeom>
+        </p:spPr>
+      </p:pic>
+      <p:sp>
+        <p:nvSpPr>
+          <p:cNvPr id="20" name="Rounded Rectangle 19"/>
+          <p:cNvSpPr/>
+          <p:nvPr/>
+        </p:nvSpPr>
+        <p:spPr>
+          <a:xfrm>
+            <a:off x="6979329" y="5410201"/>
+            <a:ext cx="852999" cy="449007"/>
+          </a:xfrm>
+          <a:prstGeom prst="roundRect">
+            <a:avLst/>
+          </a:prstGeom>
+          <a:solidFill>
+            <a:srgbClr val="C00000"/>
+          </a:solidFill>
+          <a:ln>
+            <a:noFill/>
+          </a:ln>
+        </p:spPr>
+        <p:style>
+          <a:lnRef idx="2">
+            <a:schemeClr val="accent1">
+              <a:shade val="50000"/>
+            </a:schemeClr>
+          </a:lnRef>
+          <a:fillRef idx="1">
+            <a:schemeClr val="accent1"/>
+          </a:fillRef>
+          <a:effectRef idx="0">
+            <a:schemeClr val="accent1"/>
+          </a:effectRef>
+          <a:fontRef idx="minor">
+            <a:schemeClr val="lt1"/>
+          </a:fontRef>
+        </p:style>
+        <p:txBody>
+          <a:bodyPr rtlCol="0" anchor="ctr"/>
+          <a:lstStyle/>
+          <a:p>
+            <a:pPr algn="ctr"/>
+            <a:r>
+              <a:rPr lang="en-GB" sz="1600" b="1" dirty="0" smtClean="0"/>
+              <a:t>DELIVER</a:t>
+            </a:r>
+            <a:endParaRPr lang="en-GB" sz="1600" b="1" dirty="0"/>
+          </a:p>
+        </p:txBody>
+      </p:sp>
+      <p:sp>
+        <p:nvSpPr>
+          <p:cNvPr id="25" name="Bent Arrow 24"/>
+          <p:cNvSpPr/>
+          <p:nvPr/>
+        </p:nvSpPr>
+        <p:spPr>
+          <a:xfrm rot="16200000" flipH="1">
+            <a:off x="4683748" y="1342732"/>
+            <a:ext cx="224640" cy="5747900"/>
+          </a:xfrm>
+          <a:prstGeom prst="bentArrow">
+            <a:avLst/>
+          </a:prstGeom>
+          <a:solidFill>
+            <a:schemeClr val="tx1"/>
+          </a:solidFill>
+          <a:ln>
+            <a:noFill/>
+          </a:ln>
+        </p:spPr>
+        <p:style>
+          <a:lnRef idx="2">
+            <a:schemeClr val="accent1">
+              <a:shade val="50000"/>
+            </a:schemeClr>
+          </a:lnRef>
+          <a:fillRef idx="1">
+            <a:schemeClr val="accent1"/>
+          </a:fillRef>
+          <a:effectRef idx="0">
+            <a:schemeClr val="accent1"/>
+          </a:effectRef>
+          <a:fontRef idx="minor">
+            <a:schemeClr val="lt1"/>
+          </a:fontRef>
+        </p:style>
+        <p:txBody>
+          <a:bodyPr rtlCol="0" anchor="ctr"/>
+          <a:lstStyle/>
+          <a:p>
+            <a:pPr algn="ctr"/>
+            <a:endParaRPr lang="en-GB">
+              <a:solidFill>
+                <a:schemeClr val="tx1"/>
+              </a:solidFill>
+            </a:endParaRPr>
+          </a:p>
+        </p:txBody>
+      </p:sp>
+      <p:sp>
+        <p:nvSpPr>
+          <p:cNvPr id="26" name="Rectangle 25"/>
+          <p:cNvSpPr/>
+          <p:nvPr/>
+        </p:nvSpPr>
+        <p:spPr>
+          <a:xfrm flipH="1">
+            <a:off x="7670017" y="3288921"/>
+            <a:ext cx="34289" cy="877897"/>
+          </a:xfrm>
+          <a:prstGeom prst="rect">
+            <a:avLst/>
+          </a:prstGeom>
+          <a:solidFill>
+            <a:schemeClr val="tx1"/>
+          </a:solidFill>
+          <a:ln>
+            <a:noFill/>
+          </a:ln>
+        </p:spPr>
+        <p:style>
+          <a:lnRef idx="2">
+            <a:schemeClr val="accent1">
+              <a:shade val="50000"/>
+            </a:schemeClr>
+          </a:lnRef>
+          <a:fillRef idx="1">
+            <a:schemeClr val="accent1"/>
+          </a:fillRef>
+          <a:effectRef idx="0">
+            <a:schemeClr val="accent1"/>
+          </a:effectRef>
+          <a:fontRef idx="minor">
+            <a:schemeClr val="lt1"/>
+          </a:fontRef>
+        </p:style>
+        <p:txBody>
+          <a:bodyPr rtlCol="0" anchor="ctr"/>
+          <a:lstStyle/>
+          <a:p>
+            <a:pPr algn="ctr"/>
+            <a:endParaRPr lang="en-GB"/>
+          </a:p>
+        </p:txBody>
+      </p:sp>
+      <p:sp>
+        <p:nvSpPr>
+          <p:cNvPr id="27" name="Right Arrow 26"/>
+          <p:cNvSpPr/>
+          <p:nvPr/>
+        </p:nvSpPr>
+        <p:spPr>
+          <a:xfrm>
+            <a:off x="3215388" y="5654842"/>
+            <a:ext cx="731190" cy="154618"/>
+          </a:xfrm>
+          <a:prstGeom prst="rightArrow">
+            <a:avLst/>
+          </a:prstGeom>
+          <a:solidFill>
+            <a:schemeClr val="tx1"/>
+          </a:solidFill>
+          <a:ln>
+            <a:noFill/>
+          </a:ln>
+        </p:spPr>
+        <p:style>
+          <a:lnRef idx="2">
+            <a:schemeClr val="accent1">
+              <a:shade val="50000"/>
+            </a:schemeClr>
+          </a:lnRef>
+          <a:fillRef idx="1">
+            <a:schemeClr val="accent1"/>
+          </a:fillRef>
+          <a:effectRef idx="0">
+            <a:schemeClr val="accent1"/>
+          </a:effectRef>
+          <a:fontRef idx="minor">
+            <a:schemeClr val="lt1"/>
+          </a:fontRef>
+        </p:style>
+        <p:txBody>
+          <a:bodyPr rtlCol="0" anchor="ctr"/>
+          <a:lstStyle/>
+          <a:p>
+            <a:pPr algn="ctr"/>
+            <a:endParaRPr lang="en-GB"/>
+          </a:p>
+        </p:txBody>
+      </p:sp>
+      <p:sp>
+        <p:nvSpPr>
+          <p:cNvPr id="28" name="Right Arrow 27"/>
+          <p:cNvSpPr/>
+          <p:nvPr/>
+        </p:nvSpPr>
+        <p:spPr>
+          <a:xfrm>
+            <a:off x="1010807" y="2334126"/>
+            <a:ext cx="252509" cy="144432"/>
+          </a:xfrm>
+          <a:prstGeom prst="rightArrow">
+            <a:avLst/>
+          </a:prstGeom>
+          <a:solidFill>
+            <a:schemeClr val="tx1"/>
+          </a:solidFill>
+          <a:ln>
+            <a:noFill/>
+          </a:ln>
+        </p:spPr>
+        <p:style>
+          <a:lnRef idx="2">
+            <a:schemeClr val="accent1">
+              <a:shade val="50000"/>
+            </a:schemeClr>
+          </a:lnRef>
+          <a:fillRef idx="1">
+            <a:schemeClr val="accent1"/>
+          </a:fillRef>
+          <a:effectRef idx="0">
+            <a:schemeClr val="accent1"/>
+          </a:effectRef>
+          <a:fontRef idx="minor">
+            <a:schemeClr val="lt1"/>
+          </a:fontRef>
+        </p:style>
+        <p:txBody>
+          <a:bodyPr rtlCol="0" anchor="ctr"/>
+          <a:lstStyle/>
+          <a:p>
+            <a:pPr algn="ctr"/>
+            <a:endParaRPr lang="en-GB"/>
+          </a:p>
+        </p:txBody>
+      </p:sp>
+      <p:sp>
+        <p:nvSpPr>
+          <p:cNvPr id="29" name="Right Arrow 28"/>
+          <p:cNvSpPr/>
+          <p:nvPr/>
+        </p:nvSpPr>
+        <p:spPr>
+          <a:xfrm>
+            <a:off x="7829007" y="5562487"/>
+            <a:ext cx="252509" cy="144432"/>
+          </a:xfrm>
+          <a:prstGeom prst="rightArrow">
+            <a:avLst/>
+          </a:prstGeom>
+          <a:solidFill>
+            <a:schemeClr val="tx1"/>
+          </a:solidFill>
+          <a:ln>
+            <a:noFill/>
+          </a:ln>
+        </p:spPr>
+        <p:style>
+          <a:lnRef idx="2">
+            <a:schemeClr val="accent1">
+              <a:shade val="50000"/>
+            </a:schemeClr>
+          </a:lnRef>
+          <a:fillRef idx="1">
+            <a:schemeClr val="accent1"/>
+          </a:fillRef>
+          <a:effectRef idx="0">
+            <a:schemeClr val="accent1"/>
+          </a:effectRef>
+          <a:fontRef idx="minor">
+            <a:schemeClr val="lt1"/>
+          </a:fontRef>
+        </p:style>
+        <p:txBody>
+          <a:bodyPr rtlCol="0" anchor="ctr"/>
+          <a:lstStyle/>
+          <a:p>
+            <a:pPr algn="ctr"/>
+            <a:endParaRPr lang="en-GB"/>
+          </a:p>
+        </p:txBody>
+      </p:sp>
+      <p:sp>
+        <p:nvSpPr>
+          <p:cNvPr id="30" name="Oval 29"/>
+          <p:cNvSpPr/>
+          <p:nvPr/>
+        </p:nvSpPr>
+        <p:spPr>
+          <a:xfrm>
+            <a:off x="1597264" y="1099237"/>
+            <a:ext cx="324926" cy="409073"/>
+          </a:xfrm>
+          <a:prstGeom prst="ellipse">
+            <a:avLst/>
+          </a:prstGeom>
+          <a:solidFill>
+            <a:srgbClr val="C00000"/>
+          </a:solidFill>
+          <a:ln>
+            <a:noFill/>
+          </a:ln>
+        </p:spPr>
+        <p:style>
+          <a:lnRef idx="2">
+            <a:schemeClr val="accent1">
+              <a:shade val="50000"/>
+            </a:schemeClr>
+          </a:lnRef>
+          <a:fillRef idx="1">
+            <a:schemeClr val="accent1"/>
+          </a:fillRef>
+          <a:effectRef idx="0">
+            <a:schemeClr val="accent1"/>
+          </a:effectRef>
+          <a:fontRef idx="minor">
+            <a:schemeClr val="lt1"/>
+          </a:fontRef>
+        </p:style>
+        <p:txBody>
+          <a:bodyPr rtlCol="0" anchor="ctr"/>
+          <a:lstStyle/>
+          <a:p>
+            <a:pPr algn="ctr"/>
+            <a:r>
+              <a:rPr lang="en-GB" dirty="0" smtClean="0"/>
+              <a:t>1</a:t>
+            </a:r>
+            <a:endParaRPr lang="en-GB" dirty="0"/>
+          </a:p>
+        </p:txBody>
+      </p:sp>
+      <p:sp>
+        <p:nvSpPr>
+          <p:cNvPr id="31" name="Oval 30"/>
+          <p:cNvSpPr/>
+          <p:nvPr/>
+        </p:nvSpPr>
+        <p:spPr>
+          <a:xfrm>
+            <a:off x="6022810" y="1099236"/>
+            <a:ext cx="324926" cy="409073"/>
+          </a:xfrm>
+          <a:prstGeom prst="ellipse">
+            <a:avLst/>
+          </a:prstGeom>
+          <a:solidFill>
+            <a:srgbClr val="C00000"/>
+          </a:solidFill>
+          <a:ln>
+            <a:noFill/>
+          </a:ln>
+        </p:spPr>
+        <p:style>
+          <a:lnRef idx="2">
+            <a:schemeClr val="accent1">
+              <a:shade val="50000"/>
+            </a:schemeClr>
+          </a:lnRef>
+          <a:fillRef idx="1">
+            <a:schemeClr val="accent1"/>
+          </a:fillRef>
+          <a:effectRef idx="0">
+            <a:schemeClr val="accent1"/>
+          </a:effectRef>
+          <a:fontRef idx="minor">
+            <a:schemeClr val="lt1"/>
+          </a:fontRef>
+        </p:style>
+        <p:txBody>
+          <a:bodyPr rtlCol="0" anchor="ctr"/>
+          <a:lstStyle/>
+          <a:p>
+            <a:pPr algn="ctr"/>
+            <a:r>
+              <a:rPr lang="en-GB" dirty="0"/>
+              <a:t>2</a:t>
+            </a:r>
+          </a:p>
+        </p:txBody>
+      </p:sp>
+      <p:sp>
+        <p:nvSpPr>
+          <p:cNvPr id="32" name="Oval 31"/>
+          <p:cNvSpPr/>
+          <p:nvPr/>
+        </p:nvSpPr>
+        <p:spPr>
+          <a:xfrm>
+            <a:off x="390120" y="4243189"/>
+            <a:ext cx="324926" cy="409073"/>
+          </a:xfrm>
+          <a:prstGeom prst="ellipse">
+            <a:avLst/>
+          </a:prstGeom>
+          <a:solidFill>
+            <a:srgbClr val="C00000"/>
+          </a:solidFill>
+          <a:ln>
+            <a:noFill/>
+          </a:ln>
+        </p:spPr>
+        <p:style>
+          <a:lnRef idx="2">
+            <a:schemeClr val="accent1">
+              <a:shade val="50000"/>
+            </a:schemeClr>
+          </a:lnRef>
+          <a:fillRef idx="1">
+            <a:schemeClr val="accent1"/>
+          </a:fillRef>
+          <a:effectRef idx="0">
+            <a:schemeClr val="accent1"/>
+          </a:effectRef>
+          <a:fontRef idx="minor">
+            <a:schemeClr val="lt1"/>
+          </a:fontRef>
+        </p:style>
+        <p:txBody>
+          <a:bodyPr rtlCol="0" anchor="ctr"/>
+          <a:lstStyle/>
+          <a:p>
+            <a:pPr algn="ctr"/>
+            <a:r>
+              <a:rPr lang="en-GB" dirty="0" smtClean="0"/>
+              <a:t>3</a:t>
+            </a:r>
+            <a:endParaRPr lang="en-GB" dirty="0"/>
+          </a:p>
+        </p:txBody>
+      </p:sp>
+      <p:sp>
+        <p:nvSpPr>
+          <p:cNvPr id="33" name="Oval 32"/>
+          <p:cNvSpPr/>
+          <p:nvPr/>
+        </p:nvSpPr>
+        <p:spPr>
+          <a:xfrm>
+            <a:off x="3946578" y="4296514"/>
+            <a:ext cx="324926" cy="409073"/>
+          </a:xfrm>
+          <a:prstGeom prst="ellipse">
+            <a:avLst/>
+          </a:prstGeom>
+          <a:solidFill>
+            <a:srgbClr val="C00000"/>
+          </a:solidFill>
+          <a:ln>
+            <a:noFill/>
+          </a:ln>
+        </p:spPr>
+        <p:style>
+          <a:lnRef idx="2">
+            <a:schemeClr val="accent1">
+              <a:shade val="50000"/>
+            </a:schemeClr>
+          </a:lnRef>
+          <a:fillRef idx="1">
+            <a:schemeClr val="accent1"/>
+          </a:fillRef>
+          <a:effectRef idx="0">
+            <a:schemeClr val="accent1"/>
+          </a:effectRef>
+          <a:fontRef idx="minor">
+            <a:schemeClr val="lt1"/>
+          </a:fontRef>
+        </p:style>
+        <p:txBody>
+          <a:bodyPr rtlCol="0" anchor="ctr"/>
+          <a:lstStyle/>
+          <a:p>
+            <a:pPr algn="ctr"/>
+            <a:r>
+              <a:rPr lang="en-GB" dirty="0" smtClean="0"/>
+              <a:t>4</a:t>
+            </a:r>
+            <a:endParaRPr lang="en-GB" dirty="0"/>
+          </a:p>
+        </p:txBody>
+      </p:sp>
+    </p:spTree>
+    <p:extLst>
+      <p:ext uri="{BB962C8B-B14F-4D97-AF65-F5344CB8AC3E}">
+        <p14:creationId xmlns:p14="http://schemas.microsoft.com/office/powerpoint/2010/main" val="4256519513"/>
+      </p:ext>
+    </p:extLst>
+  </p:cSld>
+  <p:clrMapOvr>
+    <a:masterClrMapping/>
+  </p:clrMapOvr>
+  <mc:AlternateContent xmlns:mc="http://schemas.openxmlformats.org/markup-compatibility/2006" xmlns:p14="http://schemas.microsoft.com/office/powerpoint/2010/main">
+    <mc:Choice Requires="p14">
+      <p:transition spd="slow" p14:dur="2000"/>
+    </mc:Choice>
+    <mc:Fallback xmlns="">
+      <p:transition spd="slow"/>
+    </mc:Fallback>
+  </mc:AlternateContent>
+  <p:timing>
+    <p:tnLst>
+      <p:par>
+        <p:cTn id="1" dur="indefinite" restart="never" nodeType="tmRoot">
+          <p:childTnLst>
+            <p:seq concurrent="1" nextAc="seek">
+              <p:cTn id="2" dur="indefinite" nodeType="mainSeq">
+                <p:childTnLst>
+                  <p:par>
+                    <p:cTn id="3" fill="hold">
+                      <p:stCondLst>
+                        <p:cond delay="indefinite"/>
+                      </p:stCondLst>
+                      <p:childTnLst>
+                        <p:par>
+                          <p:cTn id="4" fill="hold">
+                            <p:stCondLst>
+                              <p:cond delay="0"/>
+                            </p:stCondLst>
+                            <p:childTnLst>
+                              <p:par>
+                                <p:cTn id="5" presetID="1" presetClass="entr" presetSubtype="0" fill="hold" grpId="0" nodeType="clickEffect">
+                                  <p:stCondLst>
+                                    <p:cond delay="0"/>
+                                  </p:stCondLst>
+                                  <p:childTnLst>
+                                    <p:set>
+                                      <p:cBhvr>
+                                        <p:cTn id="6" dur="1" fill="hold">
+                                          <p:stCondLst>
+                                            <p:cond delay="0"/>
+                                          </p:stCondLst>
+                                        </p:cTn>
+                                        <p:tgtEl>
+                                          <p:spTgt spid="11"/>
+                                        </p:tgtEl>
+                                        <p:attrNameLst>
+                                          <p:attrName>style.visibility</p:attrName>
+                                        </p:attrNameLst>
+                                      </p:cBhvr>
+                                      <p:to>
+                                        <p:strVal val="visible"/>
+                                      </p:to>
+                                    </p:set>
+                                  </p:childTnLst>
+                                </p:cTn>
+                              </p:par>
+                              <p:par>
+                                <p:cTn id="7" presetID="1" presetClass="entr" presetSubtype="0" fill="hold" grpId="0" nodeType="withEffect">
+                                  <p:stCondLst>
+                                    <p:cond delay="0"/>
+                                  </p:stCondLst>
+                                  <p:childTnLst>
+                                    <p:set>
+                                      <p:cBhvr>
+                                        <p:cTn id="8" dur="1" fill="hold">
+                                          <p:stCondLst>
+                                            <p:cond delay="0"/>
+                                          </p:stCondLst>
+                                        </p:cTn>
+                                        <p:tgtEl>
+                                          <p:spTgt spid="28"/>
+                                        </p:tgtEl>
+                                        <p:attrNameLst>
+                                          <p:attrName>style.visibility</p:attrName>
+                                        </p:attrNameLst>
+                                      </p:cBhvr>
+                                      <p:to>
+                                        <p:strVal val="visible"/>
+                                      </p:to>
+                                    </p:set>
+                                  </p:childTnLst>
+                                </p:cTn>
+                              </p:par>
+                            </p:childTnLst>
+                          </p:cTn>
+                        </p:par>
+                      </p:childTnLst>
+                    </p:cTn>
+                  </p:par>
+                  <p:par>
+                    <p:cTn id="9" fill="hold">
+                      <p:stCondLst>
+                        <p:cond delay="indefinite"/>
+                      </p:stCondLst>
+                      <p:childTnLst>
+                        <p:par>
+                          <p:cTn id="10" fill="hold">
+                            <p:stCondLst>
+                              <p:cond delay="0"/>
+                            </p:stCondLst>
+                            <p:childTnLst>
+                              <p:par>
+                                <p:cTn id="11" presetID="1" presetClass="entr" presetSubtype="0" fill="hold" grpId="0" nodeType="clickEffect">
+                                  <p:stCondLst>
+                                    <p:cond delay="0"/>
+                                  </p:stCondLst>
+                                  <p:childTnLst>
+                                    <p:set>
+                                      <p:cBhvr>
+                                        <p:cTn id="12" dur="1" fill="hold">
+                                          <p:stCondLst>
+                                            <p:cond delay="0"/>
+                                          </p:stCondLst>
+                                        </p:cTn>
+                                        <p:tgtEl>
+                                          <p:spTgt spid="30"/>
+                                        </p:tgtEl>
+                                        <p:attrNameLst>
+                                          <p:attrName>style.visibility</p:attrName>
+                                        </p:attrNameLst>
+                                      </p:cBhvr>
+                                      <p:to>
+                                        <p:strVal val="visible"/>
+                                      </p:to>
+                                    </p:set>
+                                  </p:childTnLst>
+                                </p:cTn>
+                              </p:par>
+                            </p:childTnLst>
+                          </p:cTn>
+                        </p:par>
+                      </p:childTnLst>
+                    </p:cTn>
+                  </p:par>
+                  <p:par>
+                    <p:cTn id="13" fill="hold">
+                      <p:stCondLst>
+                        <p:cond delay="indefinite"/>
+                      </p:stCondLst>
+                      <p:childTnLst>
+                        <p:par>
+                          <p:cTn id="14" fill="hold">
+                            <p:stCondLst>
+                              <p:cond delay="0"/>
+                            </p:stCondLst>
+                            <p:childTnLst>
+                              <p:par>
+                                <p:cTn id="15" presetID="1" presetClass="entr" presetSubtype="0" fill="hold" nodeType="clickEffect">
+                                  <p:stCondLst>
+                                    <p:cond delay="0"/>
+                                  </p:stCondLst>
+                                  <p:childTnLst>
+                                    <p:set>
+                                      <p:cBhvr>
+                                        <p:cTn id="16" dur="1" fill="hold">
+                                          <p:stCondLst>
+                                            <p:cond delay="0"/>
+                                          </p:stCondLst>
+                                        </p:cTn>
+                                        <p:tgtEl>
+                                          <p:spTgt spid="2"/>
+                                        </p:tgtEl>
+                                        <p:attrNameLst>
+                                          <p:attrName>style.visibility</p:attrName>
+                                        </p:attrNameLst>
+                                      </p:cBhvr>
+                                      <p:to>
+                                        <p:strVal val="visible"/>
+                                      </p:to>
+                                    </p:set>
+                                  </p:childTnLst>
+                                </p:cTn>
+                              </p:par>
+                            </p:childTnLst>
+                          </p:cTn>
+                        </p:par>
+                      </p:childTnLst>
+                    </p:cTn>
+                  </p:par>
+                  <p:par>
+                    <p:cTn id="17" fill="hold">
+                      <p:stCondLst>
+                        <p:cond delay="indefinite"/>
+                      </p:stCondLst>
+                      <p:childTnLst>
+                        <p:par>
+                          <p:cTn id="18" fill="hold">
+                            <p:stCondLst>
+                              <p:cond delay="0"/>
+                            </p:stCondLst>
+                            <p:childTnLst>
+                              <p:par>
+                                <p:cTn id="19" presetID="1" presetClass="entr" presetSubtype="0" fill="hold" grpId="0" nodeType="clickEffect">
+                                  <p:stCondLst>
+                                    <p:cond delay="0"/>
+                                  </p:stCondLst>
+                                  <p:childTnLst>
+                                    <p:set>
+                                      <p:cBhvr>
+                                        <p:cTn id="20" dur="1" fill="hold">
+                                          <p:stCondLst>
+                                            <p:cond delay="0"/>
+                                          </p:stCondLst>
+                                        </p:cTn>
+                                        <p:tgtEl>
+                                          <p:spTgt spid="17"/>
+                                        </p:tgtEl>
+                                        <p:attrNameLst>
+                                          <p:attrName>style.visibility</p:attrName>
+                                        </p:attrNameLst>
+                                      </p:cBhvr>
+                                      <p:to>
+                                        <p:strVal val="visible"/>
+                                      </p:to>
+                                    </p:set>
+                                  </p:childTnLst>
+                                </p:cTn>
+                              </p:par>
+                            </p:childTnLst>
+                          </p:cTn>
+                        </p:par>
+                      </p:childTnLst>
+                    </p:cTn>
+                  </p:par>
+                  <p:par>
+                    <p:cTn id="21" fill="hold">
+                      <p:stCondLst>
+                        <p:cond delay="indefinite"/>
+                      </p:stCondLst>
+                      <p:childTnLst>
+                        <p:par>
+                          <p:cTn id="22" fill="hold">
+                            <p:stCondLst>
+                              <p:cond delay="0"/>
+                            </p:stCondLst>
+                            <p:childTnLst>
+                              <p:par>
+                                <p:cTn id="23" presetID="1" presetClass="entr" presetSubtype="0" fill="hold" nodeType="clickEffect">
+                                  <p:stCondLst>
+                                    <p:cond delay="0"/>
+                                  </p:stCondLst>
+                                  <p:childTnLst>
+                                    <p:set>
+                                      <p:cBhvr>
+                                        <p:cTn id="24" dur="1" fill="hold">
+                                          <p:stCondLst>
+                                            <p:cond delay="0"/>
+                                          </p:stCondLst>
+                                        </p:cTn>
+                                        <p:tgtEl>
+                                          <p:spTgt spid="10"/>
+                                        </p:tgtEl>
+                                        <p:attrNameLst>
+                                          <p:attrName>style.visibility</p:attrName>
+                                        </p:attrNameLst>
+                                      </p:cBhvr>
+                                      <p:to>
+                                        <p:strVal val="visible"/>
+                                      </p:to>
+                                    </p:set>
+                                  </p:childTnLst>
+                                </p:cTn>
+                              </p:par>
+                            </p:childTnLst>
+                          </p:cTn>
+                        </p:par>
+                      </p:childTnLst>
+                    </p:cTn>
+                  </p:par>
+                  <p:par>
+                    <p:cTn id="25" fill="hold">
+                      <p:stCondLst>
+                        <p:cond delay="indefinite"/>
+                      </p:stCondLst>
+                      <p:childTnLst>
+                        <p:par>
+                          <p:cTn id="26" fill="hold">
+                            <p:stCondLst>
+                              <p:cond delay="0"/>
+                            </p:stCondLst>
+                            <p:childTnLst>
+                              <p:par>
+                                <p:cTn id="27" presetID="1" presetClass="entr" presetSubtype="0" fill="hold" nodeType="clickEffect">
+                                  <p:stCondLst>
+                                    <p:cond delay="0"/>
+                                  </p:stCondLst>
+                                  <p:childTnLst>
+                                    <p:set>
+                                      <p:cBhvr>
+                                        <p:cTn id="28" dur="1" fill="hold">
+                                          <p:stCondLst>
+                                            <p:cond delay="0"/>
+                                          </p:stCondLst>
+                                        </p:cTn>
+                                        <p:tgtEl>
+                                          <p:spTgt spid="19"/>
+                                        </p:tgtEl>
+                                        <p:attrNameLst>
+                                          <p:attrName>style.visibility</p:attrName>
+                                        </p:attrNameLst>
+                                      </p:cBhvr>
+                                      <p:to>
+                                        <p:strVal val="visible"/>
+                                      </p:to>
+                                    </p:set>
+                                  </p:childTnLst>
+                                </p:cTn>
+                              </p:par>
+                            </p:childTnLst>
+                          </p:cTn>
+                        </p:par>
+                      </p:childTnLst>
+                    </p:cTn>
+                  </p:par>
+                  <p:par>
+                    <p:cTn id="29" fill="hold">
+                      <p:stCondLst>
+                        <p:cond delay="indefinite"/>
+                      </p:stCondLst>
+                      <p:childTnLst>
+                        <p:par>
+                          <p:cTn id="30" fill="hold">
+                            <p:stCondLst>
+                              <p:cond delay="0"/>
+                            </p:stCondLst>
+                            <p:childTnLst>
+                              <p:par>
+                                <p:cTn id="31" presetID="1" presetClass="entr" presetSubtype="0" fill="hold" grpId="0" nodeType="clickEffect">
+                                  <p:stCondLst>
+                                    <p:cond delay="0"/>
+                                  </p:stCondLst>
+                                  <p:childTnLst>
+                                    <p:set>
+                                      <p:cBhvr>
+                                        <p:cTn id="32" dur="1" fill="hold">
+                                          <p:stCondLst>
+                                            <p:cond delay="0"/>
+                                          </p:stCondLst>
+                                        </p:cTn>
+                                        <p:tgtEl>
+                                          <p:spTgt spid="31"/>
+                                        </p:tgtEl>
+                                        <p:attrNameLst>
+                                          <p:attrName>style.visibility</p:attrName>
+                                        </p:attrNameLst>
+                                      </p:cBhvr>
+                                      <p:to>
+                                        <p:strVal val="visible"/>
+                                      </p:to>
+                                    </p:set>
+                                  </p:childTnLst>
+                                </p:cTn>
+                              </p:par>
+                            </p:childTnLst>
+                          </p:cTn>
+                        </p:par>
+                      </p:childTnLst>
+                    </p:cTn>
+                  </p:par>
+                  <p:par>
+                    <p:cTn id="33" fill="hold">
+                      <p:stCondLst>
+                        <p:cond delay="indefinite"/>
+                      </p:stCondLst>
+                      <p:childTnLst>
+                        <p:par>
+                          <p:cTn id="34" fill="hold">
+                            <p:stCondLst>
+                              <p:cond delay="0"/>
+                            </p:stCondLst>
+                            <p:childTnLst>
+                              <p:par>
+                                <p:cTn id="35" presetID="1" presetClass="entr" presetSubtype="0" fill="hold" nodeType="clickEffect">
+                                  <p:stCondLst>
+                                    <p:cond delay="0"/>
+                                  </p:stCondLst>
+                                  <p:childTnLst>
+                                    <p:set>
+                                      <p:cBhvr>
+                                        <p:cTn id="36" dur="1" fill="hold">
+                                          <p:stCondLst>
+                                            <p:cond delay="0"/>
+                                          </p:stCondLst>
+                                        </p:cTn>
+                                        <p:tgtEl>
+                                          <p:spTgt spid="3"/>
+                                        </p:tgtEl>
+                                        <p:attrNameLst>
+                                          <p:attrName>style.visibility</p:attrName>
+                                        </p:attrNameLst>
+                                      </p:cBhvr>
+                                      <p:to>
+                                        <p:strVal val="visible"/>
+                                      </p:to>
+                                    </p:set>
+                                  </p:childTnLst>
+                                </p:cTn>
+                              </p:par>
+                            </p:childTnLst>
+                          </p:cTn>
+                        </p:par>
+                      </p:childTnLst>
+                    </p:cTn>
+                  </p:par>
+                  <p:par>
+                    <p:cTn id="37" fill="hold">
+                      <p:stCondLst>
+                        <p:cond delay="indefinite"/>
+                      </p:stCondLst>
+                      <p:childTnLst>
+                        <p:par>
+                          <p:cTn id="38" fill="hold">
+                            <p:stCondLst>
+                              <p:cond delay="0"/>
+                            </p:stCondLst>
+                            <p:childTnLst>
+                              <p:par>
+                                <p:cTn id="39" presetID="1" presetClass="entr" presetSubtype="0" fill="hold" grpId="0" nodeType="clickEffect">
+                                  <p:stCondLst>
+                                    <p:cond delay="0"/>
+                                  </p:stCondLst>
+                                  <p:childTnLst>
+                                    <p:set>
+                                      <p:cBhvr>
+                                        <p:cTn id="40" dur="1" fill="hold">
+                                          <p:stCondLst>
+                                            <p:cond delay="0"/>
+                                          </p:stCondLst>
+                                        </p:cTn>
+                                        <p:tgtEl>
+                                          <p:spTgt spid="26"/>
+                                        </p:tgtEl>
+                                        <p:attrNameLst>
+                                          <p:attrName>style.visibility</p:attrName>
+                                        </p:attrNameLst>
+                                      </p:cBhvr>
+                                      <p:to>
+                                        <p:strVal val="visible"/>
+                                      </p:to>
+                                    </p:set>
+                                  </p:childTnLst>
+                                </p:cTn>
+                              </p:par>
+                              <p:par>
+                                <p:cTn id="41" presetID="1" presetClass="entr" presetSubtype="0" fill="hold" grpId="0" nodeType="withEffect">
+                                  <p:stCondLst>
+                                    <p:cond delay="0"/>
+                                  </p:stCondLst>
+                                  <p:childTnLst>
+                                    <p:set>
+                                      <p:cBhvr>
+                                        <p:cTn id="42" dur="1" fill="hold">
+                                          <p:stCondLst>
+                                            <p:cond delay="0"/>
+                                          </p:stCondLst>
+                                        </p:cTn>
+                                        <p:tgtEl>
+                                          <p:spTgt spid="25"/>
+                                        </p:tgtEl>
+                                        <p:attrNameLst>
+                                          <p:attrName>style.visibility</p:attrName>
+                                        </p:attrNameLst>
+                                      </p:cBhvr>
+                                      <p:to>
+                                        <p:strVal val="visible"/>
+                                      </p:to>
+                                    </p:set>
+                                  </p:childTnLst>
+                                </p:cTn>
+                              </p:par>
+                            </p:childTnLst>
+                          </p:cTn>
+                        </p:par>
+                      </p:childTnLst>
+                    </p:cTn>
+                  </p:par>
+                  <p:par>
+                    <p:cTn id="43" fill="hold">
+                      <p:stCondLst>
+                        <p:cond delay="indefinite"/>
+                      </p:stCondLst>
+                      <p:childTnLst>
+                        <p:par>
+                          <p:cTn id="44" fill="hold">
+                            <p:stCondLst>
+                              <p:cond delay="0"/>
+                            </p:stCondLst>
+                            <p:childTnLst>
+                              <p:par>
+                                <p:cTn id="45" presetID="1" presetClass="entr" presetSubtype="0" fill="hold" grpId="0" nodeType="clickEffect">
+                                  <p:stCondLst>
+                                    <p:cond delay="0"/>
+                                  </p:stCondLst>
+                                  <p:childTnLst>
+                                    <p:set>
+                                      <p:cBhvr>
+                                        <p:cTn id="46" dur="1" fill="hold">
+                                          <p:stCondLst>
+                                            <p:cond delay="0"/>
+                                          </p:stCondLst>
+                                        </p:cTn>
+                                        <p:tgtEl>
+                                          <p:spTgt spid="32"/>
+                                        </p:tgtEl>
+                                        <p:attrNameLst>
+                                          <p:attrName>style.visibility</p:attrName>
+                                        </p:attrNameLst>
+                                      </p:cBhvr>
+                                      <p:to>
+                                        <p:strVal val="visible"/>
+                                      </p:to>
+                                    </p:set>
+                                  </p:childTnLst>
+                                </p:cTn>
+                              </p:par>
+                            </p:childTnLst>
+                          </p:cTn>
+                        </p:par>
+                      </p:childTnLst>
+                    </p:cTn>
+                  </p:par>
+                  <p:par>
+                    <p:cTn id="47" fill="hold">
+                      <p:stCondLst>
+                        <p:cond delay="indefinite"/>
+                      </p:stCondLst>
+                      <p:childTnLst>
+                        <p:par>
+                          <p:cTn id="48" fill="hold">
+                            <p:stCondLst>
+                              <p:cond delay="0"/>
+                            </p:stCondLst>
+                            <p:childTnLst>
+                              <p:par>
+                                <p:cTn id="49" presetID="1" presetClass="entr" presetSubtype="0" fill="hold" nodeType="clickEffect">
+                                  <p:stCondLst>
+                                    <p:cond delay="0"/>
+                                  </p:stCondLst>
+                                  <p:childTnLst>
+                                    <p:set>
+                                      <p:cBhvr>
+                                        <p:cTn id="50" dur="1" fill="hold">
+                                          <p:stCondLst>
+                                            <p:cond delay="0"/>
+                                          </p:stCondLst>
+                                        </p:cTn>
+                                        <p:tgtEl>
+                                          <p:spTgt spid="6"/>
+                                        </p:tgtEl>
+                                        <p:attrNameLst>
+                                          <p:attrName>style.visibility</p:attrName>
+                                        </p:attrNameLst>
+                                      </p:cBhvr>
+                                      <p:to>
+                                        <p:strVal val="visible"/>
+                                      </p:to>
+                                    </p:set>
+                                  </p:childTnLst>
+                                </p:cTn>
+                              </p:par>
+                            </p:childTnLst>
+                          </p:cTn>
+                        </p:par>
+                      </p:childTnLst>
+                    </p:cTn>
+                  </p:par>
+                  <p:par>
+                    <p:cTn id="51" fill="hold">
+                      <p:stCondLst>
+                        <p:cond delay="indefinite"/>
+                      </p:stCondLst>
+                      <p:childTnLst>
+                        <p:par>
+                          <p:cTn id="52" fill="hold">
+                            <p:stCondLst>
+                              <p:cond delay="0"/>
+                            </p:stCondLst>
+                            <p:childTnLst>
+                              <p:par>
+                                <p:cTn id="53" presetID="1" presetClass="entr" presetSubtype="0" fill="hold" grpId="0" nodeType="clickEffect">
+                                  <p:stCondLst>
+                                    <p:cond delay="0"/>
+                                  </p:stCondLst>
+                                  <p:childTnLst>
+                                    <p:set>
+                                      <p:cBhvr>
+                                        <p:cTn id="54" dur="1" fill="hold">
+                                          <p:stCondLst>
+                                            <p:cond delay="0"/>
+                                          </p:stCondLst>
+                                        </p:cTn>
+                                        <p:tgtEl>
+                                          <p:spTgt spid="27"/>
+                                        </p:tgtEl>
+                                        <p:attrNameLst>
+                                          <p:attrName>style.visibility</p:attrName>
+                                        </p:attrNameLst>
+                                      </p:cBhvr>
+                                      <p:to>
+                                        <p:strVal val="visible"/>
+                                      </p:to>
+                                    </p:set>
+                                  </p:childTnLst>
+                                </p:cTn>
+                              </p:par>
+                            </p:childTnLst>
+                          </p:cTn>
+                        </p:par>
+                      </p:childTnLst>
+                    </p:cTn>
+                  </p:par>
+                  <p:par>
+                    <p:cTn id="55" fill="hold">
+                      <p:stCondLst>
+                        <p:cond delay="indefinite"/>
+                      </p:stCondLst>
+                      <p:childTnLst>
+                        <p:par>
+                          <p:cTn id="56" fill="hold">
+                            <p:stCondLst>
+                              <p:cond delay="0"/>
+                            </p:stCondLst>
+                            <p:childTnLst>
+                              <p:par>
+                                <p:cTn id="57" presetID="1" presetClass="entr" presetSubtype="0" fill="hold" grpId="0" nodeType="clickEffect">
+                                  <p:stCondLst>
+                                    <p:cond delay="0"/>
+                                  </p:stCondLst>
+                                  <p:childTnLst>
+                                    <p:set>
+                                      <p:cBhvr>
+                                        <p:cTn id="58" dur="1" fill="hold">
+                                          <p:stCondLst>
+                                            <p:cond delay="0"/>
+                                          </p:stCondLst>
+                                        </p:cTn>
+                                        <p:tgtEl>
+                                          <p:spTgt spid="33"/>
+                                        </p:tgtEl>
+                                        <p:attrNameLst>
+                                          <p:attrName>style.visibility</p:attrName>
+                                        </p:attrNameLst>
+                                      </p:cBhvr>
+                                      <p:to>
+                                        <p:strVal val="visible"/>
+                                      </p:to>
+                                    </p:set>
+                                  </p:childTnLst>
+                                </p:cTn>
+                              </p:par>
+                            </p:childTnLst>
+                          </p:cTn>
+                        </p:par>
+                      </p:childTnLst>
+                    </p:cTn>
+                  </p:par>
+                  <p:par>
+                    <p:cTn id="59" fill="hold">
+                      <p:stCondLst>
+                        <p:cond delay="indefinite"/>
+                      </p:stCondLst>
+                      <p:childTnLst>
+                        <p:par>
+                          <p:cTn id="60" fill="hold">
+                            <p:stCondLst>
+                              <p:cond delay="0"/>
+                            </p:stCondLst>
+                            <p:childTnLst>
+                              <p:par>
+                                <p:cTn id="61" presetID="1" presetClass="entr" presetSubtype="0" fill="hold" nodeType="clickEffect">
+                                  <p:stCondLst>
+                                    <p:cond delay="0"/>
+                                  </p:stCondLst>
+                                  <p:childTnLst>
+                                    <p:set>
+                                      <p:cBhvr>
+                                        <p:cTn id="62" dur="1" fill="hold">
+                                          <p:stCondLst>
+                                            <p:cond delay="0"/>
+                                          </p:stCondLst>
+                                        </p:cTn>
+                                        <p:tgtEl>
+                                          <p:spTgt spid="8"/>
+                                        </p:tgtEl>
+                                        <p:attrNameLst>
+                                          <p:attrName>style.visibility</p:attrName>
+                                        </p:attrNameLst>
+                                      </p:cBhvr>
+                                      <p:to>
+                                        <p:strVal val="visible"/>
+                                      </p:to>
+                                    </p:set>
+                                  </p:childTnLst>
+                                </p:cTn>
+                              </p:par>
+                            </p:childTnLst>
+                          </p:cTn>
+                        </p:par>
+                      </p:childTnLst>
+                    </p:cTn>
+                  </p:par>
+                  <p:par>
+                    <p:cTn id="63" fill="hold">
+                      <p:stCondLst>
+                        <p:cond delay="indefinite"/>
+                      </p:stCondLst>
+                      <p:childTnLst>
+                        <p:par>
+                          <p:cTn id="64" fill="hold">
+                            <p:stCondLst>
+                              <p:cond delay="0"/>
+                            </p:stCondLst>
+                            <p:childTnLst>
+                              <p:par>
+                                <p:cTn id="65" presetID="1" presetClass="entr" presetSubtype="0" fill="hold" grpId="0" nodeType="clickEffect">
+                                  <p:stCondLst>
+                                    <p:cond delay="0"/>
+                                  </p:stCondLst>
+                                  <p:childTnLst>
+                                    <p:set>
+                                      <p:cBhvr>
+                                        <p:cTn id="66" dur="1" fill="hold">
+                                          <p:stCondLst>
+                                            <p:cond delay="0"/>
+                                          </p:stCondLst>
+                                        </p:cTn>
+                                        <p:tgtEl>
+                                          <p:spTgt spid="20"/>
+                                        </p:tgtEl>
+                                        <p:attrNameLst>
+                                          <p:attrName>style.visibility</p:attrName>
+                                        </p:attrNameLst>
+                                      </p:cBhvr>
+                                      <p:to>
+                                        <p:strVal val="visible"/>
+                                      </p:to>
+                                    </p:set>
+                                  </p:childTnLst>
+                                </p:cTn>
+                              </p:par>
+                            </p:childTnLst>
+                          </p:cTn>
+                        </p:par>
+                      </p:childTnLst>
+                    </p:cTn>
+                  </p:par>
+                  <p:par>
+                    <p:cTn id="67" fill="hold">
+                      <p:stCondLst>
+                        <p:cond delay="indefinite"/>
+                      </p:stCondLst>
+                      <p:childTnLst>
+                        <p:par>
+                          <p:cTn id="68" fill="hold">
+                            <p:stCondLst>
+                              <p:cond delay="0"/>
+                            </p:stCondLst>
+                            <p:childTnLst>
+                              <p:par>
+                                <p:cTn id="69" presetID="1" presetClass="entr" presetSubtype="0" fill="hold" nodeType="clickEffect">
+                                  <p:stCondLst>
+                                    <p:cond delay="0"/>
+                                  </p:stCondLst>
+                                  <p:childTnLst>
+                                    <p:set>
+                                      <p:cBhvr>
+                                        <p:cTn id="70" dur="1" fill="hold">
+                                          <p:stCondLst>
+                                            <p:cond delay="0"/>
+                                          </p:stCondLst>
+                                        </p:cTn>
+                                        <p:tgtEl>
+                                          <p:spTgt spid="9"/>
+                                        </p:tgtEl>
+                                        <p:attrNameLst>
+                                          <p:attrName>style.visibility</p:attrName>
+                                        </p:attrNameLst>
+                                      </p:cBhvr>
+                                      <p:to>
+                                        <p:strVal val="visible"/>
+                                      </p:to>
+                                    </p:set>
+                                  </p:childTnLst>
+                                </p:cTn>
+                              </p:par>
+                              <p:par>
+                                <p:cTn id="71" presetID="1" presetClass="entr" presetSubtype="0" fill="hold" grpId="0" nodeType="withEffect">
+                                  <p:stCondLst>
+                                    <p:cond delay="0"/>
+                                  </p:stCondLst>
+                                  <p:childTnLst>
+                                    <p:set>
+                                      <p:cBhvr>
+                                        <p:cTn id="72" dur="1" fill="hold">
+                                          <p:stCondLst>
+                                            <p:cond delay="0"/>
+                                          </p:stCondLst>
+                                        </p:cTn>
+                                        <p:tgtEl>
+                                          <p:spTgt spid="29"/>
+                                        </p:tgtEl>
+                                        <p:attrNameLst>
+                                          <p:attrName>style.visibility</p:attrName>
+                                        </p:attrNameLst>
+                                      </p:cBhvr>
+                                      <p:to>
+                                        <p:strVal val="visible"/>
+                                      </p:to>
+                                    </p:set>
+                                  </p:childTnLst>
+                                </p:cTn>
+                              </p:par>
+                            </p:childTnLst>
+                          </p:cTn>
+                        </p:par>
+                      </p:childTnLst>
+                    </p:cTn>
+                  </p:par>
+                </p:childTnLst>
+              </p:cTn>
+              <p:prevCondLst>
+                <p:cond evt="onPrev" delay="0">
+                  <p:tgtEl>
+                    <p:sldTgt/>
+                  </p:tgtEl>
+                </p:cond>
+              </p:prevCondLst>
+              <p:nextCondLst>
+                <p:cond evt="onNext" delay="0">
+                  <p:tgtEl>
+                    <p:sldTgt/>
+                  </p:tgtEl>
+                </p:cond>
+              </p:nextCondLst>
+            </p:seq>
+          </p:childTnLst>
+        </p:cTn>
+      </p:par>
+    </p:tnLst>
+    <p:bldLst>
+      <p:bldP spid="11" grpId="0" animBg="1"/>
+      <p:bldP spid="17" grpId="0" animBg="1"/>
+      <p:bldP spid="20" grpId="0" animBg="1"/>
+      <p:bldP spid="25" grpId="0" animBg="1"/>
+      <p:bldP spid="26" grpId="0" animBg="1"/>
+      <p:bldP spid="27" grpId="0" animBg="1"/>
+      <p:bldP spid="28" grpId="0" animBg="1"/>
+      <p:bldP spid="29" grpId="0" animBg="1"/>
+      <p:bldP spid="30" grpId="0" animBg="1"/>
+      <p:bldP spid="31" grpId="0" animBg="1"/>
+      <p:bldP spid="32" grpId="0" animBg="1"/>
+      <p:bldP spid="33" grpId="0" animBg="1"/>
+    </p:bldLst>
+  </p:timing>
+</p:sld>
+</file>
+
+<file path=ppt/slides/slide9.xml><?xml version="1.0" encoding="utf-8"?>
 <p:sld xmlns:a="http://schemas.openxmlformats.org/drawingml/2006/main" xmlns:r="http://schemas.openxmlformats.org/officeDocument/2006/relationships" xmlns:p="http://schemas.openxmlformats.org/presentationml/2006/main">
   <p:cSld>
     <p:spTree>
@@ -19994,728 +25731,11 @@
   <p:clrMapOvr>
     <a:masterClrMapping/>
   </p:clrMapOvr>
-  <mc:AlternateContent xmlns:mc="http://schemas.openxmlformats.org/markup-compatibility/2006">
-    <mc:Choice xmlns:p14="http://schemas.microsoft.com/office/powerpoint/2010/main" Requires="p14">
+  <mc:AlternateContent xmlns:mc="http://schemas.openxmlformats.org/markup-compatibility/2006" xmlns:p14="http://schemas.microsoft.com/office/powerpoint/2010/main">
+    <mc:Choice Requires="p14">
       <p:transition spd="slow" p14:dur="2000"/>
     </mc:Choice>
-    <mc:Fallback>
-      <p:transition spd="slow"/>
-    </mc:Fallback>
-  </mc:AlternateContent>
-  <p:timing>
-    <p:tnLst>
-      <p:par>
-        <p:cTn id="1" dur="indefinite" restart="never" nodeType="tmRoot"/>
-      </p:par>
-    </p:tnLst>
-  </p:timing>
-</p:sld>
-</file>
-
-<file path=ppt/slides/slide7.xml><?xml version="1.0" encoding="utf-8"?>
-<p:sld xmlns:a="http://schemas.openxmlformats.org/drawingml/2006/main" xmlns:r="http://schemas.openxmlformats.org/officeDocument/2006/relationships" xmlns:p="http://schemas.openxmlformats.org/presentationml/2006/main" showMasterPhAnim="0">
-  <p:cSld>
-    <p:spTree>
-      <p:nvGrpSpPr>
-        <p:cNvPr id="1" name=""/>
-        <p:cNvGrpSpPr/>
-        <p:nvPr/>
-      </p:nvGrpSpPr>
-      <p:grpSpPr>
-        <a:xfrm>
-          <a:off x="0" y="0"/>
-          <a:ext cx="0" cy="0"/>
-          <a:chOff x="0" y="0"/>
-          <a:chExt cx="0" cy="0"/>
-        </a:xfrm>
-      </p:grpSpPr>
-      <p:sp>
-        <p:nvSpPr>
-          <p:cNvPr id="2" name="Title 1"/>
-          <p:cNvSpPr>
-            <a:spLocks noGrp="1"/>
-          </p:cNvSpPr>
-          <p:nvPr>
-            <p:ph type="title"/>
-          </p:nvPr>
-        </p:nvSpPr>
-        <p:spPr/>
-        <p:txBody>
-          <a:bodyPr>
-            <a:normAutofit/>
-          </a:bodyPr>
-          <a:lstStyle/>
-          <a:p>
-            <a:r>
-              <a:rPr lang="en-GB" b="0" dirty="0" smtClean="0">
-                <a:latin typeface="Cachet Pro Medium" pitchFamily="34" charset="0"/>
-              </a:rPr>
-              <a:t>What is </a:t>
-            </a:r>
-            <a:r>
-              <a:rPr lang="en-GB" b="0" i="1" dirty="0" smtClean="0">
-                <a:latin typeface="Cachet Pro Medium" pitchFamily="34" charset="0"/>
-              </a:rPr>
-              <a:t>build</a:t>
-            </a:r>
-            <a:r>
-              <a:rPr lang="en-GB" b="0" dirty="0" smtClean="0">
-                <a:latin typeface="Cachet Pro Medium" pitchFamily="34" charset="0"/>
-              </a:rPr>
-              <a:t>?</a:t>
-            </a:r>
-            <a:endParaRPr lang="en-GB" b="0" dirty="0">
-              <a:latin typeface="Cachet Pro Medium" pitchFamily="34" charset="0"/>
-            </a:endParaRPr>
-          </a:p>
-        </p:txBody>
-      </p:sp>
-      <p:sp>
-        <p:nvSpPr>
-          <p:cNvPr id="3" name="Content Placeholder 2"/>
-          <p:cNvSpPr>
-            <a:spLocks noGrp="1"/>
-          </p:cNvSpPr>
-          <p:nvPr>
-            <p:ph idx="1"/>
-          </p:nvPr>
-        </p:nvSpPr>
-        <p:spPr/>
-        <p:txBody>
-          <a:bodyPr/>
-          <a:lstStyle/>
-          <a:p>
-            <a:r>
-              <a:rPr lang="en-GB" sz="2800" dirty="0" smtClean="0">
-                <a:latin typeface="Cachet Pro Book" pitchFamily="34" charset="0"/>
-              </a:rPr>
-              <a:t>For application code = compile</a:t>
-            </a:r>
-          </a:p>
-          <a:p>
-            <a:r>
-              <a:rPr lang="en-GB" sz="2800" dirty="0" smtClean="0">
-                <a:latin typeface="Cachet Pro Book" pitchFamily="34" charset="0"/>
-              </a:rPr>
-              <a:t>For database code</a:t>
-            </a:r>
-            <a:r>
-              <a:rPr lang="en-GB" sz="2800" dirty="0">
-                <a:latin typeface="Cachet Pro Book" pitchFamily="34" charset="0"/>
-              </a:rPr>
-              <a:t> </a:t>
-            </a:r>
-            <a:r>
-              <a:rPr lang="en-GB" sz="2800" dirty="0" smtClean="0">
-                <a:latin typeface="Cachet Pro Book" pitchFamily="34" charset="0"/>
-              </a:rPr>
-              <a:t>= database creation script </a:t>
-            </a:r>
-          </a:p>
-          <a:p>
-            <a:pPr lvl="1"/>
-            <a:r>
-              <a:rPr lang="en-GB" sz="2800" dirty="0" smtClean="0">
-                <a:latin typeface="Cachet Pro Book" pitchFamily="34" charset="0"/>
-              </a:rPr>
-              <a:t>But only for a new installation!</a:t>
-            </a:r>
-          </a:p>
-          <a:p>
-            <a:pPr lvl="1"/>
-            <a:r>
-              <a:rPr lang="en-GB" sz="2600" dirty="0" smtClean="0">
-                <a:latin typeface="Cachet Pro Book" pitchFamily="34" charset="0"/>
-              </a:rPr>
-              <a:t>Upgrade scripts required for </a:t>
-            </a:r>
-            <a:r>
-              <a:rPr lang="en-GB" sz="2600" b="1" i="1" dirty="0" smtClean="0">
-                <a:latin typeface="Cachet Pro Book" pitchFamily="34" charset="0"/>
-              </a:rPr>
-              <a:t>existing </a:t>
-            </a:r>
-            <a:r>
-              <a:rPr lang="en-GB" sz="2600" dirty="0" smtClean="0">
-                <a:latin typeface="Cachet Pro Book" pitchFamily="34" charset="0"/>
-              </a:rPr>
-              <a:t>installations</a:t>
-            </a:r>
-          </a:p>
-          <a:p>
-            <a:pPr lvl="1"/>
-            <a:r>
-              <a:rPr lang="en-GB" sz="2800" dirty="0" smtClean="0">
-                <a:latin typeface="Cachet Pro Book" pitchFamily="34" charset="0"/>
-              </a:rPr>
-              <a:t>Need to preserve the state of the data</a:t>
-            </a:r>
-            <a:endParaRPr lang="en-GB" sz="2800" dirty="0">
-              <a:latin typeface="Cachet Pro Book" pitchFamily="34" charset="0"/>
-            </a:endParaRPr>
-          </a:p>
-        </p:txBody>
-      </p:sp>
-    </p:spTree>
-    <p:extLst>
-      <p:ext uri="{BB962C8B-B14F-4D97-AF65-F5344CB8AC3E}">
-        <p14:creationId xmlns:p14="http://schemas.microsoft.com/office/powerpoint/2010/main" val="435713486"/>
-      </p:ext>
-    </p:extLst>
-  </p:cSld>
-  <p:clrMapOvr>
-    <a:masterClrMapping/>
-  </p:clrMapOvr>
-  <mc:AlternateContent xmlns:mc="http://schemas.openxmlformats.org/markup-compatibility/2006">
-    <mc:Choice xmlns:p14="http://schemas.microsoft.com/office/powerpoint/2010/main" Requires="p14">
-      <p:transition spd="slow" p14:dur="2000"/>
-    </mc:Choice>
-    <mc:Fallback>
-      <p:transition spd="slow"/>
-    </mc:Fallback>
-  </mc:AlternateContent>
-  <p:timing>
-    <p:tnLst>
-      <p:par>
-        <p:cTn id="1" dur="indefinite" restart="never" nodeType="tmRoot"/>
-      </p:par>
-    </p:tnLst>
-  </p:timing>
-</p:sld>
-</file>
-
-<file path=ppt/slides/slide8.xml><?xml version="1.0" encoding="utf-8"?>
-<p:sld xmlns:a="http://schemas.openxmlformats.org/drawingml/2006/main" xmlns:r="http://schemas.openxmlformats.org/officeDocument/2006/relationships" xmlns:p="http://schemas.openxmlformats.org/presentationml/2006/main" showMasterPhAnim="0">
-  <p:cSld>
-    <p:spTree>
-      <p:nvGrpSpPr>
-        <p:cNvPr id="1" name=""/>
-        <p:cNvGrpSpPr/>
-        <p:nvPr/>
-      </p:nvGrpSpPr>
-      <p:grpSpPr>
-        <a:xfrm>
-          <a:off x="0" y="0"/>
-          <a:ext cx="0" cy="0"/>
-          <a:chOff x="0" y="0"/>
-          <a:chExt cx="0" cy="0"/>
-        </a:xfrm>
-      </p:grpSpPr>
-      <p:sp>
-        <p:nvSpPr>
-          <p:cNvPr id="2" name="Title 1"/>
-          <p:cNvSpPr>
-            <a:spLocks noGrp="1"/>
-          </p:cNvSpPr>
-          <p:nvPr>
-            <p:ph type="title"/>
-          </p:nvPr>
-        </p:nvSpPr>
-        <p:spPr/>
-        <p:txBody>
-          <a:bodyPr/>
-          <a:lstStyle/>
-          <a:p>
-            <a:r>
-              <a:rPr lang="en-GB" b="0" dirty="0" smtClean="0">
-                <a:latin typeface="Cachet Pro Medium" pitchFamily="34" charset="0"/>
-                <a:cs typeface="Cachet Pro Bold"/>
-              </a:rPr>
-              <a:t>Tools we need</a:t>
-            </a:r>
-            <a:endParaRPr lang="en-GB" b="0" dirty="0">
-              <a:latin typeface="Cachet Pro Medium" pitchFamily="34" charset="0"/>
-              <a:cs typeface="Cachet Pro Bold"/>
-            </a:endParaRPr>
-          </a:p>
-        </p:txBody>
-      </p:sp>
-      <p:sp>
-        <p:nvSpPr>
-          <p:cNvPr id="3" name="Content Placeholder 2"/>
-          <p:cNvSpPr>
-            <a:spLocks noGrp="1"/>
-          </p:cNvSpPr>
-          <p:nvPr>
-            <p:ph idx="1"/>
-          </p:nvPr>
-        </p:nvSpPr>
-        <p:spPr>
-          <a:xfrm>
-            <a:off x="457200" y="1277258"/>
-            <a:ext cx="8229600" cy="4848906"/>
-          </a:xfrm>
-        </p:spPr>
-        <p:txBody>
-          <a:bodyPr>
-            <a:normAutofit/>
-          </a:bodyPr>
-          <a:lstStyle/>
-          <a:p>
-            <a:r>
-              <a:rPr lang="en-GB" sz="2800" b="0" dirty="0" smtClean="0">
-                <a:latin typeface="Cachet Pro Book" pitchFamily="34" charset="0"/>
-                <a:cs typeface="Cachet Pro Book"/>
-              </a:rPr>
-              <a:t>CI server</a:t>
-            </a:r>
-          </a:p>
-          <a:p>
-            <a:pPr lvl="1"/>
-            <a:r>
-              <a:rPr lang="en-GB" sz="2600" b="0" dirty="0" smtClean="0">
-                <a:latin typeface="Cachet Pro Book" pitchFamily="34" charset="0"/>
-                <a:cs typeface="Cachet Pro Book"/>
-              </a:rPr>
-              <a:t>Perform the build for us </a:t>
-            </a:r>
-          </a:p>
-          <a:p>
-            <a:pPr lvl="1"/>
-            <a:r>
-              <a:rPr lang="en-GB" sz="2600" dirty="0" smtClean="0">
-                <a:latin typeface="Cachet Pro Book" pitchFamily="34" charset="0"/>
-                <a:cs typeface="Cachet Pro Book"/>
-              </a:rPr>
-              <a:t>Execute steps we program</a:t>
-            </a:r>
-            <a:endParaRPr lang="en-GB" sz="2600" b="0" dirty="0" smtClean="0">
-              <a:latin typeface="Cachet Pro Book" pitchFamily="34" charset="0"/>
-              <a:cs typeface="Cachet Pro Book"/>
-            </a:endParaRPr>
-          </a:p>
-          <a:p>
-            <a:r>
-              <a:rPr lang="en-GB" sz="2800" b="0" dirty="0" smtClean="0">
-                <a:latin typeface="Cachet Pro Book" pitchFamily="34" charset="0"/>
-                <a:cs typeface="Cachet Pro Book"/>
-              </a:rPr>
-              <a:t>Choices</a:t>
-            </a:r>
-            <a:endParaRPr lang="en-GB" sz="2800" b="0" dirty="0">
-              <a:latin typeface="Cachet Pro Book" pitchFamily="34" charset="0"/>
-              <a:cs typeface="Cachet Pro Book"/>
-            </a:endParaRPr>
-          </a:p>
-          <a:p>
-            <a:pPr lvl="1"/>
-            <a:r>
-              <a:rPr lang="en-GB" sz="2600" dirty="0" err="1" smtClean="0">
-                <a:latin typeface="Cachet Pro Book" pitchFamily="34" charset="0"/>
-                <a:cs typeface="Cachet Pro Book"/>
-                <a:hlinkClick r:id="rId3"/>
-              </a:rPr>
-              <a:t>TeamCity</a:t>
-            </a:r>
-            <a:r>
-              <a:rPr lang="en-GB" sz="2600" dirty="0" smtClean="0">
-                <a:latin typeface="Cachet Pro Book" pitchFamily="34" charset="0"/>
-                <a:cs typeface="Cachet Pro Book"/>
-                <a:hlinkClick r:id="rId3"/>
-              </a:rPr>
-              <a:t> </a:t>
-            </a:r>
-            <a:r>
-              <a:rPr lang="en-GB" sz="2600" dirty="0" smtClean="0">
-                <a:latin typeface="Cachet Pro Book" pitchFamily="34" charset="0"/>
-                <a:cs typeface="Cachet Pro Book"/>
-              </a:rPr>
-              <a:t>by </a:t>
-            </a:r>
-            <a:r>
-              <a:rPr lang="en-GB" sz="2600" dirty="0" err="1" smtClean="0">
-                <a:latin typeface="Cachet Pro Book" pitchFamily="34" charset="0"/>
-                <a:cs typeface="Cachet Pro Book"/>
-              </a:rPr>
-              <a:t>JetBrains</a:t>
-            </a:r>
-            <a:endParaRPr lang="en-GB" sz="2600" dirty="0" smtClean="0">
-              <a:latin typeface="Cachet Pro Book" pitchFamily="34" charset="0"/>
-              <a:cs typeface="Cachet Pro Book"/>
-            </a:endParaRPr>
-          </a:p>
-          <a:p>
-            <a:pPr lvl="1"/>
-            <a:r>
-              <a:rPr lang="en-GB" sz="2600" dirty="0" smtClean="0">
-                <a:latin typeface="Cachet Pro Book" pitchFamily="34" charset="0"/>
-                <a:cs typeface="Cachet Pro Book"/>
-                <a:hlinkClick r:id="rId4"/>
-              </a:rPr>
-              <a:t>Jenkins </a:t>
-            </a:r>
-            <a:r>
-              <a:rPr lang="en-GB" sz="2600" dirty="0" smtClean="0">
-                <a:latin typeface="Cachet Pro Book" pitchFamily="34" charset="0"/>
-                <a:cs typeface="Cachet Pro Book"/>
-              </a:rPr>
-              <a:t>– open source</a:t>
-            </a:r>
-          </a:p>
-          <a:p>
-            <a:pPr lvl="1"/>
-            <a:r>
-              <a:rPr lang="en-GB" sz="2600" b="0" dirty="0" smtClean="0">
-                <a:latin typeface="Cachet Pro Book" pitchFamily="34" charset="0"/>
-                <a:cs typeface="Cachet Pro Book"/>
-                <a:hlinkClick r:id="rId5"/>
-              </a:rPr>
-              <a:t>Bamboo </a:t>
-            </a:r>
-            <a:r>
-              <a:rPr lang="en-GB" sz="2600" b="0" dirty="0" smtClean="0">
-                <a:latin typeface="Cachet Pro Book" pitchFamily="34" charset="0"/>
-                <a:cs typeface="Cachet Pro Book"/>
-              </a:rPr>
-              <a:t>– </a:t>
-            </a:r>
-            <a:r>
-              <a:rPr lang="en-GB" sz="2600" b="0" dirty="0" err="1" smtClean="0">
-                <a:latin typeface="Cachet Pro Book" pitchFamily="34" charset="0"/>
-                <a:cs typeface="Cachet Pro Book"/>
-              </a:rPr>
-              <a:t>Atlassian</a:t>
-            </a:r>
-            <a:endParaRPr lang="en-GB" sz="2600" b="0" dirty="0" smtClean="0">
-              <a:latin typeface="Cachet Pro Book" pitchFamily="34" charset="0"/>
-              <a:cs typeface="Cachet Pro Book"/>
-            </a:endParaRPr>
-          </a:p>
-          <a:p>
-            <a:pPr lvl="1" algn="just"/>
-            <a:r>
-              <a:rPr lang="en-GB" sz="2600" dirty="0" smtClean="0">
-                <a:latin typeface="Cachet Pro Book" pitchFamily="34" charset="0"/>
-                <a:cs typeface="Cachet Pro Book"/>
-                <a:hlinkClick r:id="rId6"/>
-              </a:rPr>
-              <a:t>TFS Build</a:t>
-            </a:r>
-            <a:r>
-              <a:rPr lang="en-GB" sz="2600" dirty="0" smtClean="0">
-                <a:latin typeface="Cachet Pro Book" pitchFamily="34" charset="0"/>
-                <a:cs typeface="Cachet Pro Book"/>
-              </a:rPr>
-              <a:t> - Microsoft</a:t>
-            </a:r>
-            <a:endParaRPr lang="en-GB" sz="2600" b="0" dirty="0" smtClean="0">
-              <a:latin typeface="Cachet Pro Book" pitchFamily="34" charset="0"/>
-              <a:cs typeface="Cachet Pro Book"/>
-            </a:endParaRPr>
-          </a:p>
-          <a:p>
-            <a:pPr lvl="1"/>
-            <a:r>
-              <a:rPr lang="en-GB" sz="2600" dirty="0" smtClean="0">
-                <a:latin typeface="Cachet Pro Book" pitchFamily="34" charset="0"/>
-                <a:cs typeface="Cachet Pro Book"/>
-                <a:hlinkClick r:id="rId7"/>
-              </a:rPr>
-              <a:t>Cruise Control </a:t>
-            </a:r>
-            <a:r>
-              <a:rPr lang="en-GB" sz="2600" dirty="0" smtClean="0">
-                <a:latin typeface="Cachet Pro Book" pitchFamily="34" charset="0"/>
-                <a:cs typeface="Cachet Pro Book"/>
-              </a:rPr>
-              <a:t>– open source</a:t>
-            </a:r>
-            <a:endParaRPr lang="en-GB" sz="2600" b="0" dirty="0" smtClean="0">
-              <a:latin typeface="Cachet Pro Book" pitchFamily="34" charset="0"/>
-              <a:cs typeface="Cachet Pro Book"/>
-            </a:endParaRPr>
-          </a:p>
-        </p:txBody>
-      </p:sp>
-    </p:spTree>
-    <p:extLst>
-      <p:ext uri="{BB962C8B-B14F-4D97-AF65-F5344CB8AC3E}">
-        <p14:creationId xmlns:p14="http://schemas.microsoft.com/office/powerpoint/2010/main" val="3795111066"/>
-      </p:ext>
-    </p:extLst>
-  </p:cSld>
-  <p:clrMapOvr>
-    <a:masterClrMapping/>
-  </p:clrMapOvr>
-  <mc:AlternateContent xmlns:mc="http://schemas.openxmlformats.org/markup-compatibility/2006">
-    <mc:Choice xmlns:p14="http://schemas.microsoft.com/office/powerpoint/2010/main" Requires="p14">
-      <p:transition spd="slow" p14:dur="2000"/>
-    </mc:Choice>
-    <mc:Fallback>
-      <p:transition spd="slow"/>
-    </mc:Fallback>
-  </mc:AlternateContent>
-  <p:timing>
-    <p:tnLst>
-      <p:par>
-        <p:cTn id="1" dur="indefinite" restart="never" nodeType="tmRoot"/>
-      </p:par>
-    </p:tnLst>
-  </p:timing>
-</p:sld>
-</file>
-
-<file path=ppt/slides/slide9.xml><?xml version="1.0" encoding="utf-8"?>
-<p:sld xmlns:a="http://schemas.openxmlformats.org/drawingml/2006/main" xmlns:r="http://schemas.openxmlformats.org/officeDocument/2006/relationships" xmlns:p="http://schemas.openxmlformats.org/presentationml/2006/main" showMasterPhAnim="0">
-  <p:cSld>
-    <p:spTree>
-      <p:nvGrpSpPr>
-        <p:cNvPr id="1" name=""/>
-        <p:cNvGrpSpPr/>
-        <p:nvPr/>
-      </p:nvGrpSpPr>
-      <p:grpSpPr>
-        <a:xfrm>
-          <a:off x="0" y="0"/>
-          <a:ext cx="0" cy="0"/>
-          <a:chOff x="0" y="0"/>
-          <a:chExt cx="0" cy="0"/>
-        </a:xfrm>
-      </p:grpSpPr>
-      <p:sp>
-        <p:nvSpPr>
-          <p:cNvPr id="2" name="Title 1"/>
-          <p:cNvSpPr>
-            <a:spLocks noGrp="1"/>
-          </p:cNvSpPr>
-          <p:nvPr>
-            <p:ph type="title"/>
-          </p:nvPr>
-        </p:nvSpPr>
-        <p:spPr/>
-        <p:txBody>
-          <a:bodyPr/>
-          <a:lstStyle/>
-          <a:p>
-            <a:r>
-              <a:rPr lang="en-GB" b="0" dirty="0" smtClean="0">
-                <a:latin typeface="Cachet Pro Medium" pitchFamily="34" charset="0"/>
-                <a:cs typeface="Cachet Pro Bold"/>
-              </a:rPr>
-              <a:t>Tools we need</a:t>
-            </a:r>
-            <a:endParaRPr lang="en-GB" b="0" dirty="0">
-              <a:latin typeface="Cachet Pro Medium" pitchFamily="34" charset="0"/>
-              <a:cs typeface="Cachet Pro Bold"/>
-            </a:endParaRPr>
-          </a:p>
-        </p:txBody>
-      </p:sp>
-      <p:sp>
-        <p:nvSpPr>
-          <p:cNvPr id="3" name="Content Placeholder 2"/>
-          <p:cNvSpPr>
-            <a:spLocks noGrp="1"/>
-          </p:cNvSpPr>
-          <p:nvPr>
-            <p:ph idx="1"/>
-          </p:nvPr>
-        </p:nvSpPr>
-        <p:spPr>
-          <a:xfrm>
-            <a:off x="457200" y="1277258"/>
-            <a:ext cx="8229600" cy="4848906"/>
-          </a:xfrm>
-        </p:spPr>
-        <p:txBody>
-          <a:bodyPr>
-            <a:normAutofit/>
-          </a:bodyPr>
-          <a:lstStyle/>
-          <a:p>
-            <a:r>
-              <a:rPr lang="en-GB" sz="2800" b="0" dirty="0">
-                <a:latin typeface="Cachet Pro Book" pitchFamily="34" charset="0"/>
-                <a:cs typeface="Cachet Pro Book"/>
-              </a:rPr>
-              <a:t>CI server</a:t>
-            </a:r>
-          </a:p>
-          <a:p>
-            <a:pPr lvl="1"/>
-            <a:r>
-              <a:rPr lang="en-GB" sz="2600" dirty="0">
-                <a:latin typeface="Cachet Pro Book" pitchFamily="34" charset="0"/>
-                <a:cs typeface="Cachet Pro Book"/>
-              </a:rPr>
-              <a:t>Perform the build for us </a:t>
-            </a:r>
-          </a:p>
-          <a:p>
-            <a:pPr lvl="1"/>
-            <a:r>
-              <a:rPr lang="en-GB" sz="2600" dirty="0">
-                <a:latin typeface="Cachet Pro Book" pitchFamily="34" charset="0"/>
-                <a:cs typeface="Cachet Pro Book"/>
-              </a:rPr>
-              <a:t>Execute steps we program</a:t>
-            </a:r>
-          </a:p>
-          <a:p>
-            <a:r>
-              <a:rPr lang="en-GB" sz="2800" b="0" dirty="0" smtClean="0">
-                <a:latin typeface="Cachet Pro Book" pitchFamily="34" charset="0"/>
-                <a:cs typeface="Cachet Pro Book"/>
-              </a:rPr>
-              <a:t>Choices </a:t>
-            </a:r>
-            <a:endParaRPr lang="en-GB" sz="2800" b="0" dirty="0">
-              <a:latin typeface="Cachet Pro Book" pitchFamily="34" charset="0"/>
-              <a:cs typeface="Cachet Pro Book"/>
-            </a:endParaRPr>
-          </a:p>
-          <a:p>
-            <a:pPr lvl="1"/>
-            <a:r>
-              <a:rPr lang="en-GB" sz="2600" b="1" dirty="0" err="1" smtClean="0">
-                <a:latin typeface="Cachet Pro Book" pitchFamily="34" charset="0"/>
-                <a:cs typeface="Cachet Pro Book"/>
-                <a:hlinkClick r:id="rId3"/>
-              </a:rPr>
-              <a:t>TeamCity</a:t>
-            </a:r>
-            <a:r>
-              <a:rPr lang="en-GB" sz="2600" b="1" dirty="0" smtClean="0">
-                <a:latin typeface="Cachet Pro Book" pitchFamily="34" charset="0"/>
-                <a:cs typeface="Cachet Pro Book"/>
-                <a:hlinkClick r:id="rId3"/>
-              </a:rPr>
-              <a:t> </a:t>
-            </a:r>
-            <a:r>
-              <a:rPr lang="en-GB" sz="2600" b="1" dirty="0" smtClean="0">
-                <a:latin typeface="Cachet Pro Book" pitchFamily="34" charset="0"/>
-                <a:cs typeface="Cachet Pro Book"/>
-              </a:rPr>
-              <a:t>by </a:t>
-            </a:r>
-            <a:r>
-              <a:rPr lang="en-GB" sz="2600" b="1" dirty="0" err="1" smtClean="0">
-                <a:latin typeface="Cachet Pro Book" pitchFamily="34" charset="0"/>
-                <a:cs typeface="Cachet Pro Book"/>
-              </a:rPr>
-              <a:t>JetBrains</a:t>
-            </a:r>
-            <a:endParaRPr lang="en-GB" sz="2600" b="1" dirty="0" smtClean="0">
-              <a:latin typeface="Cachet Pro Book" pitchFamily="34" charset="0"/>
-              <a:cs typeface="Cachet Pro Book"/>
-            </a:endParaRPr>
-          </a:p>
-          <a:p>
-            <a:pPr lvl="1"/>
-            <a:r>
-              <a:rPr lang="en-GB" sz="2600" dirty="0" smtClean="0">
-                <a:latin typeface="Cachet Pro Book" pitchFamily="34" charset="0"/>
-                <a:cs typeface="Cachet Pro Book"/>
-                <a:hlinkClick r:id="rId4"/>
-              </a:rPr>
-              <a:t>Jenkins </a:t>
-            </a:r>
-            <a:r>
-              <a:rPr lang="en-GB" sz="2600" dirty="0" smtClean="0">
-                <a:latin typeface="Cachet Pro Book" pitchFamily="34" charset="0"/>
-                <a:cs typeface="Cachet Pro Book"/>
-              </a:rPr>
-              <a:t>– open source</a:t>
-            </a:r>
-          </a:p>
-          <a:p>
-            <a:pPr lvl="1"/>
-            <a:r>
-              <a:rPr lang="en-GB" sz="2600" b="0" dirty="0" smtClean="0">
-                <a:latin typeface="Cachet Pro Book" pitchFamily="34" charset="0"/>
-                <a:cs typeface="Cachet Pro Book"/>
-                <a:hlinkClick r:id="rId5"/>
-              </a:rPr>
-              <a:t>Bamboo </a:t>
-            </a:r>
-            <a:r>
-              <a:rPr lang="en-GB" sz="2600" b="0" dirty="0" smtClean="0">
-                <a:latin typeface="Cachet Pro Book" pitchFamily="34" charset="0"/>
-                <a:cs typeface="Cachet Pro Book"/>
-              </a:rPr>
-              <a:t>– </a:t>
-            </a:r>
-            <a:r>
-              <a:rPr lang="en-GB" sz="2600" b="0" dirty="0" err="1" smtClean="0">
-                <a:latin typeface="Cachet Pro Book" pitchFamily="34" charset="0"/>
-                <a:cs typeface="Cachet Pro Book"/>
-              </a:rPr>
-              <a:t>Atlassian</a:t>
-            </a:r>
-            <a:endParaRPr lang="en-GB" sz="2600" b="0" dirty="0" smtClean="0">
-              <a:latin typeface="Cachet Pro Book" pitchFamily="34" charset="0"/>
-              <a:cs typeface="Cachet Pro Book"/>
-            </a:endParaRPr>
-          </a:p>
-          <a:p>
-            <a:pPr lvl="1"/>
-            <a:r>
-              <a:rPr lang="en-GB" sz="2600" dirty="0">
-                <a:latin typeface="Cachet Pro Book" pitchFamily="34" charset="0"/>
-                <a:cs typeface="Cachet Pro Book"/>
-                <a:hlinkClick r:id="rId6"/>
-              </a:rPr>
-              <a:t>TFS Build</a:t>
-            </a:r>
-            <a:r>
-              <a:rPr lang="en-GB" sz="2600" dirty="0">
-                <a:latin typeface="Cachet Pro Book" pitchFamily="34" charset="0"/>
-                <a:cs typeface="Cachet Pro Book"/>
-              </a:rPr>
-              <a:t> - </a:t>
-            </a:r>
-            <a:r>
-              <a:rPr lang="en-GB" sz="2600" dirty="0" smtClean="0">
-                <a:latin typeface="Cachet Pro Book" pitchFamily="34" charset="0"/>
-                <a:cs typeface="Cachet Pro Book"/>
-              </a:rPr>
-              <a:t>Microsoft</a:t>
-            </a:r>
-            <a:endParaRPr lang="en-GB" sz="2600" b="0" dirty="0" smtClean="0">
-              <a:latin typeface="Cachet Pro Book" pitchFamily="34" charset="0"/>
-              <a:cs typeface="Cachet Pro Book"/>
-            </a:endParaRPr>
-          </a:p>
-          <a:p>
-            <a:pPr lvl="1"/>
-            <a:r>
-              <a:rPr lang="en-GB" sz="2600" dirty="0" smtClean="0">
-                <a:latin typeface="Cachet Pro Book" pitchFamily="34" charset="0"/>
-                <a:cs typeface="Cachet Pro Book"/>
-                <a:hlinkClick r:id="rId7"/>
-              </a:rPr>
-              <a:t>Cruise Control </a:t>
-            </a:r>
-            <a:r>
-              <a:rPr lang="en-GB" sz="2600" dirty="0" smtClean="0">
-                <a:latin typeface="Cachet Pro Book" pitchFamily="34" charset="0"/>
-                <a:cs typeface="Cachet Pro Book"/>
-              </a:rPr>
-              <a:t>– open source</a:t>
-            </a:r>
-            <a:endParaRPr lang="en-GB" sz="2600" b="0" dirty="0" smtClean="0">
-              <a:latin typeface="Cachet Pro Book" pitchFamily="34" charset="0"/>
-              <a:cs typeface="Cachet Pro Book"/>
-            </a:endParaRPr>
-          </a:p>
-        </p:txBody>
-      </p:sp>
-    </p:spTree>
-    <p:extLst>
-      <p:ext uri="{BB962C8B-B14F-4D97-AF65-F5344CB8AC3E}">
-        <p14:creationId xmlns:p14="http://schemas.microsoft.com/office/powerpoint/2010/main" val="1423359967"/>
-      </p:ext>
-    </p:extLst>
-  </p:cSld>
-  <p:clrMapOvr>
-    <a:masterClrMapping/>
-  </p:clrMapOvr>
-  <mc:AlternateContent xmlns:mc="http://schemas.openxmlformats.org/markup-compatibility/2006">
-    <mc:Choice xmlns:p14="http://schemas.microsoft.com/office/powerpoint/2010/main" Requires="p14">
-      <p:transition spd="slow" p14:dur="2000"/>
-    </mc:Choice>
-    <mc:Fallback>
+    <mc:Fallback xmlns="">
       <p:transition spd="slow"/>
     </mc:Fallback>
   </mc:AlternateContent>
